--- a/presentations/Demo DoodleDebug Jan-2011.pptx
+++ b/presentations/Demo DoodleDebug Jan-2011.pptx
@@ -5,10 +5,8 @@
     <p:sldMasterId id="2147483648" r:id="rId1"/>
   </p:sldMasterIdLst>
   <p:sldIdLst>
-    <p:sldId id="257" r:id="rId2"/>
-    <p:sldId id="258" r:id="rId3"/>
-    <p:sldId id="259" r:id="rId4"/>
-    <p:sldId id="260" r:id="rId5"/>
+    <p:sldId id="258" r:id="rId2"/>
+    <p:sldId id="257" r:id="rId3"/>
   </p:sldIdLst>
   <p:sldSz cx="9144000" cy="6858000" type="screen4x3"/>
   <p:notesSz cx="6858000" cy="9144000"/>
@@ -291,7 +289,7 @@
           <a:p>
             <a:fld id="{6A105265-A4C7-4F15-877D-27CFEC0C4890}" type="datetimeFigureOut">
               <a:rPr lang="de-CH" smtClean="0"/>
-              <a:t>23.01.2012</a:t>
+              <a:t>27.01.2012</a:t>
             </a:fld>
             <a:endParaRPr lang="de-CH"/>
           </a:p>
@@ -461,7 +459,7 @@
           <a:p>
             <a:fld id="{6A105265-A4C7-4F15-877D-27CFEC0C4890}" type="datetimeFigureOut">
               <a:rPr lang="de-CH" smtClean="0"/>
-              <a:t>23.01.2012</a:t>
+              <a:t>27.01.2012</a:t>
             </a:fld>
             <a:endParaRPr lang="de-CH"/>
           </a:p>
@@ -641,7 +639,7 @@
           <a:p>
             <a:fld id="{6A105265-A4C7-4F15-877D-27CFEC0C4890}" type="datetimeFigureOut">
               <a:rPr lang="de-CH" smtClean="0"/>
-              <a:t>23.01.2012</a:t>
+              <a:t>27.01.2012</a:t>
             </a:fld>
             <a:endParaRPr lang="de-CH"/>
           </a:p>
@@ -811,7 +809,7 @@
           <a:p>
             <a:fld id="{6A105265-A4C7-4F15-877D-27CFEC0C4890}" type="datetimeFigureOut">
               <a:rPr lang="de-CH" smtClean="0"/>
-              <a:t>23.01.2012</a:t>
+              <a:t>27.01.2012</a:t>
             </a:fld>
             <a:endParaRPr lang="de-CH"/>
           </a:p>
@@ -1057,7 +1055,7 @@
           <a:p>
             <a:fld id="{6A105265-A4C7-4F15-877D-27CFEC0C4890}" type="datetimeFigureOut">
               <a:rPr lang="de-CH" smtClean="0"/>
-              <a:t>23.01.2012</a:t>
+              <a:t>27.01.2012</a:t>
             </a:fld>
             <a:endParaRPr lang="de-CH"/>
           </a:p>
@@ -1345,7 +1343,7 @@
           <a:p>
             <a:fld id="{6A105265-A4C7-4F15-877D-27CFEC0C4890}" type="datetimeFigureOut">
               <a:rPr lang="de-CH" smtClean="0"/>
-              <a:t>23.01.2012</a:t>
+              <a:t>27.01.2012</a:t>
             </a:fld>
             <a:endParaRPr lang="de-CH"/>
           </a:p>
@@ -1767,7 +1765,7 @@
           <a:p>
             <a:fld id="{6A105265-A4C7-4F15-877D-27CFEC0C4890}" type="datetimeFigureOut">
               <a:rPr lang="de-CH" smtClean="0"/>
-              <a:t>23.01.2012</a:t>
+              <a:t>27.01.2012</a:t>
             </a:fld>
             <a:endParaRPr lang="de-CH"/>
           </a:p>
@@ -1885,7 +1883,7 @@
           <a:p>
             <a:fld id="{6A105265-A4C7-4F15-877D-27CFEC0C4890}" type="datetimeFigureOut">
               <a:rPr lang="de-CH" smtClean="0"/>
-              <a:t>23.01.2012</a:t>
+              <a:t>27.01.2012</a:t>
             </a:fld>
             <a:endParaRPr lang="de-CH"/>
           </a:p>
@@ -1980,7 +1978,7 @@
           <a:p>
             <a:fld id="{6A105265-A4C7-4F15-877D-27CFEC0C4890}" type="datetimeFigureOut">
               <a:rPr lang="de-CH" smtClean="0"/>
-              <a:t>23.01.2012</a:t>
+              <a:t>27.01.2012</a:t>
             </a:fld>
             <a:endParaRPr lang="de-CH"/>
           </a:p>
@@ -2257,7 +2255,7 @@
           <a:p>
             <a:fld id="{6A105265-A4C7-4F15-877D-27CFEC0C4890}" type="datetimeFigureOut">
               <a:rPr lang="de-CH" smtClean="0"/>
-              <a:t>23.01.2012</a:t>
+              <a:t>27.01.2012</a:t>
             </a:fld>
             <a:endParaRPr lang="de-CH"/>
           </a:p>
@@ -2510,7 +2508,7 @@
           <a:p>
             <a:fld id="{6A105265-A4C7-4F15-877D-27CFEC0C4890}" type="datetimeFigureOut">
               <a:rPr lang="de-CH" smtClean="0"/>
-              <a:t>23.01.2012</a:t>
+              <a:t>27.01.2012</a:t>
             </a:fld>
             <a:endParaRPr lang="de-CH"/>
           </a:p>
@@ -2723,7 +2721,7 @@
           <a:p>
             <a:fld id="{6A105265-A4C7-4F15-877D-27CFEC0C4890}" type="datetimeFigureOut">
               <a:rPr lang="de-CH" smtClean="0"/>
-              <a:t>23.01.2012</a:t>
+              <a:t>27.01.2012</a:t>
             </a:fld>
             <a:endParaRPr lang="de-CH"/>
           </a:p>
@@ -3105,97 +3103,82 @@
             <a:spLocks noGrp="1"/>
           </p:cNvSpPr>
           <p:nvPr>
-            <p:ph type="ctrTitle"/>
-          </p:nvPr>
-        </p:nvSpPr>
-        <p:spPr>
-          <a:xfrm>
-            <a:off x="685800" y="1844824"/>
-            <a:ext cx="7772400" cy="1470025"/>
-          </a:xfrm>
-        </p:spPr>
+            <p:ph type="title"/>
+          </p:nvPr>
+        </p:nvSpPr>
+        <p:spPr/>
+        <p:txBody>
+          <a:bodyPr/>
+          <a:lstStyle/>
+          <a:p>
+            <a:endParaRPr lang="de-CH"/>
+          </a:p>
+        </p:txBody>
+      </p:sp>
+      <p:sp>
+        <p:nvSpPr>
+          <p:cNvPr id="3" name="Inhaltsplatzhalter 2"/>
+          <p:cNvSpPr>
+            <a:spLocks noGrp="1"/>
+          </p:cNvSpPr>
+          <p:nvPr>
+            <p:ph idx="1"/>
+          </p:nvPr>
+        </p:nvSpPr>
+        <p:spPr/>
         <p:txBody>
           <a:bodyPr>
             <a:normAutofit/>
           </a:bodyPr>
           <a:lstStyle/>
           <a:p>
-            <a:r>
-              <a:rPr lang="de-CH" sz="5400" b="1" dirty="0" err="1" smtClean="0"/>
-              <a:t>Visualizing</a:t>
-            </a:r>
-            <a:r>
-              <a:rPr lang="de-CH" sz="5400" b="1" dirty="0" smtClean="0"/>
-              <a:t> Objects in Java</a:t>
-            </a:r>
-            <a:endParaRPr lang="de-CH" sz="5400" b="1" dirty="0"/>
-          </a:p>
-        </p:txBody>
-      </p:sp>
-      <p:sp>
-        <p:nvSpPr>
-          <p:cNvPr id="3" name="Untertitel 2"/>
-          <p:cNvSpPr>
-            <a:spLocks noGrp="1"/>
-          </p:cNvSpPr>
-          <p:nvPr>
-            <p:ph type="subTitle" idx="1"/>
-          </p:nvPr>
-        </p:nvSpPr>
-        <p:spPr>
-          <a:xfrm>
-            <a:off x="1371600" y="3600599"/>
-            <a:ext cx="6400800" cy="1752600"/>
-          </a:xfrm>
-        </p:spPr>
-        <p:txBody>
-          <a:bodyPr/>
-          <a:lstStyle/>
-          <a:p>
-            <a:r>
-              <a:rPr lang="de-CH" dirty="0" err="1"/>
-              <a:t>b</a:t>
-            </a:r>
-            <a:r>
-              <a:rPr lang="de-CH" dirty="0" err="1" smtClean="0"/>
-              <a:t>etter</a:t>
-            </a:r>
-            <a:r>
-              <a:rPr lang="de-CH" dirty="0" smtClean="0"/>
-              <a:t> </a:t>
-            </a:r>
-            <a:r>
-              <a:rPr lang="de-CH" dirty="0" err="1" smtClean="0"/>
-              <a:t>than</a:t>
-            </a:r>
-            <a:r>
-              <a:rPr lang="de-CH" dirty="0" smtClean="0"/>
-              <a:t> </a:t>
-            </a:r>
-            <a:r>
-              <a:rPr lang="de-CH" dirty="0" err="1" smtClean="0"/>
-              <a:t>with</a:t>
-            </a:r>
-            <a:r>
-              <a:rPr lang="de-CH" dirty="0" smtClean="0"/>
-              <a:t> </a:t>
-            </a:r>
-            <a:r>
-              <a:rPr lang="de-CH" dirty="0" err="1" smtClean="0"/>
-              <a:t>toString</a:t>
-            </a:r>
-            <a:r>
-              <a:rPr lang="de-CH" dirty="0" smtClean="0"/>
-              <a:t>()</a:t>
-            </a:r>
-            <a:endParaRPr lang="de-CH" dirty="0"/>
+            <a:pPr marL="0" indent="0" algn="ctr">
+              <a:buNone/>
+            </a:pPr>
+            <a:r>
+              <a:rPr lang="de-CH" sz="9600" i="1" dirty="0" smtClean="0">
+                <a:solidFill>
+                  <a:schemeClr val="bg1">
+                    <a:lumMod val="65000"/>
+                  </a:schemeClr>
+                </a:solidFill>
+              </a:rPr>
+              <a:t>(</a:t>
+            </a:r>
+            <a:r>
+              <a:rPr lang="de-CH" sz="9600" i="1" dirty="0" err="1" smtClean="0">
+                <a:solidFill>
+                  <a:schemeClr val="bg1">
+                    <a:lumMod val="65000"/>
+                  </a:schemeClr>
+                </a:solidFill>
+              </a:rPr>
+              <a:t>demo</a:t>
+            </a:r>
+            <a:r>
+              <a:rPr lang="de-CH" sz="9600" i="1" dirty="0" smtClean="0">
+                <a:solidFill>
+                  <a:schemeClr val="bg1">
+                    <a:lumMod val="65000"/>
+                  </a:schemeClr>
+                </a:solidFill>
+              </a:rPr>
+              <a:t>)</a:t>
+            </a:r>
+            <a:endParaRPr lang="de-CH" sz="9600" i="1" dirty="0">
+              <a:solidFill>
+                <a:schemeClr val="bg1">
+                  <a:lumMod val="65000"/>
+                </a:schemeClr>
+              </a:solidFill>
+            </a:endParaRPr>
           </a:p>
         </p:txBody>
       </p:sp>
     </p:spTree>
     <p:extLst>
       <p:ext uri="{BB962C8B-B14F-4D97-AF65-F5344CB8AC3E}">
-        <p14:creationId xmlns:p14="http://schemas.microsoft.com/office/powerpoint/2010/main" val="3780655319"/>
+        <p14:creationId xmlns:p14="http://schemas.microsoft.com/office/powerpoint/2010/main" val="281791833"/>
       </p:ext>
     </p:extLst>
   </p:cSld>
@@ -3236,1190 +3219,85 @@
             <a:spLocks noGrp="1"/>
           </p:cNvSpPr>
           <p:nvPr>
-            <p:ph type="title"/>
+            <p:ph type="ctrTitle"/>
           </p:nvPr>
         </p:nvSpPr>
         <p:spPr>
           <a:xfrm>
-            <a:off x="457200" y="188640"/>
-            <a:ext cx="8229600" cy="1143000"/>
+            <a:off x="685800" y="1844824"/>
+            <a:ext cx="7772400" cy="1470025"/>
           </a:xfrm>
         </p:spPr>
         <p:txBody>
-          <a:bodyPr/>
-          <a:lstStyle/>
-          <a:p>
-            <a:r>
-              <a:rPr lang="de-CH" dirty="0" err="1" smtClean="0"/>
-              <a:t>Why</a:t>
-            </a:r>
-            <a:r>
-              <a:rPr lang="de-CH" dirty="0" smtClean="0"/>
-              <a:t>?</a:t>
-            </a:r>
-            <a:endParaRPr lang="de-CH" dirty="0"/>
-          </a:p>
-        </p:txBody>
-      </p:sp>
-      <p:sp>
-        <p:nvSpPr>
-          <p:cNvPr id="3" name="Inhaltsplatzhalter 2"/>
-          <p:cNvSpPr>
-            <a:spLocks noGrp="1"/>
-          </p:cNvSpPr>
-          <p:nvPr>
-            <p:ph idx="1"/>
+          <a:bodyPr>
+            <a:normAutofit/>
+          </a:bodyPr>
+          <a:lstStyle/>
+          <a:p>
+            <a:r>
+              <a:rPr lang="de-CH" sz="5400" b="1" dirty="0" err="1" smtClean="0"/>
+              <a:t>DoodleDebug</a:t>
+            </a:r>
+            <a:endParaRPr lang="de-CH" sz="5400" b="1" dirty="0"/>
+          </a:p>
+        </p:txBody>
+      </p:sp>
+      <p:sp>
+        <p:nvSpPr>
+          <p:cNvPr id="3" name="Untertitel 2"/>
+          <p:cNvSpPr>
+            <a:spLocks noGrp="1"/>
+          </p:cNvSpPr>
+          <p:nvPr>
+            <p:ph type="subTitle" idx="1"/>
           </p:nvPr>
         </p:nvSpPr>
         <p:spPr>
           <a:xfrm>
-            <a:off x="457200" y="1340768"/>
-            <a:ext cx="8229600" cy="4525963"/>
+            <a:off x="1403648" y="3645024"/>
+            <a:ext cx="6400800" cy="1752600"/>
           </a:xfrm>
         </p:spPr>
         <p:txBody>
           <a:bodyPr/>
           <a:lstStyle/>
           <a:p>
-            <a:pPr>
-              <a:buNone/>
-            </a:pPr>
-            <a:r>
-              <a:rPr lang="de-CH" sz="2800" dirty="0" smtClean="0"/>
-              <a:t>ArrayList </a:t>
-            </a:r>
-            <a:r>
-              <a:rPr lang="de-CH" sz="2800" dirty="0" err="1" smtClean="0"/>
-              <a:t>containing</a:t>
-            </a:r>
-            <a:r>
-              <a:rPr lang="de-CH" sz="2800" dirty="0" smtClean="0"/>
+            <a:r>
+              <a:rPr lang="de-CH" dirty="0" err="1"/>
+              <a:t>b</a:t>
+            </a:r>
+            <a:r>
+              <a:rPr lang="de-CH" dirty="0" err="1" smtClean="0"/>
+              <a:t>etter</a:t>
+            </a:r>
+            <a:r>
+              <a:rPr lang="de-CH" dirty="0" smtClean="0"/>
               <a:t> </a:t>
             </a:r>
             <a:r>
-              <a:rPr lang="de-CH" sz="2800" dirty="0" err="1" smtClean="0"/>
-              <a:t>some</a:t>
-            </a:r>
-            <a:r>
-              <a:rPr lang="de-CH" sz="2800" dirty="0" smtClean="0"/>
-              <a:t> Colors</a:t>
-            </a:r>
-          </a:p>
-          <a:p>
-            <a:pPr>
-              <a:buNone/>
-            </a:pPr>
-            <a:endParaRPr lang="de-CH" sz="1200" dirty="0"/>
-          </a:p>
-          <a:p>
-            <a:pPr>
-              <a:buNone/>
-            </a:pPr>
-            <a:r>
-              <a:rPr lang="de-CH" sz="2800" dirty="0" err="1" smtClean="0"/>
-              <a:t>Console</a:t>
-            </a:r>
-            <a:r>
-              <a:rPr lang="de-CH" sz="2800" dirty="0" smtClean="0"/>
+              <a:rPr lang="de-CH" dirty="0" err="1" smtClean="0"/>
+              <a:t>than</a:t>
+            </a:r>
+            <a:r>
+              <a:rPr lang="de-CH" dirty="0" smtClean="0"/>
               <a:t> </a:t>
             </a:r>
             <a:r>
-              <a:rPr lang="de-CH" sz="2800" dirty="0" err="1" smtClean="0"/>
-              <a:t>output</a:t>
-            </a:r>
-            <a:r>
-              <a:rPr lang="de-CH" sz="2800" dirty="0" smtClean="0"/>
-              <a:t> </a:t>
-            </a:r>
-            <a:r>
-              <a:rPr lang="de-CH" sz="2800" dirty="0" smtClean="0">
-                <a:cs typeface="Courier New" pitchFamily="49" charset="0"/>
-              </a:rPr>
-              <a:t>(</a:t>
-            </a:r>
-            <a:r>
-              <a:rPr lang="de-CH" sz="2000" i="1" dirty="0" err="1" smtClean="0">
-                <a:latin typeface="Courier New" pitchFamily="49" charset="0"/>
-                <a:cs typeface="Courier New" pitchFamily="49" charset="0"/>
-              </a:rPr>
-              <a:t>System.out.println</a:t>
-            </a:r>
-            <a:r>
-              <a:rPr lang="de-CH" sz="2000" i="1" dirty="0" smtClean="0">
-                <a:latin typeface="Courier New" pitchFamily="49" charset="0"/>
-                <a:cs typeface="Courier New" pitchFamily="49" charset="0"/>
-              </a:rPr>
-              <a:t>(</a:t>
-            </a:r>
-            <a:r>
-              <a:rPr lang="de-CH" sz="2000" i="1" dirty="0" err="1" smtClean="0">
-                <a:latin typeface="Courier New" pitchFamily="49" charset="0"/>
-                <a:cs typeface="Courier New" pitchFamily="49" charset="0"/>
-              </a:rPr>
-              <a:t>colors</a:t>
-            </a:r>
-            <a:r>
-              <a:rPr lang="de-CH" sz="2000" i="1" dirty="0" smtClean="0">
-                <a:latin typeface="Courier New" pitchFamily="49" charset="0"/>
-                <a:cs typeface="Courier New" pitchFamily="49" charset="0"/>
-              </a:rPr>
-              <a:t>);</a:t>
-            </a:r>
-            <a:r>
-              <a:rPr lang="de-CH" sz="2800" dirty="0" smtClean="0">
-                <a:cs typeface="Courier New" pitchFamily="49" charset="0"/>
-              </a:rPr>
-              <a:t>)</a:t>
-            </a:r>
-            <a:r>
-              <a:rPr lang="de-CH" sz="2800" dirty="0" smtClean="0">
-                <a:latin typeface="Courier New" pitchFamily="49" charset="0"/>
-                <a:cs typeface="Courier New" pitchFamily="49" charset="0"/>
-              </a:rPr>
-              <a:t>:</a:t>
-            </a:r>
-          </a:p>
-          <a:p>
-            <a:pPr>
-              <a:buNone/>
-            </a:pPr>
-            <a:r>
-              <a:rPr lang="de-CH" sz="1600" dirty="0" smtClean="0">
-                <a:latin typeface="Courier New" pitchFamily="49" charset="0"/>
-                <a:cs typeface="Courier New" pitchFamily="49" charset="0"/>
-              </a:rPr>
-              <a:t>[</a:t>
-            </a:r>
-            <a:r>
-              <a:rPr lang="de-CH" sz="1600" dirty="0" err="1" smtClean="0">
-                <a:latin typeface="Courier New" pitchFamily="49" charset="0"/>
-                <a:cs typeface="Courier New" pitchFamily="49" charset="0"/>
-              </a:rPr>
-              <a:t>java.awt.Color</a:t>
-            </a:r>
-            <a:r>
-              <a:rPr lang="de-CH" sz="1600" dirty="0" smtClean="0">
-                <a:latin typeface="Courier New" pitchFamily="49" charset="0"/>
-                <a:cs typeface="Courier New" pitchFamily="49" charset="0"/>
-              </a:rPr>
-              <a:t>[r=255,g=0,b=0], </a:t>
-            </a:r>
-            <a:r>
-              <a:rPr lang="de-CH" sz="1600" dirty="0" err="1" smtClean="0">
-                <a:latin typeface="Courier New" pitchFamily="49" charset="0"/>
-                <a:cs typeface="Courier New" pitchFamily="49" charset="0"/>
-              </a:rPr>
-              <a:t>java.awt.Color</a:t>
-            </a:r>
-            <a:r>
-              <a:rPr lang="de-CH" sz="1600" dirty="0" smtClean="0">
-                <a:latin typeface="Courier New" pitchFamily="49" charset="0"/>
-                <a:cs typeface="Courier New" pitchFamily="49" charset="0"/>
-              </a:rPr>
-              <a:t>[r=0,g=0,b=255], </a:t>
-            </a:r>
-            <a:r>
-              <a:rPr lang="de-CH" sz="1600" dirty="0" err="1" smtClean="0">
-                <a:latin typeface="Courier New" pitchFamily="49" charset="0"/>
-                <a:cs typeface="Courier New" pitchFamily="49" charset="0"/>
-              </a:rPr>
-              <a:t>java.awt.Color</a:t>
-            </a:r>
-            <a:r>
-              <a:rPr lang="de-CH" sz="1600" dirty="0" smtClean="0">
-                <a:latin typeface="Courier New" pitchFamily="49" charset="0"/>
-                <a:cs typeface="Courier New" pitchFamily="49" charset="0"/>
-              </a:rPr>
-              <a:t>[r=128,g=128,b=128], </a:t>
-            </a:r>
-            <a:r>
-              <a:rPr lang="de-CH" sz="1600" dirty="0" err="1" smtClean="0">
-                <a:latin typeface="Courier New" pitchFamily="49" charset="0"/>
-                <a:cs typeface="Courier New" pitchFamily="49" charset="0"/>
-              </a:rPr>
-              <a:t>java.awt.Color</a:t>
-            </a:r>
-            <a:r>
-              <a:rPr lang="de-CH" sz="1600" dirty="0" smtClean="0">
-                <a:latin typeface="Courier New" pitchFamily="49" charset="0"/>
-                <a:cs typeface="Courier New" pitchFamily="49" charset="0"/>
-              </a:rPr>
-              <a:t>[r=0,g=255,b=0], </a:t>
-            </a:r>
-            <a:r>
-              <a:rPr lang="de-CH" sz="1600" dirty="0" err="1" smtClean="0">
-                <a:latin typeface="Courier New" pitchFamily="49" charset="0"/>
-                <a:cs typeface="Courier New" pitchFamily="49" charset="0"/>
-              </a:rPr>
-              <a:t>java.awt.Color</a:t>
-            </a:r>
-            <a:r>
-              <a:rPr lang="de-CH" sz="1600" dirty="0" smtClean="0">
-                <a:latin typeface="Courier New" pitchFamily="49" charset="0"/>
-                <a:cs typeface="Courier New" pitchFamily="49" charset="0"/>
-              </a:rPr>
-              <a:t>[r=255,g=255,b=0], </a:t>
-            </a:r>
-            <a:r>
-              <a:rPr lang="de-CH" sz="1600" dirty="0" err="1" smtClean="0">
-                <a:latin typeface="Courier New" pitchFamily="49" charset="0"/>
-                <a:cs typeface="Courier New" pitchFamily="49" charset="0"/>
-              </a:rPr>
-              <a:t>java.awt.Color</a:t>
-            </a:r>
-            <a:r>
-              <a:rPr lang="de-CH" sz="1600" dirty="0" smtClean="0">
-                <a:latin typeface="Courier New" pitchFamily="49" charset="0"/>
-                <a:cs typeface="Courier New" pitchFamily="49" charset="0"/>
-              </a:rPr>
-              <a:t>[r=0,g=0,b=255]]</a:t>
-            </a:r>
-            <a:endParaRPr lang="de-CH" sz="2800" dirty="0" smtClean="0">
-              <a:latin typeface="Courier New" pitchFamily="49" charset="0"/>
-              <a:cs typeface="Courier New" pitchFamily="49" charset="0"/>
-            </a:endParaRPr>
-          </a:p>
-          <a:p>
-            <a:pPr>
-              <a:buNone/>
-            </a:pPr>
-            <a:endParaRPr lang="de-CH" sz="1200" dirty="0" smtClean="0">
-              <a:cs typeface="Courier New" pitchFamily="49" charset="0"/>
-            </a:endParaRPr>
-          </a:p>
-          <a:p>
-            <a:pPr>
-              <a:buNone/>
-            </a:pPr>
-            <a:r>
-              <a:rPr lang="de-CH" sz="2800" dirty="0" err="1" smtClean="0">
-                <a:cs typeface="Courier New" pitchFamily="49" charset="0"/>
-              </a:rPr>
-              <a:t>Possible</a:t>
-            </a:r>
-            <a:r>
-              <a:rPr lang="de-CH" sz="2800" dirty="0" smtClean="0">
-                <a:cs typeface="Courier New" pitchFamily="49" charset="0"/>
-              </a:rPr>
-              <a:t> </a:t>
-            </a:r>
-            <a:r>
-              <a:rPr lang="de-CH" sz="2800" dirty="0" err="1" smtClean="0">
-                <a:cs typeface="Courier New" pitchFamily="49" charset="0"/>
-              </a:rPr>
-              <a:t>graphical</a:t>
-            </a:r>
-            <a:r>
-              <a:rPr lang="de-CH" sz="2800" dirty="0" smtClean="0">
-                <a:cs typeface="Courier New" pitchFamily="49" charset="0"/>
-              </a:rPr>
-              <a:t> </a:t>
-            </a:r>
-            <a:r>
-              <a:rPr lang="de-CH" sz="2800" dirty="0" err="1" smtClean="0">
-                <a:cs typeface="Courier New" pitchFamily="49" charset="0"/>
-              </a:rPr>
-              <a:t>output</a:t>
-            </a:r>
-            <a:r>
-              <a:rPr lang="de-CH" sz="2800" dirty="0" smtClean="0">
-                <a:cs typeface="Courier New" pitchFamily="49" charset="0"/>
-              </a:rPr>
-              <a:t> (</a:t>
-            </a:r>
-            <a:r>
-              <a:rPr lang="de-CH" sz="2000" i="1" dirty="0" smtClean="0">
-                <a:latin typeface="Courier New" pitchFamily="49" charset="0"/>
-                <a:cs typeface="Courier New" pitchFamily="49" charset="0"/>
-              </a:rPr>
-              <a:t>D.raw(</a:t>
-            </a:r>
-            <a:r>
-              <a:rPr lang="de-CH" sz="2000" i="1" dirty="0" err="1" smtClean="0">
-                <a:latin typeface="Courier New" pitchFamily="49" charset="0"/>
-                <a:cs typeface="Courier New" pitchFamily="49" charset="0"/>
-              </a:rPr>
-              <a:t>colors</a:t>
-            </a:r>
-            <a:r>
-              <a:rPr lang="de-CH" sz="2000" i="1" dirty="0" smtClean="0">
-                <a:latin typeface="Courier New" pitchFamily="49" charset="0"/>
-                <a:cs typeface="Courier New" pitchFamily="49" charset="0"/>
-              </a:rPr>
-              <a:t>);</a:t>
-            </a:r>
-            <a:r>
-              <a:rPr lang="de-CH" sz="2800" dirty="0" smtClean="0">
-                <a:cs typeface="Courier New" pitchFamily="49" charset="0"/>
-              </a:rPr>
-              <a:t>):</a:t>
-            </a:r>
-          </a:p>
-          <a:p>
-            <a:pPr>
-              <a:buNone/>
-            </a:pPr>
-            <a:endParaRPr lang="de-CH" sz="2800" dirty="0">
-              <a:cs typeface="Courier New" pitchFamily="49" charset="0"/>
-            </a:endParaRPr>
-          </a:p>
-        </p:txBody>
-      </p:sp>
-      <p:pic>
-        <p:nvPicPr>
-          <p:cNvPr id="1026" name="Picture 2" descr="C:\Users\Reichenbach Cedric\Dropbox\studium\ba\pics presentation\skizze visualization al colors Kopie.jpg"/>
-          <p:cNvPicPr>
-            <a:picLocks noChangeAspect="1" noChangeArrowheads="1"/>
-          </p:cNvPicPr>
-          <p:nvPr/>
-        </p:nvPicPr>
-        <p:blipFill>
-          <a:blip r:embed="rId2" cstate="print"/>
-          <a:srcRect l="5046" t="20236" r="15746" b="54849"/>
-          <a:stretch>
-            <a:fillRect/>
-          </a:stretch>
-        </p:blipFill>
-        <p:spPr bwMode="auto">
-          <a:xfrm>
-            <a:off x="395536" y="4293096"/>
-            <a:ext cx="8424936" cy="1656184"/>
-          </a:xfrm>
-          <a:prstGeom prst="rect">
-            <a:avLst/>
-          </a:prstGeom>
-          <a:noFill/>
-        </p:spPr>
-      </p:pic>
+              <a:rPr lang="de-CH" dirty="0" err="1" smtClean="0"/>
+              <a:t>toString</a:t>
+            </a:r>
+            <a:r>
+              <a:rPr lang="de-CH" dirty="0" smtClean="0"/>
+              <a:t>()</a:t>
+            </a:r>
+            <a:endParaRPr lang="de-CH" dirty="0"/>
+          </a:p>
+        </p:txBody>
+      </p:sp>
     </p:spTree>
     <p:extLst>
       <p:ext uri="{BB962C8B-B14F-4D97-AF65-F5344CB8AC3E}">
-        <p14:creationId xmlns:p14="http://schemas.microsoft.com/office/powerpoint/2010/main" val="2959050202"/>
-      </p:ext>
-    </p:extLst>
-  </p:cSld>
-  <p:clrMapOvr>
-    <a:masterClrMapping/>
-  </p:clrMapOvr>
-  <p:timing>
-    <p:tnLst>
-      <p:par>
-        <p:cTn id="1" dur="indefinite" restart="never" nodeType="tmRoot">
-          <p:childTnLst>
-            <p:seq concurrent="1" nextAc="seek">
-              <p:cTn id="2" dur="indefinite" nodeType="mainSeq">
-                <p:childTnLst>
-                  <p:par>
-                    <p:cTn id="3" fill="hold">
-                      <p:stCondLst>
-                        <p:cond delay="indefinite"/>
-                      </p:stCondLst>
-                      <p:childTnLst>
-                        <p:par>
-                          <p:cTn id="4" fill="hold">
-                            <p:stCondLst>
-                              <p:cond delay="0"/>
-                            </p:stCondLst>
-                            <p:childTnLst>
-                              <p:par>
-                                <p:cTn id="5" presetID="1" presetClass="entr" presetSubtype="0" fill="hold" grpId="0" nodeType="clickEffect">
-                                  <p:stCondLst>
-                                    <p:cond delay="0"/>
-                                  </p:stCondLst>
-                                  <p:childTnLst>
-                                    <p:set>
-                                      <p:cBhvr>
-                                        <p:cTn id="6" dur="1" fill="hold">
-                                          <p:stCondLst>
-                                            <p:cond delay="0"/>
-                                          </p:stCondLst>
-                                        </p:cTn>
-                                        <p:tgtEl>
-                                          <p:spTgt spid="3">
-                                            <p:txEl>
-                                              <p:pRg st="0" end="0"/>
-                                            </p:txEl>
-                                          </p:spTgt>
-                                        </p:tgtEl>
-                                        <p:attrNameLst>
-                                          <p:attrName>style.visibility</p:attrName>
-                                        </p:attrNameLst>
-                                      </p:cBhvr>
-                                      <p:to>
-                                        <p:strVal val="visible"/>
-                                      </p:to>
-                                    </p:set>
-                                  </p:childTnLst>
-                                </p:cTn>
-                              </p:par>
-                            </p:childTnLst>
-                          </p:cTn>
-                        </p:par>
-                      </p:childTnLst>
-                    </p:cTn>
-                  </p:par>
-                  <p:par>
-                    <p:cTn id="7" fill="hold">
-                      <p:stCondLst>
-                        <p:cond delay="indefinite"/>
-                      </p:stCondLst>
-                      <p:childTnLst>
-                        <p:par>
-                          <p:cTn id="8" fill="hold">
-                            <p:stCondLst>
-                              <p:cond delay="0"/>
-                            </p:stCondLst>
-                            <p:childTnLst>
-                              <p:par>
-                                <p:cTn id="9" presetID="1" presetClass="entr" presetSubtype="0" fill="hold" grpId="0" nodeType="clickEffect">
-                                  <p:stCondLst>
-                                    <p:cond delay="0"/>
-                                  </p:stCondLst>
-                                  <p:childTnLst>
-                                    <p:set>
-                                      <p:cBhvr>
-                                        <p:cTn id="10" dur="1" fill="hold">
-                                          <p:stCondLst>
-                                            <p:cond delay="0"/>
-                                          </p:stCondLst>
-                                        </p:cTn>
-                                        <p:tgtEl>
-                                          <p:spTgt spid="3">
-                                            <p:txEl>
-                                              <p:pRg st="2" end="2"/>
-                                            </p:txEl>
-                                          </p:spTgt>
-                                        </p:tgtEl>
-                                        <p:attrNameLst>
-                                          <p:attrName>style.visibility</p:attrName>
-                                        </p:attrNameLst>
-                                      </p:cBhvr>
-                                      <p:to>
-                                        <p:strVal val="visible"/>
-                                      </p:to>
-                                    </p:set>
-                                  </p:childTnLst>
-                                </p:cTn>
-                              </p:par>
-                            </p:childTnLst>
-                          </p:cTn>
-                        </p:par>
-                      </p:childTnLst>
-                    </p:cTn>
-                  </p:par>
-                  <p:par>
-                    <p:cTn id="11" fill="hold">
-                      <p:stCondLst>
-                        <p:cond delay="indefinite"/>
-                      </p:stCondLst>
-                      <p:childTnLst>
-                        <p:par>
-                          <p:cTn id="12" fill="hold">
-                            <p:stCondLst>
-                              <p:cond delay="0"/>
-                            </p:stCondLst>
-                            <p:childTnLst>
-                              <p:par>
-                                <p:cTn id="13" presetID="1" presetClass="entr" presetSubtype="0" fill="hold" grpId="0" nodeType="clickEffect">
-                                  <p:stCondLst>
-                                    <p:cond delay="0"/>
-                                  </p:stCondLst>
-                                  <p:childTnLst>
-                                    <p:set>
-                                      <p:cBhvr>
-                                        <p:cTn id="14" dur="1" fill="hold">
-                                          <p:stCondLst>
-                                            <p:cond delay="0"/>
-                                          </p:stCondLst>
-                                        </p:cTn>
-                                        <p:tgtEl>
-                                          <p:spTgt spid="3">
-                                            <p:txEl>
-                                              <p:pRg st="3" end="3"/>
-                                            </p:txEl>
-                                          </p:spTgt>
-                                        </p:tgtEl>
-                                        <p:attrNameLst>
-                                          <p:attrName>style.visibility</p:attrName>
-                                        </p:attrNameLst>
-                                      </p:cBhvr>
-                                      <p:to>
-                                        <p:strVal val="visible"/>
-                                      </p:to>
-                                    </p:set>
-                                  </p:childTnLst>
-                                </p:cTn>
-                              </p:par>
-                            </p:childTnLst>
-                          </p:cTn>
-                        </p:par>
-                      </p:childTnLst>
-                    </p:cTn>
-                  </p:par>
-                  <p:par>
-                    <p:cTn id="15" fill="hold">
-                      <p:stCondLst>
-                        <p:cond delay="indefinite"/>
-                      </p:stCondLst>
-                      <p:childTnLst>
-                        <p:par>
-                          <p:cTn id="16" fill="hold">
-                            <p:stCondLst>
-                              <p:cond delay="0"/>
-                            </p:stCondLst>
-                            <p:childTnLst>
-                              <p:par>
-                                <p:cTn id="17" presetID="1" presetClass="entr" presetSubtype="0" fill="hold" grpId="0" nodeType="clickEffect">
-                                  <p:stCondLst>
-                                    <p:cond delay="0"/>
-                                  </p:stCondLst>
-                                  <p:childTnLst>
-                                    <p:set>
-                                      <p:cBhvr>
-                                        <p:cTn id="18" dur="1" fill="hold">
-                                          <p:stCondLst>
-                                            <p:cond delay="0"/>
-                                          </p:stCondLst>
-                                        </p:cTn>
-                                        <p:tgtEl>
-                                          <p:spTgt spid="3">
-                                            <p:txEl>
-                                              <p:pRg st="5" end="5"/>
-                                            </p:txEl>
-                                          </p:spTgt>
-                                        </p:tgtEl>
-                                        <p:attrNameLst>
-                                          <p:attrName>style.visibility</p:attrName>
-                                        </p:attrNameLst>
-                                      </p:cBhvr>
-                                      <p:to>
-                                        <p:strVal val="visible"/>
-                                      </p:to>
-                                    </p:set>
-                                  </p:childTnLst>
-                                </p:cTn>
-                              </p:par>
-                            </p:childTnLst>
-                          </p:cTn>
-                        </p:par>
-                      </p:childTnLst>
-                    </p:cTn>
-                  </p:par>
-                  <p:par>
-                    <p:cTn id="19" fill="hold">
-                      <p:stCondLst>
-                        <p:cond delay="indefinite"/>
-                      </p:stCondLst>
-                      <p:childTnLst>
-                        <p:par>
-                          <p:cTn id="20" fill="hold">
-                            <p:stCondLst>
-                              <p:cond delay="0"/>
-                            </p:stCondLst>
-                            <p:childTnLst>
-                              <p:par>
-                                <p:cTn id="21" presetID="1" presetClass="entr" presetSubtype="0" fill="hold" nodeType="clickEffect">
-                                  <p:stCondLst>
-                                    <p:cond delay="0"/>
-                                  </p:stCondLst>
-                                  <p:childTnLst>
-                                    <p:set>
-                                      <p:cBhvr>
-                                        <p:cTn id="22" dur="1" fill="hold">
-                                          <p:stCondLst>
-                                            <p:cond delay="0"/>
-                                          </p:stCondLst>
-                                        </p:cTn>
-                                        <p:tgtEl>
-                                          <p:spTgt spid="1026"/>
-                                        </p:tgtEl>
-                                        <p:attrNameLst>
-                                          <p:attrName>style.visibility</p:attrName>
-                                        </p:attrNameLst>
-                                      </p:cBhvr>
-                                      <p:to>
-                                        <p:strVal val="visible"/>
-                                      </p:to>
-                                    </p:set>
-                                  </p:childTnLst>
-                                </p:cTn>
-                              </p:par>
-                            </p:childTnLst>
-                          </p:cTn>
-                        </p:par>
-                      </p:childTnLst>
-                    </p:cTn>
-                  </p:par>
-                </p:childTnLst>
-              </p:cTn>
-              <p:prevCondLst>
-                <p:cond evt="onPrev" delay="0">
-                  <p:tgtEl>
-                    <p:sldTgt/>
-                  </p:tgtEl>
-                </p:cond>
-              </p:prevCondLst>
-              <p:nextCondLst>
-                <p:cond evt="onNext" delay="0">
-                  <p:tgtEl>
-                    <p:sldTgt/>
-                  </p:tgtEl>
-                </p:cond>
-              </p:nextCondLst>
-            </p:seq>
-          </p:childTnLst>
-        </p:cTn>
-      </p:par>
-    </p:tnLst>
-    <p:bldLst>
-      <p:bldP spid="3" grpId="0" build="p"/>
-    </p:bldLst>
-  </p:timing>
-</p:sld>
-</file>
-
-<file path=ppt/slides/slide3.xml><?xml version="1.0" encoding="utf-8"?>
-<p:sld xmlns:a="http://schemas.openxmlformats.org/drawingml/2006/main" xmlns:r="http://schemas.openxmlformats.org/officeDocument/2006/relationships" xmlns:p="http://schemas.openxmlformats.org/presentationml/2006/main">
-  <p:cSld>
-    <p:spTree>
-      <p:nvGrpSpPr>
-        <p:cNvPr id="1" name=""/>
-        <p:cNvGrpSpPr/>
-        <p:nvPr/>
-      </p:nvGrpSpPr>
-      <p:grpSpPr>
-        <a:xfrm>
-          <a:off x="0" y="0"/>
-          <a:ext cx="0" cy="0"/>
-          <a:chOff x="0" y="0"/>
-          <a:chExt cx="0" cy="0"/>
-        </a:xfrm>
-      </p:grpSpPr>
-      <p:sp>
-        <p:nvSpPr>
-          <p:cNvPr id="2" name="Titel 1"/>
-          <p:cNvSpPr>
-            <a:spLocks noGrp="1"/>
-          </p:cNvSpPr>
-          <p:nvPr>
-            <p:ph type="title"/>
-          </p:nvPr>
-        </p:nvSpPr>
-        <p:spPr/>
-        <p:txBody>
-          <a:bodyPr/>
-          <a:lstStyle/>
-          <a:p>
-            <a:r>
-              <a:rPr lang="de-CH" dirty="0" err="1" smtClean="0"/>
-              <a:t>Use</a:t>
-            </a:r>
-            <a:r>
-              <a:rPr lang="de-CH" dirty="0" smtClean="0"/>
-              <a:t> </a:t>
-            </a:r>
-            <a:r>
-              <a:rPr lang="de-CH" dirty="0"/>
-              <a:t>C</a:t>
-            </a:r>
-            <a:r>
-              <a:rPr lang="de-CH" dirty="0" smtClean="0"/>
-              <a:t>ase</a:t>
-            </a:r>
-            <a:endParaRPr lang="de-CH" dirty="0"/>
-          </a:p>
-        </p:txBody>
-      </p:sp>
-      <p:sp>
-        <p:nvSpPr>
-          <p:cNvPr id="3" name="Inhaltsplatzhalter 2"/>
-          <p:cNvSpPr>
-            <a:spLocks noGrp="1"/>
-          </p:cNvSpPr>
-          <p:nvPr>
-            <p:ph idx="1"/>
-          </p:nvPr>
-        </p:nvSpPr>
-        <p:spPr/>
-        <p:txBody>
-          <a:bodyPr/>
-          <a:lstStyle/>
-          <a:p>
-            <a:pPr marL="0" indent="0">
-              <a:buNone/>
-            </a:pPr>
-            <a:r>
-              <a:rPr lang="de-CH" dirty="0" err="1" smtClean="0"/>
-              <a:t>ArrayList</a:t>
-            </a:r>
-            <a:r>
-              <a:rPr lang="de-CH" dirty="0" smtClean="0"/>
-              <a:t>&lt;Person&gt; </a:t>
-            </a:r>
-            <a:r>
-              <a:rPr lang="de-CH" dirty="0" err="1" smtClean="0">
-                <a:solidFill>
-                  <a:schemeClr val="accent1"/>
-                </a:solidFill>
-              </a:rPr>
-              <a:t>persons</a:t>
-            </a:r>
-            <a:endParaRPr lang="de-CH" dirty="0" smtClean="0">
-              <a:solidFill>
-                <a:schemeClr val="accent1"/>
-              </a:solidFill>
-            </a:endParaRPr>
-          </a:p>
-          <a:p>
-            <a:pPr marL="0" indent="0">
-              <a:buNone/>
-            </a:pPr>
-            <a:endParaRPr lang="de-CH" b="1" dirty="0"/>
-          </a:p>
-          <a:p>
-            <a:pPr marL="0" indent="0">
-              <a:buNone/>
-            </a:pPr>
-            <a:r>
-              <a:rPr lang="de-CH" b="1" dirty="0" smtClean="0"/>
-              <a:t>Person</a:t>
-            </a:r>
-            <a:r>
-              <a:rPr lang="de-CH" dirty="0" smtClean="0"/>
-              <a:t> </a:t>
-            </a:r>
-            <a:r>
-              <a:rPr lang="de-CH" dirty="0" err="1" smtClean="0"/>
-              <a:t>class</a:t>
-            </a:r>
-            <a:r>
-              <a:rPr lang="de-CH" dirty="0" smtClean="0"/>
-              <a:t> </a:t>
-            </a:r>
-            <a:r>
-              <a:rPr lang="de-CH" dirty="0" err="1" smtClean="0"/>
-              <a:t>fields</a:t>
-            </a:r>
-            <a:r>
-              <a:rPr lang="de-CH" dirty="0" smtClean="0"/>
-              <a:t>:</a:t>
-            </a:r>
-          </a:p>
-          <a:p>
-            <a:r>
-              <a:rPr lang="de-CH" dirty="0" smtClean="0"/>
-              <a:t>String </a:t>
-            </a:r>
-            <a:r>
-              <a:rPr lang="de-CH" dirty="0" err="1" smtClean="0">
-                <a:solidFill>
-                  <a:schemeClr val="accent1"/>
-                </a:solidFill>
-              </a:rPr>
-              <a:t>name</a:t>
-            </a:r>
-            <a:endParaRPr lang="de-CH" dirty="0" smtClean="0">
-              <a:solidFill>
-                <a:schemeClr val="accent1"/>
-              </a:solidFill>
-            </a:endParaRPr>
-          </a:p>
-          <a:p>
-            <a:r>
-              <a:rPr lang="de-CH" dirty="0" err="1" smtClean="0"/>
-              <a:t>PhoneNumber</a:t>
-            </a:r>
-            <a:r>
-              <a:rPr lang="de-CH" dirty="0" smtClean="0"/>
-              <a:t> </a:t>
-            </a:r>
-            <a:r>
-              <a:rPr lang="de-CH" dirty="0" err="1" smtClean="0">
-                <a:solidFill>
-                  <a:schemeClr val="accent1"/>
-                </a:solidFill>
-              </a:rPr>
-              <a:t>number</a:t>
-            </a:r>
-            <a:r>
-              <a:rPr lang="de-CH" dirty="0">
-                <a:solidFill>
-                  <a:schemeClr val="accent1"/>
-                </a:solidFill>
-              </a:rPr>
-              <a:t> </a:t>
-            </a:r>
-            <a:r>
-              <a:rPr lang="de-CH" i="1" dirty="0" smtClean="0"/>
-              <a:t>(</a:t>
-            </a:r>
-            <a:r>
-              <a:rPr lang="de-CH" i="1" dirty="0" err="1" smtClean="0"/>
-              <a:t>foreign</a:t>
-            </a:r>
-            <a:r>
-              <a:rPr lang="de-CH" i="1" dirty="0" smtClean="0"/>
-              <a:t> </a:t>
-            </a:r>
-            <a:r>
-              <a:rPr lang="de-CH" i="1" dirty="0" err="1" smtClean="0"/>
-              <a:t>class</a:t>
-            </a:r>
-            <a:r>
-              <a:rPr lang="de-CH" i="1" dirty="0" smtClean="0"/>
-              <a:t>)</a:t>
-            </a:r>
-            <a:endParaRPr lang="de-CH" dirty="0" smtClean="0">
-              <a:solidFill>
-                <a:schemeClr val="accent1"/>
-              </a:solidFill>
-            </a:endParaRPr>
-          </a:p>
-          <a:p>
-            <a:r>
-              <a:rPr lang="de-CH" dirty="0" err="1"/>
-              <a:t>b</a:t>
-            </a:r>
-            <a:r>
-              <a:rPr lang="de-CH" dirty="0" err="1" smtClean="0"/>
-              <a:t>yte</a:t>
-            </a:r>
-            <a:r>
-              <a:rPr lang="de-CH" dirty="0" smtClean="0"/>
-              <a:t>[] </a:t>
-            </a:r>
-            <a:r>
-              <a:rPr lang="de-CH" dirty="0" err="1" smtClean="0">
-                <a:solidFill>
-                  <a:schemeClr val="accent1"/>
-                </a:solidFill>
-              </a:rPr>
-              <a:t>image</a:t>
-            </a:r>
-            <a:r>
-              <a:rPr lang="de-CH" dirty="0" smtClean="0">
-                <a:solidFill>
-                  <a:schemeClr val="accent1"/>
-                </a:solidFill>
-              </a:rPr>
-              <a:t> </a:t>
-            </a:r>
-            <a:r>
-              <a:rPr lang="de-CH" i="1" dirty="0" smtClean="0"/>
-              <a:t>(</a:t>
-            </a:r>
-            <a:r>
-              <a:rPr lang="de-CH" i="1" dirty="0" err="1" smtClean="0"/>
-              <a:t>from</a:t>
-            </a:r>
-            <a:r>
-              <a:rPr lang="de-CH" i="1" dirty="0" smtClean="0"/>
-              <a:t> .</a:t>
-            </a:r>
-            <a:r>
-              <a:rPr lang="de-CH" i="1" dirty="0" err="1" smtClean="0"/>
-              <a:t>png</a:t>
-            </a:r>
-            <a:r>
-              <a:rPr lang="de-CH" i="1" dirty="0" smtClean="0"/>
-              <a:t>-file)</a:t>
-            </a:r>
-            <a:endParaRPr lang="de-CH" dirty="0">
-              <a:solidFill>
-                <a:schemeClr val="accent1"/>
-              </a:solidFill>
-            </a:endParaRPr>
-          </a:p>
-        </p:txBody>
-      </p:sp>
-    </p:spTree>
-    <p:extLst>
-      <p:ext uri="{BB962C8B-B14F-4D97-AF65-F5344CB8AC3E}">
-        <p14:creationId xmlns:p14="http://schemas.microsoft.com/office/powerpoint/2010/main" val="1866993003"/>
-      </p:ext>
-    </p:extLst>
-  </p:cSld>
-  <p:clrMapOvr>
-    <a:masterClrMapping/>
-  </p:clrMapOvr>
-  <p:timing>
-    <p:tnLst>
-      <p:par>
-        <p:cTn id="1" dur="indefinite" restart="never" nodeType="tmRoot"/>
-      </p:par>
-    </p:tnLst>
-  </p:timing>
-</p:sld>
-</file>
-
-<file path=ppt/slides/slide4.xml><?xml version="1.0" encoding="utf-8"?>
-<p:sld xmlns:a="http://schemas.openxmlformats.org/drawingml/2006/main" xmlns:r="http://schemas.openxmlformats.org/officeDocument/2006/relationships" xmlns:p="http://schemas.openxmlformats.org/presentationml/2006/main">
-  <p:cSld>
-    <p:spTree>
-      <p:nvGrpSpPr>
-        <p:cNvPr id="1" name=""/>
-        <p:cNvGrpSpPr/>
-        <p:nvPr/>
-      </p:nvGrpSpPr>
-      <p:grpSpPr>
-        <a:xfrm>
-          <a:off x="0" y="0"/>
-          <a:ext cx="0" cy="0"/>
-          <a:chOff x="0" y="0"/>
-          <a:chExt cx="0" cy="0"/>
-        </a:xfrm>
-      </p:grpSpPr>
-      <p:sp>
-        <p:nvSpPr>
-          <p:cNvPr id="2" name="Titel 1"/>
-          <p:cNvSpPr>
-            <a:spLocks noGrp="1"/>
-          </p:cNvSpPr>
-          <p:nvPr>
-            <p:ph type="title"/>
-          </p:nvPr>
-        </p:nvSpPr>
-        <p:spPr/>
-        <p:txBody>
-          <a:bodyPr/>
-          <a:lstStyle/>
-          <a:p>
-            <a:r>
-              <a:rPr lang="de-CH" dirty="0" err="1" smtClean="0"/>
-              <a:t>Use</a:t>
-            </a:r>
-            <a:r>
-              <a:rPr lang="de-CH" dirty="0" smtClean="0"/>
-              <a:t> Case</a:t>
-            </a:r>
-            <a:endParaRPr lang="de-CH" dirty="0"/>
-          </a:p>
-        </p:txBody>
-      </p:sp>
-      <p:sp>
-        <p:nvSpPr>
-          <p:cNvPr id="3" name="Inhaltsplatzhalter 2"/>
-          <p:cNvSpPr>
-            <a:spLocks noGrp="1"/>
-          </p:cNvSpPr>
-          <p:nvPr>
-            <p:ph idx="1"/>
-          </p:nvPr>
-        </p:nvSpPr>
-        <p:spPr/>
-        <p:txBody>
-          <a:bodyPr/>
-          <a:lstStyle/>
-          <a:p>
-            <a:pPr marL="0" indent="0">
-              <a:buNone/>
-            </a:pPr>
-            <a:r>
-              <a:rPr lang="de-CH" i="1" dirty="0" err="1" smtClean="0"/>
-              <a:t>System.out.println</a:t>
-            </a:r>
-            <a:r>
-              <a:rPr lang="de-CH" i="1" dirty="0" smtClean="0"/>
-              <a:t>(</a:t>
-            </a:r>
-            <a:r>
-              <a:rPr lang="de-CH" i="1" dirty="0" err="1" smtClean="0"/>
-              <a:t>persons</a:t>
-            </a:r>
-            <a:r>
-              <a:rPr lang="de-CH" i="1" dirty="0" smtClean="0"/>
-              <a:t>);</a:t>
-            </a:r>
-          </a:p>
-          <a:p>
-            <a:pPr marL="0" indent="0">
-              <a:buNone/>
-            </a:pPr>
-            <a:r>
-              <a:rPr lang="de-CH" i="1" dirty="0">
-                <a:sym typeface="Wingdings" pitchFamily="2" charset="2"/>
-              </a:rPr>
-              <a:t>	</a:t>
-            </a:r>
-            <a:r>
-              <a:rPr lang="de-CH" dirty="0" smtClean="0">
-                <a:sym typeface="Wingdings" pitchFamily="2" charset="2"/>
-              </a:rPr>
-              <a:t> 		(</a:t>
-            </a:r>
-            <a:r>
-              <a:rPr lang="de-CH" dirty="0" err="1" smtClean="0">
-                <a:sym typeface="Wingdings" pitchFamily="2" charset="2"/>
-              </a:rPr>
-              <a:t>too</a:t>
-            </a:r>
-            <a:r>
-              <a:rPr lang="de-CH" dirty="0" smtClean="0">
-                <a:sym typeface="Wingdings" pitchFamily="2" charset="2"/>
-              </a:rPr>
-              <a:t> </a:t>
-            </a:r>
-            <a:r>
-              <a:rPr lang="de-CH" dirty="0" err="1" smtClean="0">
-                <a:sym typeface="Wingdings" pitchFamily="2" charset="2"/>
-              </a:rPr>
-              <a:t>much</a:t>
-            </a:r>
-            <a:r>
-              <a:rPr lang="de-CH" dirty="0">
-                <a:sym typeface="Wingdings" pitchFamily="2" charset="2"/>
-              </a:rPr>
-              <a:t> </a:t>
-            </a:r>
-            <a:r>
-              <a:rPr lang="de-CH" dirty="0" err="1" smtClean="0">
-                <a:sym typeface="Wingdings" pitchFamily="2" charset="2"/>
-              </a:rPr>
-              <a:t>confusing</a:t>
-            </a:r>
-            <a:r>
-              <a:rPr lang="de-CH" dirty="0" smtClean="0">
-                <a:sym typeface="Wingdings" pitchFamily="2" charset="2"/>
-              </a:rPr>
-              <a:t> </a:t>
-            </a:r>
-            <a:r>
-              <a:rPr lang="de-CH" dirty="0" err="1" smtClean="0">
-                <a:sym typeface="Wingdings" pitchFamily="2" charset="2"/>
-              </a:rPr>
-              <a:t>text</a:t>
-            </a:r>
-            <a:r>
-              <a:rPr lang="de-CH" dirty="0" smtClean="0">
-                <a:sym typeface="Wingdings" pitchFamily="2" charset="2"/>
-              </a:rPr>
-              <a:t>)</a:t>
-            </a:r>
-          </a:p>
-          <a:p>
-            <a:pPr marL="0" indent="0">
-              <a:buNone/>
-            </a:pPr>
-            <a:endParaRPr lang="de-CH" i="1" dirty="0" smtClean="0">
-              <a:sym typeface="Wingdings" pitchFamily="2" charset="2"/>
-            </a:endParaRPr>
-          </a:p>
-          <a:p>
-            <a:pPr marL="0" indent="0">
-              <a:buNone/>
-            </a:pPr>
-            <a:endParaRPr lang="de-CH" i="1" dirty="0">
-              <a:sym typeface="Wingdings" pitchFamily="2" charset="2"/>
-            </a:endParaRPr>
-          </a:p>
-          <a:p>
-            <a:pPr marL="0" indent="0">
-              <a:buNone/>
-            </a:pPr>
-            <a:r>
-              <a:rPr lang="de-CH" dirty="0" err="1" smtClean="0">
-                <a:sym typeface="Wingdings" pitchFamily="2" charset="2"/>
-              </a:rPr>
-              <a:t>Let’s</a:t>
-            </a:r>
-            <a:r>
-              <a:rPr lang="de-CH" dirty="0" smtClean="0">
-                <a:sym typeface="Wingdings" pitchFamily="2" charset="2"/>
-              </a:rPr>
-              <a:t> </a:t>
-            </a:r>
-            <a:r>
-              <a:rPr lang="de-CH" dirty="0" err="1" smtClean="0">
-                <a:sym typeface="Wingdings" pitchFamily="2" charset="2"/>
-              </a:rPr>
-              <a:t>define</a:t>
-            </a:r>
-            <a:r>
-              <a:rPr lang="de-CH" dirty="0" smtClean="0">
-                <a:sym typeface="Wingdings" pitchFamily="2" charset="2"/>
-              </a:rPr>
-              <a:t> a </a:t>
-            </a:r>
-            <a:r>
-              <a:rPr lang="de-CH" dirty="0" err="1" smtClean="0">
-                <a:sym typeface="Wingdings" pitchFamily="2" charset="2"/>
-              </a:rPr>
-              <a:t>drawOn</a:t>
-            </a:r>
-            <a:r>
-              <a:rPr lang="de-CH" dirty="0" smtClean="0">
-                <a:sym typeface="Wingdings" pitchFamily="2" charset="2"/>
-              </a:rPr>
-              <a:t>()-</a:t>
-            </a:r>
-            <a:r>
-              <a:rPr lang="de-CH" dirty="0" err="1" smtClean="0">
-                <a:sym typeface="Wingdings" pitchFamily="2" charset="2"/>
-              </a:rPr>
-              <a:t>method</a:t>
-            </a:r>
-            <a:r>
-              <a:rPr lang="de-CH" dirty="0" smtClean="0">
-                <a:sym typeface="Wingdings" pitchFamily="2" charset="2"/>
-              </a:rPr>
-              <a:t>!</a:t>
-            </a:r>
-            <a:endParaRPr lang="de-CH" dirty="0"/>
-          </a:p>
-        </p:txBody>
-      </p:sp>
-      <p:sp>
-        <p:nvSpPr>
-          <p:cNvPr id="4" name="Smiley 3"/>
-          <p:cNvSpPr/>
-          <p:nvPr/>
-        </p:nvSpPr>
-        <p:spPr>
-          <a:xfrm>
-            <a:off x="2195736" y="2171319"/>
-            <a:ext cx="792088" cy="693077"/>
-          </a:xfrm>
-          <a:prstGeom prst="smileyFace">
-            <a:avLst>
-              <a:gd name="adj" fmla="val -4653"/>
-            </a:avLst>
-          </a:prstGeom>
-          <a:solidFill>
-            <a:srgbClr val="FFFF00"/>
-          </a:solidFill>
-          <a:ln>
-            <a:solidFill>
-              <a:schemeClr val="tx1"/>
-            </a:solidFill>
-          </a:ln>
-        </p:spPr>
-        <p:style>
-          <a:lnRef idx="2">
-            <a:schemeClr val="accent6"/>
-          </a:lnRef>
-          <a:fillRef idx="1">
-            <a:schemeClr val="lt1"/>
-          </a:fillRef>
-          <a:effectRef idx="0">
-            <a:schemeClr val="accent6"/>
-          </a:effectRef>
-          <a:fontRef idx="minor">
-            <a:schemeClr val="dk1"/>
-          </a:fontRef>
-        </p:style>
-        <p:txBody>
-          <a:bodyPr rtlCol="0" anchor="ctr"/>
-          <a:lstStyle/>
-          <a:p>
-            <a:pPr algn="ctr"/>
-            <a:endParaRPr lang="de-CH"/>
-          </a:p>
-        </p:txBody>
-      </p:sp>
-    </p:spTree>
-    <p:extLst>
-      <p:ext uri="{BB962C8B-B14F-4D97-AF65-F5344CB8AC3E}">
-        <p14:creationId xmlns:p14="http://schemas.microsoft.com/office/powerpoint/2010/main" val="1761734167"/>
+        <p14:creationId xmlns:p14="http://schemas.microsoft.com/office/powerpoint/2010/main" val="3780655319"/>
       </p:ext>
     </p:extLst>
   </p:cSld>

--- a/presentations/Demo DoodleDebug Jan-2011.pptx
+++ b/presentations/Demo DoodleDebug Jan-2011.pptx
@@ -7,6 +7,17 @@
   <p:sldIdLst>
     <p:sldId id="258" r:id="rId2"/>
     <p:sldId id="257" r:id="rId3"/>
+    <p:sldId id="259" r:id="rId4"/>
+    <p:sldId id="260" r:id="rId5"/>
+    <p:sldId id="261" r:id="rId6"/>
+    <p:sldId id="262" r:id="rId7"/>
+    <p:sldId id="263" r:id="rId8"/>
+    <p:sldId id="264" r:id="rId9"/>
+    <p:sldId id="265" r:id="rId10"/>
+    <p:sldId id="266" r:id="rId11"/>
+    <p:sldId id="267" r:id="rId12"/>
+    <p:sldId id="268" r:id="rId13"/>
+    <p:sldId id="269" r:id="rId14"/>
   </p:sldIdLst>
   <p:sldSz cx="9144000" cy="6858000" type="screen4x3"/>
   <p:notesSz cx="6858000" cy="9144000"/>
@@ -289,7 +300,7 @@
           <a:p>
             <a:fld id="{6A105265-A4C7-4F15-877D-27CFEC0C4890}" type="datetimeFigureOut">
               <a:rPr lang="de-CH" smtClean="0"/>
-              <a:t>27.01.2012</a:t>
+              <a:t>30.01.2012</a:t>
             </a:fld>
             <a:endParaRPr lang="de-CH"/>
           </a:p>
@@ -459,7 +470,7 @@
           <a:p>
             <a:fld id="{6A105265-A4C7-4F15-877D-27CFEC0C4890}" type="datetimeFigureOut">
               <a:rPr lang="de-CH" smtClean="0"/>
-              <a:t>27.01.2012</a:t>
+              <a:t>30.01.2012</a:t>
             </a:fld>
             <a:endParaRPr lang="de-CH"/>
           </a:p>
@@ -639,7 +650,7 @@
           <a:p>
             <a:fld id="{6A105265-A4C7-4F15-877D-27CFEC0C4890}" type="datetimeFigureOut">
               <a:rPr lang="de-CH" smtClean="0"/>
-              <a:t>27.01.2012</a:t>
+              <a:t>30.01.2012</a:t>
             </a:fld>
             <a:endParaRPr lang="de-CH"/>
           </a:p>
@@ -809,7 +820,7 @@
           <a:p>
             <a:fld id="{6A105265-A4C7-4F15-877D-27CFEC0C4890}" type="datetimeFigureOut">
               <a:rPr lang="de-CH" smtClean="0"/>
-              <a:t>27.01.2012</a:t>
+              <a:t>30.01.2012</a:t>
             </a:fld>
             <a:endParaRPr lang="de-CH"/>
           </a:p>
@@ -1055,7 +1066,7 @@
           <a:p>
             <a:fld id="{6A105265-A4C7-4F15-877D-27CFEC0C4890}" type="datetimeFigureOut">
               <a:rPr lang="de-CH" smtClean="0"/>
-              <a:t>27.01.2012</a:t>
+              <a:t>30.01.2012</a:t>
             </a:fld>
             <a:endParaRPr lang="de-CH"/>
           </a:p>
@@ -1343,7 +1354,7 @@
           <a:p>
             <a:fld id="{6A105265-A4C7-4F15-877D-27CFEC0C4890}" type="datetimeFigureOut">
               <a:rPr lang="de-CH" smtClean="0"/>
-              <a:t>27.01.2012</a:t>
+              <a:t>30.01.2012</a:t>
             </a:fld>
             <a:endParaRPr lang="de-CH"/>
           </a:p>
@@ -1765,7 +1776,7 @@
           <a:p>
             <a:fld id="{6A105265-A4C7-4F15-877D-27CFEC0C4890}" type="datetimeFigureOut">
               <a:rPr lang="de-CH" smtClean="0"/>
-              <a:t>27.01.2012</a:t>
+              <a:t>30.01.2012</a:t>
             </a:fld>
             <a:endParaRPr lang="de-CH"/>
           </a:p>
@@ -1883,7 +1894,7 @@
           <a:p>
             <a:fld id="{6A105265-A4C7-4F15-877D-27CFEC0C4890}" type="datetimeFigureOut">
               <a:rPr lang="de-CH" smtClean="0"/>
-              <a:t>27.01.2012</a:t>
+              <a:t>30.01.2012</a:t>
             </a:fld>
             <a:endParaRPr lang="de-CH"/>
           </a:p>
@@ -1978,7 +1989,7 @@
           <a:p>
             <a:fld id="{6A105265-A4C7-4F15-877D-27CFEC0C4890}" type="datetimeFigureOut">
               <a:rPr lang="de-CH" smtClean="0"/>
-              <a:t>27.01.2012</a:t>
+              <a:t>30.01.2012</a:t>
             </a:fld>
             <a:endParaRPr lang="de-CH"/>
           </a:p>
@@ -2255,7 +2266,7 @@
           <a:p>
             <a:fld id="{6A105265-A4C7-4F15-877D-27CFEC0C4890}" type="datetimeFigureOut">
               <a:rPr lang="de-CH" smtClean="0"/>
-              <a:t>27.01.2012</a:t>
+              <a:t>30.01.2012</a:t>
             </a:fld>
             <a:endParaRPr lang="de-CH"/>
           </a:p>
@@ -2508,7 +2519,7 @@
           <a:p>
             <a:fld id="{6A105265-A4C7-4F15-877D-27CFEC0C4890}" type="datetimeFigureOut">
               <a:rPr lang="de-CH" smtClean="0"/>
-              <a:t>27.01.2012</a:t>
+              <a:t>30.01.2012</a:t>
             </a:fld>
             <a:endParaRPr lang="de-CH"/>
           </a:p>
@@ -2721,7 +2732,7 @@
           <a:p>
             <a:fld id="{6A105265-A4C7-4F15-877D-27CFEC0C4890}" type="datetimeFigureOut">
               <a:rPr lang="de-CH" smtClean="0"/>
-              <a:t>27.01.2012</a:t>
+              <a:t>30.01.2012</a:t>
             </a:fld>
             <a:endParaRPr lang="de-CH"/>
           </a:p>
@@ -3195,6 +3206,540 @@
 </p:sld>
 </file>
 
+<file path=ppt/slides/slide10.xml><?xml version="1.0" encoding="utf-8"?>
+<p:sld xmlns:a="http://schemas.openxmlformats.org/drawingml/2006/main" xmlns:r="http://schemas.openxmlformats.org/officeDocument/2006/relationships" xmlns:p="http://schemas.openxmlformats.org/presentationml/2006/main">
+  <p:cSld>
+    <p:spTree>
+      <p:nvGrpSpPr>
+        <p:cNvPr id="1" name=""/>
+        <p:cNvGrpSpPr/>
+        <p:nvPr/>
+      </p:nvGrpSpPr>
+      <p:grpSpPr>
+        <a:xfrm>
+          <a:off x="0" y="0"/>
+          <a:ext cx="0" cy="0"/>
+          <a:chOff x="0" y="0"/>
+          <a:chExt cx="0" cy="0"/>
+        </a:xfrm>
+      </p:grpSpPr>
+      <p:sp>
+        <p:nvSpPr>
+          <p:cNvPr id="2" name="Titel 1"/>
+          <p:cNvSpPr>
+            <a:spLocks noGrp="1"/>
+          </p:cNvSpPr>
+          <p:nvPr>
+            <p:ph type="title"/>
+          </p:nvPr>
+        </p:nvSpPr>
+        <p:spPr/>
+        <p:txBody>
+          <a:bodyPr/>
+          <a:lstStyle/>
+          <a:p>
+            <a:r>
+              <a:rPr lang="de-CH" dirty="0" smtClean="0"/>
+              <a:t>Design </a:t>
+            </a:r>
+            <a:r>
+              <a:rPr lang="de-CH" dirty="0" err="1" smtClean="0"/>
+              <a:t>process</a:t>
+            </a:r>
+            <a:endParaRPr lang="de-CH" dirty="0"/>
+          </a:p>
+        </p:txBody>
+      </p:sp>
+      <p:sp>
+        <p:nvSpPr>
+          <p:cNvPr id="3" name="Inhaltsplatzhalter 2"/>
+          <p:cNvSpPr>
+            <a:spLocks noGrp="1"/>
+          </p:cNvSpPr>
+          <p:nvPr>
+            <p:ph idx="1"/>
+          </p:nvPr>
+        </p:nvSpPr>
+        <p:spPr/>
+        <p:txBody>
+          <a:bodyPr/>
+          <a:lstStyle/>
+          <a:p>
+            <a:pPr marL="0" indent="0">
+              <a:buNone/>
+            </a:pPr>
+            <a:r>
+              <a:rPr lang="de-CH" dirty="0" smtClean="0"/>
+              <a:t>Talk </a:t>
+            </a:r>
+            <a:r>
+              <a:rPr lang="de-CH" dirty="0" err="1" smtClean="0"/>
+              <a:t>to</a:t>
+            </a:r>
+            <a:r>
+              <a:rPr lang="de-CH" dirty="0" smtClean="0"/>
+              <a:t> </a:t>
+            </a:r>
+            <a:r>
+              <a:rPr lang="de-CH" dirty="0" err="1" smtClean="0"/>
+              <a:t>developers</a:t>
+            </a:r>
+            <a:endParaRPr lang="de-CH" dirty="0"/>
+          </a:p>
+        </p:txBody>
+      </p:sp>
+      <p:pic>
+        <p:nvPicPr>
+          <p:cNvPr id="2050" name="Picture 2" descr="C:\Users\Cedric Reichenbach\students-cedric-DoodleDebug\DoodleDebug\pics\Foto214.jpg"/>
+          <p:cNvPicPr>
+            <a:picLocks noChangeAspect="1" noChangeArrowheads="1"/>
+          </p:cNvPicPr>
+          <p:nvPr/>
+        </p:nvPicPr>
+        <p:blipFill>
+          <a:blip r:embed="rId2" cstate="print">
+            <a:extLst>
+              <a:ext uri="{28A0092B-C50C-407E-A947-70E740481C1C}">
+                <a14:useLocalDpi xmlns:a14="http://schemas.microsoft.com/office/drawing/2010/main" val="0"/>
+              </a:ext>
+            </a:extLst>
+          </a:blip>
+          <a:srcRect/>
+          <a:stretch>
+            <a:fillRect/>
+          </a:stretch>
+        </p:blipFill>
+        <p:spPr bwMode="auto">
+          <a:xfrm>
+            <a:off x="1763688" y="2420888"/>
+            <a:ext cx="5256584" cy="3942438"/>
+          </a:xfrm>
+          <a:prstGeom prst="rect">
+            <a:avLst/>
+          </a:prstGeom>
+          <a:noFill/>
+          <a:extLst>
+            <a:ext uri="{909E8E84-426E-40DD-AFC4-6F175D3DCCD1}">
+              <a14:hiddenFill xmlns:a14="http://schemas.microsoft.com/office/drawing/2010/main">
+                <a:solidFill>
+                  <a:srgbClr val="FFFFFF"/>
+                </a:solidFill>
+              </a14:hiddenFill>
+            </a:ext>
+          </a:extLst>
+        </p:spPr>
+      </p:pic>
+    </p:spTree>
+    <p:extLst>
+      <p:ext uri="{BB962C8B-B14F-4D97-AF65-F5344CB8AC3E}">
+        <p14:creationId xmlns:p14="http://schemas.microsoft.com/office/powerpoint/2010/main" val="1393341335"/>
+      </p:ext>
+    </p:extLst>
+  </p:cSld>
+  <p:clrMapOvr>
+    <a:masterClrMapping/>
+  </p:clrMapOvr>
+  <p:timing>
+    <p:tnLst>
+      <p:par>
+        <p:cTn id="1" dur="indefinite" restart="never" nodeType="tmRoot"/>
+      </p:par>
+    </p:tnLst>
+  </p:timing>
+</p:sld>
+</file>
+
+<file path=ppt/slides/slide11.xml><?xml version="1.0" encoding="utf-8"?>
+<p:sld xmlns:a="http://schemas.openxmlformats.org/drawingml/2006/main" xmlns:r="http://schemas.openxmlformats.org/officeDocument/2006/relationships" xmlns:p="http://schemas.openxmlformats.org/presentationml/2006/main">
+  <p:cSld>
+    <p:spTree>
+      <p:nvGrpSpPr>
+        <p:cNvPr id="1" name=""/>
+        <p:cNvGrpSpPr/>
+        <p:nvPr/>
+      </p:nvGrpSpPr>
+      <p:grpSpPr>
+        <a:xfrm>
+          <a:off x="0" y="0"/>
+          <a:ext cx="0" cy="0"/>
+          <a:chOff x="0" y="0"/>
+          <a:chExt cx="0" cy="0"/>
+        </a:xfrm>
+      </p:grpSpPr>
+      <p:sp>
+        <p:nvSpPr>
+          <p:cNvPr id="2" name="Titel 1"/>
+          <p:cNvSpPr>
+            <a:spLocks noGrp="1"/>
+          </p:cNvSpPr>
+          <p:nvPr>
+            <p:ph type="title"/>
+          </p:nvPr>
+        </p:nvSpPr>
+        <p:spPr/>
+        <p:txBody>
+          <a:bodyPr/>
+          <a:lstStyle/>
+          <a:p>
+            <a:r>
+              <a:rPr lang="de-CH" dirty="0" err="1" smtClean="0"/>
+              <a:t>Related</a:t>
+            </a:r>
+            <a:r>
+              <a:rPr lang="de-CH" dirty="0" smtClean="0"/>
+              <a:t> </a:t>
+            </a:r>
+            <a:r>
+              <a:rPr lang="de-CH" dirty="0" err="1" smtClean="0"/>
+              <a:t>work</a:t>
+            </a:r>
+            <a:endParaRPr lang="de-CH" dirty="0"/>
+          </a:p>
+        </p:txBody>
+      </p:sp>
+      <p:sp>
+        <p:nvSpPr>
+          <p:cNvPr id="3" name="Inhaltsplatzhalter 2"/>
+          <p:cNvSpPr>
+            <a:spLocks noGrp="1"/>
+          </p:cNvSpPr>
+          <p:nvPr>
+            <p:ph idx="1"/>
+          </p:nvPr>
+        </p:nvSpPr>
+        <p:spPr/>
+        <p:txBody>
+          <a:bodyPr/>
+          <a:lstStyle/>
+          <a:p>
+            <a:endParaRPr lang="de-CH" dirty="0"/>
+          </a:p>
+        </p:txBody>
+      </p:sp>
+    </p:spTree>
+    <p:extLst>
+      <p:ext uri="{BB962C8B-B14F-4D97-AF65-F5344CB8AC3E}">
+        <p14:creationId xmlns:p14="http://schemas.microsoft.com/office/powerpoint/2010/main" val="4094870230"/>
+      </p:ext>
+    </p:extLst>
+  </p:cSld>
+  <p:clrMapOvr>
+    <a:masterClrMapping/>
+  </p:clrMapOvr>
+  <p:timing>
+    <p:tnLst>
+      <p:par>
+        <p:cTn id="1" dur="indefinite" restart="never" nodeType="tmRoot"/>
+      </p:par>
+    </p:tnLst>
+  </p:timing>
+</p:sld>
+</file>
+
+<file path=ppt/slides/slide12.xml><?xml version="1.0" encoding="utf-8"?>
+<p:sld xmlns:a="http://schemas.openxmlformats.org/drawingml/2006/main" xmlns:r="http://schemas.openxmlformats.org/officeDocument/2006/relationships" xmlns:p="http://schemas.openxmlformats.org/presentationml/2006/main">
+  <p:cSld>
+    <p:spTree>
+      <p:nvGrpSpPr>
+        <p:cNvPr id="1" name=""/>
+        <p:cNvGrpSpPr/>
+        <p:nvPr/>
+      </p:nvGrpSpPr>
+      <p:grpSpPr>
+        <a:xfrm>
+          <a:off x="0" y="0"/>
+          <a:ext cx="0" cy="0"/>
+          <a:chOff x="0" y="0"/>
+          <a:chExt cx="0" cy="0"/>
+        </a:xfrm>
+      </p:grpSpPr>
+      <p:sp>
+        <p:nvSpPr>
+          <p:cNvPr id="2" name="Titel 1"/>
+          <p:cNvSpPr>
+            <a:spLocks noGrp="1"/>
+          </p:cNvSpPr>
+          <p:nvPr>
+            <p:ph type="title"/>
+          </p:nvPr>
+        </p:nvSpPr>
+        <p:spPr/>
+        <p:txBody>
+          <a:bodyPr/>
+          <a:lstStyle/>
+          <a:p>
+            <a:r>
+              <a:rPr lang="de-CH" dirty="0" smtClean="0"/>
+              <a:t>TODO:</a:t>
+            </a:r>
+            <a:endParaRPr lang="de-CH" dirty="0"/>
+          </a:p>
+        </p:txBody>
+      </p:sp>
+      <p:sp>
+        <p:nvSpPr>
+          <p:cNvPr id="3" name="Inhaltsplatzhalter 2"/>
+          <p:cNvSpPr>
+            <a:spLocks noGrp="1"/>
+          </p:cNvSpPr>
+          <p:nvPr>
+            <p:ph idx="1"/>
+          </p:nvPr>
+        </p:nvSpPr>
+        <p:spPr/>
+        <p:txBody>
+          <a:bodyPr/>
+          <a:lstStyle/>
+          <a:p>
+            <a:r>
+              <a:rPr lang="de-CH" dirty="0" smtClean="0"/>
+              <a:t>More </a:t>
+            </a:r>
+            <a:r>
+              <a:rPr lang="de-CH" dirty="0" err="1" smtClean="0"/>
+              <a:t>built</a:t>
+            </a:r>
+            <a:r>
+              <a:rPr lang="de-CH" dirty="0" smtClean="0"/>
+              <a:t>-in </a:t>
+            </a:r>
+            <a:r>
+              <a:rPr lang="de-CH" dirty="0" err="1" smtClean="0"/>
+              <a:t>renderings</a:t>
+            </a:r>
+            <a:endParaRPr lang="de-CH" dirty="0" smtClean="0"/>
+          </a:p>
+          <a:p>
+            <a:r>
+              <a:rPr lang="de-CH" dirty="0" err="1" smtClean="0"/>
+              <a:t>Building</a:t>
+            </a:r>
+            <a:r>
+              <a:rPr lang="de-CH" dirty="0" smtClean="0"/>
+              <a:t> </a:t>
+            </a:r>
+            <a:r>
+              <a:rPr lang="de-CH" dirty="0" err="1" smtClean="0"/>
+              <a:t>Eclipse-Plugin</a:t>
+            </a:r>
+            <a:endParaRPr lang="de-CH" dirty="0" smtClean="0"/>
+          </a:p>
+          <a:p>
+            <a:r>
+              <a:rPr lang="de-CH" dirty="0" err="1" smtClean="0"/>
+              <a:t>Use</a:t>
+            </a:r>
+            <a:r>
+              <a:rPr lang="de-CH" dirty="0" smtClean="0"/>
+              <a:t> JavaScript </a:t>
+            </a:r>
+            <a:r>
+              <a:rPr lang="de-CH" dirty="0" err="1" smtClean="0"/>
+              <a:t>to</a:t>
+            </a:r>
+            <a:r>
+              <a:rPr lang="de-CH" dirty="0" smtClean="0"/>
+              <a:t> </a:t>
+            </a:r>
+            <a:r>
+              <a:rPr lang="de-CH" dirty="0" err="1" smtClean="0"/>
+              <a:t>improve</a:t>
+            </a:r>
+            <a:r>
+              <a:rPr lang="de-CH" dirty="0" smtClean="0"/>
+              <a:t> </a:t>
+            </a:r>
+            <a:r>
+              <a:rPr lang="de-CH" dirty="0" err="1" smtClean="0"/>
+              <a:t>rendering</a:t>
+            </a:r>
+            <a:r>
+              <a:rPr lang="de-CH" dirty="0"/>
+              <a:t/>
+            </a:r>
+            <a:br>
+              <a:rPr lang="de-CH" dirty="0"/>
+            </a:br>
+            <a:r>
+              <a:rPr lang="de-CH" dirty="0" smtClean="0"/>
+              <a:t>(e. g. </a:t>
+            </a:r>
+            <a:r>
+              <a:rPr lang="de-CH" dirty="0" err="1" smtClean="0"/>
+              <a:t>align</a:t>
+            </a:r>
+            <a:r>
+              <a:rPr lang="de-CH" dirty="0" smtClean="0"/>
+              <a:t> </a:t>
+            </a:r>
+            <a:r>
+              <a:rPr lang="de-CH" dirty="0" err="1" smtClean="0"/>
+              <a:t>corresponding</a:t>
+            </a:r>
+            <a:r>
+              <a:rPr lang="de-CH" dirty="0" smtClean="0"/>
+              <a:t> </a:t>
+            </a:r>
+            <a:r>
+              <a:rPr lang="de-CH" dirty="0" err="1" smtClean="0"/>
+              <a:t>components</a:t>
+            </a:r>
+            <a:r>
+              <a:rPr lang="de-CH" dirty="0" smtClean="0"/>
+              <a:t>)</a:t>
+            </a:r>
+          </a:p>
+        </p:txBody>
+      </p:sp>
+    </p:spTree>
+    <p:extLst>
+      <p:ext uri="{BB962C8B-B14F-4D97-AF65-F5344CB8AC3E}">
+        <p14:creationId xmlns:p14="http://schemas.microsoft.com/office/powerpoint/2010/main" val="477858240"/>
+      </p:ext>
+    </p:extLst>
+  </p:cSld>
+  <p:clrMapOvr>
+    <a:masterClrMapping/>
+  </p:clrMapOvr>
+  <p:timing>
+    <p:tnLst>
+      <p:par>
+        <p:cTn id="1" dur="indefinite" restart="never" nodeType="tmRoot"/>
+      </p:par>
+    </p:tnLst>
+  </p:timing>
+</p:sld>
+</file>
+
+<file path=ppt/slides/slide13.xml><?xml version="1.0" encoding="utf-8"?>
+<p:sld xmlns:a="http://schemas.openxmlformats.org/drawingml/2006/main" xmlns:r="http://schemas.openxmlformats.org/officeDocument/2006/relationships" xmlns:p="http://schemas.openxmlformats.org/presentationml/2006/main">
+  <p:cSld>
+    <p:spTree>
+      <p:nvGrpSpPr>
+        <p:cNvPr id="1" name=""/>
+        <p:cNvGrpSpPr/>
+        <p:nvPr/>
+      </p:nvGrpSpPr>
+      <p:grpSpPr>
+        <a:xfrm>
+          <a:off x="0" y="0"/>
+          <a:ext cx="0" cy="0"/>
+          <a:chOff x="0" y="0"/>
+          <a:chExt cx="0" cy="0"/>
+        </a:xfrm>
+      </p:grpSpPr>
+      <p:sp>
+        <p:nvSpPr>
+          <p:cNvPr id="2" name="Titel 1"/>
+          <p:cNvSpPr>
+            <a:spLocks noGrp="1"/>
+          </p:cNvSpPr>
+          <p:nvPr>
+            <p:ph type="title"/>
+          </p:nvPr>
+        </p:nvSpPr>
+        <p:spPr/>
+        <p:txBody>
+          <a:bodyPr/>
+          <a:lstStyle/>
+          <a:p>
+            <a:r>
+              <a:rPr lang="de-CH" dirty="0" smtClean="0"/>
+              <a:t>Schedule</a:t>
+            </a:r>
+            <a:endParaRPr lang="de-CH" dirty="0"/>
+          </a:p>
+        </p:txBody>
+      </p:sp>
+      <p:sp>
+        <p:nvSpPr>
+          <p:cNvPr id="3" name="Inhaltsplatzhalter 2"/>
+          <p:cNvSpPr>
+            <a:spLocks noGrp="1"/>
+          </p:cNvSpPr>
+          <p:nvPr>
+            <p:ph idx="1"/>
+          </p:nvPr>
+        </p:nvSpPr>
+        <p:spPr/>
+        <p:txBody>
+          <a:bodyPr/>
+          <a:lstStyle/>
+          <a:p>
+            <a:pPr marL="0" indent="0">
+              <a:buNone/>
+            </a:pPr>
+            <a:r>
+              <a:rPr lang="de-CH" dirty="0" smtClean="0"/>
+              <a:t>May 2012: Working </a:t>
+            </a:r>
+            <a:r>
+              <a:rPr lang="de-CH" dirty="0" err="1" smtClean="0"/>
+              <a:t>Eclipse</a:t>
+            </a:r>
+            <a:r>
+              <a:rPr lang="de-CH" dirty="0" smtClean="0"/>
+              <a:t> </a:t>
+            </a:r>
+            <a:r>
+              <a:rPr lang="de-CH" dirty="0" err="1" smtClean="0"/>
+              <a:t>Plugin</a:t>
+            </a:r>
+            <a:r>
+              <a:rPr lang="de-CH" dirty="0" smtClean="0"/>
+              <a:t> (&amp; JavaScript)</a:t>
+            </a:r>
+          </a:p>
+          <a:p>
+            <a:pPr marL="0" indent="0">
+              <a:buNone/>
+            </a:pPr>
+            <a:r>
+              <a:rPr lang="de-CH" dirty="0" err="1" smtClean="0"/>
+              <a:t>July</a:t>
+            </a:r>
+            <a:r>
+              <a:rPr lang="de-CH" dirty="0" smtClean="0"/>
+              <a:t> 2012: Paper </a:t>
+            </a:r>
+            <a:r>
+              <a:rPr lang="de-CH" dirty="0" err="1" smtClean="0"/>
+              <a:t>finished</a:t>
+            </a:r>
+            <a:endParaRPr lang="de-CH" dirty="0" smtClean="0"/>
+          </a:p>
+          <a:p>
+            <a:pPr marL="0" indent="0">
+              <a:buNone/>
+            </a:pPr>
+            <a:r>
+              <a:rPr lang="de-CH" dirty="0" smtClean="0"/>
+              <a:t>August 2012: Paper hand-in</a:t>
+            </a:r>
+            <a:endParaRPr lang="de-CH" dirty="0"/>
+          </a:p>
+        </p:txBody>
+      </p:sp>
+    </p:spTree>
+    <p:extLst>
+      <p:ext uri="{BB962C8B-B14F-4D97-AF65-F5344CB8AC3E}">
+        <p14:creationId xmlns:p14="http://schemas.microsoft.com/office/powerpoint/2010/main" val="2162969890"/>
+      </p:ext>
+    </p:extLst>
+  </p:cSld>
+  <p:clrMapOvr>
+    <a:masterClrMapping/>
+  </p:clrMapOvr>
+  <p:timing>
+    <p:tnLst>
+      <p:par>
+        <p:cTn id="1" dur="indefinite" restart="never" nodeType="tmRoot"/>
+      </p:par>
+    </p:tnLst>
+  </p:timing>
+</p:sld>
+</file>
+
 <file path=ppt/slides/slide2.xml><?xml version="1.0" encoding="utf-8"?>
 <p:sld xmlns:a="http://schemas.openxmlformats.org/drawingml/2006/main" xmlns:r="http://schemas.openxmlformats.org/officeDocument/2006/relationships" xmlns:p="http://schemas.openxmlformats.org/presentationml/2006/main">
   <p:cSld>
@@ -3298,6 +3843,1732 @@
     <p:extLst>
       <p:ext uri="{BB962C8B-B14F-4D97-AF65-F5344CB8AC3E}">
         <p14:creationId xmlns:p14="http://schemas.microsoft.com/office/powerpoint/2010/main" val="3780655319"/>
+      </p:ext>
+    </p:extLst>
+  </p:cSld>
+  <p:clrMapOvr>
+    <a:masterClrMapping/>
+  </p:clrMapOvr>
+  <p:timing>
+    <p:tnLst>
+      <p:par>
+        <p:cTn id="1" dur="indefinite" restart="never" nodeType="tmRoot"/>
+      </p:par>
+    </p:tnLst>
+  </p:timing>
+</p:sld>
+</file>
+
+<file path=ppt/slides/slide3.xml><?xml version="1.0" encoding="utf-8"?>
+<p:sld xmlns:a="http://schemas.openxmlformats.org/drawingml/2006/main" xmlns:r="http://schemas.openxmlformats.org/officeDocument/2006/relationships" xmlns:p="http://schemas.openxmlformats.org/presentationml/2006/main">
+  <p:cSld>
+    <p:spTree>
+      <p:nvGrpSpPr>
+        <p:cNvPr id="1" name=""/>
+        <p:cNvGrpSpPr/>
+        <p:nvPr/>
+      </p:nvGrpSpPr>
+      <p:grpSpPr>
+        <a:xfrm>
+          <a:off x="0" y="0"/>
+          <a:ext cx="0" cy="0"/>
+          <a:chOff x="0" y="0"/>
+          <a:chExt cx="0" cy="0"/>
+        </a:xfrm>
+      </p:grpSpPr>
+      <p:sp>
+        <p:nvSpPr>
+          <p:cNvPr id="2" name="Titel 1"/>
+          <p:cNvSpPr>
+            <a:spLocks noGrp="1"/>
+          </p:cNvSpPr>
+          <p:nvPr>
+            <p:ph type="title"/>
+          </p:nvPr>
+        </p:nvSpPr>
+        <p:spPr/>
+        <p:txBody>
+          <a:bodyPr>
+            <a:normAutofit/>
+          </a:bodyPr>
+          <a:lstStyle/>
+          <a:p>
+            <a:r>
+              <a:rPr lang="de-CH" dirty="0" err="1" smtClean="0"/>
+              <a:t>Why</a:t>
+            </a:r>
+            <a:r>
+              <a:rPr lang="de-CH" dirty="0" smtClean="0"/>
+              <a:t>?</a:t>
+            </a:r>
+            <a:endParaRPr lang="de-CH" dirty="0"/>
+          </a:p>
+        </p:txBody>
+      </p:sp>
+      <p:sp>
+        <p:nvSpPr>
+          <p:cNvPr id="3" name="Inhaltsplatzhalter 2"/>
+          <p:cNvSpPr>
+            <a:spLocks noGrp="1"/>
+          </p:cNvSpPr>
+          <p:nvPr>
+            <p:ph idx="1"/>
+          </p:nvPr>
+        </p:nvSpPr>
+        <p:spPr/>
+        <p:txBody>
+          <a:bodyPr/>
+          <a:lstStyle/>
+          <a:p>
+            <a:pPr marL="0" indent="0">
+              <a:buNone/>
+            </a:pPr>
+            <a:endParaRPr lang="de-CH" dirty="0" smtClean="0"/>
+          </a:p>
+          <a:p>
+            <a:r>
+              <a:rPr lang="de-CH" dirty="0" smtClean="0"/>
+              <a:t>2-dimensional (</a:t>
+            </a:r>
+            <a:r>
+              <a:rPr lang="de-CH" dirty="0" err="1" smtClean="0"/>
+              <a:t>with</a:t>
+            </a:r>
+            <a:r>
+              <a:rPr lang="de-CH" dirty="0" smtClean="0"/>
+              <a:t> </a:t>
+            </a:r>
+            <a:r>
+              <a:rPr lang="de-CH" dirty="0" err="1" smtClean="0"/>
+              <a:t>nesting</a:t>
+            </a:r>
+            <a:r>
+              <a:rPr lang="de-CH" dirty="0" smtClean="0"/>
+              <a:t>!)</a:t>
+            </a:r>
+          </a:p>
+          <a:p>
+            <a:pPr marL="0" indent="0">
+              <a:buNone/>
+            </a:pPr>
+            <a:endParaRPr lang="de-CH" dirty="0" smtClean="0"/>
+          </a:p>
+          <a:p>
+            <a:r>
+              <a:rPr lang="de-CH" dirty="0" smtClean="0"/>
+              <a:t>Colors</a:t>
+            </a:r>
+          </a:p>
+          <a:p>
+            <a:pPr marL="0" indent="0">
+              <a:buNone/>
+            </a:pPr>
+            <a:endParaRPr lang="de-CH" dirty="0" smtClean="0"/>
+          </a:p>
+          <a:p>
+            <a:r>
+              <a:rPr lang="de-CH" dirty="0" err="1" smtClean="0"/>
+              <a:t>Formatting</a:t>
+            </a:r>
+            <a:endParaRPr lang="de-CH" dirty="0"/>
+          </a:p>
+        </p:txBody>
+      </p:sp>
+    </p:spTree>
+    <p:extLst>
+      <p:ext uri="{BB962C8B-B14F-4D97-AF65-F5344CB8AC3E}">
+        <p14:creationId xmlns:p14="http://schemas.microsoft.com/office/powerpoint/2010/main" val="2748285392"/>
+      </p:ext>
+    </p:extLst>
+  </p:cSld>
+  <p:clrMapOvr>
+    <a:masterClrMapping/>
+  </p:clrMapOvr>
+  <p:timing>
+    <p:tnLst>
+      <p:par>
+        <p:cTn id="1" dur="indefinite" restart="never" nodeType="tmRoot">
+          <p:childTnLst>
+            <p:seq concurrent="1" nextAc="seek">
+              <p:cTn id="2" dur="indefinite" nodeType="mainSeq">
+                <p:childTnLst>
+                  <p:par>
+                    <p:cTn id="3" fill="hold">
+                      <p:stCondLst>
+                        <p:cond delay="indefinite"/>
+                      </p:stCondLst>
+                      <p:childTnLst>
+                        <p:par>
+                          <p:cTn id="4" fill="hold">
+                            <p:stCondLst>
+                              <p:cond delay="0"/>
+                            </p:stCondLst>
+                            <p:childTnLst>
+                              <p:par>
+                                <p:cTn id="5" presetID="1" presetClass="entr" presetSubtype="0" fill="hold" grpId="0" nodeType="clickEffect">
+                                  <p:stCondLst>
+                                    <p:cond delay="0"/>
+                                  </p:stCondLst>
+                                  <p:childTnLst>
+                                    <p:set>
+                                      <p:cBhvr>
+                                        <p:cTn id="6" dur="1" fill="hold">
+                                          <p:stCondLst>
+                                            <p:cond delay="0"/>
+                                          </p:stCondLst>
+                                        </p:cTn>
+                                        <p:tgtEl>
+                                          <p:spTgt spid="3">
+                                            <p:txEl>
+                                              <p:pRg st="1" end="1"/>
+                                            </p:txEl>
+                                          </p:spTgt>
+                                        </p:tgtEl>
+                                        <p:attrNameLst>
+                                          <p:attrName>style.visibility</p:attrName>
+                                        </p:attrNameLst>
+                                      </p:cBhvr>
+                                      <p:to>
+                                        <p:strVal val="visible"/>
+                                      </p:to>
+                                    </p:set>
+                                  </p:childTnLst>
+                                </p:cTn>
+                              </p:par>
+                            </p:childTnLst>
+                          </p:cTn>
+                        </p:par>
+                      </p:childTnLst>
+                    </p:cTn>
+                  </p:par>
+                  <p:par>
+                    <p:cTn id="7" fill="hold">
+                      <p:stCondLst>
+                        <p:cond delay="indefinite"/>
+                      </p:stCondLst>
+                      <p:childTnLst>
+                        <p:par>
+                          <p:cTn id="8" fill="hold">
+                            <p:stCondLst>
+                              <p:cond delay="0"/>
+                            </p:stCondLst>
+                            <p:childTnLst>
+                              <p:par>
+                                <p:cTn id="9" presetID="1" presetClass="entr" presetSubtype="0" fill="hold" grpId="0" nodeType="clickEffect">
+                                  <p:stCondLst>
+                                    <p:cond delay="0"/>
+                                  </p:stCondLst>
+                                  <p:childTnLst>
+                                    <p:set>
+                                      <p:cBhvr>
+                                        <p:cTn id="10" dur="1" fill="hold">
+                                          <p:stCondLst>
+                                            <p:cond delay="0"/>
+                                          </p:stCondLst>
+                                        </p:cTn>
+                                        <p:tgtEl>
+                                          <p:spTgt spid="3">
+                                            <p:txEl>
+                                              <p:pRg st="3" end="3"/>
+                                            </p:txEl>
+                                          </p:spTgt>
+                                        </p:tgtEl>
+                                        <p:attrNameLst>
+                                          <p:attrName>style.visibility</p:attrName>
+                                        </p:attrNameLst>
+                                      </p:cBhvr>
+                                      <p:to>
+                                        <p:strVal val="visible"/>
+                                      </p:to>
+                                    </p:set>
+                                  </p:childTnLst>
+                                </p:cTn>
+                              </p:par>
+                            </p:childTnLst>
+                          </p:cTn>
+                        </p:par>
+                      </p:childTnLst>
+                    </p:cTn>
+                  </p:par>
+                  <p:par>
+                    <p:cTn id="11" fill="hold">
+                      <p:stCondLst>
+                        <p:cond delay="indefinite"/>
+                      </p:stCondLst>
+                      <p:childTnLst>
+                        <p:par>
+                          <p:cTn id="12" fill="hold">
+                            <p:stCondLst>
+                              <p:cond delay="0"/>
+                            </p:stCondLst>
+                            <p:childTnLst>
+                              <p:par>
+                                <p:cTn id="13" presetID="1" presetClass="entr" presetSubtype="0" fill="hold" grpId="0" nodeType="clickEffect">
+                                  <p:stCondLst>
+                                    <p:cond delay="0"/>
+                                  </p:stCondLst>
+                                  <p:childTnLst>
+                                    <p:set>
+                                      <p:cBhvr>
+                                        <p:cTn id="14" dur="1" fill="hold">
+                                          <p:stCondLst>
+                                            <p:cond delay="0"/>
+                                          </p:stCondLst>
+                                        </p:cTn>
+                                        <p:tgtEl>
+                                          <p:spTgt spid="3">
+                                            <p:txEl>
+                                              <p:pRg st="5" end="5"/>
+                                            </p:txEl>
+                                          </p:spTgt>
+                                        </p:tgtEl>
+                                        <p:attrNameLst>
+                                          <p:attrName>style.visibility</p:attrName>
+                                        </p:attrNameLst>
+                                      </p:cBhvr>
+                                      <p:to>
+                                        <p:strVal val="visible"/>
+                                      </p:to>
+                                    </p:set>
+                                  </p:childTnLst>
+                                </p:cTn>
+                              </p:par>
+                            </p:childTnLst>
+                          </p:cTn>
+                        </p:par>
+                      </p:childTnLst>
+                    </p:cTn>
+                  </p:par>
+                </p:childTnLst>
+              </p:cTn>
+              <p:prevCondLst>
+                <p:cond evt="onPrev" delay="0">
+                  <p:tgtEl>
+                    <p:sldTgt/>
+                  </p:tgtEl>
+                </p:cond>
+              </p:prevCondLst>
+              <p:nextCondLst>
+                <p:cond evt="onNext" delay="0">
+                  <p:tgtEl>
+                    <p:sldTgt/>
+                  </p:tgtEl>
+                </p:cond>
+              </p:nextCondLst>
+            </p:seq>
+          </p:childTnLst>
+        </p:cTn>
+      </p:par>
+    </p:tnLst>
+    <p:bldLst>
+      <p:bldP spid="3" grpId="0" build="p"/>
+    </p:bldLst>
+  </p:timing>
+</p:sld>
+</file>
+
+<file path=ppt/slides/slide4.xml><?xml version="1.0" encoding="utf-8"?>
+<p:sld xmlns:a="http://schemas.openxmlformats.org/drawingml/2006/main" xmlns:r="http://schemas.openxmlformats.org/officeDocument/2006/relationships" xmlns:p="http://schemas.openxmlformats.org/presentationml/2006/main">
+  <p:cSld>
+    <p:spTree>
+      <p:nvGrpSpPr>
+        <p:cNvPr id="1" name=""/>
+        <p:cNvGrpSpPr/>
+        <p:nvPr/>
+      </p:nvGrpSpPr>
+      <p:grpSpPr>
+        <a:xfrm>
+          <a:off x="0" y="0"/>
+          <a:ext cx="0" cy="0"/>
+          <a:chOff x="0" y="0"/>
+          <a:chExt cx="0" cy="0"/>
+        </a:xfrm>
+      </p:grpSpPr>
+      <p:sp>
+        <p:nvSpPr>
+          <p:cNvPr id="2" name="Titel 1"/>
+          <p:cNvSpPr>
+            <a:spLocks noGrp="1"/>
+          </p:cNvSpPr>
+          <p:nvPr>
+            <p:ph type="title"/>
+          </p:nvPr>
+        </p:nvSpPr>
+        <p:spPr>
+          <a:xfrm>
+            <a:off x="457200" y="188640"/>
+            <a:ext cx="8229600" cy="1143000"/>
+          </a:xfrm>
+        </p:spPr>
+        <p:txBody>
+          <a:bodyPr/>
+          <a:lstStyle/>
+          <a:p>
+            <a:r>
+              <a:rPr lang="de-CH" dirty="0" err="1" smtClean="0"/>
+              <a:t>Why</a:t>
+            </a:r>
+            <a:r>
+              <a:rPr lang="de-CH" dirty="0" smtClean="0"/>
+              <a:t>?</a:t>
+            </a:r>
+            <a:endParaRPr lang="de-CH" dirty="0"/>
+          </a:p>
+        </p:txBody>
+      </p:sp>
+      <p:sp>
+        <p:nvSpPr>
+          <p:cNvPr id="3" name="Inhaltsplatzhalter 2"/>
+          <p:cNvSpPr>
+            <a:spLocks noGrp="1"/>
+          </p:cNvSpPr>
+          <p:nvPr>
+            <p:ph idx="1"/>
+          </p:nvPr>
+        </p:nvSpPr>
+        <p:spPr>
+          <a:xfrm>
+            <a:off x="457200" y="1340768"/>
+            <a:ext cx="8229600" cy="4525963"/>
+          </a:xfrm>
+        </p:spPr>
+        <p:txBody>
+          <a:bodyPr/>
+          <a:lstStyle/>
+          <a:p>
+            <a:pPr>
+              <a:buNone/>
+            </a:pPr>
+            <a:endParaRPr lang="de-CH" sz="1200" dirty="0"/>
+          </a:p>
+          <a:p>
+            <a:pPr>
+              <a:buNone/>
+            </a:pPr>
+            <a:endParaRPr lang="de-CH" sz="1600" dirty="0" smtClean="0">
+              <a:latin typeface="Courier New" pitchFamily="49" charset="0"/>
+              <a:cs typeface="Courier New" pitchFamily="49" charset="0"/>
+            </a:endParaRPr>
+          </a:p>
+          <a:p>
+            <a:pPr>
+              <a:buNone/>
+            </a:pPr>
+            <a:endParaRPr lang="de-CH" sz="1600" dirty="0" smtClean="0">
+              <a:latin typeface="Courier New" pitchFamily="49" charset="0"/>
+              <a:cs typeface="Courier New" pitchFamily="49" charset="0"/>
+            </a:endParaRPr>
+          </a:p>
+          <a:p>
+            <a:pPr>
+              <a:buNone/>
+            </a:pPr>
+            <a:r>
+              <a:rPr lang="de-CH" sz="1600" dirty="0" smtClean="0">
+                <a:latin typeface="Courier New" pitchFamily="49" charset="0"/>
+                <a:cs typeface="Courier New" pitchFamily="49" charset="0"/>
+              </a:rPr>
+              <a:t>[</a:t>
+            </a:r>
+            <a:r>
+              <a:rPr lang="de-CH" sz="1600" dirty="0" err="1" smtClean="0">
+                <a:latin typeface="Courier New" pitchFamily="49" charset="0"/>
+                <a:cs typeface="Courier New" pitchFamily="49" charset="0"/>
+              </a:rPr>
+              <a:t>java.awt.Color</a:t>
+            </a:r>
+            <a:r>
+              <a:rPr lang="de-CH" sz="1600" dirty="0" smtClean="0">
+                <a:latin typeface="Courier New" pitchFamily="49" charset="0"/>
+                <a:cs typeface="Courier New" pitchFamily="49" charset="0"/>
+              </a:rPr>
+              <a:t>[r=255,g=0,b=0], </a:t>
+            </a:r>
+            <a:r>
+              <a:rPr lang="de-CH" sz="1600" dirty="0" err="1" smtClean="0">
+                <a:latin typeface="Courier New" pitchFamily="49" charset="0"/>
+                <a:cs typeface="Courier New" pitchFamily="49" charset="0"/>
+              </a:rPr>
+              <a:t>java.awt.Color</a:t>
+            </a:r>
+            <a:r>
+              <a:rPr lang="de-CH" sz="1600" dirty="0" smtClean="0">
+                <a:latin typeface="Courier New" pitchFamily="49" charset="0"/>
+                <a:cs typeface="Courier New" pitchFamily="49" charset="0"/>
+              </a:rPr>
+              <a:t>[r=0,g=0,b=255], </a:t>
+            </a:r>
+            <a:r>
+              <a:rPr lang="de-CH" sz="1600" dirty="0" err="1" smtClean="0">
+                <a:latin typeface="Courier New" pitchFamily="49" charset="0"/>
+                <a:cs typeface="Courier New" pitchFamily="49" charset="0"/>
+              </a:rPr>
+              <a:t>java.awt.Color</a:t>
+            </a:r>
+            <a:r>
+              <a:rPr lang="de-CH" sz="1600" dirty="0" smtClean="0">
+                <a:latin typeface="Courier New" pitchFamily="49" charset="0"/>
+                <a:cs typeface="Courier New" pitchFamily="49" charset="0"/>
+              </a:rPr>
+              <a:t>[r=128,g=128,b=128], </a:t>
+            </a:r>
+            <a:r>
+              <a:rPr lang="de-CH" sz="1600" dirty="0" err="1" smtClean="0">
+                <a:latin typeface="Courier New" pitchFamily="49" charset="0"/>
+                <a:cs typeface="Courier New" pitchFamily="49" charset="0"/>
+              </a:rPr>
+              <a:t>java.awt.Color</a:t>
+            </a:r>
+            <a:r>
+              <a:rPr lang="de-CH" sz="1600" dirty="0" smtClean="0">
+                <a:latin typeface="Courier New" pitchFamily="49" charset="0"/>
+                <a:cs typeface="Courier New" pitchFamily="49" charset="0"/>
+              </a:rPr>
+              <a:t>[r=0,g=255,b=0], </a:t>
+            </a:r>
+            <a:r>
+              <a:rPr lang="de-CH" sz="1600" dirty="0" err="1" smtClean="0">
+                <a:latin typeface="Courier New" pitchFamily="49" charset="0"/>
+                <a:cs typeface="Courier New" pitchFamily="49" charset="0"/>
+              </a:rPr>
+              <a:t>java.awt.Color</a:t>
+            </a:r>
+            <a:r>
+              <a:rPr lang="de-CH" sz="1600" dirty="0" smtClean="0">
+                <a:latin typeface="Courier New" pitchFamily="49" charset="0"/>
+                <a:cs typeface="Courier New" pitchFamily="49" charset="0"/>
+              </a:rPr>
+              <a:t>[r=255,g=255,b=0], </a:t>
+            </a:r>
+            <a:r>
+              <a:rPr lang="de-CH" sz="1600" dirty="0" err="1" smtClean="0">
+                <a:latin typeface="Courier New" pitchFamily="49" charset="0"/>
+                <a:cs typeface="Courier New" pitchFamily="49" charset="0"/>
+              </a:rPr>
+              <a:t>java.awt.Color</a:t>
+            </a:r>
+            <a:r>
+              <a:rPr lang="de-CH" sz="1600" dirty="0" smtClean="0">
+                <a:latin typeface="Courier New" pitchFamily="49" charset="0"/>
+                <a:cs typeface="Courier New" pitchFamily="49" charset="0"/>
+              </a:rPr>
+              <a:t>[r=0,g=0,b=255]]</a:t>
+            </a:r>
+            <a:endParaRPr lang="de-CH" sz="2800" dirty="0" smtClean="0">
+              <a:latin typeface="Courier New" pitchFamily="49" charset="0"/>
+              <a:cs typeface="Courier New" pitchFamily="49" charset="0"/>
+            </a:endParaRPr>
+          </a:p>
+          <a:p>
+            <a:pPr>
+              <a:buNone/>
+            </a:pPr>
+            <a:endParaRPr lang="de-CH" sz="1200" dirty="0" smtClean="0">
+              <a:cs typeface="Courier New" pitchFamily="49" charset="0"/>
+            </a:endParaRPr>
+          </a:p>
+          <a:p>
+            <a:pPr>
+              <a:buNone/>
+            </a:pPr>
+            <a:r>
+              <a:rPr lang="de-CH" sz="2800" i="1" dirty="0" smtClean="0">
+                <a:cs typeface="Courier New" pitchFamily="49" charset="0"/>
+              </a:rPr>
+              <a:t>versus</a:t>
+            </a:r>
+            <a:endParaRPr lang="de-CH" sz="2800" i="1" dirty="0">
+              <a:cs typeface="Courier New" pitchFamily="49" charset="0"/>
+            </a:endParaRPr>
+          </a:p>
+        </p:txBody>
+      </p:sp>
+      <p:pic>
+        <p:nvPicPr>
+          <p:cNvPr id="1026" name="Picture 2" descr="C:\Users\Reichenbach Cedric\Dropbox\studium\ba\pics presentation\skizze visualization al colors Kopie.jpg"/>
+          <p:cNvPicPr>
+            <a:picLocks noChangeAspect="1" noChangeArrowheads="1"/>
+          </p:cNvPicPr>
+          <p:nvPr/>
+        </p:nvPicPr>
+        <p:blipFill>
+          <a:blip r:embed="rId2" cstate="print"/>
+          <a:srcRect l="5046" t="20236" r="15746" b="54849"/>
+          <a:stretch>
+            <a:fillRect/>
+          </a:stretch>
+        </p:blipFill>
+        <p:spPr bwMode="auto">
+          <a:xfrm>
+            <a:off x="395536" y="4293096"/>
+            <a:ext cx="8424936" cy="1656184"/>
+          </a:xfrm>
+          <a:prstGeom prst="rect">
+            <a:avLst/>
+          </a:prstGeom>
+          <a:noFill/>
+        </p:spPr>
+      </p:pic>
+    </p:spTree>
+    <p:extLst>
+      <p:ext uri="{BB962C8B-B14F-4D97-AF65-F5344CB8AC3E}">
+        <p14:creationId xmlns:p14="http://schemas.microsoft.com/office/powerpoint/2010/main" val="3769852157"/>
+      </p:ext>
+    </p:extLst>
+  </p:cSld>
+  <p:clrMapOvr>
+    <a:masterClrMapping/>
+  </p:clrMapOvr>
+  <p:timing>
+    <p:tnLst>
+      <p:par>
+        <p:cTn id="1" dur="indefinite" restart="never" nodeType="tmRoot">
+          <p:childTnLst>
+            <p:seq concurrent="1" nextAc="seek">
+              <p:cTn id="2" dur="indefinite" nodeType="mainSeq">
+                <p:childTnLst>
+                  <p:par>
+                    <p:cTn id="3" fill="hold">
+                      <p:stCondLst>
+                        <p:cond delay="indefinite"/>
+                      </p:stCondLst>
+                      <p:childTnLst>
+                        <p:par>
+                          <p:cTn id="4" fill="hold">
+                            <p:stCondLst>
+                              <p:cond delay="0"/>
+                            </p:stCondLst>
+                            <p:childTnLst>
+                              <p:par>
+                                <p:cTn id="5" presetID="1" presetClass="entr" presetSubtype="0" fill="hold" grpId="0" nodeType="clickEffect">
+                                  <p:stCondLst>
+                                    <p:cond delay="0"/>
+                                  </p:stCondLst>
+                                  <p:childTnLst>
+                                    <p:set>
+                                      <p:cBhvr>
+                                        <p:cTn id="6" dur="1" fill="hold">
+                                          <p:stCondLst>
+                                            <p:cond delay="0"/>
+                                          </p:stCondLst>
+                                        </p:cTn>
+                                        <p:tgtEl>
+                                          <p:spTgt spid="3">
+                                            <p:txEl>
+                                              <p:pRg st="3" end="3"/>
+                                            </p:txEl>
+                                          </p:spTgt>
+                                        </p:tgtEl>
+                                        <p:attrNameLst>
+                                          <p:attrName>style.visibility</p:attrName>
+                                        </p:attrNameLst>
+                                      </p:cBhvr>
+                                      <p:to>
+                                        <p:strVal val="visible"/>
+                                      </p:to>
+                                    </p:set>
+                                  </p:childTnLst>
+                                </p:cTn>
+                              </p:par>
+                            </p:childTnLst>
+                          </p:cTn>
+                        </p:par>
+                      </p:childTnLst>
+                    </p:cTn>
+                  </p:par>
+                  <p:par>
+                    <p:cTn id="7" fill="hold">
+                      <p:stCondLst>
+                        <p:cond delay="indefinite"/>
+                      </p:stCondLst>
+                      <p:childTnLst>
+                        <p:par>
+                          <p:cTn id="8" fill="hold">
+                            <p:stCondLst>
+                              <p:cond delay="0"/>
+                            </p:stCondLst>
+                            <p:childTnLst>
+                              <p:par>
+                                <p:cTn id="9" presetID="1" presetClass="entr" presetSubtype="0" fill="hold" grpId="0" nodeType="clickEffect">
+                                  <p:stCondLst>
+                                    <p:cond delay="0"/>
+                                  </p:stCondLst>
+                                  <p:childTnLst>
+                                    <p:set>
+                                      <p:cBhvr>
+                                        <p:cTn id="10" dur="1" fill="hold">
+                                          <p:stCondLst>
+                                            <p:cond delay="0"/>
+                                          </p:stCondLst>
+                                        </p:cTn>
+                                        <p:tgtEl>
+                                          <p:spTgt spid="3">
+                                            <p:txEl>
+                                              <p:pRg st="5" end="5"/>
+                                            </p:txEl>
+                                          </p:spTgt>
+                                        </p:tgtEl>
+                                        <p:attrNameLst>
+                                          <p:attrName>style.visibility</p:attrName>
+                                        </p:attrNameLst>
+                                      </p:cBhvr>
+                                      <p:to>
+                                        <p:strVal val="visible"/>
+                                      </p:to>
+                                    </p:set>
+                                  </p:childTnLst>
+                                </p:cTn>
+                              </p:par>
+                            </p:childTnLst>
+                          </p:cTn>
+                        </p:par>
+                      </p:childTnLst>
+                    </p:cTn>
+                  </p:par>
+                  <p:par>
+                    <p:cTn id="11" fill="hold">
+                      <p:stCondLst>
+                        <p:cond delay="indefinite"/>
+                      </p:stCondLst>
+                      <p:childTnLst>
+                        <p:par>
+                          <p:cTn id="12" fill="hold">
+                            <p:stCondLst>
+                              <p:cond delay="0"/>
+                            </p:stCondLst>
+                            <p:childTnLst>
+                              <p:par>
+                                <p:cTn id="13" presetID="1" presetClass="entr" presetSubtype="0" fill="hold" nodeType="clickEffect">
+                                  <p:stCondLst>
+                                    <p:cond delay="0"/>
+                                  </p:stCondLst>
+                                  <p:childTnLst>
+                                    <p:set>
+                                      <p:cBhvr>
+                                        <p:cTn id="14" dur="1" fill="hold">
+                                          <p:stCondLst>
+                                            <p:cond delay="0"/>
+                                          </p:stCondLst>
+                                        </p:cTn>
+                                        <p:tgtEl>
+                                          <p:spTgt spid="1026"/>
+                                        </p:tgtEl>
+                                        <p:attrNameLst>
+                                          <p:attrName>style.visibility</p:attrName>
+                                        </p:attrNameLst>
+                                      </p:cBhvr>
+                                      <p:to>
+                                        <p:strVal val="visible"/>
+                                      </p:to>
+                                    </p:set>
+                                  </p:childTnLst>
+                                </p:cTn>
+                              </p:par>
+                            </p:childTnLst>
+                          </p:cTn>
+                        </p:par>
+                      </p:childTnLst>
+                    </p:cTn>
+                  </p:par>
+                </p:childTnLst>
+              </p:cTn>
+              <p:prevCondLst>
+                <p:cond evt="onPrev" delay="0">
+                  <p:tgtEl>
+                    <p:sldTgt/>
+                  </p:tgtEl>
+                </p:cond>
+              </p:prevCondLst>
+              <p:nextCondLst>
+                <p:cond evt="onNext" delay="0">
+                  <p:tgtEl>
+                    <p:sldTgt/>
+                  </p:tgtEl>
+                </p:cond>
+              </p:nextCondLst>
+            </p:seq>
+          </p:childTnLst>
+        </p:cTn>
+      </p:par>
+    </p:tnLst>
+    <p:bldLst>
+      <p:bldP spid="3" grpId="0" build="p"/>
+    </p:bldLst>
+  </p:timing>
+</p:sld>
+</file>
+
+<file path=ppt/slides/slide5.xml><?xml version="1.0" encoding="utf-8"?>
+<p:sld xmlns:a="http://schemas.openxmlformats.org/drawingml/2006/main" xmlns:r="http://schemas.openxmlformats.org/officeDocument/2006/relationships" xmlns:p="http://schemas.openxmlformats.org/presentationml/2006/main">
+  <p:cSld>
+    <p:spTree>
+      <p:nvGrpSpPr>
+        <p:cNvPr id="1" name=""/>
+        <p:cNvGrpSpPr/>
+        <p:nvPr/>
+      </p:nvGrpSpPr>
+      <p:grpSpPr>
+        <a:xfrm>
+          <a:off x="0" y="0"/>
+          <a:ext cx="0" cy="0"/>
+          <a:chOff x="0" y="0"/>
+          <a:chExt cx="0" cy="0"/>
+        </a:xfrm>
+      </p:grpSpPr>
+      <p:sp>
+        <p:nvSpPr>
+          <p:cNvPr id="2" name="Titel 1"/>
+          <p:cNvSpPr>
+            <a:spLocks noGrp="1"/>
+          </p:cNvSpPr>
+          <p:nvPr>
+            <p:ph type="title"/>
+          </p:nvPr>
+        </p:nvSpPr>
+        <p:spPr/>
+        <p:txBody>
+          <a:bodyPr/>
+          <a:lstStyle/>
+          <a:p>
+            <a:r>
+              <a:rPr lang="de-CH" dirty="0" smtClean="0"/>
+              <a:t>Features</a:t>
+            </a:r>
+            <a:endParaRPr lang="de-CH" dirty="0"/>
+          </a:p>
+        </p:txBody>
+      </p:sp>
+      <p:sp>
+        <p:nvSpPr>
+          <p:cNvPr id="3" name="Inhaltsplatzhalter 2"/>
+          <p:cNvSpPr>
+            <a:spLocks noGrp="1"/>
+          </p:cNvSpPr>
+          <p:nvPr>
+            <p:ph idx="1"/>
+          </p:nvPr>
+        </p:nvSpPr>
+        <p:spPr/>
+        <p:txBody>
+          <a:bodyPr/>
+          <a:lstStyle/>
+          <a:p>
+            <a:pPr marL="0" indent="0">
+              <a:buNone/>
+            </a:pPr>
+            <a:endParaRPr lang="de-CH" dirty="0" smtClean="0"/>
+          </a:p>
+          <a:p>
+            <a:pPr marL="0" indent="0">
+              <a:buNone/>
+            </a:pPr>
+            <a:r>
+              <a:rPr lang="de-CH" dirty="0" err="1" smtClean="0"/>
+              <a:t>Built</a:t>
+            </a:r>
+            <a:r>
+              <a:rPr lang="de-CH" dirty="0" smtClean="0"/>
+              <a:t>-in </a:t>
+            </a:r>
+            <a:r>
+              <a:rPr lang="de-CH" dirty="0" err="1" smtClean="0"/>
+              <a:t>renderings</a:t>
+            </a:r>
+            <a:r>
+              <a:rPr lang="de-CH" dirty="0" smtClean="0"/>
+              <a:t> </a:t>
+            </a:r>
+            <a:r>
+              <a:rPr lang="de-CH" dirty="0" err="1" smtClean="0"/>
+              <a:t>for</a:t>
+            </a:r>
+            <a:r>
+              <a:rPr lang="de-CH" dirty="0" smtClean="0"/>
+              <a:t> </a:t>
+            </a:r>
+            <a:r>
+              <a:rPr lang="de-CH" dirty="0" err="1" smtClean="0"/>
+              <a:t>common</a:t>
+            </a:r>
+            <a:r>
+              <a:rPr lang="de-CH" dirty="0" smtClean="0"/>
+              <a:t> </a:t>
+            </a:r>
+            <a:r>
+              <a:rPr lang="de-CH" dirty="0" err="1" smtClean="0"/>
+              <a:t>data</a:t>
+            </a:r>
+            <a:r>
+              <a:rPr lang="de-CH" dirty="0" smtClean="0"/>
+              <a:t> </a:t>
+            </a:r>
+            <a:r>
+              <a:rPr lang="de-CH" dirty="0" err="1" smtClean="0"/>
+              <a:t>types</a:t>
+            </a:r>
+            <a:endParaRPr lang="de-CH" dirty="0" smtClean="0"/>
+          </a:p>
+          <a:p>
+            <a:pPr marL="0" indent="0">
+              <a:buNone/>
+            </a:pPr>
+            <a:r>
+              <a:rPr lang="de-CH" dirty="0"/>
+              <a:t>(</a:t>
+            </a:r>
+            <a:r>
+              <a:rPr lang="de-CH" dirty="0" smtClean="0"/>
+              <a:t>Array, List, Color etc.)</a:t>
+            </a:r>
+          </a:p>
+        </p:txBody>
+      </p:sp>
+    </p:spTree>
+    <p:extLst>
+      <p:ext uri="{BB962C8B-B14F-4D97-AF65-F5344CB8AC3E}">
+        <p14:creationId xmlns:p14="http://schemas.microsoft.com/office/powerpoint/2010/main" val="703156374"/>
+      </p:ext>
+    </p:extLst>
+  </p:cSld>
+  <p:clrMapOvr>
+    <a:masterClrMapping/>
+  </p:clrMapOvr>
+  <p:timing>
+    <p:tnLst>
+      <p:par>
+        <p:cTn id="1" dur="indefinite" restart="never" nodeType="tmRoot"/>
+      </p:par>
+    </p:tnLst>
+  </p:timing>
+</p:sld>
+</file>
+
+<file path=ppt/slides/slide6.xml><?xml version="1.0" encoding="utf-8"?>
+<p:sld xmlns:a="http://schemas.openxmlformats.org/drawingml/2006/main" xmlns:r="http://schemas.openxmlformats.org/officeDocument/2006/relationships" xmlns:p="http://schemas.openxmlformats.org/presentationml/2006/main">
+  <p:cSld>
+    <p:spTree>
+      <p:nvGrpSpPr>
+        <p:cNvPr id="1" name=""/>
+        <p:cNvGrpSpPr/>
+        <p:nvPr/>
+      </p:nvGrpSpPr>
+      <p:grpSpPr>
+        <a:xfrm>
+          <a:off x="0" y="0"/>
+          <a:ext cx="0" cy="0"/>
+          <a:chOff x="0" y="0"/>
+          <a:chExt cx="0" cy="0"/>
+        </a:xfrm>
+      </p:grpSpPr>
+      <p:sp>
+        <p:nvSpPr>
+          <p:cNvPr id="2" name="Titel 1"/>
+          <p:cNvSpPr>
+            <a:spLocks noGrp="1"/>
+          </p:cNvSpPr>
+          <p:nvPr>
+            <p:ph type="title"/>
+          </p:nvPr>
+        </p:nvSpPr>
+        <p:spPr/>
+        <p:txBody>
+          <a:bodyPr/>
+          <a:lstStyle/>
+          <a:p>
+            <a:r>
+              <a:rPr lang="de-CH" dirty="0" smtClean="0"/>
+              <a:t>Features</a:t>
+            </a:r>
+            <a:endParaRPr lang="de-CH" dirty="0"/>
+          </a:p>
+        </p:txBody>
+      </p:sp>
+      <p:sp>
+        <p:nvSpPr>
+          <p:cNvPr id="3" name="Inhaltsplatzhalter 2"/>
+          <p:cNvSpPr>
+            <a:spLocks noGrp="1"/>
+          </p:cNvSpPr>
+          <p:nvPr>
+            <p:ph idx="1"/>
+          </p:nvPr>
+        </p:nvSpPr>
+        <p:spPr/>
+        <p:txBody>
+          <a:bodyPr/>
+          <a:lstStyle/>
+          <a:p>
+            <a:pPr marL="0" indent="0">
+              <a:buNone/>
+            </a:pPr>
+            <a:endParaRPr lang="de-CH" dirty="0" smtClean="0"/>
+          </a:p>
+          <a:p>
+            <a:pPr marL="0" indent="0">
+              <a:buNone/>
+            </a:pPr>
+            <a:r>
+              <a:rPr lang="de-CH" dirty="0" smtClean="0"/>
+              <a:t>Default </a:t>
+            </a:r>
+            <a:r>
+              <a:rPr lang="de-CH" dirty="0" err="1" smtClean="0"/>
+              <a:t>rendering</a:t>
+            </a:r>
+            <a:r>
+              <a:rPr lang="de-CH" dirty="0" smtClean="0"/>
+              <a:t> </a:t>
+            </a:r>
+            <a:r>
+              <a:rPr lang="de-CH" dirty="0" err="1" smtClean="0"/>
+              <a:t>for</a:t>
+            </a:r>
+            <a:r>
+              <a:rPr lang="de-CH" dirty="0" smtClean="0"/>
+              <a:t> </a:t>
+            </a:r>
+            <a:r>
+              <a:rPr lang="de-CH" dirty="0" err="1" smtClean="0"/>
+              <a:t>every</a:t>
+            </a:r>
+            <a:r>
+              <a:rPr lang="de-CH" dirty="0" smtClean="0"/>
+              <a:t> (non-</a:t>
+            </a:r>
+            <a:r>
+              <a:rPr lang="de-CH" dirty="0" err="1" smtClean="0"/>
+              <a:t>common</a:t>
+            </a:r>
+            <a:r>
+              <a:rPr lang="de-CH" dirty="0" smtClean="0"/>
+              <a:t>) </a:t>
+            </a:r>
+            <a:r>
+              <a:rPr lang="de-CH" dirty="0" err="1" smtClean="0"/>
+              <a:t>object</a:t>
+            </a:r>
+            <a:r>
+              <a:rPr lang="de-CH" dirty="0" smtClean="0"/>
+              <a:t> type, i. e. </a:t>
+            </a:r>
+            <a:r>
+              <a:rPr lang="de-CH" dirty="0" err="1" smtClean="0"/>
+              <a:t>rendering</a:t>
+            </a:r>
+            <a:r>
+              <a:rPr lang="de-CH" dirty="0" smtClean="0"/>
+              <a:t> </a:t>
+            </a:r>
+            <a:r>
+              <a:rPr lang="de-CH" dirty="0" err="1" smtClean="0"/>
+              <a:t>for</a:t>
+            </a:r>
+            <a:r>
+              <a:rPr lang="de-CH" dirty="0" smtClean="0"/>
+              <a:t> type </a:t>
+            </a:r>
+            <a:r>
+              <a:rPr lang="de-CH" i="1" dirty="0" err="1" smtClean="0"/>
+              <a:t>object</a:t>
+            </a:r>
+            <a:endParaRPr lang="de-CH" dirty="0"/>
+          </a:p>
+        </p:txBody>
+      </p:sp>
+    </p:spTree>
+    <p:extLst>
+      <p:ext uri="{BB962C8B-B14F-4D97-AF65-F5344CB8AC3E}">
+        <p14:creationId xmlns:p14="http://schemas.microsoft.com/office/powerpoint/2010/main" val="856655580"/>
+      </p:ext>
+    </p:extLst>
+  </p:cSld>
+  <p:clrMapOvr>
+    <a:masterClrMapping/>
+  </p:clrMapOvr>
+  <p:timing>
+    <p:tnLst>
+      <p:par>
+        <p:cTn id="1" dur="indefinite" restart="never" nodeType="tmRoot"/>
+      </p:par>
+    </p:tnLst>
+  </p:timing>
+</p:sld>
+</file>
+
+<file path=ppt/slides/slide7.xml><?xml version="1.0" encoding="utf-8"?>
+<p:sld xmlns:a="http://schemas.openxmlformats.org/drawingml/2006/main" xmlns:r="http://schemas.openxmlformats.org/officeDocument/2006/relationships" xmlns:p="http://schemas.openxmlformats.org/presentationml/2006/main">
+  <p:cSld>
+    <p:spTree>
+      <p:nvGrpSpPr>
+        <p:cNvPr id="1" name=""/>
+        <p:cNvGrpSpPr/>
+        <p:nvPr/>
+      </p:nvGrpSpPr>
+      <p:grpSpPr>
+        <a:xfrm>
+          <a:off x="0" y="0"/>
+          <a:ext cx="0" cy="0"/>
+          <a:chOff x="0" y="0"/>
+          <a:chExt cx="0" cy="0"/>
+        </a:xfrm>
+      </p:grpSpPr>
+      <p:sp>
+        <p:nvSpPr>
+          <p:cNvPr id="2" name="Titel 1"/>
+          <p:cNvSpPr>
+            <a:spLocks noGrp="1"/>
+          </p:cNvSpPr>
+          <p:nvPr>
+            <p:ph type="title"/>
+          </p:nvPr>
+        </p:nvSpPr>
+        <p:spPr/>
+        <p:txBody>
+          <a:bodyPr/>
+          <a:lstStyle/>
+          <a:p>
+            <a:r>
+              <a:rPr lang="de-CH" dirty="0" smtClean="0"/>
+              <a:t>Features</a:t>
+            </a:r>
+            <a:endParaRPr lang="de-CH" dirty="0"/>
+          </a:p>
+        </p:txBody>
+      </p:sp>
+      <p:sp>
+        <p:nvSpPr>
+          <p:cNvPr id="3" name="Inhaltsplatzhalter 2"/>
+          <p:cNvSpPr>
+            <a:spLocks noGrp="1"/>
+          </p:cNvSpPr>
+          <p:nvPr>
+            <p:ph idx="1"/>
+          </p:nvPr>
+        </p:nvSpPr>
+        <p:spPr/>
+        <p:txBody>
+          <a:bodyPr/>
+          <a:lstStyle/>
+          <a:p>
+            <a:endParaRPr lang="de-CH" dirty="0" smtClean="0"/>
+          </a:p>
+          <a:p>
+            <a:pPr marL="0" indent="0">
+              <a:buNone/>
+            </a:pPr>
+            <a:r>
+              <a:rPr lang="de-CH" dirty="0" err="1" smtClean="0"/>
+              <a:t>Expandable</a:t>
+            </a:r>
+            <a:r>
+              <a:rPr lang="de-CH" dirty="0" smtClean="0"/>
+              <a:t>:</a:t>
+            </a:r>
+          </a:p>
+          <a:p>
+            <a:pPr marL="0" indent="0">
+              <a:buNone/>
+            </a:pPr>
+            <a:r>
+              <a:rPr lang="de-CH" dirty="0" err="1" smtClean="0"/>
+              <a:t>Plugins</a:t>
+            </a:r>
+            <a:r>
+              <a:rPr lang="de-CH" dirty="0" smtClean="0"/>
+              <a:t> </a:t>
+            </a:r>
+            <a:r>
+              <a:rPr lang="de-CH" dirty="0" err="1" smtClean="0"/>
+              <a:t>for</a:t>
+            </a:r>
+            <a:r>
+              <a:rPr lang="de-CH" dirty="0" smtClean="0"/>
+              <a:t> </a:t>
+            </a:r>
+            <a:r>
+              <a:rPr lang="de-CH" dirty="0" err="1" smtClean="0"/>
+              <a:t>own</a:t>
+            </a:r>
+            <a:r>
+              <a:rPr lang="de-CH" dirty="0" smtClean="0"/>
+              <a:t> </a:t>
+            </a:r>
+            <a:r>
+              <a:rPr lang="de-CH" dirty="0" err="1" smtClean="0"/>
+              <a:t>data</a:t>
+            </a:r>
+            <a:r>
+              <a:rPr lang="de-CH" dirty="0" smtClean="0"/>
+              <a:t> </a:t>
+            </a:r>
+            <a:r>
+              <a:rPr lang="de-CH" dirty="0" err="1" smtClean="0"/>
+              <a:t>types</a:t>
+            </a:r>
+            <a:endParaRPr lang="de-CH" dirty="0" smtClean="0"/>
+          </a:p>
+          <a:p>
+            <a:pPr marL="0" indent="0">
+              <a:buNone/>
+            </a:pPr>
+            <a:endParaRPr lang="de-CH" dirty="0"/>
+          </a:p>
+          <a:p>
+            <a:pPr marL="0" indent="0">
+              <a:buNone/>
+            </a:pPr>
+            <a:r>
+              <a:rPr lang="de-CH" sz="2400" dirty="0" err="1">
+                <a:latin typeface="Courier New" pitchFamily="49" charset="0"/>
+                <a:cs typeface="Courier New" pitchFamily="49" charset="0"/>
+              </a:rPr>
+              <a:t>public</a:t>
+            </a:r>
+            <a:r>
+              <a:rPr lang="de-CH" sz="2400" dirty="0">
+                <a:latin typeface="Courier New" pitchFamily="49" charset="0"/>
+                <a:cs typeface="Courier New" pitchFamily="49" charset="0"/>
+              </a:rPr>
+              <a:t> </a:t>
+            </a:r>
+            <a:r>
+              <a:rPr lang="de-CH" sz="2400" dirty="0" err="1">
+                <a:latin typeface="Courier New" pitchFamily="49" charset="0"/>
+                <a:cs typeface="Courier New" pitchFamily="49" charset="0"/>
+              </a:rPr>
+              <a:t>class</a:t>
+            </a:r>
+            <a:r>
+              <a:rPr lang="de-CH" sz="2400" dirty="0">
+                <a:latin typeface="Courier New" pitchFamily="49" charset="0"/>
+                <a:cs typeface="Courier New" pitchFamily="49" charset="0"/>
+              </a:rPr>
+              <a:t> </a:t>
+            </a:r>
+            <a:r>
+              <a:rPr lang="de-CH" sz="2400" b="1" dirty="0" err="1" smtClean="0">
+                <a:latin typeface="Courier New" pitchFamily="49" charset="0"/>
+                <a:cs typeface="Courier New" pitchFamily="49" charset="0"/>
+              </a:rPr>
+              <a:t>MyPlugin</a:t>
+            </a:r>
+            <a:r>
+              <a:rPr lang="de-CH" sz="2400" dirty="0" smtClean="0">
+                <a:latin typeface="Courier New" pitchFamily="49" charset="0"/>
+                <a:cs typeface="Courier New" pitchFamily="49" charset="0"/>
+              </a:rPr>
+              <a:t> </a:t>
+            </a:r>
+            <a:r>
+              <a:rPr lang="de-CH" sz="2400" dirty="0" err="1">
+                <a:latin typeface="Courier New" pitchFamily="49" charset="0"/>
+                <a:cs typeface="Courier New" pitchFamily="49" charset="0"/>
+              </a:rPr>
+              <a:t>extends</a:t>
+            </a:r>
+            <a:r>
+              <a:rPr lang="de-CH" sz="2400" dirty="0">
+                <a:latin typeface="Courier New" pitchFamily="49" charset="0"/>
+                <a:cs typeface="Courier New" pitchFamily="49" charset="0"/>
+              </a:rPr>
+              <a:t> </a:t>
+            </a:r>
+            <a:r>
+              <a:rPr lang="de-CH" sz="2400" b="1" dirty="0" err="1">
+                <a:latin typeface="Courier New" pitchFamily="49" charset="0"/>
+                <a:cs typeface="Courier New" pitchFamily="49" charset="0"/>
+              </a:rPr>
+              <a:t>AbstractPlugin</a:t>
+            </a:r>
+            <a:endParaRPr lang="de-CH" sz="2400" b="1" dirty="0">
+              <a:latin typeface="Courier New" pitchFamily="49" charset="0"/>
+              <a:cs typeface="Courier New" pitchFamily="49" charset="0"/>
+            </a:endParaRPr>
+          </a:p>
+        </p:txBody>
+      </p:sp>
+    </p:spTree>
+    <p:extLst>
+      <p:ext uri="{BB962C8B-B14F-4D97-AF65-F5344CB8AC3E}">
+        <p14:creationId xmlns:p14="http://schemas.microsoft.com/office/powerpoint/2010/main" val="2108258840"/>
+      </p:ext>
+    </p:extLst>
+  </p:cSld>
+  <p:clrMapOvr>
+    <a:masterClrMapping/>
+  </p:clrMapOvr>
+  <p:timing>
+    <p:tnLst>
+      <p:par>
+        <p:cTn id="1" dur="indefinite" restart="never" nodeType="tmRoot"/>
+      </p:par>
+    </p:tnLst>
+  </p:timing>
+</p:sld>
+</file>
+
+<file path=ppt/slides/slide8.xml><?xml version="1.0" encoding="utf-8"?>
+<p:sld xmlns:a="http://schemas.openxmlformats.org/drawingml/2006/main" xmlns:r="http://schemas.openxmlformats.org/officeDocument/2006/relationships" xmlns:p="http://schemas.openxmlformats.org/presentationml/2006/main">
+  <p:cSld>
+    <p:spTree>
+      <p:nvGrpSpPr>
+        <p:cNvPr id="1" name=""/>
+        <p:cNvGrpSpPr/>
+        <p:nvPr/>
+      </p:nvGrpSpPr>
+      <p:grpSpPr>
+        <a:xfrm>
+          <a:off x="0" y="0"/>
+          <a:ext cx="0" cy="0"/>
+          <a:chOff x="0" y="0"/>
+          <a:chExt cx="0" cy="0"/>
+        </a:xfrm>
+      </p:grpSpPr>
+      <p:sp>
+        <p:nvSpPr>
+          <p:cNvPr id="2" name="Titel 1"/>
+          <p:cNvSpPr>
+            <a:spLocks noGrp="1"/>
+          </p:cNvSpPr>
+          <p:nvPr>
+            <p:ph type="title"/>
+          </p:nvPr>
+        </p:nvSpPr>
+        <p:spPr/>
+        <p:txBody>
+          <a:bodyPr/>
+          <a:lstStyle/>
+          <a:p>
+            <a:r>
+              <a:rPr lang="de-CH" dirty="0" smtClean="0"/>
+              <a:t>Design </a:t>
+            </a:r>
+            <a:r>
+              <a:rPr lang="de-CH" dirty="0" err="1" smtClean="0"/>
+              <a:t>process</a:t>
+            </a:r>
+            <a:endParaRPr lang="de-CH" dirty="0"/>
+          </a:p>
+        </p:txBody>
+      </p:sp>
+      <p:sp>
+        <p:nvSpPr>
+          <p:cNvPr id="3" name="Inhaltsplatzhalter 2"/>
+          <p:cNvSpPr>
+            <a:spLocks noGrp="1"/>
+          </p:cNvSpPr>
+          <p:nvPr>
+            <p:ph idx="1"/>
+          </p:nvPr>
+        </p:nvSpPr>
+        <p:spPr/>
+        <p:txBody>
+          <a:bodyPr/>
+          <a:lstStyle/>
+          <a:p>
+            <a:pPr marL="0" indent="0">
+              <a:buNone/>
+            </a:pPr>
+            <a:r>
+              <a:rPr lang="de-CH" dirty="0" err="1" smtClean="0"/>
+              <a:t>Analyzing</a:t>
+            </a:r>
+            <a:r>
+              <a:rPr lang="de-CH" dirty="0" smtClean="0"/>
+              <a:t> </a:t>
+            </a:r>
+            <a:r>
+              <a:rPr lang="de-CH" dirty="0" err="1" smtClean="0"/>
+              <a:t>usage</a:t>
+            </a:r>
+            <a:r>
+              <a:rPr lang="de-CH" dirty="0" smtClean="0"/>
+              <a:t> </a:t>
+            </a:r>
+            <a:r>
+              <a:rPr lang="de-CH" dirty="0" err="1" smtClean="0"/>
+              <a:t>of</a:t>
+            </a:r>
+            <a:r>
+              <a:rPr lang="de-CH" dirty="0" smtClean="0"/>
+              <a:t> </a:t>
+            </a:r>
+            <a:r>
+              <a:rPr lang="de-CH" i="1" dirty="0" err="1" smtClean="0"/>
+              <a:t>printOn</a:t>
+            </a:r>
+            <a:r>
+              <a:rPr lang="de-CH" i="1" dirty="0" smtClean="0"/>
+              <a:t>:</a:t>
+            </a:r>
+            <a:r>
+              <a:rPr lang="de-CH" dirty="0" smtClean="0"/>
+              <a:t> in </a:t>
+            </a:r>
+            <a:r>
+              <a:rPr lang="de-CH" dirty="0" err="1" smtClean="0"/>
+              <a:t>SqueakSource</a:t>
+            </a:r>
+            <a:r>
+              <a:rPr lang="de-CH" dirty="0" smtClean="0"/>
+              <a:t>:</a:t>
+            </a:r>
+          </a:p>
+          <a:p>
+            <a:pPr marL="0" indent="0">
+              <a:buNone/>
+            </a:pPr>
+            <a:r>
+              <a:rPr lang="de-CH" dirty="0" smtClean="0"/>
+              <a:t>590 </a:t>
+            </a:r>
+            <a:r>
+              <a:rPr lang="de-CH" dirty="0" err="1" smtClean="0"/>
+              <a:t>of</a:t>
+            </a:r>
+            <a:r>
+              <a:rPr lang="de-CH" dirty="0" smtClean="0"/>
+              <a:t> 2145 </a:t>
+            </a:r>
+            <a:r>
+              <a:rPr lang="de-CH" dirty="0" err="1" smtClean="0"/>
+              <a:t>projects</a:t>
+            </a:r>
+            <a:r>
+              <a:rPr lang="de-CH" dirty="0" smtClean="0"/>
+              <a:t> </a:t>
+            </a:r>
+            <a:r>
+              <a:rPr lang="de-CH" dirty="0" err="1" smtClean="0"/>
+              <a:t>override</a:t>
+            </a:r>
+            <a:r>
+              <a:rPr lang="de-CH" dirty="0" smtClean="0"/>
+              <a:t> </a:t>
+            </a:r>
+            <a:r>
+              <a:rPr lang="de-CH" i="1" dirty="0" err="1" smtClean="0"/>
+              <a:t>printOn</a:t>
+            </a:r>
+            <a:r>
+              <a:rPr lang="de-CH" i="1" dirty="0" smtClean="0"/>
+              <a:t>: </a:t>
+            </a:r>
+            <a:r>
+              <a:rPr lang="de-CH" dirty="0" err="1" smtClean="0"/>
+              <a:t>methods</a:t>
+            </a:r>
+            <a:endParaRPr lang="de-CH" dirty="0"/>
+          </a:p>
+          <a:p>
+            <a:pPr marL="0" indent="0">
+              <a:buNone/>
+            </a:pPr>
+            <a:r>
+              <a:rPr lang="de-CH" dirty="0" smtClean="0"/>
+              <a:t>(2688 </a:t>
+            </a:r>
+            <a:r>
+              <a:rPr lang="de-CH" i="1" dirty="0" err="1" smtClean="0"/>
+              <a:t>printOn</a:t>
+            </a:r>
+            <a:r>
+              <a:rPr lang="de-CH" i="1" dirty="0" smtClean="0"/>
+              <a:t>: </a:t>
+            </a:r>
+            <a:r>
+              <a:rPr lang="de-CH" dirty="0" err="1" smtClean="0"/>
+              <a:t>methods</a:t>
+            </a:r>
+            <a:r>
+              <a:rPr lang="de-CH" dirty="0" smtClean="0"/>
+              <a:t>)</a:t>
+            </a:r>
+          </a:p>
+          <a:p>
+            <a:pPr marL="0" indent="0">
+              <a:buNone/>
+            </a:pPr>
+            <a:endParaRPr lang="de-CH" i="1" dirty="0" smtClean="0"/>
+          </a:p>
+          <a:p>
+            <a:r>
+              <a:rPr lang="de-CH" dirty="0" smtClean="0"/>
+              <a:t>77 % </a:t>
+            </a:r>
+            <a:r>
+              <a:rPr lang="de-CH" dirty="0" err="1" smtClean="0"/>
+              <a:t>percent</a:t>
+            </a:r>
+            <a:r>
+              <a:rPr lang="de-CH" dirty="0" smtClean="0"/>
+              <a:t> </a:t>
+            </a:r>
+            <a:r>
+              <a:rPr lang="de-CH" dirty="0" err="1" smtClean="0"/>
+              <a:t>include</a:t>
+            </a:r>
+            <a:r>
+              <a:rPr lang="de-CH" dirty="0" smtClean="0"/>
+              <a:t> </a:t>
+            </a:r>
+            <a:r>
+              <a:rPr lang="de-CH" dirty="0" err="1" smtClean="0"/>
+              <a:t>own</a:t>
+            </a:r>
+            <a:r>
+              <a:rPr lang="de-CH" dirty="0" smtClean="0"/>
+              <a:t> </a:t>
+            </a:r>
+            <a:r>
+              <a:rPr lang="de-CH" dirty="0" err="1" smtClean="0"/>
+              <a:t>class</a:t>
+            </a:r>
+            <a:r>
+              <a:rPr lang="de-CH" dirty="0" smtClean="0"/>
+              <a:t> </a:t>
+            </a:r>
+            <a:r>
+              <a:rPr lang="de-CH" dirty="0" err="1" smtClean="0"/>
+              <a:t>name</a:t>
+            </a:r>
+            <a:r>
+              <a:rPr lang="de-CH" dirty="0" smtClean="0"/>
+              <a:t>!</a:t>
+            </a:r>
+          </a:p>
+          <a:p>
+            <a:r>
+              <a:rPr lang="de-CH" dirty="0" smtClean="0"/>
+              <a:t>ASCII-</a:t>
+            </a:r>
+            <a:r>
+              <a:rPr lang="de-CH" dirty="0" err="1" smtClean="0"/>
+              <a:t>graphics</a:t>
+            </a:r>
+            <a:r>
+              <a:rPr lang="de-CH" dirty="0" smtClean="0"/>
+              <a:t> </a:t>
+            </a:r>
+            <a:r>
+              <a:rPr lang="de-CH" dirty="0" err="1" smtClean="0"/>
+              <a:t>are</a:t>
+            </a:r>
+            <a:r>
+              <a:rPr lang="de-CH" dirty="0" smtClean="0"/>
+              <a:t> </a:t>
+            </a:r>
+            <a:r>
+              <a:rPr lang="de-CH" dirty="0" err="1" smtClean="0"/>
+              <a:t>made</a:t>
+            </a:r>
+            <a:r>
+              <a:rPr lang="de-CH" dirty="0" smtClean="0"/>
+              <a:t> (e.g. </a:t>
+            </a:r>
+            <a:r>
+              <a:rPr lang="de-CH" dirty="0" err="1" smtClean="0"/>
+              <a:t>for</a:t>
+            </a:r>
+            <a:r>
+              <a:rPr lang="de-CH" dirty="0" smtClean="0"/>
+              <a:t> </a:t>
+            </a:r>
+            <a:r>
+              <a:rPr lang="de-CH" dirty="0" err="1" smtClean="0"/>
+              <a:t>matrices</a:t>
+            </a:r>
+            <a:r>
+              <a:rPr lang="de-CH" dirty="0" smtClean="0"/>
+              <a:t>)</a:t>
+            </a:r>
+          </a:p>
+        </p:txBody>
+      </p:sp>
+    </p:spTree>
+    <p:extLst>
+      <p:ext uri="{BB962C8B-B14F-4D97-AF65-F5344CB8AC3E}">
+        <p14:creationId xmlns:p14="http://schemas.microsoft.com/office/powerpoint/2010/main" val="1554138759"/>
+      </p:ext>
+    </p:extLst>
+  </p:cSld>
+  <p:clrMapOvr>
+    <a:masterClrMapping/>
+  </p:clrMapOvr>
+  <p:timing>
+    <p:tnLst>
+      <p:par>
+        <p:cTn id="1" dur="indefinite" restart="never" nodeType="tmRoot"/>
+      </p:par>
+    </p:tnLst>
+  </p:timing>
+</p:sld>
+</file>
+
+<file path=ppt/slides/slide9.xml><?xml version="1.0" encoding="utf-8"?>
+<p:sld xmlns:a="http://schemas.openxmlformats.org/drawingml/2006/main" xmlns:r="http://schemas.openxmlformats.org/officeDocument/2006/relationships" xmlns:p="http://schemas.openxmlformats.org/presentationml/2006/main">
+  <p:cSld>
+    <p:spTree>
+      <p:nvGrpSpPr>
+        <p:cNvPr id="1" name=""/>
+        <p:cNvGrpSpPr/>
+        <p:nvPr/>
+      </p:nvGrpSpPr>
+      <p:grpSpPr>
+        <a:xfrm>
+          <a:off x="0" y="0"/>
+          <a:ext cx="0" cy="0"/>
+          <a:chOff x="0" y="0"/>
+          <a:chExt cx="0" cy="0"/>
+        </a:xfrm>
+      </p:grpSpPr>
+      <p:sp>
+        <p:nvSpPr>
+          <p:cNvPr id="2" name="Titel 1"/>
+          <p:cNvSpPr>
+            <a:spLocks noGrp="1"/>
+          </p:cNvSpPr>
+          <p:nvPr>
+            <p:ph type="title"/>
+          </p:nvPr>
+        </p:nvSpPr>
+        <p:spPr/>
+        <p:txBody>
+          <a:bodyPr/>
+          <a:lstStyle/>
+          <a:p>
+            <a:r>
+              <a:rPr lang="de-CH" dirty="0" smtClean="0"/>
+              <a:t>Design </a:t>
+            </a:r>
+            <a:r>
+              <a:rPr lang="de-CH" dirty="0" err="1" smtClean="0"/>
+              <a:t>process</a:t>
+            </a:r>
+            <a:endParaRPr lang="de-CH" dirty="0"/>
+          </a:p>
+        </p:txBody>
+      </p:sp>
+      <p:sp>
+        <p:nvSpPr>
+          <p:cNvPr id="3" name="Inhaltsplatzhalter 2"/>
+          <p:cNvSpPr>
+            <a:spLocks noGrp="1"/>
+          </p:cNvSpPr>
+          <p:nvPr>
+            <p:ph idx="1"/>
+          </p:nvPr>
+        </p:nvSpPr>
+        <p:spPr/>
+        <p:txBody>
+          <a:bodyPr/>
+          <a:lstStyle/>
+          <a:p>
+            <a:pPr marL="0" indent="0">
+              <a:buNone/>
+            </a:pPr>
+            <a:r>
+              <a:rPr lang="de-CH" dirty="0" err="1" smtClean="0"/>
+              <a:t>Sketching</a:t>
+            </a:r>
+            <a:r>
+              <a:rPr lang="de-CH" dirty="0" smtClean="0"/>
+              <a:t> </a:t>
+            </a:r>
+            <a:r>
+              <a:rPr lang="de-CH" dirty="0" err="1" smtClean="0"/>
+              <a:t>visualizations</a:t>
+            </a:r>
+            <a:r>
+              <a:rPr lang="de-CH" dirty="0" smtClean="0"/>
+              <a:t> </a:t>
+            </a:r>
+            <a:r>
+              <a:rPr lang="de-CH" dirty="0" err="1" smtClean="0"/>
+              <a:t>and</a:t>
+            </a:r>
+            <a:endParaRPr lang="de-CH" dirty="0"/>
+          </a:p>
+          <a:p>
+            <a:pPr marL="0" indent="0">
+              <a:buNone/>
+            </a:pPr>
+            <a:r>
+              <a:rPr lang="de-CH" dirty="0" err="1" smtClean="0"/>
+              <a:t>corresponding</a:t>
+            </a:r>
+            <a:r>
+              <a:rPr lang="de-CH" dirty="0" smtClean="0"/>
+              <a:t> </a:t>
+            </a:r>
+            <a:r>
+              <a:rPr lang="de-CH" dirty="0" err="1" smtClean="0"/>
+              <a:t>code</a:t>
+            </a:r>
+            <a:r>
+              <a:rPr lang="de-CH" dirty="0" smtClean="0"/>
+              <a:t> </a:t>
+            </a:r>
+            <a:r>
+              <a:rPr lang="de-CH" dirty="0" err="1" smtClean="0"/>
+              <a:t>snipplets</a:t>
+            </a:r>
+            <a:endParaRPr lang="de-CH" dirty="0"/>
+          </a:p>
+        </p:txBody>
+      </p:sp>
+      <p:pic>
+        <p:nvPicPr>
+          <p:cNvPr id="1026" name="Picture 2" descr="C:\Users\Cedric Reichenbach\students-cedric-DoodleDebug\DoodleDebug\pics\design sketches\image1.jpg"/>
+          <p:cNvPicPr>
+            <a:picLocks noChangeAspect="1" noChangeArrowheads="1"/>
+          </p:cNvPicPr>
+          <p:nvPr/>
+        </p:nvPicPr>
+        <p:blipFill rotWithShape="1">
+          <a:blip r:embed="rId2">
+            <a:extLst>
+              <a:ext uri="{BEBA8EAE-BF5A-486C-A8C5-ECC9F3942E4B}">
+                <a14:imgProps xmlns:a14="http://schemas.microsoft.com/office/drawing/2010/main">
+                  <a14:imgLayer r:embed="rId3">
+                    <a14:imgEffect>
+                      <a14:brightnessContrast bright="25000" contrast="-20000"/>
+                    </a14:imgEffect>
+                  </a14:imgLayer>
+                </a14:imgProps>
+              </a:ext>
+              <a:ext uri="{28A0092B-C50C-407E-A947-70E740481C1C}">
+                <a14:useLocalDpi xmlns:a14="http://schemas.microsoft.com/office/drawing/2010/main" val="0"/>
+              </a:ext>
+            </a:extLst>
+          </a:blip>
+          <a:srcRect l="3495" t="17509" r="1635" b="19924"/>
+          <a:stretch/>
+        </p:blipFill>
+        <p:spPr bwMode="auto">
+          <a:xfrm>
+            <a:off x="395536" y="2924944"/>
+            <a:ext cx="8221106" cy="3614869"/>
+          </a:xfrm>
+          <a:prstGeom prst="rect">
+            <a:avLst/>
+          </a:prstGeom>
+          <a:noFill/>
+          <a:extLst>
+            <a:ext uri="{909E8E84-426E-40DD-AFC4-6F175D3DCCD1}">
+              <a14:hiddenFill xmlns:a14="http://schemas.microsoft.com/office/drawing/2010/main">
+                <a:solidFill>
+                  <a:srgbClr val="FFFFFF"/>
+                </a:solidFill>
+              </a14:hiddenFill>
+            </a:ext>
+          </a:extLst>
+        </p:spPr>
+      </p:pic>
+    </p:spTree>
+    <p:extLst>
+      <p:ext uri="{BB962C8B-B14F-4D97-AF65-F5344CB8AC3E}">
+        <p14:creationId xmlns:p14="http://schemas.microsoft.com/office/powerpoint/2010/main" val="2388336147"/>
       </p:ext>
     </p:extLst>
   </p:cSld>

--- a/presentations/Demo DoodleDebug Jan-2011.pptx
+++ b/presentations/Demo DoodleDebug Jan-2011.pptx
@@ -4,6 +4,9 @@
   <p:sldMasterIdLst>
     <p:sldMasterId id="2147483648" r:id="rId1"/>
   </p:sldMasterIdLst>
+  <p:notesMasterIdLst>
+    <p:notesMasterId r:id="rId16"/>
+  </p:notesMasterIdLst>
   <p:sldIdLst>
     <p:sldId id="258" r:id="rId2"/>
     <p:sldId id="257" r:id="rId3"/>
@@ -16,8 +19,9 @@
     <p:sldId id="265" r:id="rId10"/>
     <p:sldId id="266" r:id="rId11"/>
     <p:sldId id="267" r:id="rId12"/>
-    <p:sldId id="268" r:id="rId13"/>
-    <p:sldId id="269" r:id="rId14"/>
+    <p:sldId id="270" r:id="rId13"/>
+    <p:sldId id="268" r:id="rId14"/>
+    <p:sldId id="269" r:id="rId15"/>
   </p:sldIdLst>
   <p:sldSz cx="9144000" cy="6858000" type="screen4x3"/>
   <p:notesSz cx="6858000" cy="9144000"/>
@@ -117,6 +121,440 @@
     </a:lvl9pPr>
   </p:defaultTextStyle>
 </p:presentation>
+</file>
+
+<file path=ppt/notesMasters/notesMaster1.xml><?xml version="1.0" encoding="utf-8"?>
+<p:notesMaster xmlns:a="http://schemas.openxmlformats.org/drawingml/2006/main" xmlns:r="http://schemas.openxmlformats.org/officeDocument/2006/relationships" xmlns:p="http://schemas.openxmlformats.org/presentationml/2006/main">
+  <p:cSld>
+    <p:bg>
+      <p:bgRef idx="1001">
+        <a:schemeClr val="bg1"/>
+      </p:bgRef>
+    </p:bg>
+    <p:spTree>
+      <p:nvGrpSpPr>
+        <p:cNvPr id="1" name=""/>
+        <p:cNvGrpSpPr/>
+        <p:nvPr/>
+      </p:nvGrpSpPr>
+      <p:grpSpPr>
+        <a:xfrm>
+          <a:off x="0" y="0"/>
+          <a:ext cx="0" cy="0"/>
+          <a:chOff x="0" y="0"/>
+          <a:chExt cx="0" cy="0"/>
+        </a:xfrm>
+      </p:grpSpPr>
+      <p:sp>
+        <p:nvSpPr>
+          <p:cNvPr id="2" name="Kopfzeilenplatzhalter 1"/>
+          <p:cNvSpPr>
+            <a:spLocks noGrp="1"/>
+          </p:cNvSpPr>
+          <p:nvPr>
+            <p:ph type="hdr" sz="quarter"/>
+          </p:nvPr>
+        </p:nvSpPr>
+        <p:spPr>
+          <a:xfrm>
+            <a:off x="0" y="0"/>
+            <a:ext cx="2971800" cy="457200"/>
+          </a:xfrm>
+          <a:prstGeom prst="rect">
+            <a:avLst/>
+          </a:prstGeom>
+        </p:spPr>
+        <p:txBody>
+          <a:bodyPr vert="horz" lIns="91440" tIns="45720" rIns="91440" bIns="45720" rtlCol="0"/>
+          <a:lstStyle>
+            <a:lvl1pPr algn="l">
+              <a:defRPr sz="1200"/>
+            </a:lvl1pPr>
+          </a:lstStyle>
+          <a:p>
+            <a:endParaRPr lang="de-CH"/>
+          </a:p>
+        </p:txBody>
+      </p:sp>
+      <p:sp>
+        <p:nvSpPr>
+          <p:cNvPr id="3" name="Datumsplatzhalter 2"/>
+          <p:cNvSpPr>
+            <a:spLocks noGrp="1"/>
+          </p:cNvSpPr>
+          <p:nvPr>
+            <p:ph type="dt" idx="1"/>
+          </p:nvPr>
+        </p:nvSpPr>
+        <p:spPr>
+          <a:xfrm>
+            <a:off x="3884613" y="0"/>
+            <a:ext cx="2971800" cy="457200"/>
+          </a:xfrm>
+          <a:prstGeom prst="rect">
+            <a:avLst/>
+          </a:prstGeom>
+        </p:spPr>
+        <p:txBody>
+          <a:bodyPr vert="horz" lIns="91440" tIns="45720" rIns="91440" bIns="45720" rtlCol="0"/>
+          <a:lstStyle>
+            <a:lvl1pPr algn="r">
+              <a:defRPr sz="1200"/>
+            </a:lvl1pPr>
+          </a:lstStyle>
+          <a:p>
+            <a:fld id="{4B521BB1-ECA4-4334-AFFE-C602AFDA5ACF}" type="datetimeFigureOut">
+              <a:rPr lang="de-CH" smtClean="0"/>
+              <a:t>30.01.2012</a:t>
+            </a:fld>
+            <a:endParaRPr lang="de-CH"/>
+          </a:p>
+        </p:txBody>
+      </p:sp>
+      <p:sp>
+        <p:nvSpPr>
+          <p:cNvPr id="4" name="Folienbildplatzhalter 3"/>
+          <p:cNvSpPr>
+            <a:spLocks noGrp="1" noRot="1" noChangeAspect="1"/>
+          </p:cNvSpPr>
+          <p:nvPr>
+            <p:ph type="sldImg" idx="2"/>
+          </p:nvPr>
+        </p:nvSpPr>
+        <p:spPr>
+          <a:xfrm>
+            <a:off x="1143000" y="685800"/>
+            <a:ext cx="4572000" cy="3429000"/>
+          </a:xfrm>
+          <a:prstGeom prst="rect">
+            <a:avLst/>
+          </a:prstGeom>
+          <a:noFill/>
+          <a:ln w="12700">
+            <a:solidFill>
+              <a:prstClr val="black"/>
+            </a:solidFill>
+          </a:ln>
+        </p:spPr>
+        <p:txBody>
+          <a:bodyPr vert="horz" lIns="91440" tIns="45720" rIns="91440" bIns="45720" rtlCol="0" anchor="ctr"/>
+          <a:lstStyle/>
+          <a:p>
+            <a:endParaRPr lang="de-CH"/>
+          </a:p>
+        </p:txBody>
+      </p:sp>
+      <p:sp>
+        <p:nvSpPr>
+          <p:cNvPr id="5" name="Notizenplatzhalter 4"/>
+          <p:cNvSpPr>
+            <a:spLocks noGrp="1"/>
+          </p:cNvSpPr>
+          <p:nvPr>
+            <p:ph type="body" sz="quarter" idx="3"/>
+          </p:nvPr>
+        </p:nvSpPr>
+        <p:spPr>
+          <a:xfrm>
+            <a:off x="685800" y="4343400"/>
+            <a:ext cx="5486400" cy="4114800"/>
+          </a:xfrm>
+          <a:prstGeom prst="rect">
+            <a:avLst/>
+          </a:prstGeom>
+        </p:spPr>
+        <p:txBody>
+          <a:bodyPr vert="horz" lIns="91440" tIns="45720" rIns="91440" bIns="45720" rtlCol="0"/>
+          <a:lstStyle/>
+          <a:p>
+            <a:pPr lvl="0"/>
+            <a:r>
+              <a:rPr lang="de-DE" smtClean="0"/>
+              <a:t>Textmasterformat bearbeiten</a:t>
+            </a:r>
+          </a:p>
+          <a:p>
+            <a:pPr lvl="1"/>
+            <a:r>
+              <a:rPr lang="de-DE" smtClean="0"/>
+              <a:t>Zweite Ebene</a:t>
+            </a:r>
+          </a:p>
+          <a:p>
+            <a:pPr lvl="2"/>
+            <a:r>
+              <a:rPr lang="de-DE" smtClean="0"/>
+              <a:t>Dritte Ebene</a:t>
+            </a:r>
+          </a:p>
+          <a:p>
+            <a:pPr lvl="3"/>
+            <a:r>
+              <a:rPr lang="de-DE" smtClean="0"/>
+              <a:t>Vierte Ebene</a:t>
+            </a:r>
+          </a:p>
+          <a:p>
+            <a:pPr lvl="4"/>
+            <a:r>
+              <a:rPr lang="de-DE" smtClean="0"/>
+              <a:t>Fünfte Ebene</a:t>
+            </a:r>
+            <a:endParaRPr lang="de-CH"/>
+          </a:p>
+        </p:txBody>
+      </p:sp>
+      <p:sp>
+        <p:nvSpPr>
+          <p:cNvPr id="6" name="Fußzeilenplatzhalter 5"/>
+          <p:cNvSpPr>
+            <a:spLocks noGrp="1"/>
+          </p:cNvSpPr>
+          <p:nvPr>
+            <p:ph type="ftr" sz="quarter" idx="4"/>
+          </p:nvPr>
+        </p:nvSpPr>
+        <p:spPr>
+          <a:xfrm>
+            <a:off x="0" y="8685213"/>
+            <a:ext cx="2971800" cy="457200"/>
+          </a:xfrm>
+          <a:prstGeom prst="rect">
+            <a:avLst/>
+          </a:prstGeom>
+        </p:spPr>
+        <p:txBody>
+          <a:bodyPr vert="horz" lIns="91440" tIns="45720" rIns="91440" bIns="45720" rtlCol="0" anchor="b"/>
+          <a:lstStyle>
+            <a:lvl1pPr algn="l">
+              <a:defRPr sz="1200"/>
+            </a:lvl1pPr>
+          </a:lstStyle>
+          <a:p>
+            <a:endParaRPr lang="de-CH"/>
+          </a:p>
+        </p:txBody>
+      </p:sp>
+      <p:sp>
+        <p:nvSpPr>
+          <p:cNvPr id="7" name="Foliennummernplatzhalter 6"/>
+          <p:cNvSpPr>
+            <a:spLocks noGrp="1"/>
+          </p:cNvSpPr>
+          <p:nvPr>
+            <p:ph type="sldNum" sz="quarter" idx="5"/>
+          </p:nvPr>
+        </p:nvSpPr>
+        <p:spPr>
+          <a:xfrm>
+            <a:off x="3884613" y="8685213"/>
+            <a:ext cx="2971800" cy="457200"/>
+          </a:xfrm>
+          <a:prstGeom prst="rect">
+            <a:avLst/>
+          </a:prstGeom>
+        </p:spPr>
+        <p:txBody>
+          <a:bodyPr vert="horz" lIns="91440" tIns="45720" rIns="91440" bIns="45720" rtlCol="0" anchor="b"/>
+          <a:lstStyle>
+            <a:lvl1pPr algn="r">
+              <a:defRPr sz="1200"/>
+            </a:lvl1pPr>
+          </a:lstStyle>
+          <a:p>
+            <a:fld id="{19BBA862-DAA4-4280-865A-CD6D2832F65D}" type="slidenum">
+              <a:rPr lang="de-CH" smtClean="0"/>
+              <a:t>‹Nr.›</a:t>
+            </a:fld>
+            <a:endParaRPr lang="de-CH"/>
+          </a:p>
+        </p:txBody>
+      </p:sp>
+    </p:spTree>
+    <p:extLst>
+      <p:ext uri="{BB962C8B-B14F-4D97-AF65-F5344CB8AC3E}">
+        <p14:creationId xmlns:p14="http://schemas.microsoft.com/office/powerpoint/2010/main" val="2441059432"/>
+      </p:ext>
+    </p:extLst>
+  </p:cSld>
+  <p:clrMap bg1="lt1" tx1="dk1" bg2="lt2" tx2="dk2" accent1="accent1" accent2="accent2" accent3="accent3" accent4="accent4" accent5="accent5" accent6="accent6" hlink="hlink" folHlink="folHlink"/>
+  <p:notesStyle>
+    <a:lvl1pPr marL="0" algn="l" defTabSz="914400" rtl="0" eaLnBrk="1" latinLnBrk="0" hangingPunct="1">
+      <a:defRPr sz="1200" kern="1200">
+        <a:solidFill>
+          <a:schemeClr val="tx1"/>
+        </a:solidFill>
+        <a:latin typeface="+mn-lt"/>
+        <a:ea typeface="+mn-ea"/>
+        <a:cs typeface="+mn-cs"/>
+      </a:defRPr>
+    </a:lvl1pPr>
+    <a:lvl2pPr marL="457200" algn="l" defTabSz="914400" rtl="0" eaLnBrk="1" latinLnBrk="0" hangingPunct="1">
+      <a:defRPr sz="1200" kern="1200">
+        <a:solidFill>
+          <a:schemeClr val="tx1"/>
+        </a:solidFill>
+        <a:latin typeface="+mn-lt"/>
+        <a:ea typeface="+mn-ea"/>
+        <a:cs typeface="+mn-cs"/>
+      </a:defRPr>
+    </a:lvl2pPr>
+    <a:lvl3pPr marL="914400" algn="l" defTabSz="914400" rtl="0" eaLnBrk="1" latinLnBrk="0" hangingPunct="1">
+      <a:defRPr sz="1200" kern="1200">
+        <a:solidFill>
+          <a:schemeClr val="tx1"/>
+        </a:solidFill>
+        <a:latin typeface="+mn-lt"/>
+        <a:ea typeface="+mn-ea"/>
+        <a:cs typeface="+mn-cs"/>
+      </a:defRPr>
+    </a:lvl3pPr>
+    <a:lvl4pPr marL="1371600" algn="l" defTabSz="914400" rtl="0" eaLnBrk="1" latinLnBrk="0" hangingPunct="1">
+      <a:defRPr sz="1200" kern="1200">
+        <a:solidFill>
+          <a:schemeClr val="tx1"/>
+        </a:solidFill>
+        <a:latin typeface="+mn-lt"/>
+        <a:ea typeface="+mn-ea"/>
+        <a:cs typeface="+mn-cs"/>
+      </a:defRPr>
+    </a:lvl4pPr>
+    <a:lvl5pPr marL="1828800" algn="l" defTabSz="914400" rtl="0" eaLnBrk="1" latinLnBrk="0" hangingPunct="1">
+      <a:defRPr sz="1200" kern="1200">
+        <a:solidFill>
+          <a:schemeClr val="tx1"/>
+        </a:solidFill>
+        <a:latin typeface="+mn-lt"/>
+        <a:ea typeface="+mn-ea"/>
+        <a:cs typeface="+mn-cs"/>
+      </a:defRPr>
+    </a:lvl5pPr>
+    <a:lvl6pPr marL="2286000" algn="l" defTabSz="914400" rtl="0" eaLnBrk="1" latinLnBrk="0" hangingPunct="1">
+      <a:defRPr sz="1200" kern="1200">
+        <a:solidFill>
+          <a:schemeClr val="tx1"/>
+        </a:solidFill>
+        <a:latin typeface="+mn-lt"/>
+        <a:ea typeface="+mn-ea"/>
+        <a:cs typeface="+mn-cs"/>
+      </a:defRPr>
+    </a:lvl6pPr>
+    <a:lvl7pPr marL="2743200" algn="l" defTabSz="914400" rtl="0" eaLnBrk="1" latinLnBrk="0" hangingPunct="1">
+      <a:defRPr sz="1200" kern="1200">
+        <a:solidFill>
+          <a:schemeClr val="tx1"/>
+        </a:solidFill>
+        <a:latin typeface="+mn-lt"/>
+        <a:ea typeface="+mn-ea"/>
+        <a:cs typeface="+mn-cs"/>
+      </a:defRPr>
+    </a:lvl7pPr>
+    <a:lvl8pPr marL="3200400" algn="l" defTabSz="914400" rtl="0" eaLnBrk="1" latinLnBrk="0" hangingPunct="1">
+      <a:defRPr sz="1200" kern="1200">
+        <a:solidFill>
+          <a:schemeClr val="tx1"/>
+        </a:solidFill>
+        <a:latin typeface="+mn-lt"/>
+        <a:ea typeface="+mn-ea"/>
+        <a:cs typeface="+mn-cs"/>
+      </a:defRPr>
+    </a:lvl8pPr>
+    <a:lvl9pPr marL="3657600" algn="l" defTabSz="914400" rtl="0" eaLnBrk="1" latinLnBrk="0" hangingPunct="1">
+      <a:defRPr sz="1200" kern="1200">
+        <a:solidFill>
+          <a:schemeClr val="tx1"/>
+        </a:solidFill>
+        <a:latin typeface="+mn-lt"/>
+        <a:ea typeface="+mn-ea"/>
+        <a:cs typeface="+mn-cs"/>
+      </a:defRPr>
+    </a:lvl9pPr>
+  </p:notesStyle>
+</p:notesMaster>
+</file>
+
+<file path=ppt/notesSlides/notesSlide1.xml><?xml version="1.0" encoding="utf-8"?>
+<p:notes xmlns:a="http://schemas.openxmlformats.org/drawingml/2006/main" xmlns:r="http://schemas.openxmlformats.org/officeDocument/2006/relationships" xmlns:p="http://schemas.openxmlformats.org/presentationml/2006/main">
+  <p:cSld>
+    <p:spTree>
+      <p:nvGrpSpPr>
+        <p:cNvPr id="1" name=""/>
+        <p:cNvGrpSpPr/>
+        <p:nvPr/>
+      </p:nvGrpSpPr>
+      <p:grpSpPr>
+        <a:xfrm>
+          <a:off x="0" y="0"/>
+          <a:ext cx="0" cy="0"/>
+          <a:chOff x="0" y="0"/>
+          <a:chExt cx="0" cy="0"/>
+        </a:xfrm>
+      </p:grpSpPr>
+      <p:sp>
+        <p:nvSpPr>
+          <p:cNvPr id="2" name="Folienbildplatzhalter 1"/>
+          <p:cNvSpPr>
+            <a:spLocks noGrp="1" noRot="1" noChangeAspect="1"/>
+          </p:cNvSpPr>
+          <p:nvPr>
+            <p:ph type="sldImg"/>
+          </p:nvPr>
+        </p:nvSpPr>
+        <p:spPr/>
+      </p:sp>
+      <p:sp>
+        <p:nvSpPr>
+          <p:cNvPr id="3" name="Notizenplatzhalter 2"/>
+          <p:cNvSpPr>
+            <a:spLocks noGrp="1"/>
+          </p:cNvSpPr>
+          <p:nvPr>
+            <p:ph type="body" idx="1"/>
+          </p:nvPr>
+        </p:nvSpPr>
+        <p:spPr/>
+        <p:txBody>
+          <a:bodyPr/>
+          <a:lstStyle/>
+          <a:p>
+            <a:endParaRPr lang="de-CH" dirty="0"/>
+          </a:p>
+        </p:txBody>
+      </p:sp>
+      <p:sp>
+        <p:nvSpPr>
+          <p:cNvPr id="4" name="Foliennummernplatzhalter 3"/>
+          <p:cNvSpPr>
+            <a:spLocks noGrp="1"/>
+          </p:cNvSpPr>
+          <p:nvPr>
+            <p:ph type="sldNum" sz="quarter" idx="10"/>
+          </p:nvPr>
+        </p:nvSpPr>
+        <p:spPr/>
+        <p:txBody>
+          <a:bodyPr/>
+          <a:lstStyle/>
+          <a:p>
+            <a:fld id="{19BBA862-DAA4-4280-865A-CD6D2832F65D}" type="slidenum">
+              <a:rPr lang="de-CH" smtClean="0"/>
+              <a:t>11</a:t>
+            </a:fld>
+            <a:endParaRPr lang="de-CH"/>
+          </a:p>
+        </p:txBody>
+      </p:sp>
+    </p:spTree>
+    <p:extLst>
+      <p:ext uri="{BB962C8B-B14F-4D97-AF65-F5344CB8AC3E}">
+        <p14:creationId xmlns:p14="http://schemas.microsoft.com/office/powerpoint/2010/main" val="3693726875"/>
+      </p:ext>
+    </p:extLst>
+  </p:cSld>
+  <p:clrMapOvr>
+    <a:masterClrMapping/>
+  </p:clrMapOvr>
+</p:notes>
 </file>
 
 <file path=ppt/slideLayouts/slideLayout1.xml><?xml version="1.0" encoding="utf-8"?>
@@ -3409,9 +3847,167 @@
         </p:nvSpPr>
         <p:spPr/>
         <p:txBody>
-          <a:bodyPr/>
-          <a:lstStyle/>
-          <a:p>
+          <a:bodyPr>
+            <a:normAutofit/>
+          </a:bodyPr>
+          <a:lstStyle/>
+          <a:p>
+            <a:r>
+              <a:rPr lang="de-CH" dirty="0"/>
+              <a:t>Paper: </a:t>
+            </a:r>
+            <a:r>
+              <a:rPr lang="de-CH" i="1" dirty="0" smtClean="0"/>
+              <a:t>«</a:t>
+            </a:r>
+            <a:r>
+              <a:rPr lang="de-CH" i="1" dirty="0" err="1" smtClean="0"/>
+              <a:t>Let's</a:t>
+            </a:r>
+            <a:r>
+              <a:rPr lang="de-CH" i="1" dirty="0" smtClean="0"/>
+              <a:t> </a:t>
+            </a:r>
+            <a:r>
+              <a:rPr lang="de-CH" i="1" dirty="0" err="1"/>
+              <a:t>go</a:t>
+            </a:r>
+            <a:r>
+              <a:rPr lang="de-CH" i="1" dirty="0"/>
+              <a:t> </a:t>
+            </a:r>
+            <a:r>
+              <a:rPr lang="de-CH" i="1" dirty="0" err="1"/>
+              <a:t>to</a:t>
+            </a:r>
+            <a:r>
+              <a:rPr lang="de-CH" i="1" dirty="0"/>
+              <a:t> </a:t>
+            </a:r>
+            <a:r>
+              <a:rPr lang="de-CH" i="1" dirty="0" err="1"/>
+              <a:t>the</a:t>
+            </a:r>
+            <a:r>
+              <a:rPr lang="de-CH" i="1" dirty="0"/>
+              <a:t> </a:t>
+            </a:r>
+            <a:r>
+              <a:rPr lang="de-CH" i="1" dirty="0" err="1"/>
+              <a:t>whiteboard</a:t>
+            </a:r>
+            <a:r>
+              <a:rPr lang="de-CH" i="1" dirty="0"/>
+              <a:t>: </a:t>
+            </a:r>
+            <a:r>
+              <a:rPr lang="de-CH" i="1" dirty="0" err="1"/>
+              <a:t>how</a:t>
+            </a:r>
+            <a:r>
+              <a:rPr lang="de-CH" i="1" dirty="0"/>
+              <a:t> </a:t>
+            </a:r>
+            <a:r>
+              <a:rPr lang="de-CH" i="1" dirty="0" err="1"/>
+              <a:t>and</a:t>
+            </a:r>
+            <a:r>
+              <a:rPr lang="de-CH" i="1" dirty="0"/>
+              <a:t> </a:t>
+            </a:r>
+            <a:r>
+              <a:rPr lang="de-CH" i="1" dirty="0" err="1"/>
+              <a:t>why</a:t>
+            </a:r>
+            <a:r>
+              <a:rPr lang="de-CH" i="1" dirty="0"/>
+              <a:t> </a:t>
+            </a:r>
+            <a:r>
+              <a:rPr lang="de-CH" i="1" dirty="0" err="1"/>
+              <a:t>software</a:t>
+            </a:r>
+            <a:r>
+              <a:rPr lang="de-CH" i="1" dirty="0"/>
+              <a:t> </a:t>
+            </a:r>
+            <a:r>
+              <a:rPr lang="de-CH" i="1" dirty="0" err="1"/>
+              <a:t>developers</a:t>
+            </a:r>
+            <a:r>
+              <a:rPr lang="de-CH" i="1" dirty="0"/>
+              <a:t> </a:t>
+            </a:r>
+            <a:r>
+              <a:rPr lang="de-CH" i="1" dirty="0" err="1"/>
+              <a:t>use</a:t>
+            </a:r>
+            <a:r>
+              <a:rPr lang="de-CH" i="1" dirty="0"/>
+              <a:t> </a:t>
+            </a:r>
+            <a:r>
+              <a:rPr lang="de-CH" i="1" dirty="0" err="1" smtClean="0"/>
+              <a:t>drawings</a:t>
+            </a:r>
+            <a:r>
+              <a:rPr lang="de-CH" i="1" dirty="0" smtClean="0"/>
+              <a:t>»</a:t>
+            </a:r>
+            <a:br>
+              <a:rPr lang="de-CH" i="1" dirty="0" smtClean="0"/>
+            </a:br>
+            <a:r>
+              <a:rPr lang="de-CH" i="1" dirty="0" smtClean="0"/>
+              <a:t/>
+            </a:r>
+            <a:br>
+              <a:rPr lang="de-CH" i="1" dirty="0" smtClean="0"/>
+            </a:br>
+            <a:r>
+              <a:rPr lang="de-CH" dirty="0" err="1" smtClean="0"/>
+              <a:t>main</a:t>
+            </a:r>
+            <a:r>
+              <a:rPr lang="de-CH" dirty="0" smtClean="0"/>
+              <a:t> </a:t>
+            </a:r>
+            <a:r>
+              <a:rPr lang="de-CH" dirty="0" err="1" smtClean="0"/>
+              <a:t>statement</a:t>
+            </a:r>
+            <a:r>
+              <a:rPr lang="de-CH" dirty="0" smtClean="0"/>
+              <a:t>:</a:t>
+            </a:r>
+            <a:br>
+              <a:rPr lang="de-CH" dirty="0" smtClean="0"/>
+            </a:br>
+            <a:r>
+              <a:rPr lang="de-CH" dirty="0" smtClean="0"/>
+              <a:t>Whiteboard → Computer Screen</a:t>
+            </a:r>
+            <a:br>
+              <a:rPr lang="de-CH" dirty="0" smtClean="0"/>
+            </a:br>
+            <a:r>
+              <a:rPr lang="de-CH" dirty="0" err="1" smtClean="0"/>
+              <a:t>is</a:t>
+            </a:r>
+            <a:r>
+              <a:rPr lang="de-CH" dirty="0" smtClean="0"/>
+              <a:t> </a:t>
+            </a:r>
+            <a:r>
+              <a:rPr lang="de-CH" dirty="0" err="1" smtClean="0"/>
+              <a:t>too</a:t>
+            </a:r>
+            <a:r>
+              <a:rPr lang="de-CH" dirty="0" smtClean="0"/>
+              <a:t> expensive</a:t>
+            </a:r>
             <a:endParaRPr lang="de-CH" dirty="0"/>
           </a:p>
         </p:txBody>
@@ -3465,136 +4061,149 @@
         </p:nvSpPr>
         <p:spPr/>
         <p:txBody>
+          <a:bodyPr>
+            <a:normAutofit/>
+          </a:bodyPr>
+          <a:lstStyle/>
+          <a:p>
+            <a:r>
+              <a:rPr lang="de-CH" dirty="0" err="1" smtClean="0"/>
+              <a:t>Related</a:t>
+            </a:r>
+            <a:r>
+              <a:rPr lang="de-CH" dirty="0" smtClean="0"/>
+              <a:t> </a:t>
+            </a:r>
+            <a:r>
+              <a:rPr lang="de-CH" dirty="0" err="1" smtClean="0"/>
+              <a:t>work</a:t>
+            </a:r>
+            <a:endParaRPr lang="de-CH" dirty="0"/>
+          </a:p>
+        </p:txBody>
+      </p:sp>
+      <p:sp>
+        <p:nvSpPr>
+          <p:cNvPr id="3" name="Inhaltsplatzhalter 2"/>
+          <p:cNvSpPr>
+            <a:spLocks noGrp="1"/>
+          </p:cNvSpPr>
+          <p:nvPr>
+            <p:ph idx="1"/>
+          </p:nvPr>
+        </p:nvSpPr>
+        <p:spPr/>
+        <p:txBody>
           <a:bodyPr/>
           <a:lstStyle/>
           <a:p>
             <a:r>
-              <a:rPr lang="de-CH" dirty="0" smtClean="0"/>
-              <a:t>TODO:</a:t>
-            </a:r>
+              <a:rPr lang="de-CH" dirty="0" err="1" smtClean="0"/>
+              <a:t>Zest</a:t>
+            </a:r>
+            <a:r>
+              <a:rPr lang="de-CH" dirty="0"/>
+              <a:t>: An </a:t>
+            </a:r>
+            <a:r>
+              <a:rPr lang="de-CH" dirty="0" err="1"/>
+              <a:t>Eclipse</a:t>
+            </a:r>
+            <a:r>
+              <a:rPr lang="de-CH" dirty="0"/>
+              <a:t> </a:t>
+            </a:r>
+            <a:r>
+              <a:rPr lang="de-CH" dirty="0" err="1"/>
+              <a:t>Visualization</a:t>
+            </a:r>
+            <a:r>
+              <a:rPr lang="de-CH" dirty="0"/>
+              <a:t> Toolkit, not </a:t>
+            </a:r>
+            <a:r>
+              <a:rPr lang="de-CH" dirty="0" err="1" smtClean="0"/>
+              <a:t>debug-oriented</a:t>
+            </a:r>
+            <a:r>
+              <a:rPr lang="de-CH" dirty="0" smtClean="0"/>
+              <a:t>, not </a:t>
+            </a:r>
+            <a:r>
+              <a:rPr lang="de-CH" dirty="0" err="1" smtClean="0"/>
+              <a:t>very</a:t>
+            </a:r>
+            <a:r>
+              <a:rPr lang="de-CH" dirty="0" smtClean="0"/>
+              <a:t> simple</a:t>
+            </a:r>
+          </a:p>
+          <a:p>
             <a:endParaRPr lang="de-CH" dirty="0"/>
           </a:p>
-        </p:txBody>
-      </p:sp>
-      <p:sp>
-        <p:nvSpPr>
-          <p:cNvPr id="3" name="Inhaltsplatzhalter 2"/>
-          <p:cNvSpPr>
-            <a:spLocks noGrp="1"/>
-          </p:cNvSpPr>
-          <p:nvPr>
-            <p:ph idx="1"/>
-          </p:nvPr>
-        </p:nvSpPr>
-        <p:spPr/>
-        <p:txBody>
-          <a:bodyPr/>
-          <a:lstStyle/>
-          <a:p>
-            <a:r>
-              <a:rPr lang="de-CH" dirty="0" smtClean="0"/>
-              <a:t>More </a:t>
-            </a:r>
-            <a:r>
-              <a:rPr lang="de-CH" dirty="0" err="1" smtClean="0"/>
-              <a:t>built</a:t>
-            </a:r>
-            <a:r>
-              <a:rPr lang="de-CH" dirty="0" smtClean="0"/>
-              <a:t>-in </a:t>
-            </a:r>
-            <a:r>
-              <a:rPr lang="de-CH" dirty="0" err="1" smtClean="0"/>
-              <a:t>renderings</a:t>
+          <a:p>
+            <a:r>
+              <a:rPr lang="de-CH" dirty="0" err="1"/>
+              <a:t>DataDisplayDebugger</a:t>
+            </a:r>
+            <a:r>
+              <a:rPr lang="de-CH" dirty="0"/>
+              <a:t>: </a:t>
+            </a:r>
+            <a:r>
+              <a:rPr lang="de-CH" dirty="0" err="1"/>
+              <a:t>Graphical</a:t>
+            </a:r>
+            <a:r>
+              <a:rPr lang="de-CH" dirty="0"/>
+              <a:t> front-end </a:t>
+            </a:r>
+            <a:r>
+              <a:rPr lang="de-CH" dirty="0" err="1"/>
+              <a:t>for</a:t>
+            </a:r>
+            <a:r>
+              <a:rPr lang="de-CH" dirty="0"/>
+              <a:t> </a:t>
+            </a:r>
+            <a:r>
+              <a:rPr lang="de-CH" dirty="0" err="1"/>
+              <a:t>existing</a:t>
+            </a:r>
+            <a:r>
+              <a:rPr lang="de-CH" dirty="0"/>
+              <a:t> </a:t>
+            </a:r>
+            <a:r>
+              <a:rPr lang="de-CH" dirty="0" err="1"/>
+              <a:t>command-line</a:t>
+            </a:r>
+            <a:r>
+              <a:rPr lang="de-CH" dirty="0"/>
+              <a:t> </a:t>
+            </a:r>
+            <a:r>
+              <a:rPr lang="de-CH" dirty="0" err="1" smtClean="0"/>
+              <a:t>debuggers</a:t>
             </a:r>
             <a:endParaRPr lang="de-CH" dirty="0" smtClean="0"/>
           </a:p>
           <a:p>
-            <a:r>
-              <a:rPr lang="de-CH" dirty="0" err="1" smtClean="0"/>
-              <a:t>Building</a:t>
-            </a:r>
-            <a:r>
-              <a:rPr lang="de-CH" dirty="0" smtClean="0"/>
-              <a:t> </a:t>
-            </a:r>
-            <a:r>
-              <a:rPr lang="de-CH" dirty="0" err="1" smtClean="0"/>
-              <a:t>Eclipse-Plugin</a:t>
-            </a:r>
-            <a:endParaRPr lang="de-CH" dirty="0" smtClean="0"/>
-          </a:p>
-          <a:p>
-            <a:r>
-              <a:rPr lang="de-CH" dirty="0" err="1" smtClean="0"/>
-              <a:t>Use</a:t>
-            </a:r>
-            <a:r>
-              <a:rPr lang="de-CH" dirty="0" smtClean="0"/>
-              <a:t> JavaScript </a:t>
-            </a:r>
-            <a:r>
-              <a:rPr lang="de-CH" dirty="0" err="1" smtClean="0"/>
-              <a:t>to</a:t>
-            </a:r>
-            <a:r>
-              <a:rPr lang="de-CH" dirty="0" smtClean="0"/>
-              <a:t> </a:t>
-            </a:r>
-            <a:r>
-              <a:rPr lang="de-CH" dirty="0" err="1" smtClean="0"/>
-              <a:t>improve</a:t>
-            </a:r>
-            <a:r>
-              <a:rPr lang="de-CH" dirty="0" smtClean="0"/>
-              <a:t> </a:t>
-            </a:r>
-            <a:r>
-              <a:rPr lang="de-CH" dirty="0" err="1" smtClean="0"/>
-              <a:t>rendering</a:t>
-            </a:r>
+            <a:endParaRPr lang="de-CH" dirty="0"/>
+          </a:p>
+          <a:p>
             <a:r>
               <a:rPr lang="de-CH" dirty="0"/>
-              <a:t/>
-            </a:r>
-            <a:br>
-              <a:rPr lang="de-CH" dirty="0"/>
-            </a:br>
-            <a:r>
-              <a:rPr lang="de-CH" dirty="0" smtClean="0"/>
-              <a:t>(e. g. </a:t>
-            </a:r>
-            <a:r>
-              <a:rPr lang="de-CH" dirty="0" err="1" smtClean="0"/>
-              <a:t>align</a:t>
-            </a:r>
-            <a:r>
-              <a:rPr lang="de-CH" dirty="0" smtClean="0"/>
-              <a:t> </a:t>
-            </a:r>
-            <a:r>
-              <a:rPr lang="de-CH" dirty="0" err="1" smtClean="0"/>
-              <a:t>corresponding</a:t>
-            </a:r>
-            <a:r>
-              <a:rPr lang="de-CH" dirty="0" smtClean="0"/>
-              <a:t> </a:t>
-            </a:r>
-            <a:r>
-              <a:rPr lang="de-CH" dirty="0" err="1" smtClean="0"/>
-              <a:t>components</a:t>
-            </a:r>
-            <a:r>
-              <a:rPr lang="de-CH" dirty="0" smtClean="0"/>
-              <a:t>)</a:t>
-            </a:r>
+              <a:t>Moose</a:t>
+            </a:r>
+            <a:endParaRPr lang="de-CH" dirty="0"/>
           </a:p>
         </p:txBody>
       </p:sp>
     </p:spTree>
     <p:extLst>
       <p:ext uri="{BB962C8B-B14F-4D97-AF65-F5344CB8AC3E}">
-        <p14:creationId xmlns:p14="http://schemas.microsoft.com/office/powerpoint/2010/main" val="477858240"/>
+        <p14:creationId xmlns:p14="http://schemas.microsoft.com/office/powerpoint/2010/main" val="3445188516"/>
       </p:ext>
     </p:extLst>
   </p:cSld>
@@ -3612,6 +4221,354 @@
 </file>
 
 <file path=ppt/slides/slide13.xml><?xml version="1.0" encoding="utf-8"?>
+<p:sld xmlns:a="http://schemas.openxmlformats.org/drawingml/2006/main" xmlns:r="http://schemas.openxmlformats.org/officeDocument/2006/relationships" xmlns:p="http://schemas.openxmlformats.org/presentationml/2006/main">
+  <p:cSld>
+    <p:spTree>
+      <p:nvGrpSpPr>
+        <p:cNvPr id="1" name=""/>
+        <p:cNvGrpSpPr/>
+        <p:nvPr/>
+      </p:nvGrpSpPr>
+      <p:grpSpPr>
+        <a:xfrm>
+          <a:off x="0" y="0"/>
+          <a:ext cx="0" cy="0"/>
+          <a:chOff x="0" y="0"/>
+          <a:chExt cx="0" cy="0"/>
+        </a:xfrm>
+      </p:grpSpPr>
+      <p:sp>
+        <p:nvSpPr>
+          <p:cNvPr id="2" name="Titel 1"/>
+          <p:cNvSpPr>
+            <a:spLocks noGrp="1"/>
+          </p:cNvSpPr>
+          <p:nvPr>
+            <p:ph type="title"/>
+          </p:nvPr>
+        </p:nvSpPr>
+        <p:spPr/>
+        <p:txBody>
+          <a:bodyPr/>
+          <a:lstStyle/>
+          <a:p>
+            <a:r>
+              <a:rPr lang="de-CH" dirty="0" smtClean="0"/>
+              <a:t>TODO:</a:t>
+            </a:r>
+            <a:endParaRPr lang="de-CH" dirty="0"/>
+          </a:p>
+        </p:txBody>
+      </p:sp>
+      <p:sp>
+        <p:nvSpPr>
+          <p:cNvPr id="3" name="Inhaltsplatzhalter 2"/>
+          <p:cNvSpPr>
+            <a:spLocks noGrp="1"/>
+          </p:cNvSpPr>
+          <p:nvPr>
+            <p:ph idx="1"/>
+          </p:nvPr>
+        </p:nvSpPr>
+        <p:spPr/>
+        <p:txBody>
+          <a:bodyPr/>
+          <a:lstStyle/>
+          <a:p>
+            <a:r>
+              <a:rPr lang="de-CH" dirty="0" smtClean="0"/>
+              <a:t>More </a:t>
+            </a:r>
+            <a:r>
+              <a:rPr lang="de-CH" dirty="0" err="1" smtClean="0"/>
+              <a:t>built</a:t>
+            </a:r>
+            <a:r>
+              <a:rPr lang="de-CH" dirty="0" smtClean="0"/>
+              <a:t>-in </a:t>
+            </a:r>
+            <a:r>
+              <a:rPr lang="de-CH" dirty="0" err="1" smtClean="0"/>
+              <a:t>renderings</a:t>
+            </a:r>
+            <a:endParaRPr lang="de-CH" dirty="0" smtClean="0"/>
+          </a:p>
+          <a:p>
+            <a:r>
+              <a:rPr lang="de-CH" dirty="0" err="1" smtClean="0"/>
+              <a:t>Building</a:t>
+            </a:r>
+            <a:r>
+              <a:rPr lang="de-CH" dirty="0" smtClean="0"/>
+              <a:t> </a:t>
+            </a:r>
+            <a:r>
+              <a:rPr lang="de-CH" dirty="0" err="1" smtClean="0"/>
+              <a:t>Eclipse-Plugin</a:t>
+            </a:r>
+            <a:endParaRPr lang="de-CH" dirty="0" smtClean="0"/>
+          </a:p>
+          <a:p>
+            <a:r>
+              <a:rPr lang="de-CH" dirty="0" err="1" smtClean="0"/>
+              <a:t>Use</a:t>
+            </a:r>
+            <a:r>
+              <a:rPr lang="de-CH" dirty="0" smtClean="0"/>
+              <a:t> JavaScript </a:t>
+            </a:r>
+            <a:r>
+              <a:rPr lang="de-CH" dirty="0" err="1" smtClean="0"/>
+              <a:t>to</a:t>
+            </a:r>
+            <a:r>
+              <a:rPr lang="de-CH" dirty="0" smtClean="0"/>
+              <a:t> </a:t>
+            </a:r>
+            <a:r>
+              <a:rPr lang="de-CH" dirty="0" err="1" smtClean="0"/>
+              <a:t>improve</a:t>
+            </a:r>
+            <a:r>
+              <a:rPr lang="de-CH" dirty="0" smtClean="0"/>
+              <a:t> </a:t>
+            </a:r>
+            <a:r>
+              <a:rPr lang="de-CH" dirty="0" err="1" smtClean="0"/>
+              <a:t>rendering</a:t>
+            </a:r>
+            <a:r>
+              <a:rPr lang="de-CH" dirty="0"/>
+              <a:t/>
+            </a:r>
+            <a:br>
+              <a:rPr lang="de-CH" dirty="0"/>
+            </a:br>
+            <a:r>
+              <a:rPr lang="de-CH" dirty="0" smtClean="0"/>
+              <a:t>(e. g. </a:t>
+            </a:r>
+            <a:r>
+              <a:rPr lang="de-CH" dirty="0" err="1" smtClean="0"/>
+              <a:t>align</a:t>
+            </a:r>
+            <a:r>
+              <a:rPr lang="de-CH" dirty="0" smtClean="0"/>
+              <a:t> </a:t>
+            </a:r>
+            <a:r>
+              <a:rPr lang="de-CH" dirty="0" err="1" smtClean="0"/>
+              <a:t>corresponding</a:t>
+            </a:r>
+            <a:r>
+              <a:rPr lang="de-CH" dirty="0" smtClean="0"/>
+              <a:t> </a:t>
+            </a:r>
+            <a:r>
+              <a:rPr lang="de-CH" dirty="0" err="1" smtClean="0"/>
+              <a:t>components</a:t>
+            </a:r>
+            <a:r>
+              <a:rPr lang="de-CH" dirty="0" smtClean="0"/>
+              <a:t>)</a:t>
+            </a:r>
+          </a:p>
+        </p:txBody>
+      </p:sp>
+    </p:spTree>
+    <p:extLst>
+      <p:ext uri="{BB962C8B-B14F-4D97-AF65-F5344CB8AC3E}">
+        <p14:creationId xmlns:p14="http://schemas.microsoft.com/office/powerpoint/2010/main" val="477858240"/>
+      </p:ext>
+    </p:extLst>
+  </p:cSld>
+  <p:clrMapOvr>
+    <a:masterClrMapping/>
+  </p:clrMapOvr>
+  <p:timing>
+    <p:tnLst>
+      <p:par>
+        <p:cTn id="1" dur="indefinite" restart="never" nodeType="tmRoot">
+          <p:childTnLst>
+            <p:seq concurrent="1" nextAc="seek">
+              <p:cTn id="2" dur="indefinite" nodeType="mainSeq">
+                <p:childTnLst>
+                  <p:par>
+                    <p:cTn id="3" fill="hold">
+                      <p:stCondLst>
+                        <p:cond delay="indefinite"/>
+                      </p:stCondLst>
+                      <p:childTnLst>
+                        <p:par>
+                          <p:cTn id="4" fill="hold">
+                            <p:stCondLst>
+                              <p:cond delay="0"/>
+                            </p:stCondLst>
+                            <p:childTnLst>
+                              <p:par>
+                                <p:cTn id="5" presetID="1" presetClass="entr" presetSubtype="0" fill="hold" grpId="0" nodeType="clickEffect">
+                                  <p:stCondLst>
+                                    <p:cond delay="0"/>
+                                  </p:stCondLst>
+                                  <p:childTnLst>
+                                    <p:set>
+                                      <p:cBhvr>
+                                        <p:cTn id="6" dur="1" fill="hold">
+                                          <p:stCondLst>
+                                            <p:cond delay="0"/>
+                                          </p:stCondLst>
+                                        </p:cTn>
+                                        <p:tgtEl>
+                                          <p:spTgt spid="3">
+                                            <p:txEl>
+                                              <p:pRg st="0" end="0"/>
+                                            </p:txEl>
+                                          </p:spTgt>
+                                        </p:tgtEl>
+                                        <p:attrNameLst>
+                                          <p:attrName>style.visibility</p:attrName>
+                                        </p:attrNameLst>
+                                      </p:cBhvr>
+                                      <p:to>
+                                        <p:strVal val="visible"/>
+                                      </p:to>
+                                    </p:set>
+                                  </p:childTnLst>
+                                </p:cTn>
+                              </p:par>
+                            </p:childTnLst>
+                          </p:cTn>
+                        </p:par>
+                      </p:childTnLst>
+                    </p:cTn>
+                  </p:par>
+                  <p:par>
+                    <p:cTn id="7" fill="hold">
+                      <p:stCondLst>
+                        <p:cond delay="indefinite"/>
+                      </p:stCondLst>
+                      <p:childTnLst>
+                        <p:par>
+                          <p:cTn id="8" fill="hold">
+                            <p:stCondLst>
+                              <p:cond delay="0"/>
+                            </p:stCondLst>
+                            <p:childTnLst>
+                              <p:par>
+                                <p:cTn id="9" presetID="1" presetClass="entr" presetSubtype="0" fill="hold" grpId="0" nodeType="clickEffect">
+                                  <p:stCondLst>
+                                    <p:cond delay="0"/>
+                                  </p:stCondLst>
+                                  <p:childTnLst>
+                                    <p:set>
+                                      <p:cBhvr>
+                                        <p:cTn id="10" dur="1" fill="hold">
+                                          <p:stCondLst>
+                                            <p:cond delay="0"/>
+                                          </p:stCondLst>
+                                        </p:cTn>
+                                        <p:tgtEl>
+                                          <p:spTgt spid="3">
+                                            <p:txEl>
+                                              <p:pRg st="1" end="1"/>
+                                            </p:txEl>
+                                          </p:spTgt>
+                                        </p:tgtEl>
+                                        <p:attrNameLst>
+                                          <p:attrName>style.visibility</p:attrName>
+                                        </p:attrNameLst>
+                                      </p:cBhvr>
+                                      <p:to>
+                                        <p:strVal val="visible"/>
+                                      </p:to>
+                                    </p:set>
+                                  </p:childTnLst>
+                                </p:cTn>
+                              </p:par>
+                            </p:childTnLst>
+                          </p:cTn>
+                        </p:par>
+                      </p:childTnLst>
+                    </p:cTn>
+                  </p:par>
+                  <p:par>
+                    <p:cTn id="11" fill="hold">
+                      <p:stCondLst>
+                        <p:cond delay="indefinite"/>
+                      </p:stCondLst>
+                      <p:childTnLst>
+                        <p:par>
+                          <p:cTn id="12" fill="hold">
+                            <p:stCondLst>
+                              <p:cond delay="0"/>
+                            </p:stCondLst>
+                            <p:childTnLst>
+                              <p:par>
+                                <p:cTn id="13" presetID="1" presetClass="entr" presetSubtype="0" fill="hold" grpId="0" nodeType="clickEffect">
+                                  <p:stCondLst>
+                                    <p:cond delay="0"/>
+                                  </p:stCondLst>
+                                  <p:childTnLst>
+                                    <p:set>
+                                      <p:cBhvr>
+                                        <p:cTn id="14" dur="1" fill="hold">
+                                          <p:stCondLst>
+                                            <p:cond delay="0"/>
+                                          </p:stCondLst>
+                                        </p:cTn>
+                                        <p:tgtEl>
+                                          <p:spTgt spid="3">
+                                            <p:txEl>
+                                              <p:pRg st="2" end="2"/>
+                                            </p:txEl>
+                                          </p:spTgt>
+                                        </p:tgtEl>
+                                        <p:attrNameLst>
+                                          <p:attrName>style.visibility</p:attrName>
+                                        </p:attrNameLst>
+                                      </p:cBhvr>
+                                      <p:to>
+                                        <p:strVal val="visible"/>
+                                      </p:to>
+                                    </p:set>
+                                  </p:childTnLst>
+                                </p:cTn>
+                              </p:par>
+                            </p:childTnLst>
+                          </p:cTn>
+                        </p:par>
+                      </p:childTnLst>
+                    </p:cTn>
+                  </p:par>
+                </p:childTnLst>
+              </p:cTn>
+              <p:prevCondLst>
+                <p:cond evt="onPrev" delay="0">
+                  <p:tgtEl>
+                    <p:sldTgt/>
+                  </p:tgtEl>
+                </p:cond>
+              </p:prevCondLst>
+              <p:nextCondLst>
+                <p:cond evt="onNext" delay="0">
+                  <p:tgtEl>
+                    <p:sldTgt/>
+                  </p:tgtEl>
+                </p:cond>
+              </p:nextCondLst>
+            </p:seq>
+          </p:childTnLst>
+        </p:cTn>
+      </p:par>
+    </p:tnLst>
+    <p:bldLst>
+      <p:bldP spid="3" grpId="0" build="p"/>
+    </p:bldLst>
+  </p:timing>
+</p:sld>
+</file>
+
+<file path=ppt/slides/slide14.xml><?xml version="1.0" encoding="utf-8"?>
 <p:sld xmlns:a="http://schemas.openxmlformats.org/drawingml/2006/main" xmlns:r="http://schemas.openxmlformats.org/officeDocument/2006/relationships" xmlns:p="http://schemas.openxmlformats.org/presentationml/2006/main">
   <p:cSld>
     <p:spTree>
@@ -4736,9 +5693,115 @@
   <p:timing>
     <p:tnLst>
       <p:par>
-        <p:cTn id="1" dur="indefinite" restart="never" nodeType="tmRoot"/>
+        <p:cTn id="1" dur="indefinite" restart="never" nodeType="tmRoot">
+          <p:childTnLst>
+            <p:seq concurrent="1" nextAc="seek">
+              <p:cTn id="2" dur="indefinite" nodeType="mainSeq">
+                <p:childTnLst>
+                  <p:par>
+                    <p:cTn id="3" fill="hold">
+                      <p:stCondLst>
+                        <p:cond delay="indefinite"/>
+                      </p:stCondLst>
+                      <p:childTnLst>
+                        <p:par>
+                          <p:cTn id="4" fill="hold">
+                            <p:stCondLst>
+                              <p:cond delay="0"/>
+                            </p:stCondLst>
+                            <p:childTnLst>
+                              <p:par>
+                                <p:cTn id="5" presetID="1" presetClass="entr" presetSubtype="0" fill="hold" grpId="0" nodeType="clickEffect">
+                                  <p:stCondLst>
+                                    <p:cond delay="0"/>
+                                  </p:stCondLst>
+                                  <p:childTnLst>
+                                    <p:set>
+                                      <p:cBhvr>
+                                        <p:cTn id="6" dur="1" fill="hold">
+                                          <p:stCondLst>
+                                            <p:cond delay="0"/>
+                                          </p:stCondLst>
+                                        </p:cTn>
+                                        <p:tgtEl>
+                                          <p:spTgt spid="3">
+                                            <p:txEl>
+                                              <p:pRg st="1" end="1"/>
+                                            </p:txEl>
+                                          </p:spTgt>
+                                        </p:tgtEl>
+                                        <p:attrNameLst>
+                                          <p:attrName>style.visibility</p:attrName>
+                                        </p:attrNameLst>
+                                      </p:cBhvr>
+                                      <p:to>
+                                        <p:strVal val="visible"/>
+                                      </p:to>
+                                    </p:set>
+                                  </p:childTnLst>
+                                </p:cTn>
+                              </p:par>
+                              <p:par>
+                                <p:cTn id="7" presetID="1" presetClass="entr" presetSubtype="0" fill="hold" nodeType="withEffect">
+                                  <p:stCondLst>
+                                    <p:cond delay="0"/>
+                                  </p:stCondLst>
+                                  <p:childTnLst>
+                                    <p:set>
+                                      <p:cBhvr>
+                                        <p:cTn id="8" dur="1" fill="hold">
+                                          <p:stCondLst>
+                                            <p:cond delay="0"/>
+                                          </p:stCondLst>
+                                        </p:cTn>
+                                        <p:tgtEl>
+                                          <p:spTgt spid="3">
+                                            <p:txEl>
+                                              <p:pRg st="2" end="2"/>
+                                            </p:txEl>
+                                          </p:spTgt>
+                                        </p:tgtEl>
+                                        <p:attrNameLst>
+                                          <p:attrName>style.visibility</p:attrName>
+                                        </p:attrNameLst>
+                                      </p:cBhvr>
+                                      <p:to>
+                                        <p:strVal val="visible"/>
+                                      </p:to>
+                                    </p:set>
+                                  </p:childTnLst>
+                                </p:cTn>
+                              </p:par>
+                            </p:childTnLst>
+                          </p:cTn>
+                        </p:par>
+                      </p:childTnLst>
+                    </p:cTn>
+                  </p:par>
+                </p:childTnLst>
+              </p:cTn>
+              <p:prevCondLst>
+                <p:cond evt="onPrev" delay="0">
+                  <p:tgtEl>
+                    <p:sldTgt/>
+                  </p:tgtEl>
+                </p:cond>
+              </p:prevCondLst>
+              <p:nextCondLst>
+                <p:cond evt="onNext" delay="0">
+                  <p:tgtEl>
+                    <p:sldTgt/>
+                  </p:tgtEl>
+                </p:cond>
+              </p:nextCondLst>
+            </p:seq>
+          </p:childTnLst>
+        </p:cTn>
       </p:par>
     </p:tnLst>
+    <p:bldLst>
+      <p:bldP spid="3" grpId="0" uiExpand="1" build="allAtOnce"/>
+    </p:bldLst>
   </p:timing>
 </p:sld>
 </file>
@@ -5398,9 +6461,244 @@
   <p:timing>
     <p:tnLst>
       <p:par>
-        <p:cTn id="1" dur="indefinite" restart="never" nodeType="tmRoot"/>
+        <p:cTn id="1" dur="indefinite" restart="never" nodeType="tmRoot">
+          <p:childTnLst>
+            <p:seq concurrent="1" nextAc="seek">
+              <p:cTn id="2" dur="indefinite" nodeType="mainSeq">
+                <p:childTnLst>
+                  <p:par>
+                    <p:cTn id="3" fill="hold">
+                      <p:stCondLst>
+                        <p:cond delay="indefinite"/>
+                      </p:stCondLst>
+                      <p:childTnLst>
+                        <p:par>
+                          <p:cTn id="4" fill="hold">
+                            <p:stCondLst>
+                              <p:cond delay="0"/>
+                            </p:stCondLst>
+                            <p:childTnLst>
+                              <p:par>
+                                <p:cTn id="5" presetID="1" presetClass="entr" presetSubtype="0" fill="hold" grpId="0" nodeType="clickEffect">
+                                  <p:stCondLst>
+                                    <p:cond delay="0"/>
+                                  </p:stCondLst>
+                                  <p:childTnLst>
+                                    <p:set>
+                                      <p:cBhvr>
+                                        <p:cTn id="6" dur="1" fill="hold">
+                                          <p:stCondLst>
+                                            <p:cond delay="0"/>
+                                          </p:stCondLst>
+                                        </p:cTn>
+                                        <p:tgtEl>
+                                          <p:spTgt spid="3">
+                                            <p:txEl>
+                                              <p:pRg st="0" end="0"/>
+                                            </p:txEl>
+                                          </p:spTgt>
+                                        </p:tgtEl>
+                                        <p:attrNameLst>
+                                          <p:attrName>style.visibility</p:attrName>
+                                        </p:attrNameLst>
+                                      </p:cBhvr>
+                                      <p:to>
+                                        <p:strVal val="visible"/>
+                                      </p:to>
+                                    </p:set>
+                                  </p:childTnLst>
+                                </p:cTn>
+                              </p:par>
+                              <p:par>
+                                <p:cTn id="7" presetID="1" presetClass="entr" presetSubtype="0" fill="hold" grpId="0" nodeType="withEffect">
+                                  <p:stCondLst>
+                                    <p:cond delay="0"/>
+                                  </p:stCondLst>
+                                  <p:childTnLst>
+                                    <p:set>
+                                      <p:cBhvr>
+                                        <p:cTn id="8" dur="1" fill="hold">
+                                          <p:stCondLst>
+                                            <p:cond delay="0"/>
+                                          </p:stCondLst>
+                                        </p:cTn>
+                                        <p:tgtEl>
+                                          <p:spTgt spid="3">
+                                            <p:txEl>
+                                              <p:pRg st="1" end="1"/>
+                                            </p:txEl>
+                                          </p:spTgt>
+                                        </p:tgtEl>
+                                        <p:attrNameLst>
+                                          <p:attrName>style.visibility</p:attrName>
+                                        </p:attrNameLst>
+                                      </p:cBhvr>
+                                      <p:to>
+                                        <p:strVal val="visible"/>
+                                      </p:to>
+                                    </p:set>
+                                  </p:childTnLst>
+                                </p:cTn>
+                              </p:par>
+                              <p:par>
+                                <p:cTn id="9" presetID="1" presetClass="entr" presetSubtype="0" fill="hold" grpId="0" nodeType="withEffect">
+                                  <p:stCondLst>
+                                    <p:cond delay="0"/>
+                                  </p:stCondLst>
+                                  <p:childTnLst>
+                                    <p:set>
+                                      <p:cBhvr>
+                                        <p:cTn id="10" dur="1" fill="hold">
+                                          <p:stCondLst>
+                                            <p:cond delay="0"/>
+                                          </p:stCondLst>
+                                        </p:cTn>
+                                        <p:tgtEl>
+                                          <p:spTgt spid="3">
+                                            <p:txEl>
+                                              <p:pRg st="2" end="2"/>
+                                            </p:txEl>
+                                          </p:spTgt>
+                                        </p:tgtEl>
+                                        <p:attrNameLst>
+                                          <p:attrName>style.visibility</p:attrName>
+                                        </p:attrNameLst>
+                                      </p:cBhvr>
+                                      <p:to>
+                                        <p:strVal val="visible"/>
+                                      </p:to>
+                                    </p:set>
+                                  </p:childTnLst>
+                                </p:cTn>
+                              </p:par>
+                            </p:childTnLst>
+                          </p:cTn>
+                        </p:par>
+                      </p:childTnLst>
+                    </p:cTn>
+                  </p:par>
+                  <p:par>
+                    <p:cTn id="11" fill="hold">
+                      <p:stCondLst>
+                        <p:cond delay="indefinite"/>
+                      </p:stCondLst>
+                      <p:childTnLst>
+                        <p:par>
+                          <p:cTn id="12" fill="hold">
+                            <p:stCondLst>
+                              <p:cond delay="0"/>
+                            </p:stCondLst>
+                            <p:childTnLst>
+                              <p:par>
+                                <p:cTn id="13" presetID="1" presetClass="entr" presetSubtype="0" fill="hold" grpId="0" nodeType="clickEffect">
+                                  <p:stCondLst>
+                                    <p:cond delay="0"/>
+                                  </p:stCondLst>
+                                  <p:childTnLst>
+                                    <p:set>
+                                      <p:cBhvr>
+                                        <p:cTn id="14" dur="1" fill="hold">
+                                          <p:stCondLst>
+                                            <p:cond delay="0"/>
+                                          </p:stCondLst>
+                                        </p:cTn>
+                                        <p:tgtEl>
+                                          <p:spTgt spid="3">
+                                            <p:txEl>
+                                              <p:pRg st="4" end="4"/>
+                                            </p:txEl>
+                                          </p:spTgt>
+                                        </p:tgtEl>
+                                        <p:attrNameLst>
+                                          <p:attrName>style.visibility</p:attrName>
+                                        </p:attrNameLst>
+                                      </p:cBhvr>
+                                      <p:to>
+                                        <p:strVal val="visible"/>
+                                      </p:to>
+                                    </p:set>
+                                  </p:childTnLst>
+                                </p:cTn>
+                              </p:par>
+                            </p:childTnLst>
+                          </p:cTn>
+                        </p:par>
+                      </p:childTnLst>
+                    </p:cTn>
+                  </p:par>
+                  <p:par>
+                    <p:cTn id="15" fill="hold">
+                      <p:stCondLst>
+                        <p:cond delay="indefinite"/>
+                      </p:stCondLst>
+                      <p:childTnLst>
+                        <p:par>
+                          <p:cTn id="16" fill="hold">
+                            <p:stCondLst>
+                              <p:cond delay="0"/>
+                            </p:stCondLst>
+                            <p:childTnLst>
+                              <p:par>
+                                <p:cTn id="17" presetID="1" presetClass="entr" presetSubtype="0" fill="hold" grpId="0" nodeType="clickEffect">
+                                  <p:stCondLst>
+                                    <p:cond delay="0"/>
+                                  </p:stCondLst>
+                                  <p:childTnLst>
+                                    <p:set>
+                                      <p:cBhvr>
+                                        <p:cTn id="18" dur="1" fill="hold">
+                                          <p:stCondLst>
+                                            <p:cond delay="0"/>
+                                          </p:stCondLst>
+                                        </p:cTn>
+                                        <p:tgtEl>
+                                          <p:spTgt spid="3">
+                                            <p:txEl>
+                                              <p:pRg st="5" end="5"/>
+                                            </p:txEl>
+                                          </p:spTgt>
+                                        </p:tgtEl>
+                                        <p:attrNameLst>
+                                          <p:attrName>style.visibility</p:attrName>
+                                        </p:attrNameLst>
+                                      </p:cBhvr>
+                                      <p:to>
+                                        <p:strVal val="visible"/>
+                                      </p:to>
+                                    </p:set>
+                                  </p:childTnLst>
+                                </p:cTn>
+                              </p:par>
+                            </p:childTnLst>
+                          </p:cTn>
+                        </p:par>
+                      </p:childTnLst>
+                    </p:cTn>
+                  </p:par>
+                </p:childTnLst>
+              </p:cTn>
+              <p:prevCondLst>
+                <p:cond evt="onPrev" delay="0">
+                  <p:tgtEl>
+                    <p:sldTgt/>
+                  </p:tgtEl>
+                </p:cond>
+              </p:prevCondLst>
+              <p:nextCondLst>
+                <p:cond evt="onNext" delay="0">
+                  <p:tgtEl>
+                    <p:sldTgt/>
+                  </p:tgtEl>
+                </p:cond>
+              </p:nextCondLst>
+            </p:seq>
+          </p:childTnLst>
+        </p:cTn>
       </p:par>
     </p:tnLst>
+    <p:bldLst>
+      <p:bldP spid="3" grpId="0" build="p"/>
+    </p:bldLst>
   </p:timing>
 </p:sld>
 </file>
@@ -5868,4 +7166,289 @@
   <a:objectDefaults/>
   <a:extraClrSchemeLst/>
 </a:theme>
+</file>
+
+<file path=ppt/theme/theme2.xml><?xml version="1.0" encoding="utf-8"?>
+<a:theme xmlns:a="http://schemas.openxmlformats.org/drawingml/2006/main" name="Larissa">
+  <a:themeElements>
+    <a:clrScheme name="Larissa">
+      <a:dk1>
+        <a:sysClr val="windowText" lastClr="000000"/>
+      </a:dk1>
+      <a:lt1>
+        <a:sysClr val="window" lastClr="FFFFFF"/>
+      </a:lt1>
+      <a:dk2>
+        <a:srgbClr val="1F497D"/>
+      </a:dk2>
+      <a:lt2>
+        <a:srgbClr val="EEECE1"/>
+      </a:lt2>
+      <a:accent1>
+        <a:srgbClr val="4F81BD"/>
+      </a:accent1>
+      <a:accent2>
+        <a:srgbClr val="C0504D"/>
+      </a:accent2>
+      <a:accent3>
+        <a:srgbClr val="9BBB59"/>
+      </a:accent3>
+      <a:accent4>
+        <a:srgbClr val="8064A2"/>
+      </a:accent4>
+      <a:accent5>
+        <a:srgbClr val="4BACC6"/>
+      </a:accent5>
+      <a:accent6>
+        <a:srgbClr val="F79646"/>
+      </a:accent6>
+      <a:hlink>
+        <a:srgbClr val="0000FF"/>
+      </a:hlink>
+      <a:folHlink>
+        <a:srgbClr val="800080"/>
+      </a:folHlink>
+    </a:clrScheme>
+    <a:fontScheme name="Larissa">
+      <a:majorFont>
+        <a:latin typeface="Calibri"/>
+        <a:ea typeface=""/>
+        <a:cs typeface=""/>
+        <a:font script="Jpan" typeface="ＭＳ Ｐゴシック"/>
+        <a:font script="Hang" typeface="맑은 고딕"/>
+        <a:font script="Hans" typeface="宋体"/>
+        <a:font script="Hant" typeface="新細明體"/>
+        <a:font script="Arab" typeface="Times New Roman"/>
+        <a:font script="Hebr" typeface="Times New Roman"/>
+        <a:font script="Thai" typeface="Angsana New"/>
+        <a:font script="Ethi" typeface="Nyala"/>
+        <a:font script="Beng" typeface="Vrinda"/>
+        <a:font script="Gujr" typeface="Shruti"/>
+        <a:font script="Khmr" typeface="MoolBoran"/>
+        <a:font script="Knda" typeface="Tunga"/>
+        <a:font script="Guru" typeface="Raavi"/>
+        <a:font script="Cans" typeface="Euphemia"/>
+        <a:font script="Cher" typeface="Plantagenet Cherokee"/>
+        <a:font script="Yiii" typeface="Microsoft Yi Baiti"/>
+        <a:font script="Tibt" typeface="Microsoft Himalaya"/>
+        <a:font script="Thaa" typeface="MV Boli"/>
+        <a:font script="Deva" typeface="Mangal"/>
+        <a:font script="Telu" typeface="Gautami"/>
+        <a:font script="Taml" typeface="Latha"/>
+        <a:font script="Syrc" typeface="Estrangelo Edessa"/>
+        <a:font script="Orya" typeface="Kalinga"/>
+        <a:font script="Mlym" typeface="Kartika"/>
+        <a:font script="Laoo" typeface="DokChampa"/>
+        <a:font script="Sinh" typeface="Iskoola Pota"/>
+        <a:font script="Mong" typeface="Mongolian Baiti"/>
+        <a:font script="Viet" typeface="Times New Roman"/>
+        <a:font script="Uigh" typeface="Microsoft Uighur"/>
+        <a:font script="Geor" typeface="Sylfaen"/>
+      </a:majorFont>
+      <a:minorFont>
+        <a:latin typeface="Calibri"/>
+        <a:ea typeface=""/>
+        <a:cs typeface=""/>
+        <a:font script="Jpan" typeface="ＭＳ Ｐゴシック"/>
+        <a:font script="Hang" typeface="맑은 고딕"/>
+        <a:font script="Hans" typeface="宋体"/>
+        <a:font script="Hant" typeface="新細明體"/>
+        <a:font script="Arab" typeface="Arial"/>
+        <a:font script="Hebr" typeface="Arial"/>
+        <a:font script="Thai" typeface="Cordia New"/>
+        <a:font script="Ethi" typeface="Nyala"/>
+        <a:font script="Beng" typeface="Vrinda"/>
+        <a:font script="Gujr" typeface="Shruti"/>
+        <a:font script="Khmr" typeface="DaunPenh"/>
+        <a:font script="Knda" typeface="Tunga"/>
+        <a:font script="Guru" typeface="Raavi"/>
+        <a:font script="Cans" typeface="Euphemia"/>
+        <a:font script="Cher" typeface="Plantagenet Cherokee"/>
+        <a:font script="Yiii" typeface="Microsoft Yi Baiti"/>
+        <a:font script="Tibt" typeface="Microsoft Himalaya"/>
+        <a:font script="Thaa" typeface="MV Boli"/>
+        <a:font script="Deva" typeface="Mangal"/>
+        <a:font script="Telu" typeface="Gautami"/>
+        <a:font script="Taml" typeface="Latha"/>
+        <a:font script="Syrc" typeface="Estrangelo Edessa"/>
+        <a:font script="Orya" typeface="Kalinga"/>
+        <a:font script="Mlym" typeface="Kartika"/>
+        <a:font script="Laoo" typeface="DokChampa"/>
+        <a:font script="Sinh" typeface="Iskoola Pota"/>
+        <a:font script="Mong" typeface="Mongolian Baiti"/>
+        <a:font script="Viet" typeface="Arial"/>
+        <a:font script="Uigh" typeface="Microsoft Uighur"/>
+        <a:font script="Geor" typeface="Sylfaen"/>
+      </a:minorFont>
+    </a:fontScheme>
+    <a:fmtScheme name="Larissa">
+      <a:fillStyleLst>
+        <a:solidFill>
+          <a:schemeClr val="phClr"/>
+        </a:solidFill>
+        <a:gradFill rotWithShape="1">
+          <a:gsLst>
+            <a:gs pos="0">
+              <a:schemeClr val="phClr">
+                <a:tint val="50000"/>
+                <a:satMod val="300000"/>
+              </a:schemeClr>
+            </a:gs>
+            <a:gs pos="35000">
+              <a:schemeClr val="phClr">
+                <a:tint val="37000"/>
+                <a:satMod val="300000"/>
+              </a:schemeClr>
+            </a:gs>
+            <a:gs pos="100000">
+              <a:schemeClr val="phClr">
+                <a:tint val="15000"/>
+                <a:satMod val="350000"/>
+              </a:schemeClr>
+            </a:gs>
+          </a:gsLst>
+          <a:lin ang="16200000" scaled="1"/>
+        </a:gradFill>
+        <a:gradFill rotWithShape="1">
+          <a:gsLst>
+            <a:gs pos="0">
+              <a:schemeClr val="phClr">
+                <a:shade val="51000"/>
+                <a:satMod val="130000"/>
+              </a:schemeClr>
+            </a:gs>
+            <a:gs pos="80000">
+              <a:schemeClr val="phClr">
+                <a:shade val="93000"/>
+                <a:satMod val="130000"/>
+              </a:schemeClr>
+            </a:gs>
+            <a:gs pos="100000">
+              <a:schemeClr val="phClr">
+                <a:shade val="94000"/>
+                <a:satMod val="135000"/>
+              </a:schemeClr>
+            </a:gs>
+          </a:gsLst>
+          <a:lin ang="16200000" scaled="0"/>
+        </a:gradFill>
+      </a:fillStyleLst>
+      <a:lnStyleLst>
+        <a:ln w="9525" cap="flat" cmpd="sng" algn="ctr">
+          <a:solidFill>
+            <a:schemeClr val="phClr">
+              <a:shade val="95000"/>
+              <a:satMod val="105000"/>
+            </a:schemeClr>
+          </a:solidFill>
+          <a:prstDash val="solid"/>
+        </a:ln>
+        <a:ln w="25400" cap="flat" cmpd="sng" algn="ctr">
+          <a:solidFill>
+            <a:schemeClr val="phClr"/>
+          </a:solidFill>
+          <a:prstDash val="solid"/>
+        </a:ln>
+        <a:ln w="38100" cap="flat" cmpd="sng" algn="ctr">
+          <a:solidFill>
+            <a:schemeClr val="phClr"/>
+          </a:solidFill>
+          <a:prstDash val="solid"/>
+        </a:ln>
+      </a:lnStyleLst>
+      <a:effectStyleLst>
+        <a:effectStyle>
+          <a:effectLst>
+            <a:outerShdw blurRad="40000" dist="20000" dir="5400000" rotWithShape="0">
+              <a:srgbClr val="000000">
+                <a:alpha val="38000"/>
+              </a:srgbClr>
+            </a:outerShdw>
+          </a:effectLst>
+        </a:effectStyle>
+        <a:effectStyle>
+          <a:effectLst>
+            <a:outerShdw blurRad="40000" dist="23000" dir="5400000" rotWithShape="0">
+              <a:srgbClr val="000000">
+                <a:alpha val="35000"/>
+              </a:srgbClr>
+            </a:outerShdw>
+          </a:effectLst>
+        </a:effectStyle>
+        <a:effectStyle>
+          <a:effectLst>
+            <a:outerShdw blurRad="40000" dist="23000" dir="5400000" rotWithShape="0">
+              <a:srgbClr val="000000">
+                <a:alpha val="35000"/>
+              </a:srgbClr>
+            </a:outerShdw>
+          </a:effectLst>
+          <a:scene3d>
+            <a:camera prst="orthographicFront">
+              <a:rot lat="0" lon="0" rev="0"/>
+            </a:camera>
+            <a:lightRig rig="threePt" dir="t">
+              <a:rot lat="0" lon="0" rev="1200000"/>
+            </a:lightRig>
+          </a:scene3d>
+          <a:sp3d>
+            <a:bevelT w="63500" h="25400"/>
+          </a:sp3d>
+        </a:effectStyle>
+      </a:effectStyleLst>
+      <a:bgFillStyleLst>
+        <a:solidFill>
+          <a:schemeClr val="phClr"/>
+        </a:solidFill>
+        <a:gradFill rotWithShape="1">
+          <a:gsLst>
+            <a:gs pos="0">
+              <a:schemeClr val="phClr">
+                <a:tint val="40000"/>
+                <a:satMod val="350000"/>
+              </a:schemeClr>
+            </a:gs>
+            <a:gs pos="40000">
+              <a:schemeClr val="phClr">
+                <a:tint val="45000"/>
+                <a:shade val="99000"/>
+                <a:satMod val="350000"/>
+              </a:schemeClr>
+            </a:gs>
+            <a:gs pos="100000">
+              <a:schemeClr val="phClr">
+                <a:shade val="20000"/>
+                <a:satMod val="255000"/>
+              </a:schemeClr>
+            </a:gs>
+          </a:gsLst>
+          <a:path path="circle">
+            <a:fillToRect l="50000" t="-80000" r="50000" b="180000"/>
+          </a:path>
+        </a:gradFill>
+        <a:gradFill rotWithShape="1">
+          <a:gsLst>
+            <a:gs pos="0">
+              <a:schemeClr val="phClr">
+                <a:tint val="80000"/>
+                <a:satMod val="300000"/>
+              </a:schemeClr>
+            </a:gs>
+            <a:gs pos="100000">
+              <a:schemeClr val="phClr">
+                <a:shade val="30000"/>
+                <a:satMod val="200000"/>
+              </a:schemeClr>
+            </a:gs>
+          </a:gsLst>
+          <a:path path="circle">
+            <a:fillToRect l="50000" t="50000" r="50000" b="50000"/>
+          </a:path>
+        </a:gradFill>
+      </a:bgFillStyleLst>
+    </a:fmtScheme>
+  </a:themeElements>
+  <a:objectDefaults/>
+  <a:extraClrSchemeLst/>
+</a:theme>
 </file>
--- a/presentations/Demo DoodleDebug Jan-2011.pptx
+++ b/presentations/Demo DoodleDebug Jan-2011.pptx
@@ -5,23 +5,19 @@
     <p:sldMasterId id="2147483648" r:id="rId1"/>
   </p:sldMasterIdLst>
   <p:notesMasterIdLst>
-    <p:notesMasterId r:id="rId16"/>
+    <p:notesMasterId r:id="rId12"/>
   </p:notesMasterIdLst>
   <p:sldIdLst>
-    <p:sldId id="258" r:id="rId2"/>
-    <p:sldId id="257" r:id="rId3"/>
-    <p:sldId id="259" r:id="rId4"/>
-    <p:sldId id="260" r:id="rId5"/>
-    <p:sldId id="261" r:id="rId6"/>
-    <p:sldId id="262" r:id="rId7"/>
-    <p:sldId id="263" r:id="rId8"/>
-    <p:sldId id="264" r:id="rId9"/>
-    <p:sldId id="265" r:id="rId10"/>
-    <p:sldId id="266" r:id="rId11"/>
-    <p:sldId id="267" r:id="rId12"/>
-    <p:sldId id="270" r:id="rId13"/>
-    <p:sldId id="268" r:id="rId14"/>
-    <p:sldId id="269" r:id="rId15"/>
+    <p:sldId id="257" r:id="rId2"/>
+    <p:sldId id="262" r:id="rId3"/>
+    <p:sldId id="263" r:id="rId4"/>
+    <p:sldId id="264" r:id="rId5"/>
+    <p:sldId id="265" r:id="rId6"/>
+    <p:sldId id="266" r:id="rId7"/>
+    <p:sldId id="267" r:id="rId8"/>
+    <p:sldId id="270" r:id="rId9"/>
+    <p:sldId id="268" r:id="rId10"/>
+    <p:sldId id="269" r:id="rId11"/>
   </p:sldIdLst>
   <p:sldSz cx="9144000" cy="6858000" type="screen4x3"/>
   <p:notesSz cx="6858000" cy="9144000"/>
@@ -538,7 +534,7 @@
           <a:p>
             <a:fld id="{19BBA862-DAA4-4280-865A-CD6D2832F65D}" type="slidenum">
               <a:rPr lang="de-CH" smtClean="0"/>
-              <a:t>11</a:t>
+              <a:t>7</a:t>
             </a:fld>
             <a:endParaRPr lang="de-CH"/>
           </a:p>
@@ -3552,82 +3548,85 @@
             <a:spLocks noGrp="1"/>
           </p:cNvSpPr>
           <p:nvPr>
-            <p:ph type="title"/>
-          </p:nvPr>
-        </p:nvSpPr>
-        <p:spPr/>
-        <p:txBody>
-          <a:bodyPr/>
-          <a:lstStyle/>
-          <a:p>
-            <a:endParaRPr lang="de-CH"/>
-          </a:p>
-        </p:txBody>
-      </p:sp>
-      <p:sp>
-        <p:nvSpPr>
-          <p:cNvPr id="3" name="Inhaltsplatzhalter 2"/>
-          <p:cNvSpPr>
-            <a:spLocks noGrp="1"/>
-          </p:cNvSpPr>
-          <p:nvPr>
-            <p:ph idx="1"/>
-          </p:nvPr>
-        </p:nvSpPr>
-        <p:spPr/>
+            <p:ph type="ctrTitle"/>
+          </p:nvPr>
+        </p:nvSpPr>
+        <p:spPr>
+          <a:xfrm>
+            <a:off x="685800" y="1844824"/>
+            <a:ext cx="7772400" cy="1470025"/>
+          </a:xfrm>
+        </p:spPr>
         <p:txBody>
           <a:bodyPr>
             <a:normAutofit/>
           </a:bodyPr>
           <a:lstStyle/>
           <a:p>
-            <a:pPr marL="0" indent="0" algn="ctr">
-              <a:buNone/>
-            </a:pPr>
-            <a:r>
-              <a:rPr lang="de-CH" sz="9600" i="1" dirty="0" smtClean="0">
-                <a:solidFill>
-                  <a:schemeClr val="bg1">
-                    <a:lumMod val="65000"/>
-                  </a:schemeClr>
-                </a:solidFill>
-              </a:rPr>
-              <a:t>(</a:t>
-            </a:r>
-            <a:r>
-              <a:rPr lang="de-CH" sz="9600" i="1" dirty="0" err="1" smtClean="0">
-                <a:solidFill>
-                  <a:schemeClr val="bg1">
-                    <a:lumMod val="65000"/>
-                  </a:schemeClr>
-                </a:solidFill>
-              </a:rPr>
-              <a:t>demo</a:t>
-            </a:r>
-            <a:r>
-              <a:rPr lang="de-CH" sz="9600" i="1" dirty="0" smtClean="0">
-                <a:solidFill>
-                  <a:schemeClr val="bg1">
-                    <a:lumMod val="65000"/>
-                  </a:schemeClr>
-                </a:solidFill>
-              </a:rPr>
-              <a:t>)</a:t>
-            </a:r>
-            <a:endParaRPr lang="de-CH" sz="9600" i="1" dirty="0">
-              <a:solidFill>
-                <a:schemeClr val="bg1">
-                  <a:lumMod val="65000"/>
-                </a:schemeClr>
-              </a:solidFill>
-            </a:endParaRPr>
+            <a:r>
+              <a:rPr lang="de-CH" sz="5400" b="1" dirty="0" err="1" smtClean="0"/>
+              <a:t>DoodleDebug</a:t>
+            </a:r>
+            <a:endParaRPr lang="de-CH" sz="5400" b="1" dirty="0"/>
+          </a:p>
+        </p:txBody>
+      </p:sp>
+      <p:sp>
+        <p:nvSpPr>
+          <p:cNvPr id="3" name="Untertitel 2"/>
+          <p:cNvSpPr>
+            <a:spLocks noGrp="1"/>
+          </p:cNvSpPr>
+          <p:nvPr>
+            <p:ph type="subTitle" idx="1"/>
+          </p:nvPr>
+        </p:nvSpPr>
+        <p:spPr>
+          <a:xfrm>
+            <a:off x="1403648" y="3645024"/>
+            <a:ext cx="6400800" cy="1752600"/>
+          </a:xfrm>
+        </p:spPr>
+        <p:txBody>
+          <a:bodyPr/>
+          <a:lstStyle/>
+          <a:p>
+            <a:r>
+              <a:rPr lang="de-CH" dirty="0" err="1"/>
+              <a:t>b</a:t>
+            </a:r>
+            <a:r>
+              <a:rPr lang="de-CH" dirty="0" err="1" smtClean="0"/>
+              <a:t>etter</a:t>
+            </a:r>
+            <a:r>
+              <a:rPr lang="de-CH" dirty="0" smtClean="0"/>
+              <a:t> </a:t>
+            </a:r>
+            <a:r>
+              <a:rPr lang="de-CH" dirty="0" err="1" smtClean="0"/>
+              <a:t>than</a:t>
+            </a:r>
+            <a:r>
+              <a:rPr lang="de-CH" dirty="0" smtClean="0"/>
+              <a:t> </a:t>
+            </a:r>
+            <a:r>
+              <a:rPr lang="de-CH" dirty="0" err="1" smtClean="0"/>
+              <a:t>toString</a:t>
+            </a:r>
+            <a:r>
+              <a:rPr lang="de-CH" dirty="0" smtClean="0"/>
+              <a:t>()</a:t>
+            </a:r>
+            <a:endParaRPr lang="de-CH" dirty="0"/>
           </a:p>
         </p:txBody>
       </p:sp>
     </p:spTree>
     <p:extLst>
       <p:ext uri="{BB962C8B-B14F-4D97-AF65-F5344CB8AC3E}">
-        <p14:creationId xmlns:p14="http://schemas.microsoft.com/office/powerpoint/2010/main" val="281791833"/>
+        <p14:creationId xmlns:p14="http://schemas.microsoft.com/office/powerpoint/2010/main" val="3780655319"/>
       </p:ext>
     </p:extLst>
   </p:cSld>
@@ -3645,930 +3644,6 @@
 </file>
 
 <file path=ppt/slides/slide10.xml><?xml version="1.0" encoding="utf-8"?>
-<p:sld xmlns:a="http://schemas.openxmlformats.org/drawingml/2006/main" xmlns:r="http://schemas.openxmlformats.org/officeDocument/2006/relationships" xmlns:p="http://schemas.openxmlformats.org/presentationml/2006/main">
-  <p:cSld>
-    <p:spTree>
-      <p:nvGrpSpPr>
-        <p:cNvPr id="1" name=""/>
-        <p:cNvGrpSpPr/>
-        <p:nvPr/>
-      </p:nvGrpSpPr>
-      <p:grpSpPr>
-        <a:xfrm>
-          <a:off x="0" y="0"/>
-          <a:ext cx="0" cy="0"/>
-          <a:chOff x="0" y="0"/>
-          <a:chExt cx="0" cy="0"/>
-        </a:xfrm>
-      </p:grpSpPr>
-      <p:sp>
-        <p:nvSpPr>
-          <p:cNvPr id="2" name="Titel 1"/>
-          <p:cNvSpPr>
-            <a:spLocks noGrp="1"/>
-          </p:cNvSpPr>
-          <p:nvPr>
-            <p:ph type="title"/>
-          </p:nvPr>
-        </p:nvSpPr>
-        <p:spPr/>
-        <p:txBody>
-          <a:bodyPr/>
-          <a:lstStyle/>
-          <a:p>
-            <a:r>
-              <a:rPr lang="de-CH" dirty="0" smtClean="0"/>
-              <a:t>Design </a:t>
-            </a:r>
-            <a:r>
-              <a:rPr lang="de-CH" dirty="0" err="1" smtClean="0"/>
-              <a:t>process</a:t>
-            </a:r>
-            <a:endParaRPr lang="de-CH" dirty="0"/>
-          </a:p>
-        </p:txBody>
-      </p:sp>
-      <p:sp>
-        <p:nvSpPr>
-          <p:cNvPr id="3" name="Inhaltsplatzhalter 2"/>
-          <p:cNvSpPr>
-            <a:spLocks noGrp="1"/>
-          </p:cNvSpPr>
-          <p:nvPr>
-            <p:ph idx="1"/>
-          </p:nvPr>
-        </p:nvSpPr>
-        <p:spPr/>
-        <p:txBody>
-          <a:bodyPr/>
-          <a:lstStyle/>
-          <a:p>
-            <a:pPr marL="0" indent="0">
-              <a:buNone/>
-            </a:pPr>
-            <a:r>
-              <a:rPr lang="de-CH" dirty="0" smtClean="0"/>
-              <a:t>Talk </a:t>
-            </a:r>
-            <a:r>
-              <a:rPr lang="de-CH" dirty="0" err="1" smtClean="0"/>
-              <a:t>to</a:t>
-            </a:r>
-            <a:r>
-              <a:rPr lang="de-CH" dirty="0" smtClean="0"/>
-              <a:t> </a:t>
-            </a:r>
-            <a:r>
-              <a:rPr lang="de-CH" dirty="0" err="1" smtClean="0"/>
-              <a:t>developers</a:t>
-            </a:r>
-            <a:endParaRPr lang="de-CH" dirty="0"/>
-          </a:p>
-        </p:txBody>
-      </p:sp>
-      <p:pic>
-        <p:nvPicPr>
-          <p:cNvPr id="2050" name="Picture 2" descr="C:\Users\Cedric Reichenbach\students-cedric-DoodleDebug\DoodleDebug\pics\Foto214.jpg"/>
-          <p:cNvPicPr>
-            <a:picLocks noChangeAspect="1" noChangeArrowheads="1"/>
-          </p:cNvPicPr>
-          <p:nvPr/>
-        </p:nvPicPr>
-        <p:blipFill>
-          <a:blip r:embed="rId2" cstate="print">
-            <a:extLst>
-              <a:ext uri="{28A0092B-C50C-407E-A947-70E740481C1C}">
-                <a14:useLocalDpi xmlns:a14="http://schemas.microsoft.com/office/drawing/2010/main" val="0"/>
-              </a:ext>
-            </a:extLst>
-          </a:blip>
-          <a:srcRect/>
-          <a:stretch>
-            <a:fillRect/>
-          </a:stretch>
-        </p:blipFill>
-        <p:spPr bwMode="auto">
-          <a:xfrm>
-            <a:off x="1763688" y="2420888"/>
-            <a:ext cx="5256584" cy="3942438"/>
-          </a:xfrm>
-          <a:prstGeom prst="rect">
-            <a:avLst/>
-          </a:prstGeom>
-          <a:noFill/>
-          <a:extLst>
-            <a:ext uri="{909E8E84-426E-40DD-AFC4-6F175D3DCCD1}">
-              <a14:hiddenFill xmlns:a14="http://schemas.microsoft.com/office/drawing/2010/main">
-                <a:solidFill>
-                  <a:srgbClr val="FFFFFF"/>
-                </a:solidFill>
-              </a14:hiddenFill>
-            </a:ext>
-          </a:extLst>
-        </p:spPr>
-      </p:pic>
-    </p:spTree>
-    <p:extLst>
-      <p:ext uri="{BB962C8B-B14F-4D97-AF65-F5344CB8AC3E}">
-        <p14:creationId xmlns:p14="http://schemas.microsoft.com/office/powerpoint/2010/main" val="1393341335"/>
-      </p:ext>
-    </p:extLst>
-  </p:cSld>
-  <p:clrMapOvr>
-    <a:masterClrMapping/>
-  </p:clrMapOvr>
-  <p:timing>
-    <p:tnLst>
-      <p:par>
-        <p:cTn id="1" dur="indefinite" restart="never" nodeType="tmRoot"/>
-      </p:par>
-    </p:tnLst>
-  </p:timing>
-</p:sld>
-</file>
-
-<file path=ppt/slides/slide11.xml><?xml version="1.0" encoding="utf-8"?>
-<p:sld xmlns:a="http://schemas.openxmlformats.org/drawingml/2006/main" xmlns:r="http://schemas.openxmlformats.org/officeDocument/2006/relationships" xmlns:p="http://schemas.openxmlformats.org/presentationml/2006/main">
-  <p:cSld>
-    <p:spTree>
-      <p:nvGrpSpPr>
-        <p:cNvPr id="1" name=""/>
-        <p:cNvGrpSpPr/>
-        <p:nvPr/>
-      </p:nvGrpSpPr>
-      <p:grpSpPr>
-        <a:xfrm>
-          <a:off x="0" y="0"/>
-          <a:ext cx="0" cy="0"/>
-          <a:chOff x="0" y="0"/>
-          <a:chExt cx="0" cy="0"/>
-        </a:xfrm>
-      </p:grpSpPr>
-      <p:sp>
-        <p:nvSpPr>
-          <p:cNvPr id="2" name="Titel 1"/>
-          <p:cNvSpPr>
-            <a:spLocks noGrp="1"/>
-          </p:cNvSpPr>
-          <p:nvPr>
-            <p:ph type="title"/>
-          </p:nvPr>
-        </p:nvSpPr>
-        <p:spPr/>
-        <p:txBody>
-          <a:bodyPr/>
-          <a:lstStyle/>
-          <a:p>
-            <a:r>
-              <a:rPr lang="de-CH" dirty="0" err="1" smtClean="0"/>
-              <a:t>Related</a:t>
-            </a:r>
-            <a:r>
-              <a:rPr lang="de-CH" dirty="0" smtClean="0"/>
-              <a:t> </a:t>
-            </a:r>
-            <a:r>
-              <a:rPr lang="de-CH" dirty="0" err="1" smtClean="0"/>
-              <a:t>work</a:t>
-            </a:r>
-            <a:endParaRPr lang="de-CH" dirty="0"/>
-          </a:p>
-        </p:txBody>
-      </p:sp>
-      <p:sp>
-        <p:nvSpPr>
-          <p:cNvPr id="3" name="Inhaltsplatzhalter 2"/>
-          <p:cNvSpPr>
-            <a:spLocks noGrp="1"/>
-          </p:cNvSpPr>
-          <p:nvPr>
-            <p:ph idx="1"/>
-          </p:nvPr>
-        </p:nvSpPr>
-        <p:spPr/>
-        <p:txBody>
-          <a:bodyPr>
-            <a:normAutofit/>
-          </a:bodyPr>
-          <a:lstStyle/>
-          <a:p>
-            <a:r>
-              <a:rPr lang="de-CH" dirty="0"/>
-              <a:t>Paper: </a:t>
-            </a:r>
-            <a:r>
-              <a:rPr lang="de-CH" i="1" dirty="0" smtClean="0"/>
-              <a:t>«</a:t>
-            </a:r>
-            <a:r>
-              <a:rPr lang="de-CH" i="1" dirty="0" err="1" smtClean="0"/>
-              <a:t>Let's</a:t>
-            </a:r>
-            <a:r>
-              <a:rPr lang="de-CH" i="1" dirty="0" smtClean="0"/>
-              <a:t> </a:t>
-            </a:r>
-            <a:r>
-              <a:rPr lang="de-CH" i="1" dirty="0" err="1"/>
-              <a:t>go</a:t>
-            </a:r>
-            <a:r>
-              <a:rPr lang="de-CH" i="1" dirty="0"/>
-              <a:t> </a:t>
-            </a:r>
-            <a:r>
-              <a:rPr lang="de-CH" i="1" dirty="0" err="1"/>
-              <a:t>to</a:t>
-            </a:r>
-            <a:r>
-              <a:rPr lang="de-CH" i="1" dirty="0"/>
-              <a:t> </a:t>
-            </a:r>
-            <a:r>
-              <a:rPr lang="de-CH" i="1" dirty="0" err="1"/>
-              <a:t>the</a:t>
-            </a:r>
-            <a:r>
-              <a:rPr lang="de-CH" i="1" dirty="0"/>
-              <a:t> </a:t>
-            </a:r>
-            <a:r>
-              <a:rPr lang="de-CH" i="1" dirty="0" err="1"/>
-              <a:t>whiteboard</a:t>
-            </a:r>
-            <a:r>
-              <a:rPr lang="de-CH" i="1" dirty="0"/>
-              <a:t>: </a:t>
-            </a:r>
-            <a:r>
-              <a:rPr lang="de-CH" i="1" dirty="0" err="1"/>
-              <a:t>how</a:t>
-            </a:r>
-            <a:r>
-              <a:rPr lang="de-CH" i="1" dirty="0"/>
-              <a:t> </a:t>
-            </a:r>
-            <a:r>
-              <a:rPr lang="de-CH" i="1" dirty="0" err="1"/>
-              <a:t>and</a:t>
-            </a:r>
-            <a:r>
-              <a:rPr lang="de-CH" i="1" dirty="0"/>
-              <a:t> </a:t>
-            </a:r>
-            <a:r>
-              <a:rPr lang="de-CH" i="1" dirty="0" err="1"/>
-              <a:t>why</a:t>
-            </a:r>
-            <a:r>
-              <a:rPr lang="de-CH" i="1" dirty="0"/>
-              <a:t> </a:t>
-            </a:r>
-            <a:r>
-              <a:rPr lang="de-CH" i="1" dirty="0" err="1"/>
-              <a:t>software</a:t>
-            </a:r>
-            <a:r>
-              <a:rPr lang="de-CH" i="1" dirty="0"/>
-              <a:t> </a:t>
-            </a:r>
-            <a:r>
-              <a:rPr lang="de-CH" i="1" dirty="0" err="1"/>
-              <a:t>developers</a:t>
-            </a:r>
-            <a:r>
-              <a:rPr lang="de-CH" i="1" dirty="0"/>
-              <a:t> </a:t>
-            </a:r>
-            <a:r>
-              <a:rPr lang="de-CH" i="1" dirty="0" err="1"/>
-              <a:t>use</a:t>
-            </a:r>
-            <a:r>
-              <a:rPr lang="de-CH" i="1" dirty="0"/>
-              <a:t> </a:t>
-            </a:r>
-            <a:r>
-              <a:rPr lang="de-CH" i="1" dirty="0" err="1" smtClean="0"/>
-              <a:t>drawings</a:t>
-            </a:r>
-            <a:r>
-              <a:rPr lang="de-CH" i="1" dirty="0" smtClean="0"/>
-              <a:t>»</a:t>
-            </a:r>
-            <a:br>
-              <a:rPr lang="de-CH" i="1" dirty="0" smtClean="0"/>
-            </a:br>
-            <a:r>
-              <a:rPr lang="de-CH" i="1" dirty="0" smtClean="0"/>
-              <a:t/>
-            </a:r>
-            <a:br>
-              <a:rPr lang="de-CH" i="1" dirty="0" smtClean="0"/>
-            </a:br>
-            <a:r>
-              <a:rPr lang="de-CH" dirty="0" err="1" smtClean="0"/>
-              <a:t>main</a:t>
-            </a:r>
-            <a:r>
-              <a:rPr lang="de-CH" dirty="0" smtClean="0"/>
-              <a:t> </a:t>
-            </a:r>
-            <a:r>
-              <a:rPr lang="de-CH" dirty="0" err="1" smtClean="0"/>
-              <a:t>statement</a:t>
-            </a:r>
-            <a:r>
-              <a:rPr lang="de-CH" dirty="0" smtClean="0"/>
-              <a:t>:</a:t>
-            </a:r>
-            <a:br>
-              <a:rPr lang="de-CH" dirty="0" smtClean="0"/>
-            </a:br>
-            <a:r>
-              <a:rPr lang="de-CH" dirty="0" smtClean="0"/>
-              <a:t>Whiteboard → Computer Screen</a:t>
-            </a:r>
-            <a:br>
-              <a:rPr lang="de-CH" dirty="0" smtClean="0"/>
-            </a:br>
-            <a:r>
-              <a:rPr lang="de-CH" dirty="0" err="1" smtClean="0"/>
-              <a:t>is</a:t>
-            </a:r>
-            <a:r>
-              <a:rPr lang="de-CH" dirty="0" smtClean="0"/>
-              <a:t> </a:t>
-            </a:r>
-            <a:r>
-              <a:rPr lang="de-CH" dirty="0" err="1" smtClean="0"/>
-              <a:t>too</a:t>
-            </a:r>
-            <a:r>
-              <a:rPr lang="de-CH" dirty="0" smtClean="0"/>
-              <a:t> expensive</a:t>
-            </a:r>
-            <a:endParaRPr lang="de-CH" dirty="0"/>
-          </a:p>
-        </p:txBody>
-      </p:sp>
-    </p:spTree>
-    <p:extLst>
-      <p:ext uri="{BB962C8B-B14F-4D97-AF65-F5344CB8AC3E}">
-        <p14:creationId xmlns:p14="http://schemas.microsoft.com/office/powerpoint/2010/main" val="4094870230"/>
-      </p:ext>
-    </p:extLst>
-  </p:cSld>
-  <p:clrMapOvr>
-    <a:masterClrMapping/>
-  </p:clrMapOvr>
-  <p:timing>
-    <p:tnLst>
-      <p:par>
-        <p:cTn id="1" dur="indefinite" restart="never" nodeType="tmRoot"/>
-      </p:par>
-    </p:tnLst>
-  </p:timing>
-</p:sld>
-</file>
-
-<file path=ppt/slides/slide12.xml><?xml version="1.0" encoding="utf-8"?>
-<p:sld xmlns:a="http://schemas.openxmlformats.org/drawingml/2006/main" xmlns:r="http://schemas.openxmlformats.org/officeDocument/2006/relationships" xmlns:p="http://schemas.openxmlformats.org/presentationml/2006/main">
-  <p:cSld>
-    <p:spTree>
-      <p:nvGrpSpPr>
-        <p:cNvPr id="1" name=""/>
-        <p:cNvGrpSpPr/>
-        <p:nvPr/>
-      </p:nvGrpSpPr>
-      <p:grpSpPr>
-        <a:xfrm>
-          <a:off x="0" y="0"/>
-          <a:ext cx="0" cy="0"/>
-          <a:chOff x="0" y="0"/>
-          <a:chExt cx="0" cy="0"/>
-        </a:xfrm>
-      </p:grpSpPr>
-      <p:sp>
-        <p:nvSpPr>
-          <p:cNvPr id="2" name="Titel 1"/>
-          <p:cNvSpPr>
-            <a:spLocks noGrp="1"/>
-          </p:cNvSpPr>
-          <p:nvPr>
-            <p:ph type="title"/>
-          </p:nvPr>
-        </p:nvSpPr>
-        <p:spPr/>
-        <p:txBody>
-          <a:bodyPr>
-            <a:normAutofit/>
-          </a:bodyPr>
-          <a:lstStyle/>
-          <a:p>
-            <a:r>
-              <a:rPr lang="de-CH" dirty="0" err="1" smtClean="0"/>
-              <a:t>Related</a:t>
-            </a:r>
-            <a:r>
-              <a:rPr lang="de-CH" dirty="0" smtClean="0"/>
-              <a:t> </a:t>
-            </a:r>
-            <a:r>
-              <a:rPr lang="de-CH" dirty="0" err="1" smtClean="0"/>
-              <a:t>work</a:t>
-            </a:r>
-            <a:endParaRPr lang="de-CH" dirty="0"/>
-          </a:p>
-        </p:txBody>
-      </p:sp>
-      <p:sp>
-        <p:nvSpPr>
-          <p:cNvPr id="3" name="Inhaltsplatzhalter 2"/>
-          <p:cNvSpPr>
-            <a:spLocks noGrp="1"/>
-          </p:cNvSpPr>
-          <p:nvPr>
-            <p:ph idx="1"/>
-          </p:nvPr>
-        </p:nvSpPr>
-        <p:spPr/>
-        <p:txBody>
-          <a:bodyPr/>
-          <a:lstStyle/>
-          <a:p>
-            <a:r>
-              <a:rPr lang="de-CH" dirty="0" err="1" smtClean="0"/>
-              <a:t>Zest</a:t>
-            </a:r>
-            <a:r>
-              <a:rPr lang="de-CH" dirty="0"/>
-              <a:t>: An </a:t>
-            </a:r>
-            <a:r>
-              <a:rPr lang="de-CH" dirty="0" err="1"/>
-              <a:t>Eclipse</a:t>
-            </a:r>
-            <a:r>
-              <a:rPr lang="de-CH" dirty="0"/>
-              <a:t> </a:t>
-            </a:r>
-            <a:r>
-              <a:rPr lang="de-CH" dirty="0" err="1"/>
-              <a:t>Visualization</a:t>
-            </a:r>
-            <a:r>
-              <a:rPr lang="de-CH" dirty="0"/>
-              <a:t> Toolkit, not </a:t>
-            </a:r>
-            <a:r>
-              <a:rPr lang="de-CH" dirty="0" err="1" smtClean="0"/>
-              <a:t>debug-oriented</a:t>
-            </a:r>
-            <a:r>
-              <a:rPr lang="de-CH" dirty="0" smtClean="0"/>
-              <a:t>, not </a:t>
-            </a:r>
-            <a:r>
-              <a:rPr lang="de-CH" dirty="0" err="1" smtClean="0"/>
-              <a:t>very</a:t>
-            </a:r>
-            <a:r>
-              <a:rPr lang="de-CH" dirty="0" smtClean="0"/>
-              <a:t> simple</a:t>
-            </a:r>
-          </a:p>
-          <a:p>
-            <a:endParaRPr lang="de-CH" dirty="0"/>
-          </a:p>
-          <a:p>
-            <a:r>
-              <a:rPr lang="de-CH" dirty="0" err="1"/>
-              <a:t>DataDisplayDebugger</a:t>
-            </a:r>
-            <a:r>
-              <a:rPr lang="de-CH" dirty="0"/>
-              <a:t>: </a:t>
-            </a:r>
-            <a:r>
-              <a:rPr lang="de-CH" dirty="0" err="1"/>
-              <a:t>Graphical</a:t>
-            </a:r>
-            <a:r>
-              <a:rPr lang="de-CH" dirty="0"/>
-              <a:t> front-end </a:t>
-            </a:r>
-            <a:r>
-              <a:rPr lang="de-CH" dirty="0" err="1"/>
-              <a:t>for</a:t>
-            </a:r>
-            <a:r>
-              <a:rPr lang="de-CH" dirty="0"/>
-              <a:t> </a:t>
-            </a:r>
-            <a:r>
-              <a:rPr lang="de-CH" dirty="0" err="1"/>
-              <a:t>existing</a:t>
-            </a:r>
-            <a:r>
-              <a:rPr lang="de-CH" dirty="0"/>
-              <a:t> </a:t>
-            </a:r>
-            <a:r>
-              <a:rPr lang="de-CH" dirty="0" err="1"/>
-              <a:t>command-line</a:t>
-            </a:r>
-            <a:r>
-              <a:rPr lang="de-CH" dirty="0"/>
-              <a:t> </a:t>
-            </a:r>
-            <a:r>
-              <a:rPr lang="de-CH" dirty="0" err="1" smtClean="0"/>
-              <a:t>debuggers</a:t>
-            </a:r>
-            <a:endParaRPr lang="de-CH" dirty="0" smtClean="0"/>
-          </a:p>
-          <a:p>
-            <a:endParaRPr lang="de-CH" dirty="0"/>
-          </a:p>
-          <a:p>
-            <a:r>
-              <a:rPr lang="de-CH" dirty="0"/>
-              <a:t>Moose</a:t>
-            </a:r>
-            <a:endParaRPr lang="de-CH" dirty="0"/>
-          </a:p>
-        </p:txBody>
-      </p:sp>
-    </p:spTree>
-    <p:extLst>
-      <p:ext uri="{BB962C8B-B14F-4D97-AF65-F5344CB8AC3E}">
-        <p14:creationId xmlns:p14="http://schemas.microsoft.com/office/powerpoint/2010/main" val="3445188516"/>
-      </p:ext>
-    </p:extLst>
-  </p:cSld>
-  <p:clrMapOvr>
-    <a:masterClrMapping/>
-  </p:clrMapOvr>
-  <p:timing>
-    <p:tnLst>
-      <p:par>
-        <p:cTn id="1" dur="indefinite" restart="never" nodeType="tmRoot"/>
-      </p:par>
-    </p:tnLst>
-  </p:timing>
-</p:sld>
-</file>
-
-<file path=ppt/slides/slide13.xml><?xml version="1.0" encoding="utf-8"?>
-<p:sld xmlns:a="http://schemas.openxmlformats.org/drawingml/2006/main" xmlns:r="http://schemas.openxmlformats.org/officeDocument/2006/relationships" xmlns:p="http://schemas.openxmlformats.org/presentationml/2006/main">
-  <p:cSld>
-    <p:spTree>
-      <p:nvGrpSpPr>
-        <p:cNvPr id="1" name=""/>
-        <p:cNvGrpSpPr/>
-        <p:nvPr/>
-      </p:nvGrpSpPr>
-      <p:grpSpPr>
-        <a:xfrm>
-          <a:off x="0" y="0"/>
-          <a:ext cx="0" cy="0"/>
-          <a:chOff x="0" y="0"/>
-          <a:chExt cx="0" cy="0"/>
-        </a:xfrm>
-      </p:grpSpPr>
-      <p:sp>
-        <p:nvSpPr>
-          <p:cNvPr id="2" name="Titel 1"/>
-          <p:cNvSpPr>
-            <a:spLocks noGrp="1"/>
-          </p:cNvSpPr>
-          <p:nvPr>
-            <p:ph type="title"/>
-          </p:nvPr>
-        </p:nvSpPr>
-        <p:spPr/>
-        <p:txBody>
-          <a:bodyPr/>
-          <a:lstStyle/>
-          <a:p>
-            <a:r>
-              <a:rPr lang="de-CH" dirty="0" smtClean="0"/>
-              <a:t>TODO:</a:t>
-            </a:r>
-            <a:endParaRPr lang="de-CH" dirty="0"/>
-          </a:p>
-        </p:txBody>
-      </p:sp>
-      <p:sp>
-        <p:nvSpPr>
-          <p:cNvPr id="3" name="Inhaltsplatzhalter 2"/>
-          <p:cNvSpPr>
-            <a:spLocks noGrp="1"/>
-          </p:cNvSpPr>
-          <p:nvPr>
-            <p:ph idx="1"/>
-          </p:nvPr>
-        </p:nvSpPr>
-        <p:spPr/>
-        <p:txBody>
-          <a:bodyPr/>
-          <a:lstStyle/>
-          <a:p>
-            <a:r>
-              <a:rPr lang="de-CH" dirty="0" smtClean="0"/>
-              <a:t>More </a:t>
-            </a:r>
-            <a:r>
-              <a:rPr lang="de-CH" dirty="0" err="1" smtClean="0"/>
-              <a:t>built</a:t>
-            </a:r>
-            <a:r>
-              <a:rPr lang="de-CH" dirty="0" smtClean="0"/>
-              <a:t>-in </a:t>
-            </a:r>
-            <a:r>
-              <a:rPr lang="de-CH" dirty="0" err="1" smtClean="0"/>
-              <a:t>renderings</a:t>
-            </a:r>
-            <a:endParaRPr lang="de-CH" dirty="0" smtClean="0"/>
-          </a:p>
-          <a:p>
-            <a:r>
-              <a:rPr lang="de-CH" dirty="0" err="1" smtClean="0"/>
-              <a:t>Building</a:t>
-            </a:r>
-            <a:r>
-              <a:rPr lang="de-CH" dirty="0" smtClean="0"/>
-              <a:t> </a:t>
-            </a:r>
-            <a:r>
-              <a:rPr lang="de-CH" dirty="0" err="1" smtClean="0"/>
-              <a:t>Eclipse-Plugin</a:t>
-            </a:r>
-            <a:endParaRPr lang="de-CH" dirty="0" smtClean="0"/>
-          </a:p>
-          <a:p>
-            <a:r>
-              <a:rPr lang="de-CH" dirty="0" err="1" smtClean="0"/>
-              <a:t>Use</a:t>
-            </a:r>
-            <a:r>
-              <a:rPr lang="de-CH" dirty="0" smtClean="0"/>
-              <a:t> JavaScript </a:t>
-            </a:r>
-            <a:r>
-              <a:rPr lang="de-CH" dirty="0" err="1" smtClean="0"/>
-              <a:t>to</a:t>
-            </a:r>
-            <a:r>
-              <a:rPr lang="de-CH" dirty="0" smtClean="0"/>
-              <a:t> </a:t>
-            </a:r>
-            <a:r>
-              <a:rPr lang="de-CH" dirty="0" err="1" smtClean="0"/>
-              <a:t>improve</a:t>
-            </a:r>
-            <a:r>
-              <a:rPr lang="de-CH" dirty="0" smtClean="0"/>
-              <a:t> </a:t>
-            </a:r>
-            <a:r>
-              <a:rPr lang="de-CH" dirty="0" err="1" smtClean="0"/>
-              <a:t>rendering</a:t>
-            </a:r>
-            <a:r>
-              <a:rPr lang="de-CH" dirty="0"/>
-              <a:t/>
-            </a:r>
-            <a:br>
-              <a:rPr lang="de-CH" dirty="0"/>
-            </a:br>
-            <a:r>
-              <a:rPr lang="de-CH" dirty="0" smtClean="0"/>
-              <a:t>(e. g. </a:t>
-            </a:r>
-            <a:r>
-              <a:rPr lang="de-CH" dirty="0" err="1" smtClean="0"/>
-              <a:t>align</a:t>
-            </a:r>
-            <a:r>
-              <a:rPr lang="de-CH" dirty="0" smtClean="0"/>
-              <a:t> </a:t>
-            </a:r>
-            <a:r>
-              <a:rPr lang="de-CH" dirty="0" err="1" smtClean="0"/>
-              <a:t>corresponding</a:t>
-            </a:r>
-            <a:r>
-              <a:rPr lang="de-CH" dirty="0" smtClean="0"/>
-              <a:t> </a:t>
-            </a:r>
-            <a:r>
-              <a:rPr lang="de-CH" dirty="0" err="1" smtClean="0"/>
-              <a:t>components</a:t>
-            </a:r>
-            <a:r>
-              <a:rPr lang="de-CH" dirty="0" smtClean="0"/>
-              <a:t>)</a:t>
-            </a:r>
-          </a:p>
-        </p:txBody>
-      </p:sp>
-    </p:spTree>
-    <p:extLst>
-      <p:ext uri="{BB962C8B-B14F-4D97-AF65-F5344CB8AC3E}">
-        <p14:creationId xmlns:p14="http://schemas.microsoft.com/office/powerpoint/2010/main" val="477858240"/>
-      </p:ext>
-    </p:extLst>
-  </p:cSld>
-  <p:clrMapOvr>
-    <a:masterClrMapping/>
-  </p:clrMapOvr>
-  <p:timing>
-    <p:tnLst>
-      <p:par>
-        <p:cTn id="1" dur="indefinite" restart="never" nodeType="tmRoot">
-          <p:childTnLst>
-            <p:seq concurrent="1" nextAc="seek">
-              <p:cTn id="2" dur="indefinite" nodeType="mainSeq">
-                <p:childTnLst>
-                  <p:par>
-                    <p:cTn id="3" fill="hold">
-                      <p:stCondLst>
-                        <p:cond delay="indefinite"/>
-                      </p:stCondLst>
-                      <p:childTnLst>
-                        <p:par>
-                          <p:cTn id="4" fill="hold">
-                            <p:stCondLst>
-                              <p:cond delay="0"/>
-                            </p:stCondLst>
-                            <p:childTnLst>
-                              <p:par>
-                                <p:cTn id="5" presetID="1" presetClass="entr" presetSubtype="0" fill="hold" grpId="0" nodeType="clickEffect">
-                                  <p:stCondLst>
-                                    <p:cond delay="0"/>
-                                  </p:stCondLst>
-                                  <p:childTnLst>
-                                    <p:set>
-                                      <p:cBhvr>
-                                        <p:cTn id="6" dur="1" fill="hold">
-                                          <p:stCondLst>
-                                            <p:cond delay="0"/>
-                                          </p:stCondLst>
-                                        </p:cTn>
-                                        <p:tgtEl>
-                                          <p:spTgt spid="3">
-                                            <p:txEl>
-                                              <p:pRg st="0" end="0"/>
-                                            </p:txEl>
-                                          </p:spTgt>
-                                        </p:tgtEl>
-                                        <p:attrNameLst>
-                                          <p:attrName>style.visibility</p:attrName>
-                                        </p:attrNameLst>
-                                      </p:cBhvr>
-                                      <p:to>
-                                        <p:strVal val="visible"/>
-                                      </p:to>
-                                    </p:set>
-                                  </p:childTnLst>
-                                </p:cTn>
-                              </p:par>
-                            </p:childTnLst>
-                          </p:cTn>
-                        </p:par>
-                      </p:childTnLst>
-                    </p:cTn>
-                  </p:par>
-                  <p:par>
-                    <p:cTn id="7" fill="hold">
-                      <p:stCondLst>
-                        <p:cond delay="indefinite"/>
-                      </p:stCondLst>
-                      <p:childTnLst>
-                        <p:par>
-                          <p:cTn id="8" fill="hold">
-                            <p:stCondLst>
-                              <p:cond delay="0"/>
-                            </p:stCondLst>
-                            <p:childTnLst>
-                              <p:par>
-                                <p:cTn id="9" presetID="1" presetClass="entr" presetSubtype="0" fill="hold" grpId="0" nodeType="clickEffect">
-                                  <p:stCondLst>
-                                    <p:cond delay="0"/>
-                                  </p:stCondLst>
-                                  <p:childTnLst>
-                                    <p:set>
-                                      <p:cBhvr>
-                                        <p:cTn id="10" dur="1" fill="hold">
-                                          <p:stCondLst>
-                                            <p:cond delay="0"/>
-                                          </p:stCondLst>
-                                        </p:cTn>
-                                        <p:tgtEl>
-                                          <p:spTgt spid="3">
-                                            <p:txEl>
-                                              <p:pRg st="1" end="1"/>
-                                            </p:txEl>
-                                          </p:spTgt>
-                                        </p:tgtEl>
-                                        <p:attrNameLst>
-                                          <p:attrName>style.visibility</p:attrName>
-                                        </p:attrNameLst>
-                                      </p:cBhvr>
-                                      <p:to>
-                                        <p:strVal val="visible"/>
-                                      </p:to>
-                                    </p:set>
-                                  </p:childTnLst>
-                                </p:cTn>
-                              </p:par>
-                            </p:childTnLst>
-                          </p:cTn>
-                        </p:par>
-                      </p:childTnLst>
-                    </p:cTn>
-                  </p:par>
-                  <p:par>
-                    <p:cTn id="11" fill="hold">
-                      <p:stCondLst>
-                        <p:cond delay="indefinite"/>
-                      </p:stCondLst>
-                      <p:childTnLst>
-                        <p:par>
-                          <p:cTn id="12" fill="hold">
-                            <p:stCondLst>
-                              <p:cond delay="0"/>
-                            </p:stCondLst>
-                            <p:childTnLst>
-                              <p:par>
-                                <p:cTn id="13" presetID="1" presetClass="entr" presetSubtype="0" fill="hold" grpId="0" nodeType="clickEffect">
-                                  <p:stCondLst>
-                                    <p:cond delay="0"/>
-                                  </p:stCondLst>
-                                  <p:childTnLst>
-                                    <p:set>
-                                      <p:cBhvr>
-                                        <p:cTn id="14" dur="1" fill="hold">
-                                          <p:stCondLst>
-                                            <p:cond delay="0"/>
-                                          </p:stCondLst>
-                                        </p:cTn>
-                                        <p:tgtEl>
-                                          <p:spTgt spid="3">
-                                            <p:txEl>
-                                              <p:pRg st="2" end="2"/>
-                                            </p:txEl>
-                                          </p:spTgt>
-                                        </p:tgtEl>
-                                        <p:attrNameLst>
-                                          <p:attrName>style.visibility</p:attrName>
-                                        </p:attrNameLst>
-                                      </p:cBhvr>
-                                      <p:to>
-                                        <p:strVal val="visible"/>
-                                      </p:to>
-                                    </p:set>
-                                  </p:childTnLst>
-                                </p:cTn>
-                              </p:par>
-                            </p:childTnLst>
-                          </p:cTn>
-                        </p:par>
-                      </p:childTnLst>
-                    </p:cTn>
-                  </p:par>
-                </p:childTnLst>
-              </p:cTn>
-              <p:prevCondLst>
-                <p:cond evt="onPrev" delay="0">
-                  <p:tgtEl>
-                    <p:sldTgt/>
-                  </p:tgtEl>
-                </p:cond>
-              </p:prevCondLst>
-              <p:nextCondLst>
-                <p:cond evt="onNext" delay="0">
-                  <p:tgtEl>
-                    <p:sldTgt/>
-                  </p:tgtEl>
-                </p:cond>
-              </p:nextCondLst>
-            </p:seq>
-          </p:childTnLst>
-        </p:cTn>
-      </p:par>
-    </p:tnLst>
-    <p:bldLst>
-      <p:bldP spid="3" grpId="0" build="p"/>
-    </p:bldLst>
-  </p:timing>
-</p:sld>
-</file>
-
-<file path=ppt/slides/slide14.xml><?xml version="1.0" encoding="utf-8"?>
 <p:sld xmlns:a="http://schemas.openxmlformats.org/drawingml/2006/main" xmlns:r="http://schemas.openxmlformats.org/officeDocument/2006/relationships" xmlns:p="http://schemas.openxmlformats.org/presentationml/2006/main">
   <p:cSld>
     <p:spTree>
@@ -4721,56 +3796,53 @@
             <a:spLocks noGrp="1"/>
           </p:cNvSpPr>
           <p:nvPr>
-            <p:ph type="ctrTitle"/>
-          </p:nvPr>
-        </p:nvSpPr>
-        <p:spPr>
-          <a:xfrm>
-            <a:off x="685800" y="1844824"/>
-            <a:ext cx="7772400" cy="1470025"/>
-          </a:xfrm>
-        </p:spPr>
-        <p:txBody>
-          <a:bodyPr>
-            <a:normAutofit/>
-          </a:bodyPr>
-          <a:lstStyle/>
-          <a:p>
-            <a:r>
-              <a:rPr lang="de-CH" sz="5400" b="1" dirty="0" err="1" smtClean="0"/>
-              <a:t>DoodleDebug</a:t>
-            </a:r>
-            <a:endParaRPr lang="de-CH" sz="5400" b="1" dirty="0"/>
-          </a:p>
-        </p:txBody>
-      </p:sp>
-      <p:sp>
-        <p:nvSpPr>
-          <p:cNvPr id="3" name="Untertitel 2"/>
-          <p:cNvSpPr>
-            <a:spLocks noGrp="1"/>
-          </p:cNvSpPr>
-          <p:nvPr>
-            <p:ph type="subTitle" idx="1"/>
-          </p:nvPr>
-        </p:nvSpPr>
-        <p:spPr>
-          <a:xfrm>
-            <a:off x="1403648" y="3645024"/>
-            <a:ext cx="6400800" cy="1752600"/>
-          </a:xfrm>
-        </p:spPr>
-        <p:txBody>
-          <a:bodyPr/>
-          <a:lstStyle/>
-          <a:p>
-            <a:r>
-              <a:rPr lang="de-CH" dirty="0" err="1"/>
-              <a:t>b</a:t>
-            </a:r>
-            <a:r>
-              <a:rPr lang="de-CH" dirty="0" err="1" smtClean="0"/>
-              <a:t>etter</a:t>
+            <p:ph type="title"/>
+          </p:nvPr>
+        </p:nvSpPr>
+        <p:spPr/>
+        <p:txBody>
+          <a:bodyPr/>
+          <a:lstStyle/>
+          <a:p>
+            <a:r>
+              <a:rPr lang="de-CH" dirty="0" err="1" smtClean="0"/>
+              <a:t>Architecture</a:t>
+            </a:r>
+            <a:endParaRPr lang="de-CH" dirty="0"/>
+          </a:p>
+        </p:txBody>
+      </p:sp>
+      <p:sp>
+        <p:nvSpPr>
+          <p:cNvPr id="3" name="Inhaltsplatzhalter 2"/>
+          <p:cNvSpPr>
+            <a:spLocks noGrp="1"/>
+          </p:cNvSpPr>
+          <p:nvPr>
+            <p:ph idx="1"/>
+          </p:nvPr>
+        </p:nvSpPr>
+        <p:spPr/>
+        <p:txBody>
+          <a:bodyPr/>
+          <a:lstStyle/>
+          <a:p>
+            <a:pPr marL="0" indent="0">
+              <a:buNone/>
+            </a:pPr>
+            <a:endParaRPr lang="de-CH" dirty="0" smtClean="0"/>
+          </a:p>
+          <a:p>
+            <a:pPr marL="0" indent="0">
+              <a:buNone/>
+            </a:pPr>
+            <a:r>
+              <a:rPr lang="de-CH" dirty="0" smtClean="0"/>
+              <a:t>Default </a:t>
+            </a:r>
+            <a:r>
+              <a:rPr lang="de-CH" dirty="0" err="1" smtClean="0"/>
+              <a:t>rendering</a:t>
             </a:r>
             <a:r>
               <a:rPr lang="de-CH" dirty="0" smtClean="0"/>
@@ -4778,7 +3850,7 @@
             </a:r>
             <a:r>
               <a:rPr lang="de-CH" dirty="0" err="1" smtClean="0"/>
-              <a:t>than</a:t>
+              <a:t>for</a:t>
             </a:r>
             <a:r>
               <a:rPr lang="de-CH" dirty="0" smtClean="0"/>
@@ -4786,11 +3858,47 @@
             </a:r>
             <a:r>
               <a:rPr lang="de-CH" dirty="0" err="1" smtClean="0"/>
-              <a:t>toString</a:t>
-            </a:r>
-            <a:r>
-              <a:rPr lang="de-CH" dirty="0" smtClean="0"/>
-              <a:t>()</a:t>
+              <a:t>every</a:t>
+            </a:r>
+            <a:r>
+              <a:rPr lang="de-CH" dirty="0" smtClean="0"/>
+              <a:t> (non-</a:t>
+            </a:r>
+            <a:r>
+              <a:rPr lang="de-CH" dirty="0" err="1" smtClean="0"/>
+              <a:t>common</a:t>
+            </a:r>
+            <a:r>
+              <a:rPr lang="de-CH" dirty="0" smtClean="0"/>
+              <a:t>) </a:t>
+            </a:r>
+            <a:r>
+              <a:rPr lang="de-CH" dirty="0" err="1" smtClean="0"/>
+              <a:t>object</a:t>
+            </a:r>
+            <a:r>
+              <a:rPr lang="de-CH" dirty="0" smtClean="0"/>
+              <a:t> type, i. e. </a:t>
+            </a:r>
+            <a:r>
+              <a:rPr lang="de-CH" dirty="0" err="1" smtClean="0"/>
+              <a:t>rendering</a:t>
+            </a:r>
+            <a:r>
+              <a:rPr lang="de-CH" dirty="0" smtClean="0"/>
+              <a:t> </a:t>
+            </a:r>
+            <a:r>
+              <a:rPr lang="de-CH" dirty="0" err="1" smtClean="0"/>
+              <a:t>for</a:t>
+            </a:r>
+            <a:r>
+              <a:rPr lang="de-CH" dirty="0" smtClean="0"/>
+              <a:t> type </a:t>
+            </a:r>
+            <a:r>
+              <a:rPr lang="de-CH" i="1" dirty="0" err="1" smtClean="0"/>
+              <a:t>object</a:t>
             </a:r>
             <a:endParaRPr lang="de-CH" dirty="0"/>
           </a:p>
@@ -4799,7 +3907,7 @@
     </p:spTree>
     <p:extLst>
       <p:ext uri="{BB962C8B-B14F-4D97-AF65-F5344CB8AC3E}">
-        <p14:creationId xmlns:p14="http://schemas.microsoft.com/office/powerpoint/2010/main" val="3780655319"/>
+        <p14:creationId xmlns:p14="http://schemas.microsoft.com/office/powerpoint/2010/main" val="856655580"/>
       </p:ext>
     </p:extLst>
   </p:cSld>
@@ -4845,1154 +3953,12 @@
         </p:nvSpPr>
         <p:spPr/>
         <p:txBody>
-          <a:bodyPr>
-            <a:normAutofit/>
-          </a:bodyPr>
-          <a:lstStyle/>
-          <a:p>
-            <a:r>
-              <a:rPr lang="de-CH" dirty="0" err="1" smtClean="0"/>
-              <a:t>Why</a:t>
-            </a:r>
-            <a:r>
-              <a:rPr lang="de-CH" dirty="0" smtClean="0"/>
-              <a:t>?</a:t>
-            </a:r>
-            <a:endParaRPr lang="de-CH" dirty="0"/>
-          </a:p>
-        </p:txBody>
-      </p:sp>
-      <p:sp>
-        <p:nvSpPr>
-          <p:cNvPr id="3" name="Inhaltsplatzhalter 2"/>
-          <p:cNvSpPr>
-            <a:spLocks noGrp="1"/>
-          </p:cNvSpPr>
-          <p:nvPr>
-            <p:ph idx="1"/>
-          </p:nvPr>
-        </p:nvSpPr>
-        <p:spPr/>
-        <p:txBody>
-          <a:bodyPr/>
-          <a:lstStyle/>
-          <a:p>
-            <a:pPr marL="0" indent="0">
-              <a:buNone/>
-            </a:pPr>
-            <a:endParaRPr lang="de-CH" dirty="0" smtClean="0"/>
-          </a:p>
-          <a:p>
-            <a:r>
-              <a:rPr lang="de-CH" dirty="0" smtClean="0"/>
-              <a:t>2-dimensional (</a:t>
-            </a:r>
-            <a:r>
-              <a:rPr lang="de-CH" dirty="0" err="1" smtClean="0"/>
-              <a:t>with</a:t>
-            </a:r>
-            <a:r>
-              <a:rPr lang="de-CH" dirty="0" smtClean="0"/>
-              <a:t> </a:t>
-            </a:r>
-            <a:r>
-              <a:rPr lang="de-CH" dirty="0" err="1" smtClean="0"/>
-              <a:t>nesting</a:t>
-            </a:r>
-            <a:r>
-              <a:rPr lang="de-CH" dirty="0" smtClean="0"/>
-              <a:t>!)</a:t>
-            </a:r>
-          </a:p>
-          <a:p>
-            <a:pPr marL="0" indent="0">
-              <a:buNone/>
-            </a:pPr>
-            <a:endParaRPr lang="de-CH" dirty="0" smtClean="0"/>
-          </a:p>
-          <a:p>
-            <a:r>
-              <a:rPr lang="de-CH" dirty="0" smtClean="0"/>
-              <a:t>Colors</a:t>
-            </a:r>
-          </a:p>
-          <a:p>
-            <a:pPr marL="0" indent="0">
-              <a:buNone/>
-            </a:pPr>
-            <a:endParaRPr lang="de-CH" dirty="0" smtClean="0"/>
-          </a:p>
-          <a:p>
-            <a:r>
-              <a:rPr lang="de-CH" dirty="0" err="1" smtClean="0"/>
-              <a:t>Formatting</a:t>
-            </a:r>
-            <a:endParaRPr lang="de-CH" dirty="0"/>
-          </a:p>
-        </p:txBody>
-      </p:sp>
-    </p:spTree>
-    <p:extLst>
-      <p:ext uri="{BB962C8B-B14F-4D97-AF65-F5344CB8AC3E}">
-        <p14:creationId xmlns:p14="http://schemas.microsoft.com/office/powerpoint/2010/main" val="2748285392"/>
-      </p:ext>
-    </p:extLst>
-  </p:cSld>
-  <p:clrMapOvr>
-    <a:masterClrMapping/>
-  </p:clrMapOvr>
-  <p:timing>
-    <p:tnLst>
-      <p:par>
-        <p:cTn id="1" dur="indefinite" restart="never" nodeType="tmRoot">
-          <p:childTnLst>
-            <p:seq concurrent="1" nextAc="seek">
-              <p:cTn id="2" dur="indefinite" nodeType="mainSeq">
-                <p:childTnLst>
-                  <p:par>
-                    <p:cTn id="3" fill="hold">
-                      <p:stCondLst>
-                        <p:cond delay="indefinite"/>
-                      </p:stCondLst>
-                      <p:childTnLst>
-                        <p:par>
-                          <p:cTn id="4" fill="hold">
-                            <p:stCondLst>
-                              <p:cond delay="0"/>
-                            </p:stCondLst>
-                            <p:childTnLst>
-                              <p:par>
-                                <p:cTn id="5" presetID="1" presetClass="entr" presetSubtype="0" fill="hold" grpId="0" nodeType="clickEffect">
-                                  <p:stCondLst>
-                                    <p:cond delay="0"/>
-                                  </p:stCondLst>
-                                  <p:childTnLst>
-                                    <p:set>
-                                      <p:cBhvr>
-                                        <p:cTn id="6" dur="1" fill="hold">
-                                          <p:stCondLst>
-                                            <p:cond delay="0"/>
-                                          </p:stCondLst>
-                                        </p:cTn>
-                                        <p:tgtEl>
-                                          <p:spTgt spid="3">
-                                            <p:txEl>
-                                              <p:pRg st="1" end="1"/>
-                                            </p:txEl>
-                                          </p:spTgt>
-                                        </p:tgtEl>
-                                        <p:attrNameLst>
-                                          <p:attrName>style.visibility</p:attrName>
-                                        </p:attrNameLst>
-                                      </p:cBhvr>
-                                      <p:to>
-                                        <p:strVal val="visible"/>
-                                      </p:to>
-                                    </p:set>
-                                  </p:childTnLst>
-                                </p:cTn>
-                              </p:par>
-                            </p:childTnLst>
-                          </p:cTn>
-                        </p:par>
-                      </p:childTnLst>
-                    </p:cTn>
-                  </p:par>
-                  <p:par>
-                    <p:cTn id="7" fill="hold">
-                      <p:stCondLst>
-                        <p:cond delay="indefinite"/>
-                      </p:stCondLst>
-                      <p:childTnLst>
-                        <p:par>
-                          <p:cTn id="8" fill="hold">
-                            <p:stCondLst>
-                              <p:cond delay="0"/>
-                            </p:stCondLst>
-                            <p:childTnLst>
-                              <p:par>
-                                <p:cTn id="9" presetID="1" presetClass="entr" presetSubtype="0" fill="hold" grpId="0" nodeType="clickEffect">
-                                  <p:stCondLst>
-                                    <p:cond delay="0"/>
-                                  </p:stCondLst>
-                                  <p:childTnLst>
-                                    <p:set>
-                                      <p:cBhvr>
-                                        <p:cTn id="10" dur="1" fill="hold">
-                                          <p:stCondLst>
-                                            <p:cond delay="0"/>
-                                          </p:stCondLst>
-                                        </p:cTn>
-                                        <p:tgtEl>
-                                          <p:spTgt spid="3">
-                                            <p:txEl>
-                                              <p:pRg st="3" end="3"/>
-                                            </p:txEl>
-                                          </p:spTgt>
-                                        </p:tgtEl>
-                                        <p:attrNameLst>
-                                          <p:attrName>style.visibility</p:attrName>
-                                        </p:attrNameLst>
-                                      </p:cBhvr>
-                                      <p:to>
-                                        <p:strVal val="visible"/>
-                                      </p:to>
-                                    </p:set>
-                                  </p:childTnLst>
-                                </p:cTn>
-                              </p:par>
-                            </p:childTnLst>
-                          </p:cTn>
-                        </p:par>
-                      </p:childTnLst>
-                    </p:cTn>
-                  </p:par>
-                  <p:par>
-                    <p:cTn id="11" fill="hold">
-                      <p:stCondLst>
-                        <p:cond delay="indefinite"/>
-                      </p:stCondLst>
-                      <p:childTnLst>
-                        <p:par>
-                          <p:cTn id="12" fill="hold">
-                            <p:stCondLst>
-                              <p:cond delay="0"/>
-                            </p:stCondLst>
-                            <p:childTnLst>
-                              <p:par>
-                                <p:cTn id="13" presetID="1" presetClass="entr" presetSubtype="0" fill="hold" grpId="0" nodeType="clickEffect">
-                                  <p:stCondLst>
-                                    <p:cond delay="0"/>
-                                  </p:stCondLst>
-                                  <p:childTnLst>
-                                    <p:set>
-                                      <p:cBhvr>
-                                        <p:cTn id="14" dur="1" fill="hold">
-                                          <p:stCondLst>
-                                            <p:cond delay="0"/>
-                                          </p:stCondLst>
-                                        </p:cTn>
-                                        <p:tgtEl>
-                                          <p:spTgt spid="3">
-                                            <p:txEl>
-                                              <p:pRg st="5" end="5"/>
-                                            </p:txEl>
-                                          </p:spTgt>
-                                        </p:tgtEl>
-                                        <p:attrNameLst>
-                                          <p:attrName>style.visibility</p:attrName>
-                                        </p:attrNameLst>
-                                      </p:cBhvr>
-                                      <p:to>
-                                        <p:strVal val="visible"/>
-                                      </p:to>
-                                    </p:set>
-                                  </p:childTnLst>
-                                </p:cTn>
-                              </p:par>
-                            </p:childTnLst>
-                          </p:cTn>
-                        </p:par>
-                      </p:childTnLst>
-                    </p:cTn>
-                  </p:par>
-                </p:childTnLst>
-              </p:cTn>
-              <p:prevCondLst>
-                <p:cond evt="onPrev" delay="0">
-                  <p:tgtEl>
-                    <p:sldTgt/>
-                  </p:tgtEl>
-                </p:cond>
-              </p:prevCondLst>
-              <p:nextCondLst>
-                <p:cond evt="onNext" delay="0">
-                  <p:tgtEl>
-                    <p:sldTgt/>
-                  </p:tgtEl>
-                </p:cond>
-              </p:nextCondLst>
-            </p:seq>
-          </p:childTnLst>
-        </p:cTn>
-      </p:par>
-    </p:tnLst>
-    <p:bldLst>
-      <p:bldP spid="3" grpId="0" build="p"/>
-    </p:bldLst>
-  </p:timing>
-</p:sld>
-</file>
-
-<file path=ppt/slides/slide4.xml><?xml version="1.0" encoding="utf-8"?>
-<p:sld xmlns:a="http://schemas.openxmlformats.org/drawingml/2006/main" xmlns:r="http://schemas.openxmlformats.org/officeDocument/2006/relationships" xmlns:p="http://schemas.openxmlformats.org/presentationml/2006/main">
-  <p:cSld>
-    <p:spTree>
-      <p:nvGrpSpPr>
-        <p:cNvPr id="1" name=""/>
-        <p:cNvGrpSpPr/>
-        <p:nvPr/>
-      </p:nvGrpSpPr>
-      <p:grpSpPr>
-        <a:xfrm>
-          <a:off x="0" y="0"/>
-          <a:ext cx="0" cy="0"/>
-          <a:chOff x="0" y="0"/>
-          <a:chExt cx="0" cy="0"/>
-        </a:xfrm>
-      </p:grpSpPr>
-      <p:sp>
-        <p:nvSpPr>
-          <p:cNvPr id="2" name="Titel 1"/>
-          <p:cNvSpPr>
-            <a:spLocks noGrp="1"/>
-          </p:cNvSpPr>
-          <p:nvPr>
-            <p:ph type="title"/>
-          </p:nvPr>
-        </p:nvSpPr>
-        <p:spPr>
-          <a:xfrm>
-            <a:off x="457200" y="188640"/>
-            <a:ext cx="8229600" cy="1143000"/>
-          </a:xfrm>
-        </p:spPr>
-        <p:txBody>
-          <a:bodyPr/>
-          <a:lstStyle/>
-          <a:p>
-            <a:r>
-              <a:rPr lang="de-CH" dirty="0" err="1" smtClean="0"/>
-              <a:t>Why</a:t>
-            </a:r>
-            <a:r>
-              <a:rPr lang="de-CH" dirty="0" smtClean="0"/>
-              <a:t>?</a:t>
-            </a:r>
-            <a:endParaRPr lang="de-CH" dirty="0"/>
-          </a:p>
-        </p:txBody>
-      </p:sp>
-      <p:sp>
-        <p:nvSpPr>
-          <p:cNvPr id="3" name="Inhaltsplatzhalter 2"/>
-          <p:cNvSpPr>
-            <a:spLocks noGrp="1"/>
-          </p:cNvSpPr>
-          <p:nvPr>
-            <p:ph idx="1"/>
-          </p:nvPr>
-        </p:nvSpPr>
-        <p:spPr>
-          <a:xfrm>
-            <a:off x="457200" y="1340768"/>
-            <a:ext cx="8229600" cy="4525963"/>
-          </a:xfrm>
-        </p:spPr>
-        <p:txBody>
-          <a:bodyPr/>
-          <a:lstStyle/>
-          <a:p>
-            <a:pPr>
-              <a:buNone/>
-            </a:pPr>
-            <a:endParaRPr lang="de-CH" sz="1200" dirty="0"/>
-          </a:p>
-          <a:p>
-            <a:pPr>
-              <a:buNone/>
-            </a:pPr>
-            <a:endParaRPr lang="de-CH" sz="1600" dirty="0" smtClean="0">
-              <a:latin typeface="Courier New" pitchFamily="49" charset="0"/>
-              <a:cs typeface="Courier New" pitchFamily="49" charset="0"/>
-            </a:endParaRPr>
-          </a:p>
-          <a:p>
-            <a:pPr>
-              <a:buNone/>
-            </a:pPr>
-            <a:endParaRPr lang="de-CH" sz="1600" dirty="0" smtClean="0">
-              <a:latin typeface="Courier New" pitchFamily="49" charset="0"/>
-              <a:cs typeface="Courier New" pitchFamily="49" charset="0"/>
-            </a:endParaRPr>
-          </a:p>
-          <a:p>
-            <a:pPr>
-              <a:buNone/>
-            </a:pPr>
-            <a:r>
-              <a:rPr lang="de-CH" sz="1600" dirty="0" smtClean="0">
-                <a:latin typeface="Courier New" pitchFamily="49" charset="0"/>
-                <a:cs typeface="Courier New" pitchFamily="49" charset="0"/>
-              </a:rPr>
-              <a:t>[</a:t>
-            </a:r>
-            <a:r>
-              <a:rPr lang="de-CH" sz="1600" dirty="0" err="1" smtClean="0">
-                <a:latin typeface="Courier New" pitchFamily="49" charset="0"/>
-                <a:cs typeface="Courier New" pitchFamily="49" charset="0"/>
-              </a:rPr>
-              <a:t>java.awt.Color</a:t>
-            </a:r>
-            <a:r>
-              <a:rPr lang="de-CH" sz="1600" dirty="0" smtClean="0">
-                <a:latin typeface="Courier New" pitchFamily="49" charset="0"/>
-                <a:cs typeface="Courier New" pitchFamily="49" charset="0"/>
-              </a:rPr>
-              <a:t>[r=255,g=0,b=0], </a:t>
-            </a:r>
-            <a:r>
-              <a:rPr lang="de-CH" sz="1600" dirty="0" err="1" smtClean="0">
-                <a:latin typeface="Courier New" pitchFamily="49" charset="0"/>
-                <a:cs typeface="Courier New" pitchFamily="49" charset="0"/>
-              </a:rPr>
-              <a:t>java.awt.Color</a:t>
-            </a:r>
-            <a:r>
-              <a:rPr lang="de-CH" sz="1600" dirty="0" smtClean="0">
-                <a:latin typeface="Courier New" pitchFamily="49" charset="0"/>
-                <a:cs typeface="Courier New" pitchFamily="49" charset="0"/>
-              </a:rPr>
-              <a:t>[r=0,g=0,b=255], </a:t>
-            </a:r>
-            <a:r>
-              <a:rPr lang="de-CH" sz="1600" dirty="0" err="1" smtClean="0">
-                <a:latin typeface="Courier New" pitchFamily="49" charset="0"/>
-                <a:cs typeface="Courier New" pitchFamily="49" charset="0"/>
-              </a:rPr>
-              <a:t>java.awt.Color</a:t>
-            </a:r>
-            <a:r>
-              <a:rPr lang="de-CH" sz="1600" dirty="0" smtClean="0">
-                <a:latin typeface="Courier New" pitchFamily="49" charset="0"/>
-                <a:cs typeface="Courier New" pitchFamily="49" charset="0"/>
-              </a:rPr>
-              <a:t>[r=128,g=128,b=128], </a:t>
-            </a:r>
-            <a:r>
-              <a:rPr lang="de-CH" sz="1600" dirty="0" err="1" smtClean="0">
-                <a:latin typeface="Courier New" pitchFamily="49" charset="0"/>
-                <a:cs typeface="Courier New" pitchFamily="49" charset="0"/>
-              </a:rPr>
-              <a:t>java.awt.Color</a:t>
-            </a:r>
-            <a:r>
-              <a:rPr lang="de-CH" sz="1600" dirty="0" smtClean="0">
-                <a:latin typeface="Courier New" pitchFamily="49" charset="0"/>
-                <a:cs typeface="Courier New" pitchFamily="49" charset="0"/>
-              </a:rPr>
-              <a:t>[r=0,g=255,b=0], </a:t>
-            </a:r>
-            <a:r>
-              <a:rPr lang="de-CH" sz="1600" dirty="0" err="1" smtClean="0">
-                <a:latin typeface="Courier New" pitchFamily="49" charset="0"/>
-                <a:cs typeface="Courier New" pitchFamily="49" charset="0"/>
-              </a:rPr>
-              <a:t>java.awt.Color</a:t>
-            </a:r>
-            <a:r>
-              <a:rPr lang="de-CH" sz="1600" dirty="0" smtClean="0">
-                <a:latin typeface="Courier New" pitchFamily="49" charset="0"/>
-                <a:cs typeface="Courier New" pitchFamily="49" charset="0"/>
-              </a:rPr>
-              <a:t>[r=255,g=255,b=0], </a:t>
-            </a:r>
-            <a:r>
-              <a:rPr lang="de-CH" sz="1600" dirty="0" err="1" smtClean="0">
-                <a:latin typeface="Courier New" pitchFamily="49" charset="0"/>
-                <a:cs typeface="Courier New" pitchFamily="49" charset="0"/>
-              </a:rPr>
-              <a:t>java.awt.Color</a:t>
-            </a:r>
-            <a:r>
-              <a:rPr lang="de-CH" sz="1600" dirty="0" smtClean="0">
-                <a:latin typeface="Courier New" pitchFamily="49" charset="0"/>
-                <a:cs typeface="Courier New" pitchFamily="49" charset="0"/>
-              </a:rPr>
-              <a:t>[r=0,g=0,b=255]]</a:t>
-            </a:r>
-            <a:endParaRPr lang="de-CH" sz="2800" dirty="0" smtClean="0">
-              <a:latin typeface="Courier New" pitchFamily="49" charset="0"/>
-              <a:cs typeface="Courier New" pitchFamily="49" charset="0"/>
-            </a:endParaRPr>
-          </a:p>
-          <a:p>
-            <a:pPr>
-              <a:buNone/>
-            </a:pPr>
-            <a:endParaRPr lang="de-CH" sz="1200" dirty="0" smtClean="0">
-              <a:cs typeface="Courier New" pitchFamily="49" charset="0"/>
-            </a:endParaRPr>
-          </a:p>
-          <a:p>
-            <a:pPr>
-              <a:buNone/>
-            </a:pPr>
-            <a:r>
-              <a:rPr lang="de-CH" sz="2800" i="1" dirty="0" smtClean="0">
-                <a:cs typeface="Courier New" pitchFamily="49" charset="0"/>
-              </a:rPr>
-              <a:t>versus</a:t>
-            </a:r>
-            <a:endParaRPr lang="de-CH" sz="2800" i="1" dirty="0">
-              <a:cs typeface="Courier New" pitchFamily="49" charset="0"/>
-            </a:endParaRPr>
-          </a:p>
-        </p:txBody>
-      </p:sp>
-      <p:pic>
-        <p:nvPicPr>
-          <p:cNvPr id="1026" name="Picture 2" descr="C:\Users\Reichenbach Cedric\Dropbox\studium\ba\pics presentation\skizze visualization al colors Kopie.jpg"/>
-          <p:cNvPicPr>
-            <a:picLocks noChangeAspect="1" noChangeArrowheads="1"/>
-          </p:cNvPicPr>
-          <p:nvPr/>
-        </p:nvPicPr>
-        <p:blipFill>
-          <a:blip r:embed="rId2" cstate="print"/>
-          <a:srcRect l="5046" t="20236" r="15746" b="54849"/>
-          <a:stretch>
-            <a:fillRect/>
-          </a:stretch>
-        </p:blipFill>
-        <p:spPr bwMode="auto">
-          <a:xfrm>
-            <a:off x="395536" y="4293096"/>
-            <a:ext cx="8424936" cy="1656184"/>
-          </a:xfrm>
-          <a:prstGeom prst="rect">
-            <a:avLst/>
-          </a:prstGeom>
-          <a:noFill/>
-        </p:spPr>
-      </p:pic>
-    </p:spTree>
-    <p:extLst>
-      <p:ext uri="{BB962C8B-B14F-4D97-AF65-F5344CB8AC3E}">
-        <p14:creationId xmlns:p14="http://schemas.microsoft.com/office/powerpoint/2010/main" val="3769852157"/>
-      </p:ext>
-    </p:extLst>
-  </p:cSld>
-  <p:clrMapOvr>
-    <a:masterClrMapping/>
-  </p:clrMapOvr>
-  <p:timing>
-    <p:tnLst>
-      <p:par>
-        <p:cTn id="1" dur="indefinite" restart="never" nodeType="tmRoot">
-          <p:childTnLst>
-            <p:seq concurrent="1" nextAc="seek">
-              <p:cTn id="2" dur="indefinite" nodeType="mainSeq">
-                <p:childTnLst>
-                  <p:par>
-                    <p:cTn id="3" fill="hold">
-                      <p:stCondLst>
-                        <p:cond delay="indefinite"/>
-                      </p:stCondLst>
-                      <p:childTnLst>
-                        <p:par>
-                          <p:cTn id="4" fill="hold">
-                            <p:stCondLst>
-                              <p:cond delay="0"/>
-                            </p:stCondLst>
-                            <p:childTnLst>
-                              <p:par>
-                                <p:cTn id="5" presetID="1" presetClass="entr" presetSubtype="0" fill="hold" grpId="0" nodeType="clickEffect">
-                                  <p:stCondLst>
-                                    <p:cond delay="0"/>
-                                  </p:stCondLst>
-                                  <p:childTnLst>
-                                    <p:set>
-                                      <p:cBhvr>
-                                        <p:cTn id="6" dur="1" fill="hold">
-                                          <p:stCondLst>
-                                            <p:cond delay="0"/>
-                                          </p:stCondLst>
-                                        </p:cTn>
-                                        <p:tgtEl>
-                                          <p:spTgt spid="3">
-                                            <p:txEl>
-                                              <p:pRg st="3" end="3"/>
-                                            </p:txEl>
-                                          </p:spTgt>
-                                        </p:tgtEl>
-                                        <p:attrNameLst>
-                                          <p:attrName>style.visibility</p:attrName>
-                                        </p:attrNameLst>
-                                      </p:cBhvr>
-                                      <p:to>
-                                        <p:strVal val="visible"/>
-                                      </p:to>
-                                    </p:set>
-                                  </p:childTnLst>
-                                </p:cTn>
-                              </p:par>
-                            </p:childTnLst>
-                          </p:cTn>
-                        </p:par>
-                      </p:childTnLst>
-                    </p:cTn>
-                  </p:par>
-                  <p:par>
-                    <p:cTn id="7" fill="hold">
-                      <p:stCondLst>
-                        <p:cond delay="indefinite"/>
-                      </p:stCondLst>
-                      <p:childTnLst>
-                        <p:par>
-                          <p:cTn id="8" fill="hold">
-                            <p:stCondLst>
-                              <p:cond delay="0"/>
-                            </p:stCondLst>
-                            <p:childTnLst>
-                              <p:par>
-                                <p:cTn id="9" presetID="1" presetClass="entr" presetSubtype="0" fill="hold" grpId="0" nodeType="clickEffect">
-                                  <p:stCondLst>
-                                    <p:cond delay="0"/>
-                                  </p:stCondLst>
-                                  <p:childTnLst>
-                                    <p:set>
-                                      <p:cBhvr>
-                                        <p:cTn id="10" dur="1" fill="hold">
-                                          <p:stCondLst>
-                                            <p:cond delay="0"/>
-                                          </p:stCondLst>
-                                        </p:cTn>
-                                        <p:tgtEl>
-                                          <p:spTgt spid="3">
-                                            <p:txEl>
-                                              <p:pRg st="5" end="5"/>
-                                            </p:txEl>
-                                          </p:spTgt>
-                                        </p:tgtEl>
-                                        <p:attrNameLst>
-                                          <p:attrName>style.visibility</p:attrName>
-                                        </p:attrNameLst>
-                                      </p:cBhvr>
-                                      <p:to>
-                                        <p:strVal val="visible"/>
-                                      </p:to>
-                                    </p:set>
-                                  </p:childTnLst>
-                                </p:cTn>
-                              </p:par>
-                            </p:childTnLst>
-                          </p:cTn>
-                        </p:par>
-                      </p:childTnLst>
-                    </p:cTn>
-                  </p:par>
-                  <p:par>
-                    <p:cTn id="11" fill="hold">
-                      <p:stCondLst>
-                        <p:cond delay="indefinite"/>
-                      </p:stCondLst>
-                      <p:childTnLst>
-                        <p:par>
-                          <p:cTn id="12" fill="hold">
-                            <p:stCondLst>
-                              <p:cond delay="0"/>
-                            </p:stCondLst>
-                            <p:childTnLst>
-                              <p:par>
-                                <p:cTn id="13" presetID="1" presetClass="entr" presetSubtype="0" fill="hold" nodeType="clickEffect">
-                                  <p:stCondLst>
-                                    <p:cond delay="0"/>
-                                  </p:stCondLst>
-                                  <p:childTnLst>
-                                    <p:set>
-                                      <p:cBhvr>
-                                        <p:cTn id="14" dur="1" fill="hold">
-                                          <p:stCondLst>
-                                            <p:cond delay="0"/>
-                                          </p:stCondLst>
-                                        </p:cTn>
-                                        <p:tgtEl>
-                                          <p:spTgt spid="1026"/>
-                                        </p:tgtEl>
-                                        <p:attrNameLst>
-                                          <p:attrName>style.visibility</p:attrName>
-                                        </p:attrNameLst>
-                                      </p:cBhvr>
-                                      <p:to>
-                                        <p:strVal val="visible"/>
-                                      </p:to>
-                                    </p:set>
-                                  </p:childTnLst>
-                                </p:cTn>
-                              </p:par>
-                            </p:childTnLst>
-                          </p:cTn>
-                        </p:par>
-                      </p:childTnLst>
-                    </p:cTn>
-                  </p:par>
-                </p:childTnLst>
-              </p:cTn>
-              <p:prevCondLst>
-                <p:cond evt="onPrev" delay="0">
-                  <p:tgtEl>
-                    <p:sldTgt/>
-                  </p:tgtEl>
-                </p:cond>
-              </p:prevCondLst>
-              <p:nextCondLst>
-                <p:cond evt="onNext" delay="0">
-                  <p:tgtEl>
-                    <p:sldTgt/>
-                  </p:tgtEl>
-                </p:cond>
-              </p:nextCondLst>
-            </p:seq>
-          </p:childTnLst>
-        </p:cTn>
-      </p:par>
-    </p:tnLst>
-    <p:bldLst>
-      <p:bldP spid="3" grpId="0" build="p"/>
-    </p:bldLst>
-  </p:timing>
-</p:sld>
-</file>
-
-<file path=ppt/slides/slide5.xml><?xml version="1.0" encoding="utf-8"?>
-<p:sld xmlns:a="http://schemas.openxmlformats.org/drawingml/2006/main" xmlns:r="http://schemas.openxmlformats.org/officeDocument/2006/relationships" xmlns:p="http://schemas.openxmlformats.org/presentationml/2006/main">
-  <p:cSld>
-    <p:spTree>
-      <p:nvGrpSpPr>
-        <p:cNvPr id="1" name=""/>
-        <p:cNvGrpSpPr/>
-        <p:nvPr/>
-      </p:nvGrpSpPr>
-      <p:grpSpPr>
-        <a:xfrm>
-          <a:off x="0" y="0"/>
-          <a:ext cx="0" cy="0"/>
-          <a:chOff x="0" y="0"/>
-          <a:chExt cx="0" cy="0"/>
-        </a:xfrm>
-      </p:grpSpPr>
-      <p:sp>
-        <p:nvSpPr>
-          <p:cNvPr id="2" name="Titel 1"/>
-          <p:cNvSpPr>
-            <a:spLocks noGrp="1"/>
-          </p:cNvSpPr>
-          <p:nvPr>
-            <p:ph type="title"/>
-          </p:nvPr>
-        </p:nvSpPr>
-        <p:spPr/>
-        <p:txBody>
-          <a:bodyPr/>
-          <a:lstStyle/>
-          <a:p>
-            <a:r>
-              <a:rPr lang="de-CH" dirty="0" smtClean="0"/>
-              <a:t>Features</a:t>
-            </a:r>
-            <a:endParaRPr lang="de-CH" dirty="0"/>
-          </a:p>
-        </p:txBody>
-      </p:sp>
-      <p:sp>
-        <p:nvSpPr>
-          <p:cNvPr id="3" name="Inhaltsplatzhalter 2"/>
-          <p:cNvSpPr>
-            <a:spLocks noGrp="1"/>
-          </p:cNvSpPr>
-          <p:nvPr>
-            <p:ph idx="1"/>
-          </p:nvPr>
-        </p:nvSpPr>
-        <p:spPr/>
-        <p:txBody>
-          <a:bodyPr/>
-          <a:lstStyle/>
-          <a:p>
-            <a:pPr marL="0" indent="0">
-              <a:buNone/>
-            </a:pPr>
-            <a:endParaRPr lang="de-CH" dirty="0" smtClean="0"/>
-          </a:p>
-          <a:p>
-            <a:pPr marL="0" indent="0">
-              <a:buNone/>
-            </a:pPr>
-            <a:r>
-              <a:rPr lang="de-CH" dirty="0" err="1" smtClean="0"/>
-              <a:t>Built</a:t>
-            </a:r>
-            <a:r>
-              <a:rPr lang="de-CH" dirty="0" smtClean="0"/>
-              <a:t>-in </a:t>
-            </a:r>
-            <a:r>
-              <a:rPr lang="de-CH" dirty="0" err="1" smtClean="0"/>
-              <a:t>renderings</a:t>
-            </a:r>
-            <a:r>
-              <a:rPr lang="de-CH" dirty="0" smtClean="0"/>
-              <a:t> </a:t>
-            </a:r>
-            <a:r>
-              <a:rPr lang="de-CH" dirty="0" err="1" smtClean="0"/>
-              <a:t>for</a:t>
-            </a:r>
-            <a:r>
-              <a:rPr lang="de-CH" dirty="0" smtClean="0"/>
-              <a:t> </a:t>
-            </a:r>
-            <a:r>
-              <a:rPr lang="de-CH" dirty="0" err="1" smtClean="0"/>
-              <a:t>common</a:t>
-            </a:r>
-            <a:r>
-              <a:rPr lang="de-CH" dirty="0" smtClean="0"/>
-              <a:t> </a:t>
-            </a:r>
-            <a:r>
-              <a:rPr lang="de-CH" dirty="0" err="1" smtClean="0"/>
-              <a:t>data</a:t>
-            </a:r>
-            <a:r>
-              <a:rPr lang="de-CH" dirty="0" smtClean="0"/>
-              <a:t> </a:t>
-            </a:r>
-            <a:r>
-              <a:rPr lang="de-CH" dirty="0" err="1" smtClean="0"/>
-              <a:t>types</a:t>
-            </a:r>
-            <a:endParaRPr lang="de-CH" dirty="0" smtClean="0"/>
-          </a:p>
-          <a:p>
-            <a:pPr marL="0" indent="0">
-              <a:buNone/>
-            </a:pPr>
-            <a:r>
-              <a:rPr lang="de-CH" dirty="0"/>
-              <a:t>(</a:t>
-            </a:r>
-            <a:r>
-              <a:rPr lang="de-CH" dirty="0" smtClean="0"/>
-              <a:t>Array, List, Color etc.)</a:t>
-            </a:r>
-          </a:p>
-        </p:txBody>
-      </p:sp>
-    </p:spTree>
-    <p:extLst>
-      <p:ext uri="{BB962C8B-B14F-4D97-AF65-F5344CB8AC3E}">
-        <p14:creationId xmlns:p14="http://schemas.microsoft.com/office/powerpoint/2010/main" val="703156374"/>
-      </p:ext>
-    </p:extLst>
-  </p:cSld>
-  <p:clrMapOvr>
-    <a:masterClrMapping/>
-  </p:clrMapOvr>
-  <p:timing>
-    <p:tnLst>
-      <p:par>
-        <p:cTn id="1" dur="indefinite" restart="never" nodeType="tmRoot">
-          <p:childTnLst>
-            <p:seq concurrent="1" nextAc="seek">
-              <p:cTn id="2" dur="indefinite" nodeType="mainSeq">
-                <p:childTnLst>
-                  <p:par>
-                    <p:cTn id="3" fill="hold">
-                      <p:stCondLst>
-                        <p:cond delay="indefinite"/>
-                      </p:stCondLst>
-                      <p:childTnLst>
-                        <p:par>
-                          <p:cTn id="4" fill="hold">
-                            <p:stCondLst>
-                              <p:cond delay="0"/>
-                            </p:stCondLst>
-                            <p:childTnLst>
-                              <p:par>
-                                <p:cTn id="5" presetID="1" presetClass="entr" presetSubtype="0" fill="hold" grpId="0" nodeType="clickEffect">
-                                  <p:stCondLst>
-                                    <p:cond delay="0"/>
-                                  </p:stCondLst>
-                                  <p:childTnLst>
-                                    <p:set>
-                                      <p:cBhvr>
-                                        <p:cTn id="6" dur="1" fill="hold">
-                                          <p:stCondLst>
-                                            <p:cond delay="0"/>
-                                          </p:stCondLst>
-                                        </p:cTn>
-                                        <p:tgtEl>
-                                          <p:spTgt spid="3">
-                                            <p:txEl>
-                                              <p:pRg st="1" end="1"/>
-                                            </p:txEl>
-                                          </p:spTgt>
-                                        </p:tgtEl>
-                                        <p:attrNameLst>
-                                          <p:attrName>style.visibility</p:attrName>
-                                        </p:attrNameLst>
-                                      </p:cBhvr>
-                                      <p:to>
-                                        <p:strVal val="visible"/>
-                                      </p:to>
-                                    </p:set>
-                                  </p:childTnLst>
-                                </p:cTn>
-                              </p:par>
-                              <p:par>
-                                <p:cTn id="7" presetID="1" presetClass="entr" presetSubtype="0" fill="hold" nodeType="withEffect">
-                                  <p:stCondLst>
-                                    <p:cond delay="0"/>
-                                  </p:stCondLst>
-                                  <p:childTnLst>
-                                    <p:set>
-                                      <p:cBhvr>
-                                        <p:cTn id="8" dur="1" fill="hold">
-                                          <p:stCondLst>
-                                            <p:cond delay="0"/>
-                                          </p:stCondLst>
-                                        </p:cTn>
-                                        <p:tgtEl>
-                                          <p:spTgt spid="3">
-                                            <p:txEl>
-                                              <p:pRg st="2" end="2"/>
-                                            </p:txEl>
-                                          </p:spTgt>
-                                        </p:tgtEl>
-                                        <p:attrNameLst>
-                                          <p:attrName>style.visibility</p:attrName>
-                                        </p:attrNameLst>
-                                      </p:cBhvr>
-                                      <p:to>
-                                        <p:strVal val="visible"/>
-                                      </p:to>
-                                    </p:set>
-                                  </p:childTnLst>
-                                </p:cTn>
-                              </p:par>
-                            </p:childTnLst>
-                          </p:cTn>
-                        </p:par>
-                      </p:childTnLst>
-                    </p:cTn>
-                  </p:par>
-                </p:childTnLst>
-              </p:cTn>
-              <p:prevCondLst>
-                <p:cond evt="onPrev" delay="0">
-                  <p:tgtEl>
-                    <p:sldTgt/>
-                  </p:tgtEl>
-                </p:cond>
-              </p:prevCondLst>
-              <p:nextCondLst>
-                <p:cond evt="onNext" delay="0">
-                  <p:tgtEl>
-                    <p:sldTgt/>
-                  </p:tgtEl>
-                </p:cond>
-              </p:nextCondLst>
-            </p:seq>
-          </p:childTnLst>
-        </p:cTn>
-      </p:par>
-    </p:tnLst>
-    <p:bldLst>
-      <p:bldP spid="3" grpId="0" uiExpand="1" build="allAtOnce"/>
-    </p:bldLst>
-  </p:timing>
-</p:sld>
-</file>
-
-<file path=ppt/slides/slide6.xml><?xml version="1.0" encoding="utf-8"?>
-<p:sld xmlns:a="http://schemas.openxmlformats.org/drawingml/2006/main" xmlns:r="http://schemas.openxmlformats.org/officeDocument/2006/relationships" xmlns:p="http://schemas.openxmlformats.org/presentationml/2006/main">
-  <p:cSld>
-    <p:spTree>
-      <p:nvGrpSpPr>
-        <p:cNvPr id="1" name=""/>
-        <p:cNvGrpSpPr/>
-        <p:nvPr/>
-      </p:nvGrpSpPr>
-      <p:grpSpPr>
-        <a:xfrm>
-          <a:off x="0" y="0"/>
-          <a:ext cx="0" cy="0"/>
-          <a:chOff x="0" y="0"/>
-          <a:chExt cx="0" cy="0"/>
-        </a:xfrm>
-      </p:grpSpPr>
-      <p:sp>
-        <p:nvSpPr>
-          <p:cNvPr id="2" name="Titel 1"/>
-          <p:cNvSpPr>
-            <a:spLocks noGrp="1"/>
-          </p:cNvSpPr>
-          <p:nvPr>
-            <p:ph type="title"/>
-          </p:nvPr>
-        </p:nvSpPr>
-        <p:spPr/>
-        <p:txBody>
-          <a:bodyPr/>
-          <a:lstStyle/>
-          <a:p>
-            <a:r>
-              <a:rPr lang="de-CH" dirty="0" smtClean="0"/>
-              <a:t>Features</a:t>
-            </a:r>
-            <a:endParaRPr lang="de-CH" dirty="0"/>
-          </a:p>
-        </p:txBody>
-      </p:sp>
-      <p:sp>
-        <p:nvSpPr>
-          <p:cNvPr id="3" name="Inhaltsplatzhalter 2"/>
-          <p:cNvSpPr>
-            <a:spLocks noGrp="1"/>
-          </p:cNvSpPr>
-          <p:nvPr>
-            <p:ph idx="1"/>
-          </p:nvPr>
-        </p:nvSpPr>
-        <p:spPr/>
-        <p:txBody>
-          <a:bodyPr/>
-          <a:lstStyle/>
-          <a:p>
-            <a:pPr marL="0" indent="0">
-              <a:buNone/>
-            </a:pPr>
-            <a:endParaRPr lang="de-CH" dirty="0" smtClean="0"/>
-          </a:p>
-          <a:p>
-            <a:pPr marL="0" indent="0">
-              <a:buNone/>
-            </a:pPr>
-            <a:r>
-              <a:rPr lang="de-CH" dirty="0" smtClean="0"/>
-              <a:t>Default </a:t>
-            </a:r>
-            <a:r>
-              <a:rPr lang="de-CH" dirty="0" err="1" smtClean="0"/>
-              <a:t>rendering</a:t>
-            </a:r>
-            <a:r>
-              <a:rPr lang="de-CH" dirty="0" smtClean="0"/>
-              <a:t> </a:t>
-            </a:r>
-            <a:r>
-              <a:rPr lang="de-CH" dirty="0" err="1" smtClean="0"/>
-              <a:t>for</a:t>
-            </a:r>
-            <a:r>
-              <a:rPr lang="de-CH" dirty="0" smtClean="0"/>
-              <a:t> </a:t>
-            </a:r>
-            <a:r>
-              <a:rPr lang="de-CH" dirty="0" err="1" smtClean="0"/>
-              <a:t>every</a:t>
-            </a:r>
-            <a:r>
-              <a:rPr lang="de-CH" dirty="0" smtClean="0"/>
-              <a:t> (non-</a:t>
-            </a:r>
-            <a:r>
-              <a:rPr lang="de-CH" dirty="0" err="1" smtClean="0"/>
-              <a:t>common</a:t>
-            </a:r>
-            <a:r>
-              <a:rPr lang="de-CH" dirty="0" smtClean="0"/>
-              <a:t>) </a:t>
-            </a:r>
-            <a:r>
-              <a:rPr lang="de-CH" dirty="0" err="1" smtClean="0"/>
-              <a:t>object</a:t>
-            </a:r>
-            <a:r>
-              <a:rPr lang="de-CH" dirty="0" smtClean="0"/>
-              <a:t> type, i. e. </a:t>
-            </a:r>
-            <a:r>
-              <a:rPr lang="de-CH" dirty="0" err="1" smtClean="0"/>
-              <a:t>rendering</a:t>
-            </a:r>
-            <a:r>
-              <a:rPr lang="de-CH" dirty="0" smtClean="0"/>
-              <a:t> </a:t>
-            </a:r>
-            <a:r>
-              <a:rPr lang="de-CH" dirty="0" err="1" smtClean="0"/>
-              <a:t>for</a:t>
-            </a:r>
-            <a:r>
-              <a:rPr lang="de-CH" dirty="0" smtClean="0"/>
-              <a:t> type </a:t>
-            </a:r>
-            <a:r>
-              <a:rPr lang="de-CH" i="1" dirty="0" err="1" smtClean="0"/>
-              <a:t>object</a:t>
-            </a:r>
-            <a:endParaRPr lang="de-CH" dirty="0"/>
-          </a:p>
-        </p:txBody>
-      </p:sp>
-    </p:spTree>
-    <p:extLst>
-      <p:ext uri="{BB962C8B-B14F-4D97-AF65-F5344CB8AC3E}">
-        <p14:creationId xmlns:p14="http://schemas.microsoft.com/office/powerpoint/2010/main" val="856655580"/>
-      </p:ext>
-    </p:extLst>
-  </p:cSld>
-  <p:clrMapOvr>
-    <a:masterClrMapping/>
-  </p:clrMapOvr>
-  <p:timing>
-    <p:tnLst>
-      <p:par>
-        <p:cTn id="1" dur="indefinite" restart="never" nodeType="tmRoot"/>
-      </p:par>
-    </p:tnLst>
-  </p:timing>
-</p:sld>
-</file>
-
-<file path=ppt/slides/slide7.xml><?xml version="1.0" encoding="utf-8"?>
-<p:sld xmlns:a="http://schemas.openxmlformats.org/drawingml/2006/main" xmlns:r="http://schemas.openxmlformats.org/officeDocument/2006/relationships" xmlns:p="http://schemas.openxmlformats.org/presentationml/2006/main">
-  <p:cSld>
-    <p:spTree>
-      <p:nvGrpSpPr>
-        <p:cNvPr id="1" name=""/>
-        <p:cNvGrpSpPr/>
-        <p:nvPr/>
-      </p:nvGrpSpPr>
-      <p:grpSpPr>
-        <a:xfrm>
-          <a:off x="0" y="0"/>
-          <a:ext cx="0" cy="0"/>
-          <a:chOff x="0" y="0"/>
-          <a:chExt cx="0" cy="0"/>
-        </a:xfrm>
-      </p:grpSpPr>
-      <p:sp>
-        <p:nvSpPr>
-          <p:cNvPr id="2" name="Titel 1"/>
-          <p:cNvSpPr>
-            <a:spLocks noGrp="1"/>
-          </p:cNvSpPr>
-          <p:nvPr>
-            <p:ph type="title"/>
-          </p:nvPr>
-        </p:nvSpPr>
-        <p:spPr/>
-        <p:txBody>
-          <a:bodyPr/>
-          <a:lstStyle/>
-          <a:p>
-            <a:r>
-              <a:rPr lang="de-CH" dirty="0" smtClean="0"/>
-              <a:t>Features</a:t>
+          <a:bodyPr/>
+          <a:lstStyle/>
+          <a:p>
+            <a:r>
+              <a:rPr lang="de-CH" dirty="0" err="1" smtClean="0"/>
+              <a:t>Architecture</a:t>
             </a:r>
             <a:endParaRPr lang="de-CH" dirty="0"/>
           </a:p>
@@ -6170,7 +4136,7 @@
 </p:sld>
 </file>
 
-<file path=ppt/slides/slide8.xml><?xml version="1.0" encoding="utf-8"?>
+<file path=ppt/slides/slide4.xml><?xml version="1.0" encoding="utf-8"?>
 <p:sld xmlns:a="http://schemas.openxmlformats.org/drawingml/2006/main" xmlns:r="http://schemas.openxmlformats.org/officeDocument/2006/relationships" xmlns:p="http://schemas.openxmlformats.org/presentationml/2006/main">
   <p:cSld>
     <p:spTree>
@@ -6703,7 +4669,7 @@
 </p:sld>
 </file>
 
-<file path=ppt/slides/slide9.xml><?xml version="1.0" encoding="utf-8"?>
+<file path=ppt/slides/slide5.xml><?xml version="1.0" encoding="utf-8"?>
 <p:sld xmlns:a="http://schemas.openxmlformats.org/drawingml/2006/main" xmlns:r="http://schemas.openxmlformats.org/officeDocument/2006/relationships" xmlns:p="http://schemas.openxmlformats.org/presentationml/2006/main">
   <p:cSld>
     <p:spTree>
@@ -6879,6 +4845,949 @@
         <p:cTn id="1" dur="indefinite" restart="never" nodeType="tmRoot"/>
       </p:par>
     </p:tnLst>
+  </p:timing>
+</p:sld>
+</file>
+
+<file path=ppt/slides/slide6.xml><?xml version="1.0" encoding="utf-8"?>
+<p:sld xmlns:a="http://schemas.openxmlformats.org/drawingml/2006/main" xmlns:r="http://schemas.openxmlformats.org/officeDocument/2006/relationships" xmlns:p="http://schemas.openxmlformats.org/presentationml/2006/main">
+  <p:cSld>
+    <p:spTree>
+      <p:nvGrpSpPr>
+        <p:cNvPr id="1" name=""/>
+        <p:cNvGrpSpPr/>
+        <p:nvPr/>
+      </p:nvGrpSpPr>
+      <p:grpSpPr>
+        <a:xfrm>
+          <a:off x="0" y="0"/>
+          <a:ext cx="0" cy="0"/>
+          <a:chOff x="0" y="0"/>
+          <a:chExt cx="0" cy="0"/>
+        </a:xfrm>
+      </p:grpSpPr>
+      <p:sp>
+        <p:nvSpPr>
+          <p:cNvPr id="2" name="Titel 1"/>
+          <p:cNvSpPr>
+            <a:spLocks noGrp="1"/>
+          </p:cNvSpPr>
+          <p:nvPr>
+            <p:ph type="title"/>
+          </p:nvPr>
+        </p:nvSpPr>
+        <p:spPr/>
+        <p:txBody>
+          <a:bodyPr/>
+          <a:lstStyle/>
+          <a:p>
+            <a:r>
+              <a:rPr lang="de-CH" dirty="0" smtClean="0"/>
+              <a:t>Design </a:t>
+            </a:r>
+            <a:r>
+              <a:rPr lang="de-CH" dirty="0" err="1" smtClean="0"/>
+              <a:t>process</a:t>
+            </a:r>
+            <a:endParaRPr lang="de-CH" dirty="0"/>
+          </a:p>
+        </p:txBody>
+      </p:sp>
+      <p:sp>
+        <p:nvSpPr>
+          <p:cNvPr id="3" name="Inhaltsplatzhalter 2"/>
+          <p:cNvSpPr>
+            <a:spLocks noGrp="1"/>
+          </p:cNvSpPr>
+          <p:nvPr>
+            <p:ph idx="1"/>
+          </p:nvPr>
+        </p:nvSpPr>
+        <p:spPr/>
+        <p:txBody>
+          <a:bodyPr/>
+          <a:lstStyle/>
+          <a:p>
+            <a:pPr marL="0" indent="0">
+              <a:buNone/>
+            </a:pPr>
+            <a:r>
+              <a:rPr lang="de-CH" dirty="0" smtClean="0"/>
+              <a:t>Talk </a:t>
+            </a:r>
+            <a:r>
+              <a:rPr lang="de-CH" dirty="0" err="1" smtClean="0"/>
+              <a:t>to</a:t>
+            </a:r>
+            <a:r>
+              <a:rPr lang="de-CH" dirty="0" smtClean="0"/>
+              <a:t> </a:t>
+            </a:r>
+            <a:r>
+              <a:rPr lang="de-CH" dirty="0" err="1" smtClean="0"/>
+              <a:t>developers</a:t>
+            </a:r>
+            <a:endParaRPr lang="de-CH" dirty="0"/>
+          </a:p>
+        </p:txBody>
+      </p:sp>
+      <p:pic>
+        <p:nvPicPr>
+          <p:cNvPr id="2050" name="Picture 2" descr="C:\Users\Cedric Reichenbach\students-cedric-DoodleDebug\DoodleDebug\pics\Foto214.jpg"/>
+          <p:cNvPicPr>
+            <a:picLocks noChangeAspect="1" noChangeArrowheads="1"/>
+          </p:cNvPicPr>
+          <p:nvPr/>
+        </p:nvPicPr>
+        <p:blipFill>
+          <a:blip r:embed="rId2" cstate="print">
+            <a:extLst>
+              <a:ext uri="{28A0092B-C50C-407E-A947-70E740481C1C}">
+                <a14:useLocalDpi xmlns:a14="http://schemas.microsoft.com/office/drawing/2010/main" val="0"/>
+              </a:ext>
+            </a:extLst>
+          </a:blip>
+          <a:srcRect/>
+          <a:stretch>
+            <a:fillRect/>
+          </a:stretch>
+        </p:blipFill>
+        <p:spPr bwMode="auto">
+          <a:xfrm>
+            <a:off x="1763688" y="2420888"/>
+            <a:ext cx="5256584" cy="3942438"/>
+          </a:xfrm>
+          <a:prstGeom prst="rect">
+            <a:avLst/>
+          </a:prstGeom>
+          <a:noFill/>
+          <a:extLst>
+            <a:ext uri="{909E8E84-426E-40DD-AFC4-6F175D3DCCD1}">
+              <a14:hiddenFill xmlns:a14="http://schemas.microsoft.com/office/drawing/2010/main">
+                <a:solidFill>
+                  <a:srgbClr val="FFFFFF"/>
+                </a:solidFill>
+              </a14:hiddenFill>
+            </a:ext>
+          </a:extLst>
+        </p:spPr>
+      </p:pic>
+    </p:spTree>
+    <p:extLst>
+      <p:ext uri="{BB962C8B-B14F-4D97-AF65-F5344CB8AC3E}">
+        <p14:creationId xmlns:p14="http://schemas.microsoft.com/office/powerpoint/2010/main" val="1393341335"/>
+      </p:ext>
+    </p:extLst>
+  </p:cSld>
+  <p:clrMapOvr>
+    <a:masterClrMapping/>
+  </p:clrMapOvr>
+  <p:timing>
+    <p:tnLst>
+      <p:par>
+        <p:cTn id="1" dur="indefinite" restart="never" nodeType="tmRoot"/>
+      </p:par>
+    </p:tnLst>
+  </p:timing>
+</p:sld>
+</file>
+
+<file path=ppt/slides/slide7.xml><?xml version="1.0" encoding="utf-8"?>
+<p:sld xmlns:a="http://schemas.openxmlformats.org/drawingml/2006/main" xmlns:r="http://schemas.openxmlformats.org/officeDocument/2006/relationships" xmlns:p="http://schemas.openxmlformats.org/presentationml/2006/main">
+  <p:cSld>
+    <p:spTree>
+      <p:nvGrpSpPr>
+        <p:cNvPr id="1" name=""/>
+        <p:cNvGrpSpPr/>
+        <p:nvPr/>
+      </p:nvGrpSpPr>
+      <p:grpSpPr>
+        <a:xfrm>
+          <a:off x="0" y="0"/>
+          <a:ext cx="0" cy="0"/>
+          <a:chOff x="0" y="0"/>
+          <a:chExt cx="0" cy="0"/>
+        </a:xfrm>
+      </p:grpSpPr>
+      <p:sp>
+        <p:nvSpPr>
+          <p:cNvPr id="2" name="Titel 1"/>
+          <p:cNvSpPr>
+            <a:spLocks noGrp="1"/>
+          </p:cNvSpPr>
+          <p:nvPr>
+            <p:ph type="title"/>
+          </p:nvPr>
+        </p:nvSpPr>
+        <p:spPr/>
+        <p:txBody>
+          <a:bodyPr/>
+          <a:lstStyle/>
+          <a:p>
+            <a:r>
+              <a:rPr lang="de-CH" dirty="0" err="1" smtClean="0"/>
+              <a:t>Related</a:t>
+            </a:r>
+            <a:r>
+              <a:rPr lang="de-CH" dirty="0" smtClean="0"/>
+              <a:t> </a:t>
+            </a:r>
+            <a:r>
+              <a:rPr lang="de-CH" dirty="0" err="1" smtClean="0"/>
+              <a:t>work</a:t>
+            </a:r>
+            <a:endParaRPr lang="de-CH" dirty="0"/>
+          </a:p>
+        </p:txBody>
+      </p:sp>
+      <p:sp>
+        <p:nvSpPr>
+          <p:cNvPr id="3" name="Inhaltsplatzhalter 2"/>
+          <p:cNvSpPr>
+            <a:spLocks noGrp="1"/>
+          </p:cNvSpPr>
+          <p:nvPr>
+            <p:ph idx="1"/>
+          </p:nvPr>
+        </p:nvSpPr>
+        <p:spPr/>
+        <p:txBody>
+          <a:bodyPr>
+            <a:normAutofit/>
+          </a:bodyPr>
+          <a:lstStyle/>
+          <a:p>
+            <a:r>
+              <a:rPr lang="de-CH" dirty="0"/>
+              <a:t>Paper: </a:t>
+            </a:r>
+            <a:r>
+              <a:rPr lang="de-CH" i="1" dirty="0" smtClean="0"/>
+              <a:t>«</a:t>
+            </a:r>
+            <a:r>
+              <a:rPr lang="de-CH" i="1" dirty="0" err="1" smtClean="0"/>
+              <a:t>Let's</a:t>
+            </a:r>
+            <a:r>
+              <a:rPr lang="de-CH" i="1" dirty="0" smtClean="0"/>
+              <a:t> </a:t>
+            </a:r>
+            <a:r>
+              <a:rPr lang="de-CH" i="1" dirty="0" err="1"/>
+              <a:t>go</a:t>
+            </a:r>
+            <a:r>
+              <a:rPr lang="de-CH" i="1" dirty="0"/>
+              <a:t> </a:t>
+            </a:r>
+            <a:r>
+              <a:rPr lang="de-CH" i="1" dirty="0" err="1"/>
+              <a:t>to</a:t>
+            </a:r>
+            <a:r>
+              <a:rPr lang="de-CH" i="1" dirty="0"/>
+              <a:t> </a:t>
+            </a:r>
+            <a:r>
+              <a:rPr lang="de-CH" i="1" dirty="0" err="1"/>
+              <a:t>the</a:t>
+            </a:r>
+            <a:r>
+              <a:rPr lang="de-CH" i="1" dirty="0"/>
+              <a:t> </a:t>
+            </a:r>
+            <a:r>
+              <a:rPr lang="de-CH" i="1" dirty="0" err="1"/>
+              <a:t>whiteboard</a:t>
+            </a:r>
+            <a:r>
+              <a:rPr lang="de-CH" i="1" dirty="0"/>
+              <a:t>: </a:t>
+            </a:r>
+            <a:r>
+              <a:rPr lang="de-CH" i="1" dirty="0" err="1"/>
+              <a:t>how</a:t>
+            </a:r>
+            <a:r>
+              <a:rPr lang="de-CH" i="1" dirty="0"/>
+              <a:t> </a:t>
+            </a:r>
+            <a:r>
+              <a:rPr lang="de-CH" i="1" dirty="0" err="1"/>
+              <a:t>and</a:t>
+            </a:r>
+            <a:r>
+              <a:rPr lang="de-CH" i="1" dirty="0"/>
+              <a:t> </a:t>
+            </a:r>
+            <a:r>
+              <a:rPr lang="de-CH" i="1" dirty="0" err="1"/>
+              <a:t>why</a:t>
+            </a:r>
+            <a:r>
+              <a:rPr lang="de-CH" i="1" dirty="0"/>
+              <a:t> </a:t>
+            </a:r>
+            <a:r>
+              <a:rPr lang="de-CH" i="1" dirty="0" err="1"/>
+              <a:t>software</a:t>
+            </a:r>
+            <a:r>
+              <a:rPr lang="de-CH" i="1" dirty="0"/>
+              <a:t> </a:t>
+            </a:r>
+            <a:r>
+              <a:rPr lang="de-CH" i="1" dirty="0" err="1"/>
+              <a:t>developers</a:t>
+            </a:r>
+            <a:r>
+              <a:rPr lang="de-CH" i="1" dirty="0"/>
+              <a:t> </a:t>
+            </a:r>
+            <a:r>
+              <a:rPr lang="de-CH" i="1" dirty="0" err="1"/>
+              <a:t>use</a:t>
+            </a:r>
+            <a:r>
+              <a:rPr lang="de-CH" i="1" dirty="0"/>
+              <a:t> </a:t>
+            </a:r>
+            <a:r>
+              <a:rPr lang="de-CH" i="1" dirty="0" err="1" smtClean="0"/>
+              <a:t>drawings</a:t>
+            </a:r>
+            <a:r>
+              <a:rPr lang="de-CH" i="1" dirty="0" smtClean="0"/>
+              <a:t>»</a:t>
+            </a:r>
+            <a:br>
+              <a:rPr lang="de-CH" i="1" dirty="0" smtClean="0"/>
+            </a:br>
+            <a:r>
+              <a:rPr lang="de-CH" i="1" dirty="0" smtClean="0"/>
+              <a:t/>
+            </a:r>
+            <a:br>
+              <a:rPr lang="de-CH" i="1" dirty="0" smtClean="0"/>
+            </a:br>
+            <a:r>
+              <a:rPr lang="de-CH" dirty="0" err="1" smtClean="0"/>
+              <a:t>main</a:t>
+            </a:r>
+            <a:r>
+              <a:rPr lang="de-CH" dirty="0" smtClean="0"/>
+              <a:t> </a:t>
+            </a:r>
+            <a:r>
+              <a:rPr lang="de-CH" dirty="0" err="1" smtClean="0"/>
+              <a:t>statement</a:t>
+            </a:r>
+            <a:r>
+              <a:rPr lang="de-CH" dirty="0" smtClean="0"/>
+              <a:t>:</a:t>
+            </a:r>
+            <a:br>
+              <a:rPr lang="de-CH" dirty="0" smtClean="0"/>
+            </a:br>
+            <a:r>
+              <a:rPr lang="de-CH" dirty="0" smtClean="0"/>
+              <a:t>Whiteboard → Computer Screen</a:t>
+            </a:r>
+            <a:br>
+              <a:rPr lang="de-CH" dirty="0" smtClean="0"/>
+            </a:br>
+            <a:r>
+              <a:rPr lang="de-CH" dirty="0" err="1" smtClean="0"/>
+              <a:t>is</a:t>
+            </a:r>
+            <a:r>
+              <a:rPr lang="de-CH" dirty="0" smtClean="0"/>
+              <a:t> </a:t>
+            </a:r>
+            <a:r>
+              <a:rPr lang="de-CH" dirty="0" err="1" smtClean="0"/>
+              <a:t>too</a:t>
+            </a:r>
+            <a:r>
+              <a:rPr lang="de-CH" dirty="0" smtClean="0"/>
+              <a:t> expensive</a:t>
+            </a:r>
+            <a:endParaRPr lang="de-CH" dirty="0"/>
+          </a:p>
+        </p:txBody>
+      </p:sp>
+    </p:spTree>
+    <p:extLst>
+      <p:ext uri="{BB962C8B-B14F-4D97-AF65-F5344CB8AC3E}">
+        <p14:creationId xmlns:p14="http://schemas.microsoft.com/office/powerpoint/2010/main" val="4094870230"/>
+      </p:ext>
+    </p:extLst>
+  </p:cSld>
+  <p:clrMapOvr>
+    <a:masterClrMapping/>
+  </p:clrMapOvr>
+  <p:timing>
+    <p:tnLst>
+      <p:par>
+        <p:cTn id="1" dur="indefinite" restart="never" nodeType="tmRoot"/>
+      </p:par>
+    </p:tnLst>
+  </p:timing>
+</p:sld>
+</file>
+
+<file path=ppt/slides/slide8.xml><?xml version="1.0" encoding="utf-8"?>
+<p:sld xmlns:a="http://schemas.openxmlformats.org/drawingml/2006/main" xmlns:r="http://schemas.openxmlformats.org/officeDocument/2006/relationships" xmlns:p="http://schemas.openxmlformats.org/presentationml/2006/main">
+  <p:cSld>
+    <p:spTree>
+      <p:nvGrpSpPr>
+        <p:cNvPr id="1" name=""/>
+        <p:cNvGrpSpPr/>
+        <p:nvPr/>
+      </p:nvGrpSpPr>
+      <p:grpSpPr>
+        <a:xfrm>
+          <a:off x="0" y="0"/>
+          <a:ext cx="0" cy="0"/>
+          <a:chOff x="0" y="0"/>
+          <a:chExt cx="0" cy="0"/>
+        </a:xfrm>
+      </p:grpSpPr>
+      <p:sp>
+        <p:nvSpPr>
+          <p:cNvPr id="2" name="Titel 1"/>
+          <p:cNvSpPr>
+            <a:spLocks noGrp="1"/>
+          </p:cNvSpPr>
+          <p:nvPr>
+            <p:ph type="title"/>
+          </p:nvPr>
+        </p:nvSpPr>
+        <p:spPr/>
+        <p:txBody>
+          <a:bodyPr>
+            <a:normAutofit/>
+          </a:bodyPr>
+          <a:lstStyle/>
+          <a:p>
+            <a:r>
+              <a:rPr lang="de-CH" dirty="0" err="1" smtClean="0"/>
+              <a:t>Related</a:t>
+            </a:r>
+            <a:r>
+              <a:rPr lang="de-CH" dirty="0" smtClean="0"/>
+              <a:t> </a:t>
+            </a:r>
+            <a:r>
+              <a:rPr lang="de-CH" dirty="0" err="1" smtClean="0"/>
+              <a:t>work</a:t>
+            </a:r>
+            <a:endParaRPr lang="de-CH" dirty="0"/>
+          </a:p>
+        </p:txBody>
+      </p:sp>
+      <p:sp>
+        <p:nvSpPr>
+          <p:cNvPr id="3" name="Inhaltsplatzhalter 2"/>
+          <p:cNvSpPr>
+            <a:spLocks noGrp="1"/>
+          </p:cNvSpPr>
+          <p:nvPr>
+            <p:ph idx="1"/>
+          </p:nvPr>
+        </p:nvSpPr>
+        <p:spPr/>
+        <p:txBody>
+          <a:bodyPr/>
+          <a:lstStyle/>
+          <a:p>
+            <a:r>
+              <a:rPr lang="de-CH" dirty="0" err="1" smtClean="0"/>
+              <a:t>Zest</a:t>
+            </a:r>
+            <a:r>
+              <a:rPr lang="de-CH" dirty="0"/>
+              <a:t>: An </a:t>
+            </a:r>
+            <a:r>
+              <a:rPr lang="de-CH" dirty="0" err="1"/>
+              <a:t>Eclipse</a:t>
+            </a:r>
+            <a:r>
+              <a:rPr lang="de-CH" dirty="0"/>
+              <a:t> </a:t>
+            </a:r>
+            <a:r>
+              <a:rPr lang="de-CH" dirty="0" err="1"/>
+              <a:t>Visualization</a:t>
+            </a:r>
+            <a:r>
+              <a:rPr lang="de-CH" dirty="0"/>
+              <a:t> Toolkit, not </a:t>
+            </a:r>
+            <a:r>
+              <a:rPr lang="de-CH" dirty="0" err="1" smtClean="0"/>
+              <a:t>debug-oriented</a:t>
+            </a:r>
+            <a:r>
+              <a:rPr lang="de-CH" dirty="0" smtClean="0"/>
+              <a:t>, not </a:t>
+            </a:r>
+            <a:r>
+              <a:rPr lang="de-CH" dirty="0" err="1" smtClean="0"/>
+              <a:t>very</a:t>
+            </a:r>
+            <a:r>
+              <a:rPr lang="de-CH" dirty="0" smtClean="0"/>
+              <a:t> simple</a:t>
+            </a:r>
+          </a:p>
+          <a:p>
+            <a:endParaRPr lang="de-CH" dirty="0"/>
+          </a:p>
+          <a:p>
+            <a:r>
+              <a:rPr lang="de-CH" dirty="0" err="1"/>
+              <a:t>DataDisplayDebugger</a:t>
+            </a:r>
+            <a:r>
+              <a:rPr lang="de-CH" dirty="0"/>
+              <a:t>: </a:t>
+            </a:r>
+            <a:r>
+              <a:rPr lang="de-CH" dirty="0" err="1"/>
+              <a:t>Graphical</a:t>
+            </a:r>
+            <a:r>
+              <a:rPr lang="de-CH" dirty="0"/>
+              <a:t> front-end </a:t>
+            </a:r>
+            <a:r>
+              <a:rPr lang="de-CH" dirty="0" err="1"/>
+              <a:t>for</a:t>
+            </a:r>
+            <a:r>
+              <a:rPr lang="de-CH" dirty="0"/>
+              <a:t> </a:t>
+            </a:r>
+            <a:r>
+              <a:rPr lang="de-CH" dirty="0" err="1"/>
+              <a:t>existing</a:t>
+            </a:r>
+            <a:r>
+              <a:rPr lang="de-CH" dirty="0"/>
+              <a:t> </a:t>
+            </a:r>
+            <a:r>
+              <a:rPr lang="de-CH" dirty="0" err="1"/>
+              <a:t>command-line</a:t>
+            </a:r>
+            <a:r>
+              <a:rPr lang="de-CH" dirty="0"/>
+              <a:t> </a:t>
+            </a:r>
+            <a:r>
+              <a:rPr lang="de-CH" dirty="0" err="1" smtClean="0"/>
+              <a:t>debuggers</a:t>
+            </a:r>
+            <a:endParaRPr lang="de-CH" dirty="0" smtClean="0"/>
+          </a:p>
+          <a:p>
+            <a:endParaRPr lang="de-CH" dirty="0"/>
+          </a:p>
+          <a:p>
+            <a:r>
+              <a:rPr lang="de-CH" dirty="0"/>
+              <a:t>Moose</a:t>
+            </a:r>
+          </a:p>
+        </p:txBody>
+      </p:sp>
+    </p:spTree>
+    <p:extLst>
+      <p:ext uri="{BB962C8B-B14F-4D97-AF65-F5344CB8AC3E}">
+        <p14:creationId xmlns:p14="http://schemas.microsoft.com/office/powerpoint/2010/main" val="3445188516"/>
+      </p:ext>
+    </p:extLst>
+  </p:cSld>
+  <p:clrMapOvr>
+    <a:masterClrMapping/>
+  </p:clrMapOvr>
+  <p:timing>
+    <p:tnLst>
+      <p:par>
+        <p:cTn id="1" dur="indefinite" restart="never" nodeType="tmRoot"/>
+      </p:par>
+    </p:tnLst>
+  </p:timing>
+</p:sld>
+</file>
+
+<file path=ppt/slides/slide9.xml><?xml version="1.0" encoding="utf-8"?>
+<p:sld xmlns:a="http://schemas.openxmlformats.org/drawingml/2006/main" xmlns:r="http://schemas.openxmlformats.org/officeDocument/2006/relationships" xmlns:p="http://schemas.openxmlformats.org/presentationml/2006/main">
+  <p:cSld>
+    <p:spTree>
+      <p:nvGrpSpPr>
+        <p:cNvPr id="1" name=""/>
+        <p:cNvGrpSpPr/>
+        <p:nvPr/>
+      </p:nvGrpSpPr>
+      <p:grpSpPr>
+        <a:xfrm>
+          <a:off x="0" y="0"/>
+          <a:ext cx="0" cy="0"/>
+          <a:chOff x="0" y="0"/>
+          <a:chExt cx="0" cy="0"/>
+        </a:xfrm>
+      </p:grpSpPr>
+      <p:sp>
+        <p:nvSpPr>
+          <p:cNvPr id="2" name="Titel 1"/>
+          <p:cNvSpPr>
+            <a:spLocks noGrp="1"/>
+          </p:cNvSpPr>
+          <p:nvPr>
+            <p:ph type="title"/>
+          </p:nvPr>
+        </p:nvSpPr>
+        <p:spPr/>
+        <p:txBody>
+          <a:bodyPr/>
+          <a:lstStyle/>
+          <a:p>
+            <a:r>
+              <a:rPr lang="de-CH" dirty="0" smtClean="0"/>
+              <a:t>TODO:</a:t>
+            </a:r>
+            <a:endParaRPr lang="de-CH" dirty="0"/>
+          </a:p>
+        </p:txBody>
+      </p:sp>
+      <p:sp>
+        <p:nvSpPr>
+          <p:cNvPr id="3" name="Inhaltsplatzhalter 2"/>
+          <p:cNvSpPr>
+            <a:spLocks noGrp="1"/>
+          </p:cNvSpPr>
+          <p:nvPr>
+            <p:ph idx="1"/>
+          </p:nvPr>
+        </p:nvSpPr>
+        <p:spPr/>
+        <p:txBody>
+          <a:bodyPr/>
+          <a:lstStyle/>
+          <a:p>
+            <a:r>
+              <a:rPr lang="de-CH" dirty="0" smtClean="0"/>
+              <a:t>More </a:t>
+            </a:r>
+            <a:r>
+              <a:rPr lang="de-CH" dirty="0" err="1" smtClean="0"/>
+              <a:t>built</a:t>
+            </a:r>
+            <a:r>
+              <a:rPr lang="de-CH" dirty="0" smtClean="0"/>
+              <a:t>-in </a:t>
+            </a:r>
+            <a:r>
+              <a:rPr lang="de-CH" dirty="0" err="1" smtClean="0"/>
+              <a:t>renderings</a:t>
+            </a:r>
+            <a:endParaRPr lang="de-CH" dirty="0" smtClean="0"/>
+          </a:p>
+          <a:p>
+            <a:r>
+              <a:rPr lang="de-CH" dirty="0" err="1" smtClean="0"/>
+              <a:t>Building</a:t>
+            </a:r>
+            <a:r>
+              <a:rPr lang="de-CH" dirty="0" smtClean="0"/>
+              <a:t> </a:t>
+            </a:r>
+            <a:r>
+              <a:rPr lang="de-CH" dirty="0" err="1" smtClean="0"/>
+              <a:t>Eclipse-Plugin</a:t>
+            </a:r>
+            <a:endParaRPr lang="de-CH" dirty="0" smtClean="0"/>
+          </a:p>
+          <a:p>
+            <a:r>
+              <a:rPr lang="de-CH" dirty="0" err="1" smtClean="0"/>
+              <a:t>Use</a:t>
+            </a:r>
+            <a:r>
+              <a:rPr lang="de-CH" dirty="0" smtClean="0"/>
+              <a:t> JavaScript </a:t>
+            </a:r>
+            <a:r>
+              <a:rPr lang="de-CH" dirty="0" err="1" smtClean="0"/>
+              <a:t>to</a:t>
+            </a:r>
+            <a:r>
+              <a:rPr lang="de-CH" dirty="0" smtClean="0"/>
+              <a:t> </a:t>
+            </a:r>
+            <a:r>
+              <a:rPr lang="de-CH" dirty="0" err="1" smtClean="0"/>
+              <a:t>improve</a:t>
+            </a:r>
+            <a:r>
+              <a:rPr lang="de-CH" dirty="0" smtClean="0"/>
+              <a:t> </a:t>
+            </a:r>
+            <a:r>
+              <a:rPr lang="de-CH" dirty="0" err="1" smtClean="0"/>
+              <a:t>rendering</a:t>
+            </a:r>
+            <a:r>
+              <a:rPr lang="de-CH" dirty="0"/>
+              <a:t/>
+            </a:r>
+            <a:br>
+              <a:rPr lang="de-CH" dirty="0"/>
+            </a:br>
+            <a:r>
+              <a:rPr lang="de-CH" dirty="0" smtClean="0"/>
+              <a:t>(</a:t>
+            </a:r>
+            <a:r>
+              <a:rPr lang="de-CH" dirty="0" err="1" smtClean="0"/>
+              <a:t>align</a:t>
+            </a:r>
+            <a:r>
+              <a:rPr lang="de-CH" dirty="0" smtClean="0"/>
+              <a:t> </a:t>
+            </a:r>
+            <a:r>
+              <a:rPr lang="de-CH" dirty="0" err="1" smtClean="0"/>
+              <a:t>corresponding</a:t>
+            </a:r>
+            <a:r>
+              <a:rPr lang="de-CH" dirty="0" smtClean="0"/>
+              <a:t> </a:t>
+            </a:r>
+            <a:r>
+              <a:rPr lang="de-CH" dirty="0" err="1" smtClean="0"/>
+              <a:t>components</a:t>
+            </a:r>
+            <a:r>
+              <a:rPr lang="de-CH" dirty="0" smtClean="0"/>
+              <a:t>,</a:t>
+            </a:r>
+            <a:br>
+              <a:rPr lang="de-CH" dirty="0" smtClean="0"/>
+            </a:br>
+            <a:r>
+              <a:rPr lang="de-CH" dirty="0" err="1" smtClean="0"/>
+              <a:t>semantic</a:t>
+            </a:r>
+            <a:r>
+              <a:rPr lang="de-CH" dirty="0" smtClean="0"/>
+              <a:t> </a:t>
+            </a:r>
+            <a:r>
+              <a:rPr lang="de-CH" dirty="0" err="1" smtClean="0"/>
+              <a:t>zooming</a:t>
+            </a:r>
+            <a:r>
+              <a:rPr lang="de-CH" dirty="0" smtClean="0"/>
+              <a:t>)</a:t>
+            </a:r>
+            <a:endParaRPr lang="de-CH" dirty="0" smtClean="0"/>
+          </a:p>
+        </p:txBody>
+      </p:sp>
+    </p:spTree>
+    <p:extLst>
+      <p:ext uri="{BB962C8B-B14F-4D97-AF65-F5344CB8AC3E}">
+        <p14:creationId xmlns:p14="http://schemas.microsoft.com/office/powerpoint/2010/main" val="477858240"/>
+      </p:ext>
+    </p:extLst>
+  </p:cSld>
+  <p:clrMapOvr>
+    <a:masterClrMapping/>
+  </p:clrMapOvr>
+  <p:timing>
+    <p:tnLst>
+      <p:par>
+        <p:cTn id="1" dur="indefinite" restart="never" nodeType="tmRoot">
+          <p:childTnLst>
+            <p:seq concurrent="1" nextAc="seek">
+              <p:cTn id="2" dur="indefinite" nodeType="mainSeq">
+                <p:childTnLst>
+                  <p:par>
+                    <p:cTn id="3" fill="hold">
+                      <p:stCondLst>
+                        <p:cond delay="indefinite"/>
+                      </p:stCondLst>
+                      <p:childTnLst>
+                        <p:par>
+                          <p:cTn id="4" fill="hold">
+                            <p:stCondLst>
+                              <p:cond delay="0"/>
+                            </p:stCondLst>
+                            <p:childTnLst>
+                              <p:par>
+                                <p:cTn id="5" presetID="1" presetClass="entr" presetSubtype="0" fill="hold" grpId="0" nodeType="clickEffect">
+                                  <p:stCondLst>
+                                    <p:cond delay="0"/>
+                                  </p:stCondLst>
+                                  <p:childTnLst>
+                                    <p:set>
+                                      <p:cBhvr>
+                                        <p:cTn id="6" dur="1" fill="hold">
+                                          <p:stCondLst>
+                                            <p:cond delay="0"/>
+                                          </p:stCondLst>
+                                        </p:cTn>
+                                        <p:tgtEl>
+                                          <p:spTgt spid="3">
+                                            <p:txEl>
+                                              <p:pRg st="0" end="0"/>
+                                            </p:txEl>
+                                          </p:spTgt>
+                                        </p:tgtEl>
+                                        <p:attrNameLst>
+                                          <p:attrName>style.visibility</p:attrName>
+                                        </p:attrNameLst>
+                                      </p:cBhvr>
+                                      <p:to>
+                                        <p:strVal val="visible"/>
+                                      </p:to>
+                                    </p:set>
+                                  </p:childTnLst>
+                                </p:cTn>
+                              </p:par>
+                            </p:childTnLst>
+                          </p:cTn>
+                        </p:par>
+                      </p:childTnLst>
+                    </p:cTn>
+                  </p:par>
+                  <p:par>
+                    <p:cTn id="7" fill="hold">
+                      <p:stCondLst>
+                        <p:cond delay="indefinite"/>
+                      </p:stCondLst>
+                      <p:childTnLst>
+                        <p:par>
+                          <p:cTn id="8" fill="hold">
+                            <p:stCondLst>
+                              <p:cond delay="0"/>
+                            </p:stCondLst>
+                            <p:childTnLst>
+                              <p:par>
+                                <p:cTn id="9" presetID="1" presetClass="entr" presetSubtype="0" fill="hold" grpId="0" nodeType="clickEffect">
+                                  <p:stCondLst>
+                                    <p:cond delay="0"/>
+                                  </p:stCondLst>
+                                  <p:childTnLst>
+                                    <p:set>
+                                      <p:cBhvr>
+                                        <p:cTn id="10" dur="1" fill="hold">
+                                          <p:stCondLst>
+                                            <p:cond delay="0"/>
+                                          </p:stCondLst>
+                                        </p:cTn>
+                                        <p:tgtEl>
+                                          <p:spTgt spid="3">
+                                            <p:txEl>
+                                              <p:pRg st="1" end="1"/>
+                                            </p:txEl>
+                                          </p:spTgt>
+                                        </p:tgtEl>
+                                        <p:attrNameLst>
+                                          <p:attrName>style.visibility</p:attrName>
+                                        </p:attrNameLst>
+                                      </p:cBhvr>
+                                      <p:to>
+                                        <p:strVal val="visible"/>
+                                      </p:to>
+                                    </p:set>
+                                  </p:childTnLst>
+                                </p:cTn>
+                              </p:par>
+                            </p:childTnLst>
+                          </p:cTn>
+                        </p:par>
+                      </p:childTnLst>
+                    </p:cTn>
+                  </p:par>
+                  <p:par>
+                    <p:cTn id="11" fill="hold">
+                      <p:stCondLst>
+                        <p:cond delay="indefinite"/>
+                      </p:stCondLst>
+                      <p:childTnLst>
+                        <p:par>
+                          <p:cTn id="12" fill="hold">
+                            <p:stCondLst>
+                              <p:cond delay="0"/>
+                            </p:stCondLst>
+                            <p:childTnLst>
+                              <p:par>
+                                <p:cTn id="13" presetID="1" presetClass="entr" presetSubtype="0" fill="hold" grpId="0" nodeType="clickEffect">
+                                  <p:stCondLst>
+                                    <p:cond delay="0"/>
+                                  </p:stCondLst>
+                                  <p:childTnLst>
+                                    <p:set>
+                                      <p:cBhvr>
+                                        <p:cTn id="14" dur="1" fill="hold">
+                                          <p:stCondLst>
+                                            <p:cond delay="0"/>
+                                          </p:stCondLst>
+                                        </p:cTn>
+                                        <p:tgtEl>
+                                          <p:spTgt spid="3">
+                                            <p:txEl>
+                                              <p:pRg st="2" end="2"/>
+                                            </p:txEl>
+                                          </p:spTgt>
+                                        </p:tgtEl>
+                                        <p:attrNameLst>
+                                          <p:attrName>style.visibility</p:attrName>
+                                        </p:attrNameLst>
+                                      </p:cBhvr>
+                                      <p:to>
+                                        <p:strVal val="visible"/>
+                                      </p:to>
+                                    </p:set>
+                                  </p:childTnLst>
+                                </p:cTn>
+                              </p:par>
+                            </p:childTnLst>
+                          </p:cTn>
+                        </p:par>
+                      </p:childTnLst>
+                    </p:cTn>
+                  </p:par>
+                </p:childTnLst>
+              </p:cTn>
+              <p:prevCondLst>
+                <p:cond evt="onPrev" delay="0">
+                  <p:tgtEl>
+                    <p:sldTgt/>
+                  </p:tgtEl>
+                </p:cond>
+              </p:prevCondLst>
+              <p:nextCondLst>
+                <p:cond evt="onNext" delay="0">
+                  <p:tgtEl>
+                    <p:sldTgt/>
+                  </p:tgtEl>
+                </p:cond>
+              </p:nextCondLst>
+            </p:seq>
+          </p:childTnLst>
+        </p:cTn>
+      </p:par>
+    </p:tnLst>
+    <p:bldLst>
+      <p:bldP spid="3" grpId="0" build="p"/>
+    </p:bldLst>
   </p:timing>
 </p:sld>
 </file>

--- a/presentations/Demo DoodleDebug Jan-2011.pptx
+++ b/presentations/Demo DoodleDebug Jan-2011.pptx
@@ -5,19 +5,24 @@
     <p:sldMasterId id="2147483648" r:id="rId1"/>
   </p:sldMasterIdLst>
   <p:notesMasterIdLst>
-    <p:notesMasterId r:id="rId12"/>
+    <p:notesMasterId r:id="rId17"/>
   </p:notesMasterIdLst>
   <p:sldIdLst>
     <p:sldId id="257" r:id="rId2"/>
-    <p:sldId id="262" r:id="rId3"/>
-    <p:sldId id="263" r:id="rId4"/>
+    <p:sldId id="271" r:id="rId3"/>
+    <p:sldId id="272" r:id="rId4"/>
     <p:sldId id="264" r:id="rId5"/>
     <p:sldId id="265" r:id="rId6"/>
     <p:sldId id="266" r:id="rId7"/>
     <p:sldId id="267" r:id="rId8"/>
-    <p:sldId id="270" r:id="rId9"/>
-    <p:sldId id="268" r:id="rId10"/>
-    <p:sldId id="269" r:id="rId11"/>
+    <p:sldId id="276" r:id="rId9"/>
+    <p:sldId id="277" r:id="rId10"/>
+    <p:sldId id="270" r:id="rId11"/>
+    <p:sldId id="274" r:id="rId12"/>
+    <p:sldId id="273" r:id="rId13"/>
+    <p:sldId id="275" r:id="rId14"/>
+    <p:sldId id="268" r:id="rId15"/>
+    <p:sldId id="269" r:id="rId16"/>
   </p:sldIdLst>
   <p:sldSz cx="9144000" cy="6858000" type="screen4x3"/>
   <p:notesSz cx="6858000" cy="9144000"/>
@@ -3672,6 +3677,1883 @@
         </p:nvSpPr>
         <p:spPr/>
         <p:txBody>
+          <a:bodyPr>
+            <a:normAutofit/>
+          </a:bodyPr>
+          <a:lstStyle/>
+          <a:p>
+            <a:r>
+              <a:rPr lang="de-CH" dirty="0" err="1" smtClean="0"/>
+              <a:t>Related</a:t>
+            </a:r>
+            <a:r>
+              <a:rPr lang="de-CH" dirty="0" smtClean="0"/>
+              <a:t> </a:t>
+            </a:r>
+            <a:r>
+              <a:rPr lang="de-CH" dirty="0" err="1" smtClean="0"/>
+              <a:t>work</a:t>
+            </a:r>
+            <a:endParaRPr lang="de-CH" dirty="0"/>
+          </a:p>
+        </p:txBody>
+      </p:sp>
+      <p:sp>
+        <p:nvSpPr>
+          <p:cNvPr id="3" name="Inhaltsplatzhalter 2"/>
+          <p:cNvSpPr>
+            <a:spLocks noGrp="1"/>
+          </p:cNvSpPr>
+          <p:nvPr>
+            <p:ph idx="1"/>
+          </p:nvPr>
+        </p:nvSpPr>
+        <p:spPr/>
+        <p:txBody>
+          <a:bodyPr/>
+          <a:lstStyle/>
+          <a:p>
+            <a:endParaRPr lang="de-CH" dirty="0" smtClean="0"/>
+          </a:p>
+          <a:p>
+            <a:r>
+              <a:rPr lang="de-CH" dirty="0" err="1" smtClean="0"/>
+              <a:t>Zest</a:t>
+            </a:r>
+            <a:r>
+              <a:rPr lang="de-CH" dirty="0"/>
+              <a:t>: An </a:t>
+            </a:r>
+            <a:r>
+              <a:rPr lang="de-CH" dirty="0" err="1"/>
+              <a:t>Eclipse</a:t>
+            </a:r>
+            <a:r>
+              <a:rPr lang="de-CH" dirty="0"/>
+              <a:t> </a:t>
+            </a:r>
+            <a:r>
+              <a:rPr lang="de-CH" dirty="0" err="1"/>
+              <a:t>Visualization</a:t>
+            </a:r>
+            <a:r>
+              <a:rPr lang="de-CH" dirty="0"/>
+              <a:t> Toolkit, not </a:t>
+            </a:r>
+            <a:r>
+              <a:rPr lang="de-CH" dirty="0" err="1" smtClean="0"/>
+              <a:t>debug-oriented</a:t>
+            </a:r>
+            <a:r>
+              <a:rPr lang="de-CH" dirty="0" smtClean="0"/>
+              <a:t>, not </a:t>
+            </a:r>
+            <a:r>
+              <a:rPr lang="de-CH" dirty="0" err="1" smtClean="0"/>
+              <a:t>very</a:t>
+            </a:r>
+            <a:r>
+              <a:rPr lang="de-CH" dirty="0" smtClean="0"/>
+              <a:t> simple</a:t>
+            </a:r>
+          </a:p>
+          <a:p>
+            <a:pPr marL="0" indent="0">
+              <a:buNone/>
+            </a:pPr>
+            <a:endParaRPr lang="de-CH" dirty="0"/>
+          </a:p>
+        </p:txBody>
+      </p:sp>
+    </p:spTree>
+    <p:extLst>
+      <p:ext uri="{BB962C8B-B14F-4D97-AF65-F5344CB8AC3E}">
+        <p14:creationId xmlns:p14="http://schemas.microsoft.com/office/powerpoint/2010/main" val="3445188516"/>
+      </p:ext>
+    </p:extLst>
+  </p:cSld>
+  <p:clrMapOvr>
+    <a:masterClrMapping/>
+  </p:clrMapOvr>
+  <p:timing>
+    <p:tnLst>
+      <p:par>
+        <p:cTn id="1" dur="indefinite" restart="never" nodeType="tmRoot"/>
+      </p:par>
+    </p:tnLst>
+  </p:timing>
+</p:sld>
+</file>
+
+<file path=ppt/slides/slide11.xml><?xml version="1.0" encoding="utf-8"?>
+<p:sld xmlns:a="http://schemas.openxmlformats.org/drawingml/2006/main" xmlns:r="http://schemas.openxmlformats.org/officeDocument/2006/relationships" xmlns:p="http://schemas.openxmlformats.org/presentationml/2006/main">
+  <p:cSld>
+    <p:spTree>
+      <p:nvGrpSpPr>
+        <p:cNvPr id="1" name=""/>
+        <p:cNvGrpSpPr/>
+        <p:nvPr/>
+      </p:nvGrpSpPr>
+      <p:grpSpPr>
+        <a:xfrm>
+          <a:off x="0" y="0"/>
+          <a:ext cx="0" cy="0"/>
+          <a:chOff x="0" y="0"/>
+          <a:chExt cx="0" cy="0"/>
+        </a:xfrm>
+      </p:grpSpPr>
+      <p:sp>
+        <p:nvSpPr>
+          <p:cNvPr id="2" name="Titel 1"/>
+          <p:cNvSpPr>
+            <a:spLocks noGrp="1"/>
+          </p:cNvSpPr>
+          <p:nvPr>
+            <p:ph type="title"/>
+          </p:nvPr>
+        </p:nvSpPr>
+        <p:spPr/>
+        <p:txBody>
+          <a:bodyPr>
+            <a:normAutofit/>
+          </a:bodyPr>
+          <a:lstStyle/>
+          <a:p>
+            <a:r>
+              <a:rPr lang="de-CH" dirty="0" err="1" smtClean="0"/>
+              <a:t>Related</a:t>
+            </a:r>
+            <a:r>
+              <a:rPr lang="de-CH" dirty="0" smtClean="0"/>
+              <a:t> </a:t>
+            </a:r>
+            <a:r>
+              <a:rPr lang="de-CH" dirty="0" err="1" smtClean="0"/>
+              <a:t>work</a:t>
+            </a:r>
+            <a:endParaRPr lang="de-CH" dirty="0"/>
+          </a:p>
+        </p:txBody>
+      </p:sp>
+      <p:sp>
+        <p:nvSpPr>
+          <p:cNvPr id="3" name="Inhaltsplatzhalter 2"/>
+          <p:cNvSpPr>
+            <a:spLocks noGrp="1"/>
+          </p:cNvSpPr>
+          <p:nvPr>
+            <p:ph idx="1"/>
+          </p:nvPr>
+        </p:nvSpPr>
+        <p:spPr/>
+        <p:txBody>
+          <a:bodyPr/>
+          <a:lstStyle/>
+          <a:p>
+            <a:pPr marL="0" indent="0">
+              <a:buNone/>
+            </a:pPr>
+            <a:r>
+              <a:rPr lang="de-CH" dirty="0" err="1" smtClean="0"/>
+              <a:t>Hello</a:t>
+            </a:r>
+            <a:r>
+              <a:rPr lang="de-CH" dirty="0" smtClean="0"/>
+              <a:t> World in </a:t>
+            </a:r>
+            <a:r>
+              <a:rPr lang="de-CH" dirty="0" err="1" smtClean="0"/>
+              <a:t>Zest</a:t>
+            </a:r>
+            <a:r>
+              <a:rPr lang="de-CH" dirty="0" smtClean="0"/>
+              <a:t> (</a:t>
+            </a:r>
+            <a:r>
+              <a:rPr lang="de-CH" dirty="0" err="1" smtClean="0"/>
+              <a:t>without</a:t>
+            </a:r>
+            <a:r>
+              <a:rPr lang="de-CH" dirty="0" smtClean="0"/>
+              <a:t> </a:t>
+            </a:r>
+            <a:r>
+              <a:rPr lang="de-CH" dirty="0" err="1" smtClean="0"/>
+              <a:t>imports</a:t>
+            </a:r>
+            <a:r>
+              <a:rPr lang="de-CH" dirty="0" smtClean="0"/>
+              <a:t>):</a:t>
+            </a:r>
+            <a:endParaRPr lang="de-CH" dirty="0"/>
+          </a:p>
+        </p:txBody>
+      </p:sp>
+      <p:sp>
+        <p:nvSpPr>
+          <p:cNvPr id="4" name="Textfeld 3"/>
+          <p:cNvSpPr txBox="1"/>
+          <p:nvPr/>
+        </p:nvSpPr>
+        <p:spPr>
+          <a:xfrm>
+            <a:off x="539552" y="2276872"/>
+            <a:ext cx="8424936" cy="4401205"/>
+          </a:xfrm>
+          <a:prstGeom prst="rect">
+            <a:avLst/>
+          </a:prstGeom>
+          <a:noFill/>
+        </p:spPr>
+        <p:txBody>
+          <a:bodyPr wrap="square" rtlCol="0">
+            <a:spAutoFit/>
+          </a:bodyPr>
+          <a:lstStyle/>
+          <a:p>
+            <a:r>
+              <a:rPr lang="de-CH" sz="1000" dirty="0" err="1" smtClean="0">
+                <a:latin typeface="Courier New" pitchFamily="49" charset="0"/>
+                <a:cs typeface="Courier New" pitchFamily="49" charset="0"/>
+              </a:rPr>
+              <a:t>public</a:t>
+            </a:r>
+            <a:r>
+              <a:rPr lang="de-CH" sz="1000" dirty="0" smtClean="0">
+                <a:latin typeface="Courier New" pitchFamily="49" charset="0"/>
+                <a:cs typeface="Courier New" pitchFamily="49" charset="0"/>
+              </a:rPr>
+              <a:t> </a:t>
+            </a:r>
+            <a:r>
+              <a:rPr lang="de-CH" sz="1000" dirty="0" err="1">
+                <a:latin typeface="Courier New" pitchFamily="49" charset="0"/>
+                <a:cs typeface="Courier New" pitchFamily="49" charset="0"/>
+              </a:rPr>
+              <a:t>class</a:t>
+            </a:r>
+            <a:r>
+              <a:rPr lang="de-CH" sz="1000" dirty="0">
+                <a:latin typeface="Courier New" pitchFamily="49" charset="0"/>
+                <a:cs typeface="Courier New" pitchFamily="49" charset="0"/>
+              </a:rPr>
+              <a:t> </a:t>
+            </a:r>
+            <a:r>
+              <a:rPr lang="de-CH" sz="1000" dirty="0" err="1">
+                <a:latin typeface="Courier New" pitchFamily="49" charset="0"/>
+                <a:cs typeface="Courier New" pitchFamily="49" charset="0"/>
+              </a:rPr>
+              <a:t>HelloWorld</a:t>
+            </a:r>
+            <a:r>
+              <a:rPr lang="de-CH" sz="1000" dirty="0">
+                <a:latin typeface="Courier New" pitchFamily="49" charset="0"/>
+                <a:cs typeface="Courier New" pitchFamily="49" charset="0"/>
+              </a:rPr>
+              <a:t> {</a:t>
+            </a:r>
+          </a:p>
+          <a:p>
+            <a:endParaRPr lang="de-CH" sz="1000" dirty="0">
+              <a:latin typeface="Courier New" pitchFamily="49" charset="0"/>
+              <a:cs typeface="Courier New" pitchFamily="49" charset="0"/>
+            </a:endParaRPr>
+          </a:p>
+          <a:p>
+            <a:r>
+              <a:rPr lang="de-CH" sz="1000" dirty="0">
+                <a:latin typeface="Courier New" pitchFamily="49" charset="0"/>
+                <a:cs typeface="Courier New" pitchFamily="49" charset="0"/>
+              </a:rPr>
+              <a:t>	/**</a:t>
+            </a:r>
+          </a:p>
+          <a:p>
+            <a:r>
+              <a:rPr lang="de-CH" sz="1000" dirty="0">
+                <a:latin typeface="Courier New" pitchFamily="49" charset="0"/>
+                <a:cs typeface="Courier New" pitchFamily="49" charset="0"/>
+              </a:rPr>
+              <a:t>	 * @</a:t>
+            </a:r>
+            <a:r>
+              <a:rPr lang="de-CH" sz="1000" dirty="0" err="1">
+                <a:latin typeface="Courier New" pitchFamily="49" charset="0"/>
+                <a:cs typeface="Courier New" pitchFamily="49" charset="0"/>
+              </a:rPr>
+              <a:t>param</a:t>
+            </a:r>
+            <a:r>
+              <a:rPr lang="de-CH" sz="1000" dirty="0">
+                <a:latin typeface="Courier New" pitchFamily="49" charset="0"/>
+                <a:cs typeface="Courier New" pitchFamily="49" charset="0"/>
+              </a:rPr>
+              <a:t> </a:t>
+            </a:r>
+            <a:r>
+              <a:rPr lang="de-CH" sz="1000" dirty="0" err="1">
+                <a:latin typeface="Courier New" pitchFamily="49" charset="0"/>
+                <a:cs typeface="Courier New" pitchFamily="49" charset="0"/>
+              </a:rPr>
+              <a:t>args</a:t>
+            </a:r>
+            <a:endParaRPr lang="de-CH" sz="1000" dirty="0">
+              <a:latin typeface="Courier New" pitchFamily="49" charset="0"/>
+              <a:cs typeface="Courier New" pitchFamily="49" charset="0"/>
+            </a:endParaRPr>
+          </a:p>
+          <a:p>
+            <a:r>
+              <a:rPr lang="de-CH" sz="1000" dirty="0">
+                <a:latin typeface="Courier New" pitchFamily="49" charset="0"/>
+                <a:cs typeface="Courier New" pitchFamily="49" charset="0"/>
+              </a:rPr>
+              <a:t>	 */</a:t>
+            </a:r>
+          </a:p>
+          <a:p>
+            <a:r>
+              <a:rPr lang="de-CH" sz="1000" dirty="0">
+                <a:latin typeface="Courier New" pitchFamily="49" charset="0"/>
+                <a:cs typeface="Courier New" pitchFamily="49" charset="0"/>
+              </a:rPr>
+              <a:t>	</a:t>
+            </a:r>
+            <a:r>
+              <a:rPr lang="de-CH" sz="1000" dirty="0" err="1">
+                <a:latin typeface="Courier New" pitchFamily="49" charset="0"/>
+                <a:cs typeface="Courier New" pitchFamily="49" charset="0"/>
+              </a:rPr>
+              <a:t>public</a:t>
+            </a:r>
+            <a:r>
+              <a:rPr lang="de-CH" sz="1000" dirty="0">
+                <a:latin typeface="Courier New" pitchFamily="49" charset="0"/>
+                <a:cs typeface="Courier New" pitchFamily="49" charset="0"/>
+              </a:rPr>
+              <a:t> </a:t>
+            </a:r>
+            <a:r>
+              <a:rPr lang="de-CH" sz="1000" dirty="0" err="1">
+                <a:latin typeface="Courier New" pitchFamily="49" charset="0"/>
+                <a:cs typeface="Courier New" pitchFamily="49" charset="0"/>
+              </a:rPr>
+              <a:t>static</a:t>
+            </a:r>
+            <a:r>
+              <a:rPr lang="de-CH" sz="1000" dirty="0">
+                <a:latin typeface="Courier New" pitchFamily="49" charset="0"/>
+                <a:cs typeface="Courier New" pitchFamily="49" charset="0"/>
+              </a:rPr>
+              <a:t> </a:t>
+            </a:r>
+            <a:r>
+              <a:rPr lang="de-CH" sz="1000" dirty="0" err="1">
+                <a:latin typeface="Courier New" pitchFamily="49" charset="0"/>
+                <a:cs typeface="Courier New" pitchFamily="49" charset="0"/>
+              </a:rPr>
+              <a:t>void</a:t>
+            </a:r>
+            <a:r>
+              <a:rPr lang="de-CH" sz="1000" dirty="0">
+                <a:latin typeface="Courier New" pitchFamily="49" charset="0"/>
+                <a:cs typeface="Courier New" pitchFamily="49" charset="0"/>
+              </a:rPr>
+              <a:t> </a:t>
+            </a:r>
+            <a:r>
+              <a:rPr lang="de-CH" sz="1000" dirty="0" err="1">
+                <a:latin typeface="Courier New" pitchFamily="49" charset="0"/>
+                <a:cs typeface="Courier New" pitchFamily="49" charset="0"/>
+              </a:rPr>
+              <a:t>main</a:t>
+            </a:r>
+            <a:r>
+              <a:rPr lang="de-CH" sz="1000" dirty="0">
+                <a:latin typeface="Courier New" pitchFamily="49" charset="0"/>
+                <a:cs typeface="Courier New" pitchFamily="49" charset="0"/>
+              </a:rPr>
+              <a:t>(String[] </a:t>
+            </a:r>
+            <a:r>
+              <a:rPr lang="de-CH" sz="1000" dirty="0" err="1">
+                <a:latin typeface="Courier New" pitchFamily="49" charset="0"/>
+                <a:cs typeface="Courier New" pitchFamily="49" charset="0"/>
+              </a:rPr>
+              <a:t>args</a:t>
+            </a:r>
+            <a:r>
+              <a:rPr lang="de-CH" sz="1000" dirty="0">
+                <a:latin typeface="Courier New" pitchFamily="49" charset="0"/>
+                <a:cs typeface="Courier New" pitchFamily="49" charset="0"/>
+              </a:rPr>
+              <a:t>) {</a:t>
+            </a:r>
+          </a:p>
+          <a:p>
+            <a:r>
+              <a:rPr lang="de-CH" sz="1000" dirty="0">
+                <a:latin typeface="Courier New" pitchFamily="49" charset="0"/>
+                <a:cs typeface="Courier New" pitchFamily="49" charset="0"/>
+              </a:rPr>
+              <a:t>		Display d = </a:t>
+            </a:r>
+            <a:r>
+              <a:rPr lang="de-CH" sz="1000" dirty="0" err="1">
+                <a:latin typeface="Courier New" pitchFamily="49" charset="0"/>
+                <a:cs typeface="Courier New" pitchFamily="49" charset="0"/>
+              </a:rPr>
+              <a:t>new</a:t>
+            </a:r>
+            <a:r>
+              <a:rPr lang="de-CH" sz="1000" dirty="0">
+                <a:latin typeface="Courier New" pitchFamily="49" charset="0"/>
+                <a:cs typeface="Courier New" pitchFamily="49" charset="0"/>
+              </a:rPr>
+              <a:t> Display();</a:t>
+            </a:r>
+          </a:p>
+          <a:p>
+            <a:r>
+              <a:rPr lang="de-CH" sz="1000" dirty="0">
+                <a:latin typeface="Courier New" pitchFamily="49" charset="0"/>
+                <a:cs typeface="Courier New" pitchFamily="49" charset="0"/>
+              </a:rPr>
+              <a:t>		Shell </a:t>
+            </a:r>
+            <a:r>
+              <a:rPr lang="de-CH" sz="1000" dirty="0" err="1">
+                <a:latin typeface="Courier New" pitchFamily="49" charset="0"/>
+                <a:cs typeface="Courier New" pitchFamily="49" charset="0"/>
+              </a:rPr>
+              <a:t>shell</a:t>
+            </a:r>
+            <a:r>
+              <a:rPr lang="de-CH" sz="1000" dirty="0">
+                <a:latin typeface="Courier New" pitchFamily="49" charset="0"/>
+                <a:cs typeface="Courier New" pitchFamily="49" charset="0"/>
+              </a:rPr>
+              <a:t> = </a:t>
+            </a:r>
+            <a:r>
+              <a:rPr lang="de-CH" sz="1000" dirty="0" err="1">
+                <a:latin typeface="Courier New" pitchFamily="49" charset="0"/>
+                <a:cs typeface="Courier New" pitchFamily="49" charset="0"/>
+              </a:rPr>
+              <a:t>new</a:t>
+            </a:r>
+            <a:r>
+              <a:rPr lang="de-CH" sz="1000" dirty="0">
+                <a:latin typeface="Courier New" pitchFamily="49" charset="0"/>
+                <a:cs typeface="Courier New" pitchFamily="49" charset="0"/>
+              </a:rPr>
+              <a:t> Shell(d);</a:t>
+            </a:r>
+          </a:p>
+          <a:p>
+            <a:r>
+              <a:rPr lang="de-CH" sz="1000" dirty="0">
+                <a:latin typeface="Courier New" pitchFamily="49" charset="0"/>
+                <a:cs typeface="Courier New" pitchFamily="49" charset="0"/>
+              </a:rPr>
+              <a:t>		</a:t>
+            </a:r>
+            <a:r>
+              <a:rPr lang="de-CH" sz="1000" dirty="0" err="1">
+                <a:latin typeface="Courier New" pitchFamily="49" charset="0"/>
+                <a:cs typeface="Courier New" pitchFamily="49" charset="0"/>
+              </a:rPr>
+              <a:t>shell.setText</a:t>
+            </a:r>
+            <a:r>
+              <a:rPr lang="de-CH" sz="1000" dirty="0">
+                <a:latin typeface="Courier New" pitchFamily="49" charset="0"/>
+                <a:cs typeface="Courier New" pitchFamily="49" charset="0"/>
+              </a:rPr>
+              <a:t>("</a:t>
+            </a:r>
+            <a:r>
+              <a:rPr lang="de-CH" sz="1000" dirty="0" err="1">
+                <a:latin typeface="Courier New" pitchFamily="49" charset="0"/>
+                <a:cs typeface="Courier New" pitchFamily="49" charset="0"/>
+              </a:rPr>
+              <a:t>Hello</a:t>
+            </a:r>
+            <a:r>
+              <a:rPr lang="de-CH" sz="1000" dirty="0">
+                <a:latin typeface="Courier New" pitchFamily="49" charset="0"/>
+                <a:cs typeface="Courier New" pitchFamily="49" charset="0"/>
+              </a:rPr>
+              <a:t>, World");</a:t>
+            </a:r>
+          </a:p>
+          <a:p>
+            <a:r>
+              <a:rPr lang="de-CH" sz="1000" dirty="0">
+                <a:latin typeface="Courier New" pitchFamily="49" charset="0"/>
+                <a:cs typeface="Courier New" pitchFamily="49" charset="0"/>
+              </a:rPr>
+              <a:t>		</a:t>
+            </a:r>
+            <a:r>
+              <a:rPr lang="de-CH" sz="1000" dirty="0" err="1">
+                <a:latin typeface="Courier New" pitchFamily="49" charset="0"/>
+                <a:cs typeface="Courier New" pitchFamily="49" charset="0"/>
+              </a:rPr>
+              <a:t>shell.setLayout</a:t>
+            </a:r>
+            <a:r>
+              <a:rPr lang="de-CH" sz="1000" dirty="0">
+                <a:latin typeface="Courier New" pitchFamily="49" charset="0"/>
+                <a:cs typeface="Courier New" pitchFamily="49" charset="0"/>
+              </a:rPr>
+              <a:t>(</a:t>
+            </a:r>
+            <a:r>
+              <a:rPr lang="de-CH" sz="1000" dirty="0" err="1">
+                <a:latin typeface="Courier New" pitchFamily="49" charset="0"/>
+                <a:cs typeface="Courier New" pitchFamily="49" charset="0"/>
+              </a:rPr>
+              <a:t>new</a:t>
+            </a:r>
+            <a:r>
+              <a:rPr lang="de-CH" sz="1000" dirty="0">
+                <a:latin typeface="Courier New" pitchFamily="49" charset="0"/>
+                <a:cs typeface="Courier New" pitchFamily="49" charset="0"/>
+              </a:rPr>
+              <a:t> </a:t>
+            </a:r>
+            <a:r>
+              <a:rPr lang="de-CH" sz="1000" dirty="0" err="1">
+                <a:latin typeface="Courier New" pitchFamily="49" charset="0"/>
+                <a:cs typeface="Courier New" pitchFamily="49" charset="0"/>
+              </a:rPr>
+              <a:t>FillLayout</a:t>
+            </a:r>
+            <a:r>
+              <a:rPr lang="de-CH" sz="1000" dirty="0">
+                <a:latin typeface="Courier New" pitchFamily="49" charset="0"/>
+                <a:cs typeface="Courier New" pitchFamily="49" charset="0"/>
+              </a:rPr>
+              <a:t>());</a:t>
+            </a:r>
+          </a:p>
+          <a:p>
+            <a:r>
+              <a:rPr lang="de-CH" sz="1000" dirty="0">
+                <a:latin typeface="Courier New" pitchFamily="49" charset="0"/>
+                <a:cs typeface="Courier New" pitchFamily="49" charset="0"/>
+              </a:rPr>
+              <a:t>		</a:t>
+            </a:r>
+            <a:r>
+              <a:rPr lang="de-CH" sz="1000" dirty="0" err="1">
+                <a:latin typeface="Courier New" pitchFamily="49" charset="0"/>
+                <a:cs typeface="Courier New" pitchFamily="49" charset="0"/>
+              </a:rPr>
+              <a:t>shell.setSize</a:t>
+            </a:r>
+            <a:r>
+              <a:rPr lang="de-CH" sz="1000" dirty="0">
+                <a:latin typeface="Courier New" pitchFamily="49" charset="0"/>
+                <a:cs typeface="Courier New" pitchFamily="49" charset="0"/>
+              </a:rPr>
+              <a:t>(400, 400);</a:t>
+            </a:r>
+          </a:p>
+          <a:p>
+            <a:endParaRPr lang="de-CH" sz="1000" dirty="0">
+              <a:latin typeface="Courier New" pitchFamily="49" charset="0"/>
+              <a:cs typeface="Courier New" pitchFamily="49" charset="0"/>
+            </a:endParaRPr>
+          </a:p>
+          <a:p>
+            <a:r>
+              <a:rPr lang="de-CH" sz="1000" dirty="0">
+                <a:latin typeface="Courier New" pitchFamily="49" charset="0"/>
+                <a:cs typeface="Courier New" pitchFamily="49" charset="0"/>
+              </a:rPr>
+              <a:t>		Graph g = </a:t>
+            </a:r>
+            <a:r>
+              <a:rPr lang="de-CH" sz="1000" dirty="0" err="1">
+                <a:latin typeface="Courier New" pitchFamily="49" charset="0"/>
+                <a:cs typeface="Courier New" pitchFamily="49" charset="0"/>
+              </a:rPr>
+              <a:t>new</a:t>
+            </a:r>
+            <a:r>
+              <a:rPr lang="de-CH" sz="1000" dirty="0">
+                <a:latin typeface="Courier New" pitchFamily="49" charset="0"/>
+                <a:cs typeface="Courier New" pitchFamily="49" charset="0"/>
+              </a:rPr>
+              <a:t> Graph(</a:t>
+            </a:r>
+            <a:r>
+              <a:rPr lang="de-CH" sz="1000" dirty="0" err="1">
+                <a:latin typeface="Courier New" pitchFamily="49" charset="0"/>
+                <a:cs typeface="Courier New" pitchFamily="49" charset="0"/>
+              </a:rPr>
+              <a:t>shell</a:t>
+            </a:r>
+            <a:r>
+              <a:rPr lang="de-CH" sz="1000" dirty="0">
+                <a:latin typeface="Courier New" pitchFamily="49" charset="0"/>
+                <a:cs typeface="Courier New" pitchFamily="49" charset="0"/>
+              </a:rPr>
+              <a:t>, SWT.NONE);</a:t>
+            </a:r>
+          </a:p>
+          <a:p>
+            <a:r>
+              <a:rPr lang="de-CH" sz="1000" dirty="0">
+                <a:latin typeface="Courier New" pitchFamily="49" charset="0"/>
+                <a:cs typeface="Courier New" pitchFamily="49" charset="0"/>
+              </a:rPr>
+              <a:t>		</a:t>
+            </a:r>
+            <a:r>
+              <a:rPr lang="de-CH" sz="1000" dirty="0" err="1">
+                <a:latin typeface="Courier New" pitchFamily="49" charset="0"/>
+                <a:cs typeface="Courier New" pitchFamily="49" charset="0"/>
+              </a:rPr>
+              <a:t>GraphNode</a:t>
+            </a:r>
+            <a:r>
+              <a:rPr lang="de-CH" sz="1000" dirty="0">
+                <a:latin typeface="Courier New" pitchFamily="49" charset="0"/>
+                <a:cs typeface="Courier New" pitchFamily="49" charset="0"/>
+              </a:rPr>
+              <a:t> </a:t>
+            </a:r>
+            <a:r>
+              <a:rPr lang="de-CH" sz="1000" dirty="0" err="1">
+                <a:latin typeface="Courier New" pitchFamily="49" charset="0"/>
+                <a:cs typeface="Courier New" pitchFamily="49" charset="0"/>
+              </a:rPr>
+              <a:t>hello</a:t>
+            </a:r>
+            <a:r>
+              <a:rPr lang="de-CH" sz="1000" dirty="0">
+                <a:latin typeface="Courier New" pitchFamily="49" charset="0"/>
+                <a:cs typeface="Courier New" pitchFamily="49" charset="0"/>
+              </a:rPr>
+              <a:t> = </a:t>
+            </a:r>
+            <a:r>
+              <a:rPr lang="de-CH" sz="1000" dirty="0" err="1">
+                <a:latin typeface="Courier New" pitchFamily="49" charset="0"/>
+                <a:cs typeface="Courier New" pitchFamily="49" charset="0"/>
+              </a:rPr>
+              <a:t>new</a:t>
+            </a:r>
+            <a:r>
+              <a:rPr lang="de-CH" sz="1000" dirty="0">
+                <a:latin typeface="Courier New" pitchFamily="49" charset="0"/>
+                <a:cs typeface="Courier New" pitchFamily="49" charset="0"/>
+              </a:rPr>
+              <a:t> </a:t>
+            </a:r>
+            <a:r>
+              <a:rPr lang="de-CH" sz="1000" dirty="0" err="1">
+                <a:latin typeface="Courier New" pitchFamily="49" charset="0"/>
+                <a:cs typeface="Courier New" pitchFamily="49" charset="0"/>
+              </a:rPr>
+              <a:t>GraphNode</a:t>
+            </a:r>
+            <a:r>
+              <a:rPr lang="de-CH" sz="1000" dirty="0">
+                <a:latin typeface="Courier New" pitchFamily="49" charset="0"/>
+                <a:cs typeface="Courier New" pitchFamily="49" charset="0"/>
+              </a:rPr>
+              <a:t>(g, SWT.NONE, "</a:t>
+            </a:r>
+            <a:r>
+              <a:rPr lang="de-CH" sz="1000" dirty="0" err="1">
+                <a:latin typeface="Courier New" pitchFamily="49" charset="0"/>
+                <a:cs typeface="Courier New" pitchFamily="49" charset="0"/>
+              </a:rPr>
+              <a:t>Hello</a:t>
+            </a:r>
+            <a:r>
+              <a:rPr lang="de-CH" sz="1000" dirty="0">
+                <a:latin typeface="Courier New" pitchFamily="49" charset="0"/>
+                <a:cs typeface="Courier New" pitchFamily="49" charset="0"/>
+              </a:rPr>
+              <a:t>");</a:t>
+            </a:r>
+          </a:p>
+          <a:p>
+            <a:r>
+              <a:rPr lang="de-CH" sz="1000" dirty="0">
+                <a:latin typeface="Courier New" pitchFamily="49" charset="0"/>
+                <a:cs typeface="Courier New" pitchFamily="49" charset="0"/>
+              </a:rPr>
+              <a:t>		</a:t>
+            </a:r>
+            <a:r>
+              <a:rPr lang="de-CH" sz="1000" dirty="0" err="1">
+                <a:latin typeface="Courier New" pitchFamily="49" charset="0"/>
+                <a:cs typeface="Courier New" pitchFamily="49" charset="0"/>
+              </a:rPr>
+              <a:t>GraphNode</a:t>
+            </a:r>
+            <a:r>
+              <a:rPr lang="de-CH" sz="1000" dirty="0">
+                <a:latin typeface="Courier New" pitchFamily="49" charset="0"/>
+                <a:cs typeface="Courier New" pitchFamily="49" charset="0"/>
+              </a:rPr>
+              <a:t> </a:t>
+            </a:r>
+            <a:r>
+              <a:rPr lang="de-CH" sz="1000" dirty="0" err="1">
+                <a:latin typeface="Courier New" pitchFamily="49" charset="0"/>
+                <a:cs typeface="Courier New" pitchFamily="49" charset="0"/>
+              </a:rPr>
+              <a:t>world</a:t>
+            </a:r>
+            <a:r>
+              <a:rPr lang="de-CH" sz="1000" dirty="0">
+                <a:latin typeface="Courier New" pitchFamily="49" charset="0"/>
+                <a:cs typeface="Courier New" pitchFamily="49" charset="0"/>
+              </a:rPr>
+              <a:t> = </a:t>
+            </a:r>
+            <a:r>
+              <a:rPr lang="de-CH" sz="1000" dirty="0" err="1">
+                <a:latin typeface="Courier New" pitchFamily="49" charset="0"/>
+                <a:cs typeface="Courier New" pitchFamily="49" charset="0"/>
+              </a:rPr>
+              <a:t>new</a:t>
+            </a:r>
+            <a:r>
+              <a:rPr lang="de-CH" sz="1000" dirty="0">
+                <a:latin typeface="Courier New" pitchFamily="49" charset="0"/>
+                <a:cs typeface="Courier New" pitchFamily="49" charset="0"/>
+              </a:rPr>
+              <a:t> </a:t>
+            </a:r>
+            <a:r>
+              <a:rPr lang="de-CH" sz="1000" dirty="0" err="1">
+                <a:latin typeface="Courier New" pitchFamily="49" charset="0"/>
+                <a:cs typeface="Courier New" pitchFamily="49" charset="0"/>
+              </a:rPr>
+              <a:t>GraphNode</a:t>
+            </a:r>
+            <a:r>
+              <a:rPr lang="de-CH" sz="1000" dirty="0">
+                <a:latin typeface="Courier New" pitchFamily="49" charset="0"/>
+                <a:cs typeface="Courier New" pitchFamily="49" charset="0"/>
+              </a:rPr>
+              <a:t>(g, SWT.NONE, "World");</a:t>
+            </a:r>
+          </a:p>
+          <a:p>
+            <a:r>
+              <a:rPr lang="de-CH" sz="1000" dirty="0">
+                <a:latin typeface="Courier New" pitchFamily="49" charset="0"/>
+                <a:cs typeface="Courier New" pitchFamily="49" charset="0"/>
+              </a:rPr>
+              <a:t>		</a:t>
+            </a:r>
+            <a:r>
+              <a:rPr lang="de-CH" sz="1000" dirty="0" err="1">
+                <a:latin typeface="Courier New" pitchFamily="49" charset="0"/>
+                <a:cs typeface="Courier New" pitchFamily="49" charset="0"/>
+              </a:rPr>
+              <a:t>new</a:t>
+            </a:r>
+            <a:r>
+              <a:rPr lang="de-CH" sz="1000" dirty="0">
+                <a:latin typeface="Courier New" pitchFamily="49" charset="0"/>
+                <a:cs typeface="Courier New" pitchFamily="49" charset="0"/>
+              </a:rPr>
+              <a:t> </a:t>
+            </a:r>
+            <a:r>
+              <a:rPr lang="de-CH" sz="1000" dirty="0" err="1">
+                <a:latin typeface="Courier New" pitchFamily="49" charset="0"/>
+                <a:cs typeface="Courier New" pitchFamily="49" charset="0"/>
+              </a:rPr>
+              <a:t>GraphConnection</a:t>
+            </a:r>
+            <a:r>
+              <a:rPr lang="de-CH" sz="1000" dirty="0">
+                <a:latin typeface="Courier New" pitchFamily="49" charset="0"/>
+                <a:cs typeface="Courier New" pitchFamily="49" charset="0"/>
+              </a:rPr>
+              <a:t>(g, SWT.NONE, </a:t>
+            </a:r>
+            <a:r>
+              <a:rPr lang="de-CH" sz="1000" dirty="0" err="1">
+                <a:latin typeface="Courier New" pitchFamily="49" charset="0"/>
+                <a:cs typeface="Courier New" pitchFamily="49" charset="0"/>
+              </a:rPr>
+              <a:t>hello</a:t>
+            </a:r>
+            <a:r>
+              <a:rPr lang="de-CH" sz="1000" dirty="0">
+                <a:latin typeface="Courier New" pitchFamily="49" charset="0"/>
+                <a:cs typeface="Courier New" pitchFamily="49" charset="0"/>
+              </a:rPr>
+              <a:t>, </a:t>
+            </a:r>
+            <a:r>
+              <a:rPr lang="de-CH" sz="1000" dirty="0" err="1">
+                <a:latin typeface="Courier New" pitchFamily="49" charset="0"/>
+                <a:cs typeface="Courier New" pitchFamily="49" charset="0"/>
+              </a:rPr>
+              <a:t>world</a:t>
+            </a:r>
+            <a:r>
+              <a:rPr lang="de-CH" sz="1000" dirty="0">
+                <a:latin typeface="Courier New" pitchFamily="49" charset="0"/>
+                <a:cs typeface="Courier New" pitchFamily="49" charset="0"/>
+              </a:rPr>
+              <a:t>);</a:t>
+            </a:r>
+          </a:p>
+          <a:p>
+            <a:r>
+              <a:rPr lang="de-CH" sz="1000" dirty="0">
+                <a:latin typeface="Courier New" pitchFamily="49" charset="0"/>
+                <a:cs typeface="Courier New" pitchFamily="49" charset="0"/>
+              </a:rPr>
+              <a:t>		</a:t>
+            </a:r>
+            <a:r>
+              <a:rPr lang="de-CH" sz="1000" dirty="0" err="1">
+                <a:latin typeface="Courier New" pitchFamily="49" charset="0"/>
+                <a:cs typeface="Courier New" pitchFamily="49" charset="0"/>
+              </a:rPr>
+              <a:t>g.setLayoutAlgorithm</a:t>
+            </a:r>
+            <a:r>
+              <a:rPr lang="de-CH" sz="1000" dirty="0" smtClean="0">
+                <a:latin typeface="Courier New" pitchFamily="49" charset="0"/>
+                <a:cs typeface="Courier New" pitchFamily="49" charset="0"/>
+              </a:rPr>
+              <a:t>(</a:t>
+            </a:r>
+            <a:br>
+              <a:rPr lang="de-CH" sz="1000" dirty="0" smtClean="0">
+                <a:latin typeface="Courier New" pitchFamily="49" charset="0"/>
+                <a:cs typeface="Courier New" pitchFamily="49" charset="0"/>
+              </a:rPr>
+            </a:br>
+            <a:r>
+              <a:rPr lang="de-CH" sz="1000" dirty="0" smtClean="0">
+                <a:latin typeface="Courier New" pitchFamily="49" charset="0"/>
+                <a:cs typeface="Courier New" pitchFamily="49" charset="0"/>
+              </a:rPr>
+              <a:t>			</a:t>
+            </a:r>
+            <a:r>
+              <a:rPr lang="de-CH" sz="1000" dirty="0" err="1" smtClean="0">
+                <a:latin typeface="Courier New" pitchFamily="49" charset="0"/>
+                <a:cs typeface="Courier New" pitchFamily="49" charset="0"/>
+              </a:rPr>
+              <a:t>new</a:t>
+            </a:r>
+            <a:r>
+              <a:rPr lang="de-CH" sz="1000" dirty="0" smtClean="0">
+                <a:latin typeface="Courier New" pitchFamily="49" charset="0"/>
+                <a:cs typeface="Courier New" pitchFamily="49" charset="0"/>
+              </a:rPr>
+              <a:t> </a:t>
+            </a:r>
+            <a:r>
+              <a:rPr lang="de-CH" sz="1000" dirty="0" err="1" smtClean="0">
+                <a:latin typeface="Courier New" pitchFamily="49" charset="0"/>
+                <a:cs typeface="Courier New" pitchFamily="49" charset="0"/>
+              </a:rPr>
+              <a:t>SpringLayoutAlgorithm</a:t>
+            </a:r>
+            <a:r>
+              <a:rPr lang="de-CH" sz="1000" dirty="0" smtClean="0">
+                <a:latin typeface="Courier New" pitchFamily="49" charset="0"/>
+                <a:cs typeface="Courier New" pitchFamily="49" charset="0"/>
+              </a:rPr>
+              <a:t>(</a:t>
+            </a:r>
+            <a:r>
+              <a:rPr lang="de-CH" sz="1000" dirty="0" err="1" smtClean="0">
+                <a:latin typeface="Courier New" pitchFamily="49" charset="0"/>
+                <a:cs typeface="Courier New" pitchFamily="49" charset="0"/>
+              </a:rPr>
+              <a:t>LayoutStyles.NO_LAYOUT_NODE_RESIZING</a:t>
+            </a:r>
+            <a:r>
+              <a:rPr lang="de-CH" sz="1000" dirty="0">
+                <a:latin typeface="Courier New" pitchFamily="49" charset="0"/>
+                <a:cs typeface="Courier New" pitchFamily="49" charset="0"/>
+              </a:rPr>
+              <a:t>), </a:t>
+            </a:r>
+            <a:r>
+              <a:rPr lang="de-CH" sz="1000" dirty="0" err="1">
+                <a:latin typeface="Courier New" pitchFamily="49" charset="0"/>
+                <a:cs typeface="Courier New" pitchFamily="49" charset="0"/>
+              </a:rPr>
+              <a:t>true</a:t>
+            </a:r>
+            <a:r>
+              <a:rPr lang="de-CH" sz="1000" dirty="0">
+                <a:latin typeface="Courier New" pitchFamily="49" charset="0"/>
+                <a:cs typeface="Courier New" pitchFamily="49" charset="0"/>
+              </a:rPr>
+              <a:t>);</a:t>
+            </a:r>
+          </a:p>
+          <a:p>
+            <a:endParaRPr lang="de-CH" sz="1000" dirty="0">
+              <a:latin typeface="Courier New" pitchFamily="49" charset="0"/>
+              <a:cs typeface="Courier New" pitchFamily="49" charset="0"/>
+            </a:endParaRPr>
+          </a:p>
+          <a:p>
+            <a:r>
+              <a:rPr lang="de-CH" sz="1000" dirty="0">
+                <a:latin typeface="Courier New" pitchFamily="49" charset="0"/>
+                <a:cs typeface="Courier New" pitchFamily="49" charset="0"/>
+              </a:rPr>
+              <a:t>		</a:t>
+            </a:r>
+            <a:r>
+              <a:rPr lang="de-CH" sz="1000" dirty="0" err="1">
+                <a:latin typeface="Courier New" pitchFamily="49" charset="0"/>
+                <a:cs typeface="Courier New" pitchFamily="49" charset="0"/>
+              </a:rPr>
+              <a:t>shell.open</a:t>
+            </a:r>
+            <a:r>
+              <a:rPr lang="de-CH" sz="1000" dirty="0">
+                <a:latin typeface="Courier New" pitchFamily="49" charset="0"/>
+                <a:cs typeface="Courier New" pitchFamily="49" charset="0"/>
+              </a:rPr>
+              <a:t>();</a:t>
+            </a:r>
+          </a:p>
+          <a:p>
+            <a:r>
+              <a:rPr lang="de-CH" sz="1000" dirty="0">
+                <a:latin typeface="Courier New" pitchFamily="49" charset="0"/>
+                <a:cs typeface="Courier New" pitchFamily="49" charset="0"/>
+              </a:rPr>
+              <a:t>		</a:t>
+            </a:r>
+            <a:r>
+              <a:rPr lang="de-CH" sz="1000" dirty="0" err="1">
+                <a:latin typeface="Courier New" pitchFamily="49" charset="0"/>
+                <a:cs typeface="Courier New" pitchFamily="49" charset="0"/>
+              </a:rPr>
+              <a:t>while</a:t>
+            </a:r>
+            <a:r>
+              <a:rPr lang="de-CH" sz="1000" dirty="0">
+                <a:latin typeface="Courier New" pitchFamily="49" charset="0"/>
+                <a:cs typeface="Courier New" pitchFamily="49" charset="0"/>
+              </a:rPr>
+              <a:t> (!</a:t>
+            </a:r>
+            <a:r>
+              <a:rPr lang="de-CH" sz="1000" dirty="0" err="1">
+                <a:latin typeface="Courier New" pitchFamily="49" charset="0"/>
+                <a:cs typeface="Courier New" pitchFamily="49" charset="0"/>
+              </a:rPr>
+              <a:t>shell.isDisposed</a:t>
+            </a:r>
+            <a:r>
+              <a:rPr lang="de-CH" sz="1000" dirty="0">
+                <a:latin typeface="Courier New" pitchFamily="49" charset="0"/>
+                <a:cs typeface="Courier New" pitchFamily="49" charset="0"/>
+              </a:rPr>
+              <a:t>()) {</a:t>
+            </a:r>
+          </a:p>
+          <a:p>
+            <a:r>
+              <a:rPr lang="de-CH" sz="1000" dirty="0">
+                <a:latin typeface="Courier New" pitchFamily="49" charset="0"/>
+                <a:cs typeface="Courier New" pitchFamily="49" charset="0"/>
+              </a:rPr>
+              <a:t>			</a:t>
+            </a:r>
+            <a:r>
+              <a:rPr lang="de-CH" sz="1000" dirty="0" err="1">
+                <a:latin typeface="Courier New" pitchFamily="49" charset="0"/>
+                <a:cs typeface="Courier New" pitchFamily="49" charset="0"/>
+              </a:rPr>
+              <a:t>while</a:t>
+            </a:r>
+            <a:r>
+              <a:rPr lang="de-CH" sz="1000" dirty="0">
+                <a:latin typeface="Courier New" pitchFamily="49" charset="0"/>
+                <a:cs typeface="Courier New" pitchFamily="49" charset="0"/>
+              </a:rPr>
+              <a:t> (!</a:t>
+            </a:r>
+            <a:r>
+              <a:rPr lang="de-CH" sz="1000" dirty="0" err="1">
+                <a:latin typeface="Courier New" pitchFamily="49" charset="0"/>
+                <a:cs typeface="Courier New" pitchFamily="49" charset="0"/>
+              </a:rPr>
+              <a:t>d.readAndDispatch</a:t>
+            </a:r>
+            <a:r>
+              <a:rPr lang="de-CH" sz="1000" dirty="0">
+                <a:latin typeface="Courier New" pitchFamily="49" charset="0"/>
+                <a:cs typeface="Courier New" pitchFamily="49" charset="0"/>
+              </a:rPr>
+              <a:t>()) {</a:t>
+            </a:r>
+          </a:p>
+          <a:p>
+            <a:r>
+              <a:rPr lang="de-CH" sz="1000" dirty="0">
+                <a:latin typeface="Courier New" pitchFamily="49" charset="0"/>
+                <a:cs typeface="Courier New" pitchFamily="49" charset="0"/>
+              </a:rPr>
+              <a:t>				</a:t>
+            </a:r>
+            <a:r>
+              <a:rPr lang="de-CH" sz="1000" dirty="0" err="1">
+                <a:latin typeface="Courier New" pitchFamily="49" charset="0"/>
+                <a:cs typeface="Courier New" pitchFamily="49" charset="0"/>
+              </a:rPr>
+              <a:t>d.sleep</a:t>
+            </a:r>
+            <a:r>
+              <a:rPr lang="de-CH" sz="1000" dirty="0">
+                <a:latin typeface="Courier New" pitchFamily="49" charset="0"/>
+                <a:cs typeface="Courier New" pitchFamily="49" charset="0"/>
+              </a:rPr>
+              <a:t>();</a:t>
+            </a:r>
+          </a:p>
+          <a:p>
+            <a:r>
+              <a:rPr lang="de-CH" sz="1000" dirty="0">
+                <a:latin typeface="Courier New" pitchFamily="49" charset="0"/>
+                <a:cs typeface="Courier New" pitchFamily="49" charset="0"/>
+              </a:rPr>
+              <a:t>			}</a:t>
+            </a:r>
+          </a:p>
+          <a:p>
+            <a:r>
+              <a:rPr lang="de-CH" sz="1000" dirty="0">
+                <a:latin typeface="Courier New" pitchFamily="49" charset="0"/>
+                <a:cs typeface="Courier New" pitchFamily="49" charset="0"/>
+              </a:rPr>
+              <a:t>		}</a:t>
+            </a:r>
+          </a:p>
+          <a:p>
+            <a:r>
+              <a:rPr lang="de-CH" sz="1000" dirty="0">
+                <a:latin typeface="Courier New" pitchFamily="49" charset="0"/>
+                <a:cs typeface="Courier New" pitchFamily="49" charset="0"/>
+              </a:rPr>
+              <a:t>	}</a:t>
+            </a:r>
+          </a:p>
+          <a:p>
+            <a:endParaRPr lang="de-CH" sz="1000" dirty="0">
+              <a:latin typeface="Courier New" pitchFamily="49" charset="0"/>
+              <a:cs typeface="Courier New" pitchFamily="49" charset="0"/>
+            </a:endParaRPr>
+          </a:p>
+          <a:p>
+            <a:r>
+              <a:rPr lang="de-CH" sz="1000" dirty="0">
+                <a:latin typeface="Courier New" pitchFamily="49" charset="0"/>
+                <a:cs typeface="Courier New" pitchFamily="49" charset="0"/>
+              </a:rPr>
+              <a:t>}</a:t>
+            </a:r>
+          </a:p>
+        </p:txBody>
+      </p:sp>
+    </p:spTree>
+    <p:extLst>
+      <p:ext uri="{BB962C8B-B14F-4D97-AF65-F5344CB8AC3E}">
+        <p14:creationId xmlns:p14="http://schemas.microsoft.com/office/powerpoint/2010/main" val="4197900074"/>
+      </p:ext>
+    </p:extLst>
+  </p:cSld>
+  <p:clrMapOvr>
+    <a:masterClrMapping/>
+  </p:clrMapOvr>
+  <p:timing>
+    <p:tnLst>
+      <p:par>
+        <p:cTn id="1" dur="indefinite" restart="never" nodeType="tmRoot"/>
+      </p:par>
+    </p:tnLst>
+  </p:timing>
+</p:sld>
+</file>
+
+<file path=ppt/slides/slide12.xml><?xml version="1.0" encoding="utf-8"?>
+<p:sld xmlns:a="http://schemas.openxmlformats.org/drawingml/2006/main" xmlns:r="http://schemas.openxmlformats.org/officeDocument/2006/relationships" xmlns:p="http://schemas.openxmlformats.org/presentationml/2006/main">
+  <p:cSld>
+    <p:spTree>
+      <p:nvGrpSpPr>
+        <p:cNvPr id="1" name=""/>
+        <p:cNvGrpSpPr/>
+        <p:nvPr/>
+      </p:nvGrpSpPr>
+      <p:grpSpPr>
+        <a:xfrm>
+          <a:off x="0" y="0"/>
+          <a:ext cx="0" cy="0"/>
+          <a:chOff x="0" y="0"/>
+          <a:chExt cx="0" cy="0"/>
+        </a:xfrm>
+      </p:grpSpPr>
+      <p:sp>
+        <p:nvSpPr>
+          <p:cNvPr id="2" name="Titel 1"/>
+          <p:cNvSpPr>
+            <a:spLocks noGrp="1"/>
+          </p:cNvSpPr>
+          <p:nvPr>
+            <p:ph type="title"/>
+          </p:nvPr>
+        </p:nvSpPr>
+        <p:spPr/>
+        <p:txBody>
+          <a:bodyPr>
+            <a:normAutofit/>
+          </a:bodyPr>
+          <a:lstStyle/>
+          <a:p>
+            <a:r>
+              <a:rPr lang="de-CH" dirty="0" err="1" smtClean="0"/>
+              <a:t>Related</a:t>
+            </a:r>
+            <a:r>
+              <a:rPr lang="de-CH" dirty="0" smtClean="0"/>
+              <a:t> </a:t>
+            </a:r>
+            <a:r>
+              <a:rPr lang="de-CH" dirty="0" err="1" smtClean="0"/>
+              <a:t>work</a:t>
+            </a:r>
+            <a:endParaRPr lang="de-CH" dirty="0"/>
+          </a:p>
+        </p:txBody>
+      </p:sp>
+      <p:sp>
+        <p:nvSpPr>
+          <p:cNvPr id="3" name="Inhaltsplatzhalter 2"/>
+          <p:cNvSpPr>
+            <a:spLocks noGrp="1"/>
+          </p:cNvSpPr>
+          <p:nvPr>
+            <p:ph idx="1"/>
+          </p:nvPr>
+        </p:nvSpPr>
+        <p:spPr>
+          <a:xfrm>
+            <a:off x="457200" y="1600200"/>
+            <a:ext cx="4402832" cy="4525963"/>
+          </a:xfrm>
+        </p:spPr>
+        <p:txBody>
+          <a:bodyPr/>
+          <a:lstStyle/>
+          <a:p>
+            <a:r>
+              <a:rPr lang="de-CH" dirty="0" err="1" smtClean="0"/>
+              <a:t>DataDisplayDebugger</a:t>
+            </a:r>
+            <a:r>
+              <a:rPr lang="de-CH" dirty="0"/>
+              <a:t>: </a:t>
+            </a:r>
+            <a:r>
+              <a:rPr lang="de-CH" dirty="0" err="1"/>
+              <a:t>Graphical</a:t>
+            </a:r>
+            <a:r>
+              <a:rPr lang="de-CH" dirty="0"/>
+              <a:t> front-end </a:t>
+            </a:r>
+            <a:r>
+              <a:rPr lang="de-CH" dirty="0" err="1"/>
+              <a:t>for</a:t>
+            </a:r>
+            <a:r>
+              <a:rPr lang="de-CH" dirty="0"/>
+              <a:t> </a:t>
+            </a:r>
+            <a:r>
+              <a:rPr lang="de-CH" dirty="0" err="1"/>
+              <a:t>existing</a:t>
+            </a:r>
+            <a:r>
+              <a:rPr lang="de-CH" dirty="0"/>
+              <a:t> </a:t>
+            </a:r>
+            <a:r>
+              <a:rPr lang="de-CH" dirty="0" err="1"/>
+              <a:t>command-line</a:t>
+            </a:r>
+            <a:r>
+              <a:rPr lang="de-CH" dirty="0"/>
+              <a:t> </a:t>
+            </a:r>
+            <a:r>
+              <a:rPr lang="de-CH" dirty="0" err="1" smtClean="0"/>
+              <a:t>debuggers</a:t>
+            </a:r>
+            <a:endParaRPr lang="de-CH" dirty="0" smtClean="0"/>
+          </a:p>
+          <a:p>
+            <a:endParaRPr lang="de-CH" dirty="0"/>
+          </a:p>
+        </p:txBody>
+      </p:sp>
+      <p:pic>
+        <p:nvPicPr>
+          <p:cNvPr id="3074" name="Picture 2"/>
+          <p:cNvPicPr>
+            <a:picLocks noChangeAspect="1" noChangeArrowheads="1"/>
+          </p:cNvPicPr>
+          <p:nvPr/>
+        </p:nvPicPr>
+        <p:blipFill>
+          <a:blip r:embed="rId2">
+            <a:extLst>
+              <a:ext uri="{28A0092B-C50C-407E-A947-70E740481C1C}">
+                <a14:useLocalDpi xmlns:a14="http://schemas.microsoft.com/office/drawing/2010/main" val="0"/>
+              </a:ext>
+            </a:extLst>
+          </a:blip>
+          <a:srcRect/>
+          <a:stretch>
+            <a:fillRect/>
+          </a:stretch>
+        </p:blipFill>
+        <p:spPr bwMode="auto">
+          <a:xfrm>
+            <a:off x="5076056" y="1772816"/>
+            <a:ext cx="3888433" cy="4061395"/>
+          </a:xfrm>
+          <a:prstGeom prst="rect">
+            <a:avLst/>
+          </a:prstGeom>
+          <a:noFill/>
+          <a:ln>
+            <a:noFill/>
+          </a:ln>
+          <a:effectLst/>
+          <a:extLst>
+            <a:ext uri="{909E8E84-426E-40DD-AFC4-6F175D3DCCD1}">
+              <a14:hiddenFill xmlns:a14="http://schemas.microsoft.com/office/drawing/2010/main">
+                <a:solidFill>
+                  <a:schemeClr val="accent1"/>
+                </a:solidFill>
+              </a14:hiddenFill>
+            </a:ext>
+            <a:ext uri="{91240B29-F687-4F45-9708-019B960494DF}">
+              <a14:hiddenLine xmlns:a14="http://schemas.microsoft.com/office/drawing/2010/main" w="9525">
+                <a:solidFill>
+                  <a:schemeClr val="tx1"/>
+                </a:solidFill>
+                <a:miter lim="800000"/>
+                <a:headEnd/>
+                <a:tailEnd/>
+              </a14:hiddenLine>
+            </a:ext>
+            <a:ext uri="{AF507438-7753-43E0-B8FC-AC1667EBCBE1}">
+              <a14:hiddenEffects xmlns:a14="http://schemas.microsoft.com/office/drawing/2010/main">
+                <a:effectLst>
+                  <a:outerShdw dist="35921" dir="2700000" algn="ctr" rotWithShape="0">
+                    <a:schemeClr val="bg2"/>
+                  </a:outerShdw>
+                </a:effectLst>
+              </a14:hiddenEffects>
+            </a:ext>
+          </a:extLst>
+        </p:spPr>
+      </p:pic>
+    </p:spTree>
+    <p:extLst>
+      <p:ext uri="{BB962C8B-B14F-4D97-AF65-F5344CB8AC3E}">
+        <p14:creationId xmlns:p14="http://schemas.microsoft.com/office/powerpoint/2010/main" val="441518636"/>
+      </p:ext>
+    </p:extLst>
+  </p:cSld>
+  <p:clrMapOvr>
+    <a:masterClrMapping/>
+  </p:clrMapOvr>
+  <p:timing>
+    <p:tnLst>
+      <p:par>
+        <p:cTn id="1" dur="indefinite" restart="never" nodeType="tmRoot"/>
+      </p:par>
+    </p:tnLst>
+  </p:timing>
+</p:sld>
+</file>
+
+<file path=ppt/slides/slide13.xml><?xml version="1.0" encoding="utf-8"?>
+<p:sld xmlns:a="http://schemas.openxmlformats.org/drawingml/2006/main" xmlns:r="http://schemas.openxmlformats.org/officeDocument/2006/relationships" xmlns:p="http://schemas.openxmlformats.org/presentationml/2006/main">
+  <p:cSld>
+    <p:spTree>
+      <p:nvGrpSpPr>
+        <p:cNvPr id="1" name=""/>
+        <p:cNvGrpSpPr/>
+        <p:nvPr/>
+      </p:nvGrpSpPr>
+      <p:grpSpPr>
+        <a:xfrm>
+          <a:off x="0" y="0"/>
+          <a:ext cx="0" cy="0"/>
+          <a:chOff x="0" y="0"/>
+          <a:chExt cx="0" cy="0"/>
+        </a:xfrm>
+      </p:grpSpPr>
+      <p:sp>
+        <p:nvSpPr>
+          <p:cNvPr id="2" name="Titel 1"/>
+          <p:cNvSpPr>
+            <a:spLocks noGrp="1"/>
+          </p:cNvSpPr>
+          <p:nvPr>
+            <p:ph type="title"/>
+          </p:nvPr>
+        </p:nvSpPr>
+        <p:spPr/>
+        <p:txBody>
+          <a:bodyPr>
+            <a:normAutofit/>
+          </a:bodyPr>
+          <a:lstStyle/>
+          <a:p>
+            <a:r>
+              <a:rPr lang="de-CH" dirty="0" err="1" smtClean="0"/>
+              <a:t>Related</a:t>
+            </a:r>
+            <a:r>
+              <a:rPr lang="de-CH" dirty="0" smtClean="0"/>
+              <a:t> </a:t>
+            </a:r>
+            <a:r>
+              <a:rPr lang="de-CH" dirty="0" err="1" smtClean="0"/>
+              <a:t>work</a:t>
+            </a:r>
+            <a:endParaRPr lang="de-CH" dirty="0"/>
+          </a:p>
+        </p:txBody>
+      </p:sp>
+      <p:sp>
+        <p:nvSpPr>
+          <p:cNvPr id="3" name="Inhaltsplatzhalter 2"/>
+          <p:cNvSpPr>
+            <a:spLocks noGrp="1"/>
+          </p:cNvSpPr>
+          <p:nvPr>
+            <p:ph idx="1"/>
+          </p:nvPr>
+        </p:nvSpPr>
+        <p:spPr/>
+        <p:txBody>
+          <a:bodyPr/>
+          <a:lstStyle/>
+          <a:p>
+            <a:r>
+              <a:rPr lang="de-CH" smtClean="0"/>
+              <a:t>Moose</a:t>
+            </a:r>
+            <a:endParaRPr lang="de-CH" dirty="0"/>
+          </a:p>
+        </p:txBody>
+      </p:sp>
+      <p:pic>
+        <p:nvPicPr>
+          <p:cNvPr id="4098" name="Picture 2"/>
+          <p:cNvPicPr>
+            <a:picLocks noChangeAspect="1" noChangeArrowheads="1"/>
+          </p:cNvPicPr>
+          <p:nvPr/>
+        </p:nvPicPr>
+        <p:blipFill>
+          <a:blip r:embed="rId2">
+            <a:extLst>
+              <a:ext uri="{28A0092B-C50C-407E-A947-70E740481C1C}">
+                <a14:useLocalDpi xmlns:a14="http://schemas.microsoft.com/office/drawing/2010/main" val="0"/>
+              </a:ext>
+            </a:extLst>
+          </a:blip>
+          <a:srcRect/>
+          <a:stretch>
+            <a:fillRect/>
+          </a:stretch>
+        </p:blipFill>
+        <p:spPr bwMode="auto">
+          <a:xfrm>
+            <a:off x="1331640" y="2636912"/>
+            <a:ext cx="5922931" cy="3096344"/>
+          </a:xfrm>
+          <a:prstGeom prst="rect">
+            <a:avLst/>
+          </a:prstGeom>
+          <a:noFill/>
+          <a:ln>
+            <a:noFill/>
+          </a:ln>
+          <a:effectLst/>
+          <a:extLst>
+            <a:ext uri="{909E8E84-426E-40DD-AFC4-6F175D3DCCD1}">
+              <a14:hiddenFill xmlns:a14="http://schemas.microsoft.com/office/drawing/2010/main">
+                <a:solidFill>
+                  <a:schemeClr val="accent1"/>
+                </a:solidFill>
+              </a14:hiddenFill>
+            </a:ext>
+            <a:ext uri="{91240B29-F687-4F45-9708-019B960494DF}">
+              <a14:hiddenLine xmlns:a14="http://schemas.microsoft.com/office/drawing/2010/main" w="9525">
+                <a:solidFill>
+                  <a:schemeClr val="tx1"/>
+                </a:solidFill>
+                <a:miter lim="800000"/>
+                <a:headEnd/>
+                <a:tailEnd/>
+              </a14:hiddenLine>
+            </a:ext>
+            <a:ext uri="{AF507438-7753-43E0-B8FC-AC1667EBCBE1}">
+              <a14:hiddenEffects xmlns:a14="http://schemas.microsoft.com/office/drawing/2010/main">
+                <a:effectLst>
+                  <a:outerShdw dist="35921" dir="2700000" algn="ctr" rotWithShape="0">
+                    <a:schemeClr val="bg2"/>
+                  </a:outerShdw>
+                </a:effectLst>
+              </a14:hiddenEffects>
+            </a:ext>
+          </a:extLst>
+        </p:spPr>
+      </p:pic>
+    </p:spTree>
+    <p:extLst>
+      <p:ext uri="{BB962C8B-B14F-4D97-AF65-F5344CB8AC3E}">
+        <p14:creationId xmlns:p14="http://schemas.microsoft.com/office/powerpoint/2010/main" val="4153598742"/>
+      </p:ext>
+    </p:extLst>
+  </p:cSld>
+  <p:clrMapOvr>
+    <a:masterClrMapping/>
+  </p:clrMapOvr>
+  <p:timing>
+    <p:tnLst>
+      <p:par>
+        <p:cTn id="1" dur="indefinite" restart="never" nodeType="tmRoot"/>
+      </p:par>
+    </p:tnLst>
+  </p:timing>
+</p:sld>
+</file>
+
+<file path=ppt/slides/slide14.xml><?xml version="1.0" encoding="utf-8"?>
+<p:sld xmlns:a="http://schemas.openxmlformats.org/drawingml/2006/main" xmlns:r="http://schemas.openxmlformats.org/officeDocument/2006/relationships" xmlns:p="http://schemas.openxmlformats.org/presentationml/2006/main">
+  <p:cSld>
+    <p:spTree>
+      <p:nvGrpSpPr>
+        <p:cNvPr id="1" name=""/>
+        <p:cNvGrpSpPr/>
+        <p:nvPr/>
+      </p:nvGrpSpPr>
+      <p:grpSpPr>
+        <a:xfrm>
+          <a:off x="0" y="0"/>
+          <a:ext cx="0" cy="0"/>
+          <a:chOff x="0" y="0"/>
+          <a:chExt cx="0" cy="0"/>
+        </a:xfrm>
+      </p:grpSpPr>
+      <p:sp>
+        <p:nvSpPr>
+          <p:cNvPr id="2" name="Titel 1"/>
+          <p:cNvSpPr>
+            <a:spLocks noGrp="1"/>
+          </p:cNvSpPr>
+          <p:nvPr>
+            <p:ph type="title"/>
+          </p:nvPr>
+        </p:nvSpPr>
+        <p:spPr/>
+        <p:txBody>
+          <a:bodyPr/>
+          <a:lstStyle/>
+          <a:p>
+            <a:r>
+              <a:rPr lang="de-CH" dirty="0" smtClean="0"/>
+              <a:t>TODO:</a:t>
+            </a:r>
+            <a:endParaRPr lang="de-CH" dirty="0"/>
+          </a:p>
+        </p:txBody>
+      </p:sp>
+      <p:sp>
+        <p:nvSpPr>
+          <p:cNvPr id="3" name="Inhaltsplatzhalter 2"/>
+          <p:cNvSpPr>
+            <a:spLocks noGrp="1"/>
+          </p:cNvSpPr>
+          <p:nvPr>
+            <p:ph idx="1"/>
+          </p:nvPr>
+        </p:nvSpPr>
+        <p:spPr/>
+        <p:txBody>
+          <a:bodyPr/>
+          <a:lstStyle/>
+          <a:p>
+            <a:r>
+              <a:rPr lang="de-CH" dirty="0" smtClean="0"/>
+              <a:t>More </a:t>
+            </a:r>
+            <a:r>
+              <a:rPr lang="de-CH" dirty="0" err="1" smtClean="0"/>
+              <a:t>built</a:t>
+            </a:r>
+            <a:r>
+              <a:rPr lang="de-CH" dirty="0" smtClean="0"/>
+              <a:t>-in </a:t>
+            </a:r>
+            <a:r>
+              <a:rPr lang="de-CH" dirty="0" err="1" smtClean="0"/>
+              <a:t>renderings</a:t>
+            </a:r>
+            <a:endParaRPr lang="de-CH" dirty="0" smtClean="0"/>
+          </a:p>
+          <a:p>
+            <a:r>
+              <a:rPr lang="de-CH" dirty="0" err="1" smtClean="0"/>
+              <a:t>Building</a:t>
+            </a:r>
+            <a:r>
+              <a:rPr lang="de-CH" dirty="0" smtClean="0"/>
+              <a:t> </a:t>
+            </a:r>
+            <a:r>
+              <a:rPr lang="de-CH" dirty="0" err="1" smtClean="0"/>
+              <a:t>Eclipse-Plugin</a:t>
+            </a:r>
+            <a:endParaRPr lang="de-CH" dirty="0" smtClean="0"/>
+          </a:p>
+          <a:p>
+            <a:r>
+              <a:rPr lang="de-CH" dirty="0" err="1" smtClean="0"/>
+              <a:t>Use</a:t>
+            </a:r>
+            <a:r>
+              <a:rPr lang="de-CH" dirty="0" smtClean="0"/>
+              <a:t> JavaScript </a:t>
+            </a:r>
+            <a:r>
+              <a:rPr lang="de-CH" dirty="0" err="1" smtClean="0"/>
+              <a:t>to</a:t>
+            </a:r>
+            <a:r>
+              <a:rPr lang="de-CH" dirty="0" smtClean="0"/>
+              <a:t> </a:t>
+            </a:r>
+            <a:r>
+              <a:rPr lang="de-CH" dirty="0" err="1" smtClean="0"/>
+              <a:t>improve</a:t>
+            </a:r>
+            <a:r>
+              <a:rPr lang="de-CH" dirty="0" smtClean="0"/>
+              <a:t> </a:t>
+            </a:r>
+            <a:r>
+              <a:rPr lang="de-CH" dirty="0" err="1" smtClean="0"/>
+              <a:t>rendering</a:t>
+            </a:r>
+            <a:r>
+              <a:rPr lang="de-CH" dirty="0"/>
+              <a:t/>
+            </a:r>
+            <a:br>
+              <a:rPr lang="de-CH" dirty="0"/>
+            </a:br>
+            <a:r>
+              <a:rPr lang="de-CH" dirty="0" smtClean="0"/>
+              <a:t>(</a:t>
+            </a:r>
+            <a:r>
+              <a:rPr lang="de-CH" dirty="0" err="1" smtClean="0"/>
+              <a:t>align</a:t>
+            </a:r>
+            <a:r>
+              <a:rPr lang="de-CH" dirty="0" smtClean="0"/>
+              <a:t> </a:t>
+            </a:r>
+            <a:r>
+              <a:rPr lang="de-CH" dirty="0" err="1" smtClean="0"/>
+              <a:t>corresponding</a:t>
+            </a:r>
+            <a:r>
+              <a:rPr lang="de-CH" dirty="0" smtClean="0"/>
+              <a:t> </a:t>
+            </a:r>
+            <a:r>
+              <a:rPr lang="de-CH" dirty="0" err="1" smtClean="0"/>
+              <a:t>components</a:t>
+            </a:r>
+            <a:r>
+              <a:rPr lang="de-CH" dirty="0" smtClean="0"/>
+              <a:t>,</a:t>
+            </a:r>
+            <a:br>
+              <a:rPr lang="de-CH" dirty="0" smtClean="0"/>
+            </a:br>
+            <a:r>
+              <a:rPr lang="de-CH" dirty="0" err="1" smtClean="0"/>
+              <a:t>semantic</a:t>
+            </a:r>
+            <a:r>
+              <a:rPr lang="de-CH" dirty="0" smtClean="0"/>
+              <a:t> </a:t>
+            </a:r>
+            <a:r>
+              <a:rPr lang="de-CH" dirty="0" err="1" smtClean="0"/>
+              <a:t>zooming</a:t>
+            </a:r>
+            <a:r>
+              <a:rPr lang="de-CH" dirty="0" smtClean="0"/>
+              <a:t>)</a:t>
+            </a:r>
+          </a:p>
+        </p:txBody>
+      </p:sp>
+    </p:spTree>
+    <p:extLst>
+      <p:ext uri="{BB962C8B-B14F-4D97-AF65-F5344CB8AC3E}">
+        <p14:creationId xmlns:p14="http://schemas.microsoft.com/office/powerpoint/2010/main" val="477858240"/>
+      </p:ext>
+    </p:extLst>
+  </p:cSld>
+  <p:clrMapOvr>
+    <a:masterClrMapping/>
+  </p:clrMapOvr>
+  <p:timing>
+    <p:tnLst>
+      <p:par>
+        <p:cTn id="1" dur="indefinite" restart="never" nodeType="tmRoot">
+          <p:childTnLst>
+            <p:seq concurrent="1" nextAc="seek">
+              <p:cTn id="2" dur="indefinite" nodeType="mainSeq">
+                <p:childTnLst>
+                  <p:par>
+                    <p:cTn id="3" fill="hold">
+                      <p:stCondLst>
+                        <p:cond delay="indefinite"/>
+                      </p:stCondLst>
+                      <p:childTnLst>
+                        <p:par>
+                          <p:cTn id="4" fill="hold">
+                            <p:stCondLst>
+                              <p:cond delay="0"/>
+                            </p:stCondLst>
+                            <p:childTnLst>
+                              <p:par>
+                                <p:cTn id="5" presetID="1" presetClass="entr" presetSubtype="0" fill="hold" grpId="0" nodeType="clickEffect">
+                                  <p:stCondLst>
+                                    <p:cond delay="0"/>
+                                  </p:stCondLst>
+                                  <p:childTnLst>
+                                    <p:set>
+                                      <p:cBhvr>
+                                        <p:cTn id="6" dur="1" fill="hold">
+                                          <p:stCondLst>
+                                            <p:cond delay="0"/>
+                                          </p:stCondLst>
+                                        </p:cTn>
+                                        <p:tgtEl>
+                                          <p:spTgt spid="3">
+                                            <p:txEl>
+                                              <p:pRg st="0" end="0"/>
+                                            </p:txEl>
+                                          </p:spTgt>
+                                        </p:tgtEl>
+                                        <p:attrNameLst>
+                                          <p:attrName>style.visibility</p:attrName>
+                                        </p:attrNameLst>
+                                      </p:cBhvr>
+                                      <p:to>
+                                        <p:strVal val="visible"/>
+                                      </p:to>
+                                    </p:set>
+                                  </p:childTnLst>
+                                </p:cTn>
+                              </p:par>
+                            </p:childTnLst>
+                          </p:cTn>
+                        </p:par>
+                      </p:childTnLst>
+                    </p:cTn>
+                  </p:par>
+                  <p:par>
+                    <p:cTn id="7" fill="hold">
+                      <p:stCondLst>
+                        <p:cond delay="indefinite"/>
+                      </p:stCondLst>
+                      <p:childTnLst>
+                        <p:par>
+                          <p:cTn id="8" fill="hold">
+                            <p:stCondLst>
+                              <p:cond delay="0"/>
+                            </p:stCondLst>
+                            <p:childTnLst>
+                              <p:par>
+                                <p:cTn id="9" presetID="1" presetClass="entr" presetSubtype="0" fill="hold" grpId="0" nodeType="clickEffect">
+                                  <p:stCondLst>
+                                    <p:cond delay="0"/>
+                                  </p:stCondLst>
+                                  <p:childTnLst>
+                                    <p:set>
+                                      <p:cBhvr>
+                                        <p:cTn id="10" dur="1" fill="hold">
+                                          <p:stCondLst>
+                                            <p:cond delay="0"/>
+                                          </p:stCondLst>
+                                        </p:cTn>
+                                        <p:tgtEl>
+                                          <p:spTgt spid="3">
+                                            <p:txEl>
+                                              <p:pRg st="1" end="1"/>
+                                            </p:txEl>
+                                          </p:spTgt>
+                                        </p:tgtEl>
+                                        <p:attrNameLst>
+                                          <p:attrName>style.visibility</p:attrName>
+                                        </p:attrNameLst>
+                                      </p:cBhvr>
+                                      <p:to>
+                                        <p:strVal val="visible"/>
+                                      </p:to>
+                                    </p:set>
+                                  </p:childTnLst>
+                                </p:cTn>
+                              </p:par>
+                            </p:childTnLst>
+                          </p:cTn>
+                        </p:par>
+                      </p:childTnLst>
+                    </p:cTn>
+                  </p:par>
+                  <p:par>
+                    <p:cTn id="11" fill="hold">
+                      <p:stCondLst>
+                        <p:cond delay="indefinite"/>
+                      </p:stCondLst>
+                      <p:childTnLst>
+                        <p:par>
+                          <p:cTn id="12" fill="hold">
+                            <p:stCondLst>
+                              <p:cond delay="0"/>
+                            </p:stCondLst>
+                            <p:childTnLst>
+                              <p:par>
+                                <p:cTn id="13" presetID="1" presetClass="entr" presetSubtype="0" fill="hold" grpId="0" nodeType="clickEffect">
+                                  <p:stCondLst>
+                                    <p:cond delay="0"/>
+                                  </p:stCondLst>
+                                  <p:childTnLst>
+                                    <p:set>
+                                      <p:cBhvr>
+                                        <p:cTn id="14" dur="1" fill="hold">
+                                          <p:stCondLst>
+                                            <p:cond delay="0"/>
+                                          </p:stCondLst>
+                                        </p:cTn>
+                                        <p:tgtEl>
+                                          <p:spTgt spid="3">
+                                            <p:txEl>
+                                              <p:pRg st="2" end="2"/>
+                                            </p:txEl>
+                                          </p:spTgt>
+                                        </p:tgtEl>
+                                        <p:attrNameLst>
+                                          <p:attrName>style.visibility</p:attrName>
+                                        </p:attrNameLst>
+                                      </p:cBhvr>
+                                      <p:to>
+                                        <p:strVal val="visible"/>
+                                      </p:to>
+                                    </p:set>
+                                  </p:childTnLst>
+                                </p:cTn>
+                              </p:par>
+                            </p:childTnLst>
+                          </p:cTn>
+                        </p:par>
+                      </p:childTnLst>
+                    </p:cTn>
+                  </p:par>
+                </p:childTnLst>
+              </p:cTn>
+              <p:prevCondLst>
+                <p:cond evt="onPrev" delay="0">
+                  <p:tgtEl>
+                    <p:sldTgt/>
+                  </p:tgtEl>
+                </p:cond>
+              </p:prevCondLst>
+              <p:nextCondLst>
+                <p:cond evt="onNext" delay="0">
+                  <p:tgtEl>
+                    <p:sldTgt/>
+                  </p:tgtEl>
+                </p:cond>
+              </p:nextCondLst>
+            </p:seq>
+          </p:childTnLst>
+        </p:cTn>
+      </p:par>
+    </p:tnLst>
+    <p:bldLst>
+      <p:bldP spid="3" grpId="0" build="p"/>
+    </p:bldLst>
+  </p:timing>
+</p:sld>
+</file>
+
+<file path=ppt/slides/slide15.xml><?xml version="1.0" encoding="utf-8"?>
+<p:sld xmlns:a="http://schemas.openxmlformats.org/drawingml/2006/main" xmlns:r="http://schemas.openxmlformats.org/officeDocument/2006/relationships" xmlns:p="http://schemas.openxmlformats.org/presentationml/2006/main">
+  <p:cSld>
+    <p:spTree>
+      <p:nvGrpSpPr>
+        <p:cNvPr id="1" name=""/>
+        <p:cNvGrpSpPr/>
+        <p:nvPr/>
+      </p:nvGrpSpPr>
+      <p:grpSpPr>
+        <a:xfrm>
+          <a:off x="0" y="0"/>
+          <a:ext cx="0" cy="0"/>
+          <a:chOff x="0" y="0"/>
+          <a:chExt cx="0" cy="0"/>
+        </a:xfrm>
+      </p:grpSpPr>
+      <p:sp>
+        <p:nvSpPr>
+          <p:cNvPr id="2" name="Titel 1"/>
+          <p:cNvSpPr>
+            <a:spLocks noGrp="1"/>
+          </p:cNvSpPr>
+          <p:nvPr>
+            <p:ph type="title"/>
+          </p:nvPr>
+        </p:nvSpPr>
+        <p:spPr/>
+        <p:txBody>
           <a:bodyPr/>
           <a:lstStyle/>
           <a:p>
@@ -3830,84 +5712,86 @@
             <a:pPr marL="0" indent="0">
               <a:buNone/>
             </a:pPr>
-            <a:endParaRPr lang="de-CH" dirty="0" smtClean="0"/>
-          </a:p>
-          <a:p>
-            <a:pPr marL="0" indent="0">
-              <a:buNone/>
-            </a:pPr>
-            <a:r>
-              <a:rPr lang="de-CH" dirty="0" smtClean="0"/>
-              <a:t>Default </a:t>
-            </a:r>
-            <a:r>
-              <a:rPr lang="de-CH" dirty="0" err="1" smtClean="0"/>
-              <a:t>rendering</a:t>
-            </a:r>
-            <a:r>
-              <a:rPr lang="de-CH" dirty="0" smtClean="0"/>
-              <a:t> </a:t>
-            </a:r>
-            <a:r>
-              <a:rPr lang="de-CH" dirty="0" err="1" smtClean="0"/>
-              <a:t>for</a:t>
-            </a:r>
-            <a:r>
-              <a:rPr lang="de-CH" dirty="0" smtClean="0"/>
-              <a:t> </a:t>
-            </a:r>
-            <a:r>
-              <a:rPr lang="de-CH" dirty="0" err="1" smtClean="0"/>
-              <a:t>every</a:t>
-            </a:r>
-            <a:r>
-              <a:rPr lang="de-CH" dirty="0" smtClean="0"/>
-              <a:t> (non-</a:t>
-            </a:r>
-            <a:r>
-              <a:rPr lang="de-CH" dirty="0" err="1" smtClean="0"/>
-              <a:t>common</a:t>
-            </a:r>
-            <a:r>
-              <a:rPr lang="de-CH" dirty="0" smtClean="0"/>
-              <a:t>) </a:t>
-            </a:r>
-            <a:r>
-              <a:rPr lang="de-CH" dirty="0" err="1" smtClean="0"/>
-              <a:t>object</a:t>
-            </a:r>
-            <a:r>
-              <a:rPr lang="de-CH" dirty="0" smtClean="0"/>
-              <a:t> type, i. e. </a:t>
-            </a:r>
-            <a:r>
-              <a:rPr lang="de-CH" dirty="0" err="1" smtClean="0"/>
-              <a:t>rendering</a:t>
-            </a:r>
-            <a:r>
-              <a:rPr lang="de-CH" dirty="0" smtClean="0"/>
-              <a:t> </a:t>
-            </a:r>
-            <a:r>
-              <a:rPr lang="de-CH" dirty="0" err="1" smtClean="0"/>
-              <a:t>for</a:t>
-            </a:r>
-            <a:r>
-              <a:rPr lang="de-CH" dirty="0" smtClean="0"/>
-              <a:t> type </a:t>
-            </a:r>
-            <a:r>
-              <a:rPr lang="de-CH" i="1" dirty="0" err="1" smtClean="0"/>
-              <a:t>object</a:t>
+            <a:r>
+              <a:rPr lang="de-CH" dirty="0" smtClean="0"/>
+              <a:t>Rendering</a:t>
+            </a:r>
+            <a:br>
+              <a:rPr lang="de-CH" dirty="0" smtClean="0"/>
+            </a:br>
+            <a:r>
+              <a:rPr lang="de-CH" dirty="0" err="1" smtClean="0"/>
+              <a:t>pipeline</a:t>
+            </a:r>
+            <a:r>
+              <a:rPr lang="de-CH" dirty="0" smtClean="0"/>
+              <a:t>:</a:t>
             </a:r>
             <a:endParaRPr lang="de-CH" dirty="0"/>
           </a:p>
         </p:txBody>
       </p:sp>
+      <p:graphicFrame>
+        <p:nvGraphicFramePr>
+          <p:cNvPr id="6" name="Objekt 5"/>
+          <p:cNvGraphicFramePr>
+            <a:graphicFrameLocks noChangeAspect="1"/>
+          </p:cNvGraphicFramePr>
+          <p:nvPr>
+            <p:extLst>
+              <p:ext uri="{D42A27DB-BD31-4B8C-83A1-F6EECF244321}">
+                <p14:modId xmlns:p14="http://schemas.microsoft.com/office/powerpoint/2010/main" val="1147695407"/>
+              </p:ext>
+            </p:extLst>
+          </p:nvPr>
+        </p:nvGraphicFramePr>
+        <p:xfrm>
+          <a:off x="323528" y="1628800"/>
+          <a:ext cx="8534281" cy="3600400"/>
+        </p:xfrm>
+        <a:graphic>
+          <a:graphicData uri="http://schemas.openxmlformats.org/presentationml/2006/ole">
+            <mc:AlternateContent xmlns:mc="http://schemas.openxmlformats.org/markup-compatibility/2006">
+              <mc:Choice xmlns:v="urn:schemas-microsoft-com:vml" Requires="v">
+                <p:oleObj spid="_x0000_s1046" name="Visio" r:id="rId3" imgW="10259090" imgH="4328109" progId="Visio.Drawing.11">
+                  <p:embed/>
+                </p:oleObj>
+              </mc:Choice>
+              <mc:Fallback>
+                <p:oleObj name="Visio" r:id="rId3" imgW="10259090" imgH="4328109" progId="Visio.Drawing.11">
+                  <p:embed/>
+                  <p:pic>
+                    <p:nvPicPr>
+                      <p:cNvPr id="0" name=""/>
+                      <p:cNvPicPr/>
+                      <p:nvPr/>
+                    </p:nvPicPr>
+                    <p:blipFill>
+                      <a:blip r:embed="rId4"/>
+                      <a:stretch>
+                        <a:fillRect/>
+                      </a:stretch>
+                    </p:blipFill>
+                    <p:spPr>
+                      <a:xfrm>
+                        <a:off x="323528" y="1628800"/>
+                        <a:ext cx="8534281" cy="3600400"/>
+                      </a:xfrm>
+                      <a:prstGeom prst="rect">
+                        <a:avLst/>
+                      </a:prstGeom>
+                    </p:spPr>
+                  </p:pic>
+                </p:oleObj>
+              </mc:Fallback>
+            </mc:AlternateContent>
+          </a:graphicData>
+        </a:graphic>
+      </p:graphicFrame>
     </p:spTree>
     <p:extLst>
       <p:ext uri="{BB962C8B-B14F-4D97-AF65-F5344CB8AC3E}">
-        <p14:creationId xmlns:p14="http://schemas.microsoft.com/office/powerpoint/2010/main" val="856655580"/>
+        <p14:creationId xmlns:p14="http://schemas.microsoft.com/office/powerpoint/2010/main" val="4098470693"/>
       </p:ext>
     </p:extLst>
   </p:cSld>
@@ -3941,185 +5825,49 @@
           <a:chExt cx="0" cy="0"/>
         </a:xfrm>
       </p:grpSpPr>
-      <p:sp>
-        <p:nvSpPr>
-          <p:cNvPr id="2" name="Titel 1"/>
-          <p:cNvSpPr>
-            <a:spLocks noGrp="1"/>
-          </p:cNvSpPr>
-          <p:nvPr>
-            <p:ph type="title"/>
-          </p:nvPr>
-        </p:nvSpPr>
-        <p:spPr/>
-        <p:txBody>
-          <a:bodyPr/>
-          <a:lstStyle/>
-          <a:p>
-            <a:r>
-              <a:rPr lang="de-CH" dirty="0" err="1" smtClean="0"/>
-              <a:t>Architecture</a:t>
-            </a:r>
-            <a:endParaRPr lang="de-CH" dirty="0"/>
-          </a:p>
-        </p:txBody>
-      </p:sp>
-      <p:sp>
-        <p:nvSpPr>
-          <p:cNvPr id="3" name="Inhaltsplatzhalter 2"/>
-          <p:cNvSpPr>
-            <a:spLocks noGrp="1"/>
-          </p:cNvSpPr>
-          <p:nvPr>
-            <p:ph idx="1"/>
-          </p:nvPr>
-        </p:nvSpPr>
-        <p:spPr/>
-        <p:txBody>
-          <a:bodyPr/>
-          <a:lstStyle/>
-          <a:p>
-            <a:endParaRPr lang="de-CH" dirty="0" smtClean="0"/>
-          </a:p>
-          <a:p>
-            <a:pPr marL="0" indent="0">
-              <a:buNone/>
-            </a:pPr>
-            <a:r>
-              <a:rPr lang="de-CH" dirty="0" err="1" smtClean="0"/>
-              <a:t>Expandable</a:t>
-            </a:r>
-            <a:r>
-              <a:rPr lang="de-CH" dirty="0" smtClean="0"/>
-              <a:t>:</a:t>
-            </a:r>
-          </a:p>
-          <a:p>
-            <a:pPr marL="0" indent="0">
-              <a:buNone/>
-            </a:pPr>
-            <a:r>
-              <a:rPr lang="de-CH" dirty="0" err="1" smtClean="0"/>
-              <a:t>Plugins</a:t>
-            </a:r>
-            <a:r>
-              <a:rPr lang="de-CH" dirty="0" smtClean="0"/>
-              <a:t> </a:t>
-            </a:r>
-            <a:r>
-              <a:rPr lang="de-CH" dirty="0" err="1" smtClean="0"/>
-              <a:t>for</a:t>
-            </a:r>
-            <a:r>
-              <a:rPr lang="de-CH" dirty="0" smtClean="0"/>
-              <a:t> </a:t>
-            </a:r>
-            <a:r>
-              <a:rPr lang="de-CH" dirty="0" err="1" smtClean="0"/>
-              <a:t>own</a:t>
-            </a:r>
-            <a:r>
-              <a:rPr lang="de-CH" dirty="0" smtClean="0"/>
-              <a:t> </a:t>
-            </a:r>
-            <a:r>
-              <a:rPr lang="de-CH" dirty="0" err="1" smtClean="0"/>
-              <a:t>data</a:t>
-            </a:r>
-            <a:r>
-              <a:rPr lang="de-CH" dirty="0" smtClean="0"/>
-              <a:t> </a:t>
-            </a:r>
-            <a:r>
-              <a:rPr lang="de-CH" dirty="0" err="1" smtClean="0"/>
-              <a:t>types</a:t>
-            </a:r>
-            <a:endParaRPr lang="de-CH" dirty="0" smtClean="0"/>
-          </a:p>
-          <a:p>
-            <a:pPr marL="0" indent="0">
-              <a:buNone/>
-            </a:pPr>
-            <a:endParaRPr lang="de-CH" dirty="0"/>
-          </a:p>
-          <a:p>
-            <a:pPr marL="0" indent="0">
-              <a:buNone/>
-            </a:pPr>
-            <a:r>
-              <a:rPr lang="de-CH" sz="2400" dirty="0" err="1">
-                <a:latin typeface="Courier New" pitchFamily="49" charset="0"/>
-                <a:cs typeface="Courier New" pitchFamily="49" charset="0"/>
-              </a:rPr>
-              <a:t>public</a:t>
-            </a:r>
-            <a:r>
-              <a:rPr lang="de-CH" sz="2400" dirty="0">
-                <a:latin typeface="Courier New" pitchFamily="49" charset="0"/>
-                <a:cs typeface="Courier New" pitchFamily="49" charset="0"/>
-              </a:rPr>
-              <a:t> </a:t>
-            </a:r>
-            <a:r>
-              <a:rPr lang="de-CH" sz="2400" dirty="0" err="1">
-                <a:latin typeface="Courier New" pitchFamily="49" charset="0"/>
-                <a:cs typeface="Courier New" pitchFamily="49" charset="0"/>
-              </a:rPr>
-              <a:t>class</a:t>
-            </a:r>
-            <a:r>
-              <a:rPr lang="de-CH" sz="2400" dirty="0">
-                <a:latin typeface="Courier New" pitchFamily="49" charset="0"/>
-                <a:cs typeface="Courier New" pitchFamily="49" charset="0"/>
-              </a:rPr>
-              <a:t> </a:t>
-            </a:r>
-            <a:r>
-              <a:rPr lang="de-CH" sz="2400" b="1" dirty="0" err="1" smtClean="0">
-                <a:latin typeface="Courier New" pitchFamily="49" charset="0"/>
-                <a:cs typeface="Courier New" pitchFamily="49" charset="0"/>
-              </a:rPr>
-              <a:t>MyPlugin</a:t>
-            </a:r>
-            <a:r>
-              <a:rPr lang="de-CH" sz="2400" dirty="0" smtClean="0">
-                <a:latin typeface="Courier New" pitchFamily="49" charset="0"/>
-                <a:cs typeface="Courier New" pitchFamily="49" charset="0"/>
-              </a:rPr>
-              <a:t> </a:t>
-            </a:r>
-            <a:r>
-              <a:rPr lang="de-CH" sz="2400" dirty="0" err="1">
-                <a:latin typeface="Courier New" pitchFamily="49" charset="0"/>
-                <a:cs typeface="Courier New" pitchFamily="49" charset="0"/>
-              </a:rPr>
-              <a:t>extends</a:t>
-            </a:r>
-            <a:r>
-              <a:rPr lang="de-CH" sz="2400" dirty="0">
-                <a:latin typeface="Courier New" pitchFamily="49" charset="0"/>
-                <a:cs typeface="Courier New" pitchFamily="49" charset="0"/>
-              </a:rPr>
-              <a:t> </a:t>
-            </a:r>
-            <a:r>
-              <a:rPr lang="de-CH" sz="2400" b="1" dirty="0" err="1">
-                <a:latin typeface="Courier New" pitchFamily="49" charset="0"/>
-                <a:cs typeface="Courier New" pitchFamily="49" charset="0"/>
-              </a:rPr>
-              <a:t>AbstractPlugin</a:t>
-            </a:r>
-            <a:endParaRPr lang="de-CH" sz="2400" b="1" dirty="0">
-              <a:latin typeface="Courier New" pitchFamily="49" charset="0"/>
-              <a:cs typeface="Courier New" pitchFamily="49" charset="0"/>
-            </a:endParaRPr>
-          </a:p>
-        </p:txBody>
-      </p:sp>
+      <p:pic>
+        <p:nvPicPr>
+          <p:cNvPr id="2050" name="Picture 2" descr="C:\Users\Cedric Reichenbach\students-cedric-DoodleDebug\presentations\graphics\uml_DoodleDebug_2012.png"/>
+          <p:cNvPicPr>
+            <a:picLocks noChangeAspect="1" noChangeArrowheads="1"/>
+          </p:cNvPicPr>
+          <p:nvPr/>
+        </p:nvPicPr>
+        <p:blipFill rotWithShape="1">
+          <a:blip r:embed="rId2">
+            <a:extLst>
+              <a:ext uri="{28A0092B-C50C-407E-A947-70E740481C1C}">
+                <a14:useLocalDpi xmlns:a14="http://schemas.microsoft.com/office/drawing/2010/main" val="0"/>
+              </a:ext>
+            </a:extLst>
+          </a:blip>
+          <a:srcRect t="18965" r="24065" b="16381"/>
+          <a:stretch/>
+        </p:blipFill>
+        <p:spPr bwMode="auto">
+          <a:xfrm>
+            <a:off x="-139408" y="44624"/>
+            <a:ext cx="9535944" cy="5695446"/>
+          </a:xfrm>
+          <a:prstGeom prst="rect">
+            <a:avLst/>
+          </a:prstGeom>
+          <a:noFill/>
+          <a:extLst>
+            <a:ext uri="{909E8E84-426E-40DD-AFC4-6F175D3DCCD1}">
+              <a14:hiddenFill xmlns:a14="http://schemas.microsoft.com/office/drawing/2010/main">
+                <a:solidFill>
+                  <a:srgbClr val="FFFFFF"/>
+                </a:solidFill>
+              </a14:hiddenFill>
+            </a:ext>
+          </a:extLst>
+        </p:spPr>
+      </p:pic>
     </p:spTree>
     <p:extLst>
       <p:ext uri="{BB962C8B-B14F-4D97-AF65-F5344CB8AC3E}">
-        <p14:creationId xmlns:p14="http://schemas.microsoft.com/office/powerpoint/2010/main" val="2108258840"/>
+        <p14:creationId xmlns:p14="http://schemas.microsoft.com/office/powerpoint/2010/main" val="2456414812"/>
       </p:ext>
     </p:extLst>
   </p:cSld>
@@ -5266,161 +7014,116 @@
         </p:nvSpPr>
         <p:spPr/>
         <p:txBody>
-          <a:bodyPr>
-            <a:normAutofit/>
-          </a:bodyPr>
-          <a:lstStyle/>
-          <a:p>
-            <a:r>
-              <a:rPr lang="de-CH" dirty="0" err="1" smtClean="0"/>
-              <a:t>Related</a:t>
-            </a:r>
-            <a:r>
-              <a:rPr lang="de-CH" dirty="0" smtClean="0"/>
-              <a:t> </a:t>
-            </a:r>
-            <a:r>
-              <a:rPr lang="de-CH" dirty="0" err="1" smtClean="0"/>
-              <a:t>work</a:t>
-            </a:r>
-            <a:endParaRPr lang="de-CH" dirty="0"/>
-          </a:p>
-        </p:txBody>
-      </p:sp>
-      <p:sp>
-        <p:nvSpPr>
-          <p:cNvPr id="3" name="Inhaltsplatzhalter 2"/>
-          <p:cNvSpPr>
-            <a:spLocks noGrp="1"/>
-          </p:cNvSpPr>
-          <p:nvPr>
-            <p:ph idx="1"/>
-          </p:nvPr>
-        </p:nvSpPr>
-        <p:spPr/>
-        <p:txBody>
           <a:bodyPr/>
           <a:lstStyle/>
           <a:p>
             <a:r>
               <a:rPr lang="de-CH" dirty="0" err="1" smtClean="0"/>
-              <a:t>Zest</a:t>
-            </a:r>
-            <a:r>
-              <a:rPr lang="de-CH" dirty="0"/>
-              <a:t>: An </a:t>
-            </a:r>
+              <a:t>Related</a:t>
+            </a:r>
+            <a:r>
+              <a:rPr lang="de-CH" dirty="0" smtClean="0"/>
+              <a:t> </a:t>
+            </a:r>
+            <a:r>
+              <a:rPr lang="de-CH" dirty="0" err="1" smtClean="0"/>
+              <a:t>work</a:t>
+            </a:r>
+            <a:endParaRPr lang="de-CH" dirty="0"/>
+          </a:p>
+        </p:txBody>
+      </p:sp>
+      <p:sp>
+        <p:nvSpPr>
+          <p:cNvPr id="3" name="Inhaltsplatzhalter 2"/>
+          <p:cNvSpPr>
+            <a:spLocks noGrp="1"/>
+          </p:cNvSpPr>
+          <p:nvPr>
+            <p:ph idx="1"/>
+          </p:nvPr>
+        </p:nvSpPr>
+        <p:spPr/>
+        <p:txBody>
+          <a:bodyPr/>
+          <a:lstStyle/>
+          <a:p>
+            <a:r>
+              <a:rPr lang="de-CH" dirty="0" smtClean="0"/>
+              <a:t>Paper: «</a:t>
+            </a:r>
+            <a:r>
+              <a:rPr lang="de-CH" i="1" dirty="0" smtClean="0"/>
+              <a:t>Goal-</a:t>
+            </a:r>
+            <a:r>
+              <a:rPr lang="de-CH" i="1" dirty="0" err="1" smtClean="0"/>
+              <a:t>directed</a:t>
+            </a:r>
+            <a:r>
+              <a:rPr lang="de-CH" i="1" dirty="0" smtClean="0"/>
+              <a:t> zoom</a:t>
+            </a:r>
+            <a:r>
+              <a:rPr lang="de-CH" dirty="0" smtClean="0"/>
+              <a:t>»</a:t>
+            </a:r>
+            <a:br>
+              <a:rPr lang="de-CH" dirty="0" smtClean="0"/>
+            </a:br>
+            <a:r>
+              <a:rPr lang="de-CH" dirty="0" smtClean="0"/>
+              <a:t/>
+            </a:r>
+            <a:br>
+              <a:rPr lang="de-CH" dirty="0" smtClean="0"/>
+            </a:br>
             <a:r>
               <a:rPr lang="de-CH" dirty="0" err="1"/>
-              <a:t>Eclipse</a:t>
-            </a:r>
-            <a:r>
-              <a:rPr lang="de-CH" dirty="0"/>
+              <a:t>S</a:t>
+            </a:r>
+            <a:r>
+              <a:rPr lang="de-CH" dirty="0" err="1" smtClean="0"/>
+              <a:t>emantic</a:t>
+            </a:r>
+            <a:r>
+              <a:rPr lang="de-CH" dirty="0" smtClean="0"/>
+              <a:t> zoom: </a:t>
+            </a:r>
+            <a:r>
+              <a:rPr lang="de-CH" dirty="0" err="1" smtClean="0"/>
+              <a:t>show</a:t>
+            </a:r>
+            <a:r>
+              <a:rPr lang="de-CH" dirty="0" smtClean="0"/>
               <a:t> </a:t>
             </a:r>
             <a:r>
-              <a:rPr lang="de-CH" dirty="0" err="1"/>
-              <a:t>Visualization</a:t>
-            </a:r>
-            <a:r>
-              <a:rPr lang="de-CH" dirty="0"/>
-              <a:t> Toolkit, not </a:t>
-            </a:r>
-            <a:r>
-              <a:rPr lang="de-CH" dirty="0" err="1" smtClean="0"/>
-              <a:t>debug-oriented</a:t>
-            </a:r>
-            <a:r>
-              <a:rPr lang="de-CH" dirty="0" smtClean="0"/>
-              <a:t>, not </a:t>
-            </a:r>
-            <a:r>
-              <a:rPr lang="de-CH" dirty="0" err="1" smtClean="0"/>
-              <a:t>very</a:t>
-            </a:r>
-            <a:r>
-              <a:rPr lang="de-CH" dirty="0" smtClean="0"/>
-              <a:t> simple</a:t>
-            </a:r>
-          </a:p>
-          <a:p>
-            <a:endParaRPr lang="de-CH" dirty="0"/>
-          </a:p>
-          <a:p>
-            <a:r>
-              <a:rPr lang="de-CH" dirty="0" err="1"/>
-              <a:t>DataDisplayDebugger</a:t>
-            </a:r>
-            <a:r>
-              <a:rPr lang="de-CH" dirty="0"/>
-              <a:t>: </a:t>
-            </a:r>
-            <a:r>
-              <a:rPr lang="de-CH" dirty="0" err="1"/>
-              <a:t>Graphical</a:t>
-            </a:r>
-            <a:r>
-              <a:rPr lang="de-CH" dirty="0"/>
-              <a:t> front-end </a:t>
-            </a:r>
-            <a:r>
-              <a:rPr lang="de-CH" dirty="0" err="1"/>
-              <a:t>for</a:t>
-            </a:r>
-            <a:r>
-              <a:rPr lang="de-CH" dirty="0"/>
+              <a:rPr lang="de-CH" dirty="0" err="1" smtClean="0"/>
+              <a:t>desired</a:t>
+            </a:r>
+            <a:r>
+              <a:rPr lang="de-CH" dirty="0" smtClean="0"/>
               <a:t> </a:t>
             </a:r>
             <a:r>
-              <a:rPr lang="de-CH" dirty="0" err="1"/>
-              <a:t>existing</a:t>
-            </a:r>
-            <a:r>
-              <a:rPr lang="de-CH" dirty="0"/>
-              <a:t> </a:t>
-            </a:r>
-            <a:r>
-              <a:rPr lang="de-CH" dirty="0" err="1"/>
-              <a:t>command-line</a:t>
-            </a:r>
-            <a:r>
-              <a:rPr lang="de-CH" dirty="0"/>
-              <a:t> </a:t>
-            </a:r>
-            <a:r>
-              <a:rPr lang="de-CH" dirty="0" err="1" smtClean="0"/>
-              <a:t>debuggers</a:t>
+              <a:rPr lang="de-CH" dirty="0" err="1" smtClean="0"/>
+              <a:t>information</a:t>
             </a:r>
             <a:endParaRPr lang="de-CH" dirty="0" smtClean="0"/>
-          </a:p>
-          <a:p>
-            <a:endParaRPr lang="de-CH" dirty="0"/>
-          </a:p>
-          <a:p>
-            <a:r>
-              <a:rPr lang="de-CH" dirty="0"/>
-              <a:t>Moose</a:t>
-            </a:r>
           </a:p>
         </p:txBody>
       </p:sp>
     </p:spTree>
     <p:extLst>
       <p:ext uri="{BB962C8B-B14F-4D97-AF65-F5344CB8AC3E}">
-        <p14:creationId xmlns:p14="http://schemas.microsoft.com/office/powerpoint/2010/main" val="3445188516"/>
+        <p14:creationId xmlns:p14="http://schemas.microsoft.com/office/powerpoint/2010/main" val="233780938"/>
       </p:ext>
     </p:extLst>
   </p:cSld>
   <p:clrMapOvr>
     <a:masterClrMapping/>
   </p:clrMapOvr>
-  <p:timing>
-    <p:tnLst>
-      <p:par>
-        <p:cTn id="1" dur="indefinite" restart="never" nodeType="tmRoot"/>
-      </p:par>
-    </p:tnLst>
-  </p:timing>
 </p:sld>
 </file>
 
@@ -5457,8 +7160,16 @@
           <a:lstStyle/>
           <a:p>
             <a:r>
-              <a:rPr lang="de-CH" dirty="0" smtClean="0"/>
-              <a:t>TODO:</a:t>
+              <a:rPr lang="de-CH" dirty="0" err="1" smtClean="0"/>
+              <a:t>Related</a:t>
+            </a:r>
+            <a:r>
+              <a:rPr lang="de-CH" dirty="0" smtClean="0"/>
+              <a:t> </a:t>
+            </a:r>
+            <a:r>
+              <a:rPr lang="de-CH" dirty="0" err="1" smtClean="0"/>
+              <a:t>work</a:t>
             </a:r>
             <a:endParaRPr lang="de-CH" dirty="0"/>
           </a:p>
@@ -5480,27 +7191,8 @@
           <a:lstStyle/>
           <a:p>
             <a:r>
-              <a:rPr lang="de-CH" dirty="0" smtClean="0"/>
-              <a:t>More </a:t>
-            </a:r>
-            <a:r>
-              <a:rPr lang="de-CH" dirty="0" err="1" smtClean="0"/>
-              <a:t>built</a:t>
-            </a:r>
-            <a:r>
-              <a:rPr lang="de-CH" dirty="0" smtClean="0"/>
-              <a:t>-in </a:t>
-            </a:r>
-            <a:r>
-              <a:rPr lang="de-CH" dirty="0" err="1" smtClean="0"/>
-              <a:t>renderings</a:t>
-            </a:r>
-            <a:endParaRPr lang="de-CH" dirty="0" smtClean="0"/>
-          </a:p>
-          <a:p>
-            <a:r>
-              <a:rPr lang="de-CH" dirty="0" err="1" smtClean="0"/>
-              <a:t>Building</a:t>
+              <a:rPr lang="de-CH" dirty="0" err="1" smtClean="0"/>
+              <a:t>Object</a:t>
             </a:r>
             <a:r>
               <a:rPr lang="de-CH" dirty="0" smtClean="0"/>
@@ -5508,38 +7200,22 @@
             </a:r>
             <a:r>
               <a:rPr lang="de-CH" dirty="0" err="1" smtClean="0"/>
-              <a:t>Eclipse-Plugin</a:t>
-            </a:r>
-            <a:endParaRPr lang="de-CH" dirty="0" smtClean="0"/>
-          </a:p>
-          <a:p>
-            <a:r>
-              <a:rPr lang="de-CH" dirty="0" err="1" smtClean="0"/>
-              <a:t>Use</a:t>
-            </a:r>
-            <a:r>
-              <a:rPr lang="de-CH" dirty="0" smtClean="0"/>
-              <a:t> JavaScript </a:t>
-            </a:r>
-            <a:r>
-              <a:rPr lang="de-CH" dirty="0" err="1" smtClean="0"/>
-              <a:t>to</a:t>
-            </a:r>
-            <a:r>
-              <a:rPr lang="de-CH" dirty="0" smtClean="0"/>
-              <a:t> </a:t>
-            </a:r>
-            <a:r>
-              <a:rPr lang="de-CH" dirty="0" err="1" smtClean="0"/>
-              <a:t>improve</a:t>
-            </a:r>
-            <a:r>
-              <a:rPr lang="de-CH" dirty="0" smtClean="0"/>
-              <a:t> </a:t>
-            </a:r>
-            <a:r>
-              <a:rPr lang="de-CH" dirty="0" err="1" smtClean="0"/>
-              <a:t>rendering</a:t>
+              <a:t>inspectors</a:t>
+            </a:r>
+            <a:r>
+              <a:rPr lang="de-CH" dirty="0" smtClean="0"/>
+              <a:t/>
+            </a:r>
+            <a:br>
+              <a:rPr lang="de-CH" dirty="0" smtClean="0"/>
+            </a:br>
+            <a:r>
+              <a:rPr lang="de-CH" dirty="0" err="1" smtClean="0"/>
+              <a:t>like</a:t>
+            </a:r>
+            <a:r>
+              <a:rPr lang="de-CH" dirty="0" smtClean="0"/>
+              <a:t> in Pharo</a:t>
             </a:r>
             <a:r>
               <a:rPr lang="de-CH" dirty="0"/>
@@ -5550,11 +7226,14 @@
             </a:br>
             <a:r>
               <a:rPr lang="de-CH" dirty="0" smtClean="0"/>
-              <a:t>(</a:t>
-            </a:r>
-            <a:r>
-              <a:rPr lang="de-CH" dirty="0" err="1" smtClean="0"/>
-              <a:t>align</a:t>
+              <a:t/>
+            </a:r>
+            <a:br>
+              <a:rPr lang="de-CH" dirty="0" smtClean="0"/>
+            </a:br>
+            <a:r>
+              <a:rPr lang="de-CH" dirty="0" err="1" smtClean="0"/>
+              <a:t>similar</a:t>
             </a:r>
             <a:r>
               <a:rPr lang="de-CH" dirty="0" smtClean="0"/>
@@ -5562,7 +7241,7 @@
             </a:r>
             <a:r>
               <a:rPr lang="de-CH" dirty="0" err="1" smtClean="0"/>
-              <a:t>corresponding</a:t>
+              <a:t>to</a:t>
             </a:r>
             <a:r>
               <a:rPr lang="de-CH" dirty="0" smtClean="0"/>
@@ -5570,18 +7249,15 @@
             </a:r>
             <a:r>
               <a:rPr lang="de-CH" dirty="0" err="1" smtClean="0"/>
-              <a:t>components</a:t>
-            </a:r>
-            <a:r>
-              <a:rPr lang="de-CH" dirty="0" smtClean="0"/>
-              <a:t>,</a:t>
-            </a:r>
-            <a:br>
-              <a:rPr lang="de-CH" dirty="0" smtClean="0"/>
-            </a:br>
-            <a:r>
-              <a:rPr lang="de-CH" dirty="0" err="1" smtClean="0"/>
-              <a:t>semantic</a:t>
+              <a:t>debuggers</a:t>
+            </a:r>
+            <a:r>
+              <a:rPr lang="de-CH" dirty="0" smtClean="0"/>
+              <a:t> (</a:t>
+            </a:r>
+            <a:r>
+              <a:rPr lang="de-CH" dirty="0" err="1" smtClean="0"/>
+              <a:t>one</a:t>
             </a:r>
             <a:r>
               <a:rPr lang="de-CH" dirty="0" smtClean="0"/>
@@ -5589,206 +7265,25 @@
             </a:r>
             <a:r>
               <a:rPr lang="de-CH" dirty="0" err="1" smtClean="0"/>
-              <a:t>zooming</a:t>
-            </a:r>
-            <a:r>
-              <a:rPr lang="de-CH" dirty="0" smtClean="0"/>
-              <a:t>)</a:t>
-            </a:r>
-            <a:endParaRPr lang="de-CH" dirty="0" smtClean="0"/>
+              <a:t>point</a:t>
+            </a:r>
+            <a:r>
+              <a:rPr lang="de-CH" dirty="0" smtClean="0"/>
+              <a:t> in time)</a:t>
+            </a:r>
           </a:p>
         </p:txBody>
       </p:sp>
     </p:spTree>
     <p:extLst>
       <p:ext uri="{BB962C8B-B14F-4D97-AF65-F5344CB8AC3E}">
-        <p14:creationId xmlns:p14="http://schemas.microsoft.com/office/powerpoint/2010/main" val="477858240"/>
+        <p14:creationId xmlns:p14="http://schemas.microsoft.com/office/powerpoint/2010/main" val="1766278393"/>
       </p:ext>
     </p:extLst>
   </p:cSld>
   <p:clrMapOvr>
     <a:masterClrMapping/>
   </p:clrMapOvr>
-  <p:timing>
-    <p:tnLst>
-      <p:par>
-        <p:cTn id="1" dur="indefinite" restart="never" nodeType="tmRoot">
-          <p:childTnLst>
-            <p:seq concurrent="1" nextAc="seek">
-              <p:cTn id="2" dur="indefinite" nodeType="mainSeq">
-                <p:childTnLst>
-                  <p:par>
-                    <p:cTn id="3" fill="hold">
-                      <p:stCondLst>
-                        <p:cond delay="indefinite"/>
-                      </p:stCondLst>
-                      <p:childTnLst>
-                        <p:par>
-                          <p:cTn id="4" fill="hold">
-                            <p:stCondLst>
-                              <p:cond delay="0"/>
-                            </p:stCondLst>
-                            <p:childTnLst>
-                              <p:par>
-                                <p:cTn id="5" presetID="1" presetClass="entr" presetSubtype="0" fill="hold" grpId="0" nodeType="clickEffect">
-                                  <p:stCondLst>
-                                    <p:cond delay="0"/>
-                                  </p:stCondLst>
-                                  <p:childTnLst>
-                                    <p:set>
-                                      <p:cBhvr>
-                                        <p:cTn id="6" dur="1" fill="hold">
-                                          <p:stCondLst>
-                                            <p:cond delay="0"/>
-                                          </p:stCondLst>
-                                        </p:cTn>
-                                        <p:tgtEl>
-                                          <p:spTgt spid="3">
-                                            <p:txEl>
-                                              <p:pRg st="0" end="0"/>
-                                            </p:txEl>
-                                          </p:spTgt>
-                                        </p:tgtEl>
-                                        <p:attrNameLst>
-                                          <p:attrName>style.visibility</p:attrName>
-                                        </p:attrNameLst>
-                                      </p:cBhvr>
-                                      <p:to>
-                                        <p:strVal val="visible"/>
-                                      </p:to>
-                                    </p:set>
-                                  </p:childTnLst>
-                                </p:cTn>
-                              </p:par>
-                            </p:childTnLst>
-                          </p:cTn>
-                        </p:par>
-                      </p:childTnLst>
-                    </p:cTn>
-                  </p:par>
-                  <p:par>
-                    <p:cTn id="7" fill="hold">
-                      <p:stCondLst>
-                        <p:cond delay="indefinite"/>
-                      </p:stCondLst>
-                      <p:childTnLst>
-                        <p:par>
-                          <p:cTn id="8" fill="hold">
-                            <p:stCondLst>
-                              <p:cond delay="0"/>
-                            </p:stCondLst>
-                            <p:childTnLst>
-                              <p:par>
-                                <p:cTn id="9" presetID="1" presetClass="entr" presetSubtype="0" fill="hold" grpId="0" nodeType="clickEffect">
-                                  <p:stCondLst>
-                                    <p:cond delay="0"/>
-                                  </p:stCondLst>
-                                  <p:childTnLst>
-                                    <p:set>
-                                      <p:cBhvr>
-                                        <p:cTn id="10" dur="1" fill="hold">
-                                          <p:stCondLst>
-                                            <p:cond delay="0"/>
-                                          </p:stCondLst>
-                                        </p:cTn>
-                                        <p:tgtEl>
-                                          <p:spTgt spid="3">
-                                            <p:txEl>
-                                              <p:pRg st="1" end="1"/>
-                                            </p:txEl>
-                                          </p:spTgt>
-                                        </p:tgtEl>
-                                        <p:attrNameLst>
-                                          <p:attrName>style.visibility</p:attrName>
-                                        </p:attrNameLst>
-                                      </p:cBhvr>
-                                      <p:to>
-                                        <p:strVal val="visible"/>
-                                      </p:to>
-                                    </p:set>
-                                  </p:childTnLst>
-                                </p:cTn>
-                              </p:par>
-                            </p:childTnLst>
-                          </p:cTn>
-                        </p:par>
-                      </p:childTnLst>
-                    </p:cTn>
-                  </p:par>
-                  <p:par>
-                    <p:cTn id="11" fill="hold">
-                      <p:stCondLst>
-                        <p:cond delay="indefinite"/>
-                      </p:stCondLst>
-                      <p:childTnLst>
-                        <p:par>
-                          <p:cTn id="12" fill="hold">
-                            <p:stCondLst>
-                              <p:cond delay="0"/>
-                            </p:stCondLst>
-                            <p:childTnLst>
-                              <p:par>
-                                <p:cTn id="13" presetID="1" presetClass="entr" presetSubtype="0" fill="hold" grpId="0" nodeType="clickEffect">
-                                  <p:stCondLst>
-                                    <p:cond delay="0"/>
-                                  </p:stCondLst>
-                                  <p:childTnLst>
-                                    <p:set>
-                                      <p:cBhvr>
-                                        <p:cTn id="14" dur="1" fill="hold">
-                                          <p:stCondLst>
-                                            <p:cond delay="0"/>
-                                          </p:stCondLst>
-                                        </p:cTn>
-                                        <p:tgtEl>
-                                          <p:spTgt spid="3">
-                                            <p:txEl>
-                                              <p:pRg st="2" end="2"/>
-                                            </p:txEl>
-                                          </p:spTgt>
-                                        </p:tgtEl>
-                                        <p:attrNameLst>
-                                          <p:attrName>style.visibility</p:attrName>
-                                        </p:attrNameLst>
-                                      </p:cBhvr>
-                                      <p:to>
-                                        <p:strVal val="visible"/>
-                                      </p:to>
-                                    </p:set>
-                                  </p:childTnLst>
-                                </p:cTn>
-                              </p:par>
-                            </p:childTnLst>
-                          </p:cTn>
-                        </p:par>
-                      </p:childTnLst>
-                    </p:cTn>
-                  </p:par>
-                </p:childTnLst>
-              </p:cTn>
-              <p:prevCondLst>
-                <p:cond evt="onPrev" delay="0">
-                  <p:tgtEl>
-                    <p:sldTgt/>
-                  </p:tgtEl>
-                </p:cond>
-              </p:prevCondLst>
-              <p:nextCondLst>
-                <p:cond evt="onNext" delay="0">
-                  <p:tgtEl>
-                    <p:sldTgt/>
-                  </p:tgtEl>
-                </p:cond>
-              </p:nextCondLst>
-            </p:seq>
-          </p:childTnLst>
-        </p:cTn>
-      </p:par>
-    </p:tnLst>
-    <p:bldLst>
-      <p:bldP spid="3" grpId="0" build="p"/>
-    </p:bldLst>
-  </p:timing>
 </p:sld>
 </file>
 

--- a/presentations/Demo DoodleDebug Jan-2011.pptx
+++ b/presentations/Demo DoodleDebug Jan-2011.pptx
@@ -206,7 +206,7 @@
           <a:p>
             <a:fld id="{4B521BB1-ECA4-4334-AFFE-C602AFDA5ACF}" type="datetimeFigureOut">
               <a:rPr lang="de-CH" smtClean="0"/>
-              <a:t>30.01.2012</a:t>
+              <a:t>31.01.2012</a:t>
             </a:fld>
             <a:endParaRPr lang="de-CH"/>
           </a:p>
@@ -739,7 +739,7 @@
           <a:p>
             <a:fld id="{6A105265-A4C7-4F15-877D-27CFEC0C4890}" type="datetimeFigureOut">
               <a:rPr lang="de-CH" smtClean="0"/>
-              <a:t>30.01.2012</a:t>
+              <a:t>31.01.2012</a:t>
             </a:fld>
             <a:endParaRPr lang="de-CH"/>
           </a:p>
@@ -909,7 +909,7 @@
           <a:p>
             <a:fld id="{6A105265-A4C7-4F15-877D-27CFEC0C4890}" type="datetimeFigureOut">
               <a:rPr lang="de-CH" smtClean="0"/>
-              <a:t>30.01.2012</a:t>
+              <a:t>31.01.2012</a:t>
             </a:fld>
             <a:endParaRPr lang="de-CH"/>
           </a:p>
@@ -1089,7 +1089,7 @@
           <a:p>
             <a:fld id="{6A105265-A4C7-4F15-877D-27CFEC0C4890}" type="datetimeFigureOut">
               <a:rPr lang="de-CH" smtClean="0"/>
-              <a:t>30.01.2012</a:t>
+              <a:t>31.01.2012</a:t>
             </a:fld>
             <a:endParaRPr lang="de-CH"/>
           </a:p>
@@ -1259,7 +1259,7 @@
           <a:p>
             <a:fld id="{6A105265-A4C7-4F15-877D-27CFEC0C4890}" type="datetimeFigureOut">
               <a:rPr lang="de-CH" smtClean="0"/>
-              <a:t>30.01.2012</a:t>
+              <a:t>31.01.2012</a:t>
             </a:fld>
             <a:endParaRPr lang="de-CH"/>
           </a:p>
@@ -1505,7 +1505,7 @@
           <a:p>
             <a:fld id="{6A105265-A4C7-4F15-877D-27CFEC0C4890}" type="datetimeFigureOut">
               <a:rPr lang="de-CH" smtClean="0"/>
-              <a:t>30.01.2012</a:t>
+              <a:t>31.01.2012</a:t>
             </a:fld>
             <a:endParaRPr lang="de-CH"/>
           </a:p>
@@ -1793,7 +1793,7 @@
           <a:p>
             <a:fld id="{6A105265-A4C7-4F15-877D-27CFEC0C4890}" type="datetimeFigureOut">
               <a:rPr lang="de-CH" smtClean="0"/>
-              <a:t>30.01.2012</a:t>
+              <a:t>31.01.2012</a:t>
             </a:fld>
             <a:endParaRPr lang="de-CH"/>
           </a:p>
@@ -2215,7 +2215,7 @@
           <a:p>
             <a:fld id="{6A105265-A4C7-4F15-877D-27CFEC0C4890}" type="datetimeFigureOut">
               <a:rPr lang="de-CH" smtClean="0"/>
-              <a:t>30.01.2012</a:t>
+              <a:t>31.01.2012</a:t>
             </a:fld>
             <a:endParaRPr lang="de-CH"/>
           </a:p>
@@ -2333,7 +2333,7 @@
           <a:p>
             <a:fld id="{6A105265-A4C7-4F15-877D-27CFEC0C4890}" type="datetimeFigureOut">
               <a:rPr lang="de-CH" smtClean="0"/>
-              <a:t>30.01.2012</a:t>
+              <a:t>31.01.2012</a:t>
             </a:fld>
             <a:endParaRPr lang="de-CH"/>
           </a:p>
@@ -2428,7 +2428,7 @@
           <a:p>
             <a:fld id="{6A105265-A4C7-4F15-877D-27CFEC0C4890}" type="datetimeFigureOut">
               <a:rPr lang="de-CH" smtClean="0"/>
-              <a:t>30.01.2012</a:t>
+              <a:t>31.01.2012</a:t>
             </a:fld>
             <a:endParaRPr lang="de-CH"/>
           </a:p>
@@ -2705,7 +2705,7 @@
           <a:p>
             <a:fld id="{6A105265-A4C7-4F15-877D-27CFEC0C4890}" type="datetimeFigureOut">
               <a:rPr lang="de-CH" smtClean="0"/>
-              <a:t>30.01.2012</a:t>
+              <a:t>31.01.2012</a:t>
             </a:fld>
             <a:endParaRPr lang="de-CH"/>
           </a:p>
@@ -2958,7 +2958,7 @@
           <a:p>
             <a:fld id="{6A105265-A4C7-4F15-877D-27CFEC0C4890}" type="datetimeFigureOut">
               <a:rPr lang="de-CH" smtClean="0"/>
-              <a:t>30.01.2012</a:t>
+              <a:t>31.01.2012</a:t>
             </a:fld>
             <a:endParaRPr lang="de-CH"/>
           </a:p>
@@ -3171,7 +3171,7 @@
           <a:p>
             <a:fld id="{6A105265-A4C7-4F15-877D-27CFEC0C4890}" type="datetimeFigureOut">
               <a:rPr lang="de-CH" smtClean="0"/>
-              <a:t>30.01.2012</a:t>
+              <a:t>31.01.2012</a:t>
             </a:fld>
             <a:endParaRPr lang="de-CH"/>
           </a:p>
@@ -5753,7 +5753,7 @@
           <a:graphicData uri="http://schemas.openxmlformats.org/presentationml/2006/ole">
             <mc:AlternateContent xmlns:mc="http://schemas.openxmlformats.org/markup-compatibility/2006">
               <mc:Choice xmlns:v="urn:schemas-microsoft-com:vml" Requires="v">
-                <p:oleObj spid="_x0000_s1046" name="Visio" r:id="rId3" imgW="10259090" imgH="4328109" progId="Visio.Drawing.11">
+                <p:oleObj spid="_x0000_s1049" name="Visio" r:id="rId3" imgW="10259090" imgH="4328109" progId="Visio.Drawing.11">
                   <p:embed/>
                 </p:oleObj>
               </mc:Choice>
@@ -5809,7 +5809,7 @@
 </file>
 
 <file path=ppt/slides/slide3.xml><?xml version="1.0" encoding="utf-8"?>
-<p:sld xmlns:a="http://schemas.openxmlformats.org/drawingml/2006/main" xmlns:r="http://schemas.openxmlformats.org/officeDocument/2006/relationships" xmlns:p="http://schemas.openxmlformats.org/presentationml/2006/main">
+<p:sld xmlns:a="http://schemas.openxmlformats.org/drawingml/2006/main" xmlns:r="http://schemas.openxmlformats.org/officeDocument/2006/relationships" xmlns:p="http://schemas.openxmlformats.org/presentationml/2006/main" show="0">
   <p:cSld>
     <p:spTree>
       <p:nvGrpSpPr>
@@ -5874,6 +5874,14 @@
   <p:clrMapOvr>
     <a:masterClrMapping/>
   </p:clrMapOvr>
+  <mc:AlternateContent xmlns:mc="http://schemas.openxmlformats.org/markup-compatibility/2006">
+    <mc:Choice xmlns:p14="http://schemas.microsoft.com/office/powerpoint/2010/main" Requires="p14">
+      <p:transition spd="slow" p14:dur="2000"/>
+    </mc:Choice>
+    <mc:Fallback>
+      <p:transition spd="slow"/>
+    </mc:Fallback>
+  </mc:AlternateContent>
   <p:timing>
     <p:tnLst>
       <p:par>
@@ -6913,6 +6921,41 @@
               <a:rPr lang="de-CH" i="1" dirty="0" smtClean="0"/>
             </a:br>
             <a:r>
+              <a:rPr lang="de-CH" dirty="0" err="1" smtClean="0"/>
+              <a:t>by</a:t>
+            </a:r>
+            <a:r>
+              <a:rPr lang="de-CH" dirty="0"/>
+              <a:t> </a:t>
+            </a:r>
+            <a:r>
+              <a:rPr lang="de-CH" dirty="0" smtClean="0"/>
+              <a:t>Cherubini, </a:t>
+            </a:r>
+            <a:r>
+              <a:rPr lang="de-CH" dirty="0" err="1" smtClean="0"/>
+              <a:t>Venolia</a:t>
+            </a:r>
+            <a:r>
+              <a:rPr lang="de-CH" dirty="0" smtClean="0"/>
+              <a:t>, </a:t>
+            </a:r>
+            <a:r>
+              <a:rPr lang="de-CH" dirty="0" err="1" smtClean="0"/>
+              <a:t>DeLine</a:t>
+            </a:r>
+            <a:r>
+              <a:rPr lang="de-CH" dirty="0" smtClean="0"/>
+              <a:t>, Ko</a:t>
+            </a:r>
+            <a:r>
+              <a:rPr lang="de-CH" i="1" dirty="0" smtClean="0"/>
+              <a:t/>
+            </a:r>
+            <a:br>
+              <a:rPr lang="de-CH" i="1" dirty="0" smtClean="0"/>
+            </a:br>
+            <a:r>
               <a:rPr lang="de-CH" i="1" dirty="0" smtClean="0"/>
               <a:t/>
             </a:r>
@@ -7072,6 +7115,41 @@
               <a:rPr lang="de-CH" dirty="0" smtClean="0"/>
             </a:br>
             <a:r>
+              <a:rPr lang="de-CH" dirty="0" err="1" smtClean="0"/>
+              <a:t>by</a:t>
+            </a:r>
+            <a:r>
+              <a:rPr lang="de-CH" dirty="0"/>
+              <a:t> </a:t>
+            </a:r>
+            <a:r>
+              <a:rPr lang="de-CH" dirty="0" err="1" smtClean="0"/>
+              <a:t>Woodruff</a:t>
+            </a:r>
+            <a:r>
+              <a:rPr lang="de-CH" dirty="0"/>
+              <a:t>, </a:t>
+            </a:r>
+            <a:r>
+              <a:rPr lang="de-CH" dirty="0" err="1" smtClean="0"/>
+              <a:t>Landay</a:t>
+            </a:r>
+            <a:r>
+              <a:rPr lang="de-CH"/>
+              <a:t>, </a:t>
+            </a:r>
+            <a:r>
+              <a:rPr lang="de-CH" smtClean="0"/>
+              <a:t>Stonebraker</a:t>
+            </a:r>
+            <a:r>
+              <a:rPr lang="de-CH" dirty="0" smtClean="0"/>
+              <a:t/>
+            </a:r>
+            <a:br>
+              <a:rPr lang="de-CH" dirty="0" smtClean="0"/>
+            </a:br>
+            <a:r>
               <a:rPr lang="de-CH" dirty="0" smtClean="0"/>
               <a:t/>
             </a:r>
@@ -7124,6 +7202,13 @@
   <p:clrMapOvr>
     <a:masterClrMapping/>
   </p:clrMapOvr>
+  <p:timing>
+    <p:tnLst>
+      <p:par>
+        <p:cTn id="1" dur="indefinite" restart="never" nodeType="tmRoot"/>
+      </p:par>
+    </p:tnLst>
+  </p:timing>
 </p:sld>
 </file>
 
